--- a/slides/final_presentation_draft/Experiments/Related_Work_Hypothesis_final.pptx
+++ b/slides/final_presentation_draft/Experiments/Related_Work_Hypothesis_final.pptx
@@ -5,7 +5,7 @@
     <p:sldMasterId id="2147483648" r:id="rId1"/>
   </p:sldMasterIdLst>
   <p:notesMasterIdLst>
-    <p:notesMasterId r:id="rId27"/>
+    <p:notesMasterId r:id="rId28"/>
   </p:notesMasterIdLst>
   <p:sldIdLst>
     <p:sldId id="256" r:id="rId2"/>
@@ -31,8 +31,9 @@
     <p:sldId id="267" r:id="rId22"/>
     <p:sldId id="268" r:id="rId23"/>
     <p:sldId id="269" r:id="rId24"/>
-    <p:sldId id="270" r:id="rId25"/>
-    <p:sldId id="271" r:id="rId26"/>
+    <p:sldId id="284" r:id="rId25"/>
+    <p:sldId id="270" r:id="rId26"/>
+    <p:sldId id="271" r:id="rId27"/>
   </p:sldIdLst>
   <p:sldSz cx="12192000" cy="6858000"/>
   <p:notesSz cx="6858000" cy="9144000"/>
@@ -131,7 +132,1054 @@
       </a:defRPr>
     </a:lvl9pPr>
   </p:defaultTextStyle>
+  <p:extLst>
+    <p:ext uri="{EFAFB233-063F-42B5-8137-9DF3F51BA10A}">
+      <p15:sldGuideLst xmlns:p15="http://schemas.microsoft.com/office/powerpoint/2012/main"/>
+    </p:ext>
+  </p:extLst>
 </p:presentation>
+</file>
+
+<file path=ppt/charts/chart1.xml><?xml version="1.0" encoding="utf-8"?>
+<c:chartSpace xmlns:c="http://schemas.openxmlformats.org/drawingml/2006/chart" xmlns:a="http://schemas.openxmlformats.org/drawingml/2006/main" xmlns:r="http://schemas.openxmlformats.org/officeDocument/2006/relationships" xmlns:c16r2="http://schemas.microsoft.com/office/drawing/2015/06/chart">
+  <c:date1904 val="0"/>
+  <c:lang val="es-ES"/>
+  <c:roundedCorners val="0"/>
+  <mc:AlternateContent xmlns:mc="http://schemas.openxmlformats.org/markup-compatibility/2006">
+    <mc:Choice xmlns:c14="http://schemas.microsoft.com/office/drawing/2007/8/2/chart" Requires="c14">
+      <c14:style val="102"/>
+    </mc:Choice>
+    <mc:Fallback>
+      <c:style val="2"/>
+    </mc:Fallback>
+  </mc:AlternateContent>
+  <c:chart>
+    <c:title>
+      <c:tx>
+        <c:rich>
+          <a:bodyPr rot="0" spcFirstLastPara="1" vertOverflow="ellipsis" vert="horz" wrap="square" anchor="ctr" anchorCtr="1"/>
+          <a:lstStyle/>
+          <a:p>
+            <a:pPr>
+              <a:defRPr sz="1862" b="0" i="0" u="none" strike="noStrike" kern="1200" spc="0" baseline="0">
+                <a:solidFill>
+                  <a:schemeClr val="tx1">
+                    <a:lumMod val="65000"/>
+                    <a:lumOff val="35000"/>
+                  </a:schemeClr>
+                </a:solidFill>
+                <a:latin typeface="+mn-lt"/>
+                <a:ea typeface="+mn-ea"/>
+                <a:cs typeface="+mn-cs"/>
+              </a:defRPr>
+            </a:pPr>
+            <a:r>
+              <a:rPr lang="en-US" sz="2800" b="1" dirty="0">
+                <a:solidFill>
+                  <a:schemeClr val="tx1"/>
+                </a:solidFill>
+              </a:rPr>
+              <a:t>Comparison</a:t>
+            </a:r>
+            <a:r>
+              <a:rPr lang="en-US" sz="2800" b="1" baseline="0" dirty="0">
+                <a:solidFill>
+                  <a:schemeClr val="tx1"/>
+                </a:solidFill>
+              </a:rPr>
+              <a:t> between </a:t>
+            </a:r>
+            <a:r>
+              <a:rPr lang="en-US" sz="2800" b="1" baseline="0" dirty="0" err="1">
+                <a:solidFill>
+                  <a:schemeClr val="tx1"/>
+                </a:solidFill>
+              </a:rPr>
+              <a:t>V_rw</a:t>
+            </a:r>
+            <a:r>
+              <a:rPr lang="en-US" sz="2800" b="1" baseline="0" dirty="0">
+                <a:solidFill>
+                  <a:schemeClr val="tx1"/>
+                </a:solidFill>
+              </a:rPr>
+              <a:t> and </a:t>
+            </a:r>
+            <a:r>
+              <a:rPr lang="en-US" sz="2800" b="1" baseline="0" dirty="0" err="1">
+                <a:solidFill>
+                  <a:schemeClr val="tx1"/>
+                </a:solidFill>
+              </a:rPr>
+              <a:t>V_predic</a:t>
+            </a:r>
+            <a:endParaRPr lang="en-US" sz="2800" b="1" dirty="0">
+              <a:solidFill>
+                <a:schemeClr val="tx1"/>
+              </a:solidFill>
+            </a:endParaRPr>
+          </a:p>
+        </c:rich>
+      </c:tx>
+      <c:layout>
+        <c:manualLayout>
+          <c:xMode val="edge"/>
+          <c:yMode val="edge"/>
+          <c:x val="9.7800688976377961E-2"/>
+          <c:y val="4.2187497404804541E-2"/>
+        </c:manualLayout>
+      </c:layout>
+      <c:overlay val="0"/>
+      <c:spPr>
+        <a:noFill/>
+        <a:ln>
+          <a:noFill/>
+        </a:ln>
+        <a:effectLst/>
+      </c:spPr>
+      <c:txPr>
+        <a:bodyPr rot="0" spcFirstLastPara="1" vertOverflow="ellipsis" vert="horz" wrap="square" anchor="ctr" anchorCtr="1"/>
+        <a:lstStyle/>
+        <a:p>
+          <a:pPr>
+            <a:defRPr sz="1862" b="0" i="0" u="none" strike="noStrike" kern="1200" spc="0" baseline="0">
+              <a:solidFill>
+                <a:schemeClr val="tx1">
+                  <a:lumMod val="65000"/>
+                  <a:lumOff val="35000"/>
+                </a:schemeClr>
+              </a:solidFill>
+              <a:latin typeface="+mn-lt"/>
+              <a:ea typeface="+mn-ea"/>
+              <a:cs typeface="+mn-cs"/>
+            </a:defRPr>
+          </a:pPr>
+          <a:endParaRPr lang="es-ES"/>
+        </a:p>
+      </c:txPr>
+    </c:title>
+    <c:autoTitleDeleted val="0"/>
+    <c:plotArea>
+      <c:layout/>
+      <c:pieChart>
+        <c:varyColors val="1"/>
+        <c:ser>
+          <c:idx val="0"/>
+          <c:order val="0"/>
+          <c:tx>
+            <c:strRef>
+              <c:f>Hoja1!$B$1</c:f>
+              <c:strCache>
+                <c:ptCount val="1"/>
+                <c:pt idx="0">
+                  <c:v>Ventas</c:v>
+                </c:pt>
+              </c:strCache>
+            </c:strRef>
+          </c:tx>
+          <c:dPt>
+            <c:idx val="0"/>
+            <c:bubble3D val="0"/>
+            <c:spPr>
+              <a:solidFill>
+                <a:schemeClr val="accent1"/>
+              </a:solidFill>
+              <a:ln w="19050">
+                <a:solidFill>
+                  <a:schemeClr val="lt1"/>
+                </a:solidFill>
+              </a:ln>
+              <a:effectLst/>
+            </c:spPr>
+            <c:extLst>
+              <c:ext xmlns:c16="http://schemas.microsoft.com/office/drawing/2014/chart" uri="{C3380CC4-5D6E-409C-BE32-E72D297353CC}">
+                <c16:uniqueId val="{00000001-7879-4899-BE61-EFB873785B69}"/>
+              </c:ext>
+            </c:extLst>
+          </c:dPt>
+          <c:dPt>
+            <c:idx val="1"/>
+            <c:bubble3D val="0"/>
+            <c:spPr>
+              <a:solidFill>
+                <a:schemeClr val="accent2"/>
+              </a:solidFill>
+              <a:ln w="19050">
+                <a:solidFill>
+                  <a:schemeClr val="lt1"/>
+                </a:solidFill>
+              </a:ln>
+              <a:effectLst/>
+            </c:spPr>
+            <c:extLst>
+              <c:ext xmlns:c16="http://schemas.microsoft.com/office/drawing/2014/chart" uri="{C3380CC4-5D6E-409C-BE32-E72D297353CC}">
+                <c16:uniqueId val="{00000002-7879-4899-BE61-EFB873785B69}"/>
+              </c:ext>
+            </c:extLst>
+          </c:dPt>
+          <c:dLbls>
+            <c:dLbl>
+              <c:idx val="0"/>
+              <c:layout>
+                <c:manualLayout>
+                  <c:x val="-0.12727589812992121"/>
+                  <c:y val="-0.18181187365822626"/>
+                </c:manualLayout>
+              </c:layout>
+              <c:tx>
+                <c:rich>
+                  <a:bodyPr/>
+                  <a:lstStyle/>
+                  <a:p>
+                    <a:fld id="{0D07E75F-3F50-4EB4-B7BD-B7B302C916BB}" type="PERCENTAGE">
+                      <a:rPr lang="en-US" sz="2800"/>
+                      <a:pPr/>
+                      <a:t>[PORCENTAJE]</a:t>
+                    </a:fld>
+                    <a:endParaRPr lang="es-ES"/>
+                  </a:p>
+                </c:rich>
+              </c:tx>
+              <c:showLegendKey val="0"/>
+              <c:showVal val="0"/>
+              <c:showCatName val="0"/>
+              <c:showSerName val="0"/>
+              <c:showPercent val="1"/>
+              <c:showBubbleSize val="0"/>
+              <c:extLst>
+                <c:ext xmlns:c15="http://schemas.microsoft.com/office/drawing/2012/chart" uri="{CE6537A1-D6FC-4f65-9D91-7224C49458BB}">
+                  <c15:dlblFieldTable/>
+                  <c15:showDataLabelsRange val="0"/>
+                </c:ext>
+                <c:ext xmlns:c16="http://schemas.microsoft.com/office/drawing/2014/chart" uri="{C3380CC4-5D6E-409C-BE32-E72D297353CC}">
+                  <c16:uniqueId val="{00000001-7879-4899-BE61-EFB873785B69}"/>
+                </c:ext>
+              </c:extLst>
+            </c:dLbl>
+            <c:dLbl>
+              <c:idx val="1"/>
+              <c:layout>
+                <c:manualLayout>
+                  <c:x val="8.7238988681102358E-2"/>
+                  <c:y val="0.12313231279943943"/>
+                </c:manualLayout>
+              </c:layout>
+              <c:tx>
+                <c:rich>
+                  <a:bodyPr/>
+                  <a:lstStyle/>
+                  <a:p>
+                    <a:fld id="{C1D41C4E-5754-49B5-85F1-2FA4AC8B0B31}" type="PERCENTAGE">
+                      <a:rPr lang="en-US" sz="2800"/>
+                      <a:pPr/>
+                      <a:t>[PORCENTAJE]</a:t>
+                    </a:fld>
+                    <a:endParaRPr lang="es-ES"/>
+                  </a:p>
+                </c:rich>
+              </c:tx>
+              <c:showLegendKey val="0"/>
+              <c:showVal val="0"/>
+              <c:showCatName val="0"/>
+              <c:showSerName val="0"/>
+              <c:showPercent val="1"/>
+              <c:showBubbleSize val="0"/>
+              <c:extLst>
+                <c:ext xmlns:c15="http://schemas.microsoft.com/office/drawing/2012/chart" uri="{CE6537A1-D6FC-4f65-9D91-7224C49458BB}">
+                  <c15:dlblFieldTable/>
+                  <c15:showDataLabelsRange val="0"/>
+                </c:ext>
+                <c:ext xmlns:c16="http://schemas.microsoft.com/office/drawing/2014/chart" uri="{C3380CC4-5D6E-409C-BE32-E72D297353CC}">
+                  <c16:uniqueId val="{00000002-7879-4899-BE61-EFB873785B69}"/>
+                </c:ext>
+              </c:extLst>
+            </c:dLbl>
+            <c:spPr>
+              <a:noFill/>
+              <a:ln>
+                <a:noFill/>
+              </a:ln>
+              <a:effectLst/>
+            </c:spPr>
+            <c:txPr>
+              <a:bodyPr rot="0" spcFirstLastPara="1" vertOverflow="ellipsis" vert="horz" wrap="square" lIns="38100" tIns="19050" rIns="38100" bIns="19050" anchor="ctr" anchorCtr="1">
+                <a:spAutoFit/>
+              </a:bodyPr>
+              <a:lstStyle/>
+              <a:p>
+                <a:pPr>
+                  <a:defRPr sz="1197" b="0" i="0" u="none" strike="noStrike" kern="1200" baseline="0">
+                    <a:solidFill>
+                      <a:schemeClr val="tx1">
+                        <a:lumMod val="75000"/>
+                        <a:lumOff val="25000"/>
+                      </a:schemeClr>
+                    </a:solidFill>
+                    <a:latin typeface="+mn-lt"/>
+                    <a:ea typeface="+mn-ea"/>
+                    <a:cs typeface="+mn-cs"/>
+                  </a:defRPr>
+                </a:pPr>
+                <a:endParaRPr lang="es-ES"/>
+              </a:p>
+            </c:txPr>
+            <c:showLegendKey val="0"/>
+            <c:showVal val="0"/>
+            <c:showCatName val="0"/>
+            <c:showSerName val="0"/>
+            <c:showPercent val="1"/>
+            <c:showBubbleSize val="0"/>
+            <c:showLeaderLines val="1"/>
+            <c:leaderLines>
+              <c:spPr>
+                <a:ln w="9525" cap="flat" cmpd="sng" algn="ctr">
+                  <a:solidFill>
+                    <a:schemeClr val="tx1">
+                      <a:lumMod val="35000"/>
+                      <a:lumOff val="65000"/>
+                    </a:schemeClr>
+                  </a:solidFill>
+                  <a:round/>
+                </a:ln>
+                <a:effectLst/>
+              </c:spPr>
+            </c:leaderLines>
+            <c:extLst>
+              <c:ext xmlns:c15="http://schemas.microsoft.com/office/drawing/2012/chart" uri="{CE6537A1-D6FC-4f65-9D91-7224C49458BB}"/>
+            </c:extLst>
+          </c:dLbls>
+          <c:cat>
+            <c:strRef>
+              <c:f>Hoja1!$A$2:$A$3</c:f>
+              <c:strCache>
+                <c:ptCount val="2"/>
+                <c:pt idx="0">
+                  <c:v>V_predic</c:v>
+                </c:pt>
+                <c:pt idx="1">
+                  <c:v>V_rw</c:v>
+                </c:pt>
+              </c:strCache>
+            </c:strRef>
+          </c:cat>
+          <c:val>
+            <c:numRef>
+              <c:f>Hoja1!$B$2:$B$3</c:f>
+              <c:numCache>
+                <c:formatCode>General</c:formatCode>
+                <c:ptCount val="2"/>
+                <c:pt idx="0">
+                  <c:v>76.2</c:v>
+                </c:pt>
+                <c:pt idx="1">
+                  <c:v>23.8</c:v>
+                </c:pt>
+              </c:numCache>
+            </c:numRef>
+          </c:val>
+          <c:extLst>
+            <c:ext xmlns:c16="http://schemas.microsoft.com/office/drawing/2014/chart" uri="{C3380CC4-5D6E-409C-BE32-E72D297353CC}">
+              <c16:uniqueId val="{00000000-7879-4899-BE61-EFB873785B69}"/>
+            </c:ext>
+          </c:extLst>
+        </c:ser>
+        <c:dLbls>
+          <c:showLegendKey val="0"/>
+          <c:showVal val="0"/>
+          <c:showCatName val="0"/>
+          <c:showSerName val="0"/>
+          <c:showPercent val="1"/>
+          <c:showBubbleSize val="0"/>
+          <c:showLeaderLines val="1"/>
+        </c:dLbls>
+        <c:firstSliceAng val="0"/>
+      </c:pieChart>
+      <c:spPr>
+        <a:noFill/>
+        <a:ln>
+          <a:noFill/>
+        </a:ln>
+        <a:effectLst/>
+      </c:spPr>
+    </c:plotArea>
+    <c:legend>
+      <c:legendPos val="r"/>
+      <c:legendEntry>
+        <c:idx val="0"/>
+        <c:txPr>
+          <a:bodyPr rot="0" spcFirstLastPara="1" vertOverflow="ellipsis" vert="horz" wrap="square" anchor="ctr" anchorCtr="1"/>
+          <a:lstStyle/>
+          <a:p>
+            <a:pPr>
+              <a:defRPr sz="2800" b="0" i="0" u="none" strike="noStrike" kern="1200" baseline="0">
+                <a:solidFill>
+                  <a:schemeClr val="tx1">
+                    <a:lumMod val="65000"/>
+                    <a:lumOff val="35000"/>
+                  </a:schemeClr>
+                </a:solidFill>
+                <a:latin typeface="+mn-lt"/>
+                <a:ea typeface="+mn-ea"/>
+                <a:cs typeface="+mn-cs"/>
+              </a:defRPr>
+            </a:pPr>
+            <a:endParaRPr lang="es-ES"/>
+          </a:p>
+        </c:txPr>
+      </c:legendEntry>
+      <c:legendEntry>
+        <c:idx val="1"/>
+        <c:txPr>
+          <a:bodyPr rot="0" spcFirstLastPara="1" vertOverflow="ellipsis" vert="horz" wrap="square" anchor="ctr" anchorCtr="1"/>
+          <a:lstStyle/>
+          <a:p>
+            <a:pPr>
+              <a:defRPr sz="2800" b="0" i="0" u="none" strike="noStrike" kern="1200" baseline="0">
+                <a:solidFill>
+                  <a:schemeClr val="tx1">
+                    <a:lumMod val="65000"/>
+                    <a:lumOff val="35000"/>
+                  </a:schemeClr>
+                </a:solidFill>
+                <a:latin typeface="+mn-lt"/>
+                <a:ea typeface="+mn-ea"/>
+                <a:cs typeface="+mn-cs"/>
+              </a:defRPr>
+            </a:pPr>
+            <a:endParaRPr lang="es-ES"/>
+          </a:p>
+        </c:txPr>
+      </c:legendEntry>
+      <c:layout>
+        <c:manualLayout>
+          <c:xMode val="edge"/>
+          <c:yMode val="edge"/>
+          <c:x val="0.74725135334645665"/>
+          <c:y val="0.45172124435769906"/>
+          <c:w val="0.21557357283464565"/>
+          <c:h val="0.18674113024476316"/>
+        </c:manualLayout>
+      </c:layout>
+      <c:overlay val="0"/>
+      <c:spPr>
+        <a:noFill/>
+        <a:ln>
+          <a:noFill/>
+        </a:ln>
+        <a:effectLst/>
+      </c:spPr>
+      <c:txPr>
+        <a:bodyPr rot="0" spcFirstLastPara="1" vertOverflow="ellipsis" vert="horz" wrap="square" anchor="ctr" anchorCtr="1"/>
+        <a:lstStyle/>
+        <a:p>
+          <a:pPr>
+            <a:defRPr sz="1197" b="0" i="0" u="none" strike="noStrike" kern="1200" baseline="0">
+              <a:solidFill>
+                <a:schemeClr val="tx1">
+                  <a:lumMod val="65000"/>
+                  <a:lumOff val="35000"/>
+                </a:schemeClr>
+              </a:solidFill>
+              <a:latin typeface="+mn-lt"/>
+              <a:ea typeface="+mn-ea"/>
+              <a:cs typeface="+mn-cs"/>
+            </a:defRPr>
+          </a:pPr>
+          <a:endParaRPr lang="es-ES"/>
+        </a:p>
+      </c:txPr>
+    </c:legend>
+    <c:plotVisOnly val="1"/>
+    <c:dispBlanksAs val="gap"/>
+    <c:extLst>
+      <c:ext xmlns:c16r3="http://schemas.microsoft.com/office/drawing/2017/03/chart" uri="{56B9EC1D-385E-4148-901F-78D8002777C0}">
+        <c16r3:dataDisplayOptions16>
+          <c16r3:dispNaAsBlank val="1"/>
+        </c16r3:dataDisplayOptions16>
+      </c:ext>
+    </c:extLst>
+    <c:showDLblsOverMax val="0"/>
+  </c:chart>
+  <c:spPr>
+    <a:noFill/>
+    <a:ln>
+      <a:noFill/>
+    </a:ln>
+    <a:effectLst/>
+  </c:spPr>
+  <c:txPr>
+    <a:bodyPr/>
+    <a:lstStyle/>
+    <a:p>
+      <a:pPr>
+        <a:defRPr/>
+      </a:pPr>
+      <a:endParaRPr lang="es-ES"/>
+    </a:p>
+  </c:txPr>
+  <c:externalData r:id="rId3">
+    <c:autoUpdate val="0"/>
+  </c:externalData>
+</c:chartSpace>
+</file>
+
+<file path=ppt/charts/colors1.xml><?xml version="1.0" encoding="utf-8"?>
+<cs:colorStyle xmlns:cs="http://schemas.microsoft.com/office/drawing/2012/chartStyle" xmlns:a="http://schemas.openxmlformats.org/drawingml/2006/main" meth="cycle" id="10">
+  <a:schemeClr val="accent1"/>
+  <a:schemeClr val="accent2"/>
+  <a:schemeClr val="accent3"/>
+  <a:schemeClr val="accent4"/>
+  <a:schemeClr val="accent5"/>
+  <a:schemeClr val="accent6"/>
+  <cs:variation/>
+  <cs:variation>
+    <a:lumMod val="60000"/>
+  </cs:variation>
+  <cs:variation>
+    <a:lumMod val="80000"/>
+    <a:lumOff val="20000"/>
+  </cs:variation>
+  <cs:variation>
+    <a:lumMod val="80000"/>
+  </cs:variation>
+  <cs:variation>
+    <a:lumMod val="60000"/>
+    <a:lumOff val="40000"/>
+  </cs:variation>
+  <cs:variation>
+    <a:lumMod val="50000"/>
+  </cs:variation>
+  <cs:variation>
+    <a:lumMod val="70000"/>
+    <a:lumOff val="30000"/>
+  </cs:variation>
+  <cs:variation>
+    <a:lumMod val="70000"/>
+  </cs:variation>
+  <cs:variation>
+    <a:lumMod val="50000"/>
+    <a:lumOff val="50000"/>
+  </cs:variation>
+</cs:colorStyle>
+</file>
+
+<file path=ppt/charts/style1.xml><?xml version="1.0" encoding="utf-8"?>
+<cs:chartStyle xmlns:cs="http://schemas.microsoft.com/office/drawing/2012/chartStyle" xmlns:a="http://schemas.openxmlformats.org/drawingml/2006/main" id="251">
+  <cs:axisTitle>
+    <cs:lnRef idx="0"/>
+    <cs:fillRef idx="0"/>
+    <cs:effectRef idx="0"/>
+    <cs:fontRef idx="minor">
+      <a:schemeClr val="tx1">
+        <a:lumMod val="65000"/>
+        <a:lumOff val="35000"/>
+      </a:schemeClr>
+    </cs:fontRef>
+    <cs:defRPr sz="1330" kern="1200"/>
+  </cs:axisTitle>
+  <cs:categoryAxis>
+    <cs:lnRef idx="0"/>
+    <cs:fillRef idx="0"/>
+    <cs:effectRef idx="0"/>
+    <cs:fontRef idx="minor">
+      <a:schemeClr val="tx1">
+        <a:lumMod val="65000"/>
+        <a:lumOff val="35000"/>
+      </a:schemeClr>
+    </cs:fontRef>
+    <cs:spPr>
+      <a:ln w="9525" cap="flat" cmpd="sng" algn="ctr">
+        <a:solidFill>
+          <a:schemeClr val="tx1">
+            <a:lumMod val="15000"/>
+            <a:lumOff val="85000"/>
+          </a:schemeClr>
+        </a:solidFill>
+        <a:round/>
+      </a:ln>
+    </cs:spPr>
+    <cs:defRPr sz="1197" kern="1200"/>
+  </cs:categoryAxis>
+  <cs:chartArea mods="allowNoFillOverride allowNoLineOverride">
+    <cs:lnRef idx="0"/>
+    <cs:fillRef idx="0"/>
+    <cs:effectRef idx="0"/>
+    <cs:fontRef idx="minor">
+      <a:schemeClr val="tx1"/>
+    </cs:fontRef>
+    <cs:spPr>
+      <a:solidFill>
+        <a:schemeClr val="bg1"/>
+      </a:solidFill>
+      <a:ln w="9525" cap="flat" cmpd="sng" algn="ctr">
+        <a:solidFill>
+          <a:schemeClr val="tx1">
+            <a:lumMod val="15000"/>
+            <a:lumOff val="85000"/>
+          </a:schemeClr>
+        </a:solidFill>
+        <a:round/>
+      </a:ln>
+    </cs:spPr>
+    <cs:defRPr sz="1197" kern="1200"/>
+  </cs:chartArea>
+  <cs:dataLabel>
+    <cs:lnRef idx="0"/>
+    <cs:fillRef idx="0"/>
+    <cs:effectRef idx="0"/>
+    <cs:fontRef idx="minor">
+      <a:schemeClr val="tx1">
+        <a:lumMod val="75000"/>
+        <a:lumOff val="25000"/>
+      </a:schemeClr>
+    </cs:fontRef>
+    <cs:defRPr sz="1197" kern="1200"/>
+  </cs:dataLabel>
+  <cs:dataLabelCallout>
+    <cs:lnRef idx="0"/>
+    <cs:fillRef idx="0"/>
+    <cs:effectRef idx="0"/>
+    <cs:fontRef idx="minor">
+      <a:schemeClr val="dk1">
+        <a:lumMod val="65000"/>
+        <a:lumOff val="35000"/>
+      </a:schemeClr>
+    </cs:fontRef>
+    <cs:spPr>
+      <a:solidFill>
+        <a:schemeClr val="lt1"/>
+      </a:solidFill>
+      <a:ln>
+        <a:solidFill>
+          <a:schemeClr val="dk1">
+            <a:lumMod val="25000"/>
+            <a:lumOff val="75000"/>
+          </a:schemeClr>
+        </a:solidFill>
+      </a:ln>
+    </cs:spPr>
+    <cs:defRPr sz="1197" kern="1200"/>
+    <cs:bodyPr rot="0" spcFirstLastPara="1" vertOverflow="clip" horzOverflow="clip" vert="horz" wrap="square" lIns="36576" tIns="18288" rIns="36576" bIns="18288" anchor="ctr" anchorCtr="1">
+      <a:spAutoFit/>
+    </cs:bodyPr>
+  </cs:dataLabelCallout>
+  <cs:dataPoint>
+    <cs:lnRef idx="0"/>
+    <cs:fillRef idx="1">
+      <cs:styleClr val="auto"/>
+    </cs:fillRef>
+    <cs:effectRef idx="0"/>
+    <cs:fontRef idx="minor">
+      <a:schemeClr val="tx1"/>
+    </cs:fontRef>
+    <cs:spPr>
+      <a:ln w="19050">
+        <a:solidFill>
+          <a:schemeClr val="lt1"/>
+        </a:solidFill>
+      </a:ln>
+    </cs:spPr>
+  </cs:dataPoint>
+  <cs:dataPoint3D>
+    <cs:lnRef idx="0"/>
+    <cs:fillRef idx="1">
+      <cs:styleClr val="auto"/>
+    </cs:fillRef>
+    <cs:effectRef idx="0"/>
+    <cs:fontRef idx="minor">
+      <a:schemeClr val="tx1"/>
+    </cs:fontRef>
+    <cs:spPr>
+      <a:ln w="25400">
+        <a:solidFill>
+          <a:schemeClr val="lt1"/>
+        </a:solidFill>
+      </a:ln>
+    </cs:spPr>
+  </cs:dataPoint3D>
+  <cs:dataPointLine>
+    <cs:lnRef idx="0">
+      <cs:styleClr val="auto"/>
+    </cs:lnRef>
+    <cs:fillRef idx="0"/>
+    <cs:effectRef idx="0"/>
+    <cs:fontRef idx="minor">
+      <a:schemeClr val="tx1"/>
+    </cs:fontRef>
+    <cs:spPr>
+      <a:ln w="28575" cap="rnd">
+        <a:solidFill>
+          <a:schemeClr val="phClr"/>
+        </a:solidFill>
+        <a:round/>
+      </a:ln>
+    </cs:spPr>
+  </cs:dataPointLine>
+  <cs:dataPointMarker>
+    <cs:lnRef idx="0">
+      <cs:styleClr val="auto"/>
+    </cs:lnRef>
+    <cs:fillRef idx="1">
+      <cs:styleClr val="auto"/>
+    </cs:fillRef>
+    <cs:effectRef idx="0"/>
+    <cs:fontRef idx="minor">
+      <a:schemeClr val="tx1"/>
+    </cs:fontRef>
+    <cs:spPr>
+      <a:ln w="9525">
+        <a:solidFill>
+          <a:schemeClr val="phClr"/>
+        </a:solidFill>
+      </a:ln>
+    </cs:spPr>
+  </cs:dataPointMarker>
+  <cs:dataPointMarkerLayout symbol="circle" size="5"/>
+  <cs:dataPointWireframe>
+    <cs:lnRef idx="0">
+      <cs:styleClr val="auto"/>
+    </cs:lnRef>
+    <cs:fillRef idx="0"/>
+    <cs:effectRef idx="0"/>
+    <cs:fontRef idx="minor">
+      <a:schemeClr val="tx1"/>
+    </cs:fontRef>
+    <cs:spPr>
+      <a:ln w="9525" cap="rnd">
+        <a:solidFill>
+          <a:schemeClr val="phClr"/>
+        </a:solidFill>
+        <a:round/>
+      </a:ln>
+    </cs:spPr>
+  </cs:dataPointWireframe>
+  <cs:dataTable>
+    <cs:lnRef idx="0"/>
+    <cs:fillRef idx="0"/>
+    <cs:effectRef idx="0"/>
+    <cs:fontRef idx="minor">
+      <a:schemeClr val="tx1">
+        <a:lumMod val="65000"/>
+        <a:lumOff val="35000"/>
+      </a:schemeClr>
+    </cs:fontRef>
+    <cs:spPr>
+      <a:noFill/>
+      <a:ln w="9525" cap="flat" cmpd="sng" algn="ctr">
+        <a:solidFill>
+          <a:schemeClr val="tx1">
+            <a:lumMod val="15000"/>
+            <a:lumOff val="85000"/>
+          </a:schemeClr>
+        </a:solidFill>
+        <a:round/>
+      </a:ln>
+    </cs:spPr>
+    <cs:defRPr sz="1197" kern="1200"/>
+  </cs:dataTable>
+  <cs:downBar>
+    <cs:lnRef idx="0"/>
+    <cs:fillRef idx="0"/>
+    <cs:effectRef idx="0"/>
+    <cs:fontRef idx="minor">
+      <a:schemeClr val="tx1"/>
+    </cs:fontRef>
+    <cs:spPr>
+      <a:solidFill>
+        <a:schemeClr val="dk1">
+          <a:lumMod val="75000"/>
+          <a:lumOff val="25000"/>
+        </a:schemeClr>
+      </a:solidFill>
+      <a:ln w="9525" cap="flat" cmpd="sng" algn="ctr">
+        <a:solidFill>
+          <a:schemeClr val="tx1">
+            <a:lumMod val="65000"/>
+            <a:lumOff val="35000"/>
+          </a:schemeClr>
+        </a:solidFill>
+        <a:round/>
+      </a:ln>
+    </cs:spPr>
+  </cs:downBar>
+  <cs:dropLine>
+    <cs:lnRef idx="0"/>
+    <cs:fillRef idx="0"/>
+    <cs:effectRef idx="0"/>
+    <cs:fontRef idx="minor">
+      <a:schemeClr val="tx1"/>
+    </cs:fontRef>
+    <cs:spPr>
+      <a:ln w="9525" cap="flat" cmpd="sng" algn="ctr">
+        <a:solidFill>
+          <a:schemeClr val="tx1">
+            <a:lumMod val="35000"/>
+            <a:lumOff val="65000"/>
+          </a:schemeClr>
+        </a:solidFill>
+        <a:round/>
+      </a:ln>
+    </cs:spPr>
+  </cs:dropLine>
+  <cs:errorBar>
+    <cs:lnRef idx="0"/>
+    <cs:fillRef idx="0"/>
+    <cs:effectRef idx="0"/>
+    <cs:fontRef idx="minor">
+      <a:schemeClr val="tx1"/>
+    </cs:fontRef>
+    <cs:spPr>
+      <a:ln w="9525" cap="flat" cmpd="sng" algn="ctr">
+        <a:solidFill>
+          <a:schemeClr val="tx1">
+            <a:lumMod val="65000"/>
+            <a:lumOff val="35000"/>
+          </a:schemeClr>
+        </a:solidFill>
+        <a:round/>
+      </a:ln>
+    </cs:spPr>
+  </cs:errorBar>
+  <cs:floor>
+    <cs:lnRef idx="0"/>
+    <cs:fillRef idx="0"/>
+    <cs:effectRef idx="0"/>
+    <cs:fontRef idx="minor">
+      <a:schemeClr val="tx1"/>
+    </cs:fontRef>
+    <cs:spPr>
+      <a:noFill/>
+      <a:ln>
+        <a:noFill/>
+      </a:ln>
+    </cs:spPr>
+  </cs:floor>
+  <cs:gridlineMajor>
+    <cs:lnRef idx="0"/>
+    <cs:fillRef idx="0"/>
+    <cs:effectRef idx="0"/>
+    <cs:fontRef idx="minor">
+      <a:schemeClr val="tx1"/>
+    </cs:fontRef>
+    <cs:spPr>
+      <a:ln w="9525" cap="flat" cmpd="sng" algn="ctr">
+        <a:solidFill>
+          <a:schemeClr val="tx1">
+            <a:lumMod val="15000"/>
+            <a:lumOff val="85000"/>
+          </a:schemeClr>
+        </a:solidFill>
+        <a:round/>
+      </a:ln>
+    </cs:spPr>
+  </cs:gridlineMajor>
+  <cs:gridlineMinor>
+    <cs:lnRef idx="0"/>
+    <cs:fillRef idx="0"/>
+    <cs:effectRef idx="0"/>
+    <cs:fontRef idx="minor">
+      <a:schemeClr val="tx1"/>
+    </cs:fontRef>
+    <cs:spPr>
+      <a:ln w="9525" cap="flat" cmpd="sng" algn="ctr">
+        <a:solidFill>
+          <a:schemeClr val="tx1">
+            <a:lumMod val="5000"/>
+            <a:lumOff val="95000"/>
+          </a:schemeClr>
+        </a:solidFill>
+        <a:round/>
+      </a:ln>
+    </cs:spPr>
+  </cs:gridlineMinor>
+  <cs:hiLoLine>
+    <cs:lnRef idx="0"/>
+    <cs:fillRef idx="0"/>
+    <cs:effectRef idx="0"/>
+    <cs:fontRef idx="minor">
+      <a:schemeClr val="tx1"/>
+    </cs:fontRef>
+    <cs:spPr>
+      <a:ln w="9525" cap="flat" cmpd="sng" algn="ctr">
+        <a:solidFill>
+          <a:schemeClr val="tx1">
+            <a:lumMod val="50000"/>
+            <a:lumOff val="50000"/>
+          </a:schemeClr>
+        </a:solidFill>
+        <a:round/>
+      </a:ln>
+    </cs:spPr>
+  </cs:hiLoLine>
+  <cs:leaderLine>
+    <cs:lnRef idx="0"/>
+    <cs:fillRef idx="0"/>
+    <cs:effectRef idx="0"/>
+    <cs:fontRef idx="minor">
+      <a:schemeClr val="tx1"/>
+    </cs:fontRef>
+    <cs:spPr>
+      <a:ln w="9525" cap="flat" cmpd="sng" algn="ctr">
+        <a:solidFill>
+          <a:schemeClr val="tx1">
+            <a:lumMod val="35000"/>
+            <a:lumOff val="65000"/>
+          </a:schemeClr>
+        </a:solidFill>
+        <a:round/>
+      </a:ln>
+    </cs:spPr>
+  </cs:leaderLine>
+  <cs:legend>
+    <cs:lnRef idx="0"/>
+    <cs:fillRef idx="0"/>
+    <cs:effectRef idx="0"/>
+    <cs:fontRef idx="minor">
+      <a:schemeClr val="tx1">
+        <a:lumMod val="65000"/>
+        <a:lumOff val="35000"/>
+      </a:schemeClr>
+    </cs:fontRef>
+    <cs:defRPr sz="1197" kern="1200"/>
+  </cs:legend>
+  <cs:plotArea mods="allowNoFillOverride allowNoLineOverride">
+    <cs:lnRef idx="0"/>
+    <cs:fillRef idx="0"/>
+    <cs:effectRef idx="0"/>
+    <cs:fontRef idx="minor">
+      <a:schemeClr val="tx1"/>
+    </cs:fontRef>
+  </cs:plotArea>
+  <cs:plotArea3D mods="allowNoFillOverride allowNoLineOverride">
+    <cs:lnRef idx="0"/>
+    <cs:fillRef idx="0"/>
+    <cs:effectRef idx="0"/>
+    <cs:fontRef idx="minor">
+      <a:schemeClr val="tx1"/>
+    </cs:fontRef>
+  </cs:plotArea3D>
+  <cs:seriesAxis>
+    <cs:lnRef idx="0"/>
+    <cs:fillRef idx="0"/>
+    <cs:effectRef idx="0"/>
+    <cs:fontRef idx="minor">
+      <a:schemeClr val="tx1">
+        <a:lumMod val="65000"/>
+        <a:lumOff val="35000"/>
+      </a:schemeClr>
+    </cs:fontRef>
+    <cs:defRPr sz="1197" kern="1200"/>
+  </cs:seriesAxis>
+  <cs:seriesLine>
+    <cs:lnRef idx="0"/>
+    <cs:fillRef idx="0"/>
+    <cs:effectRef idx="0"/>
+    <cs:fontRef idx="minor">
+      <a:schemeClr val="tx1"/>
+    </cs:fontRef>
+    <cs:spPr>
+      <a:ln w="9525" cap="flat" cmpd="sng" algn="ctr">
+        <a:solidFill>
+          <a:schemeClr val="tx1">
+            <a:lumMod val="35000"/>
+            <a:lumOff val="65000"/>
+          </a:schemeClr>
+        </a:solidFill>
+        <a:round/>
+      </a:ln>
+    </cs:spPr>
+  </cs:seriesLine>
+  <cs:title>
+    <cs:lnRef idx="0"/>
+    <cs:fillRef idx="0"/>
+    <cs:effectRef idx="0"/>
+    <cs:fontRef idx="minor">
+      <a:schemeClr val="tx1">
+        <a:lumMod val="65000"/>
+        <a:lumOff val="35000"/>
+      </a:schemeClr>
+    </cs:fontRef>
+    <cs:defRPr sz="1862" b="0" kern="1200" spc="0" baseline="0"/>
+  </cs:title>
+  <cs:trendline>
+    <cs:lnRef idx="0">
+      <cs:styleClr val="auto"/>
+    </cs:lnRef>
+    <cs:fillRef idx="0"/>
+    <cs:effectRef idx="0"/>
+    <cs:fontRef idx="minor">
+      <a:schemeClr val="tx1"/>
+    </cs:fontRef>
+    <cs:spPr>
+      <a:ln w="19050" cap="rnd">
+        <a:solidFill>
+          <a:schemeClr val="phClr"/>
+        </a:solidFill>
+        <a:prstDash val="sysDot"/>
+      </a:ln>
+    </cs:spPr>
+  </cs:trendline>
+  <cs:trendlineLabel>
+    <cs:lnRef idx="0"/>
+    <cs:fillRef idx="0"/>
+    <cs:effectRef idx="0"/>
+    <cs:fontRef idx="minor">
+      <a:schemeClr val="tx1">
+        <a:lumMod val="65000"/>
+        <a:lumOff val="35000"/>
+      </a:schemeClr>
+    </cs:fontRef>
+    <cs:defRPr sz="1197" kern="1200"/>
+  </cs:trendlineLabel>
+  <cs:upBar>
+    <cs:lnRef idx="0"/>
+    <cs:fillRef idx="0"/>
+    <cs:effectRef idx="0"/>
+    <cs:fontRef idx="minor">
+      <a:schemeClr val="tx1"/>
+    </cs:fontRef>
+    <cs:spPr>
+      <a:solidFill>
+        <a:schemeClr val="lt1"/>
+      </a:solidFill>
+      <a:ln w="9525" cap="flat" cmpd="sng" algn="ctr">
+        <a:solidFill>
+          <a:schemeClr val="tx1">
+            <a:lumMod val="65000"/>
+            <a:lumOff val="35000"/>
+          </a:schemeClr>
+        </a:solidFill>
+        <a:round/>
+      </a:ln>
+    </cs:spPr>
+  </cs:upBar>
+  <cs:valueAxis>
+    <cs:lnRef idx="0"/>
+    <cs:fillRef idx="0"/>
+    <cs:effectRef idx="0"/>
+    <cs:fontRef idx="minor">
+      <a:schemeClr val="tx1">
+        <a:lumMod val="65000"/>
+        <a:lumOff val="35000"/>
+      </a:schemeClr>
+    </cs:fontRef>
+    <cs:defRPr sz="1197" kern="1200"/>
+  </cs:valueAxis>
+  <cs:wall>
+    <cs:lnRef idx="0"/>
+    <cs:fillRef idx="0"/>
+    <cs:effectRef idx="0"/>
+    <cs:fontRef idx="minor">
+      <a:schemeClr val="tx1"/>
+    </cs:fontRef>
+    <cs:spPr>
+      <a:noFill/>
+      <a:ln>
+        <a:noFill/>
+      </a:ln>
+    </cs:spPr>
+  </cs:wall>
+</cs:chartStyle>
 </file>
 
 <file path=ppt/notesMasters/notesMaster1.xml><?xml version="1.0" encoding="utf-8"?>
@@ -216,7 +1264,7 @@
           <a:p>
             <a:fld id="{1324BBD9-554B-4B41-90BF-CDDF58BD666F}" type="datetimeFigureOut">
               <a:rPr lang="es-ES" smtClean="0"/>
-              <a:t>31/07/2023</a:t>
+              <a:t>01/08/2023</a:t>
             </a:fld>
             <a:endParaRPr lang="es-ES"/>
           </a:p>
@@ -6149,7 +7197,7 @@
           <a:p>
             <a:fld id="{D46C10F7-EC81-46ED-A392-FF902BABED03}" type="datetimeFigureOut">
               <a:rPr lang="es-ES" smtClean="0"/>
-              <a:t>31/07/2023</a:t>
+              <a:t>01/08/2023</a:t>
             </a:fld>
             <a:endParaRPr lang="es-ES"/>
           </a:p>
@@ -6347,7 +7395,7 @@
           <a:p>
             <a:fld id="{D46C10F7-EC81-46ED-A392-FF902BABED03}" type="datetimeFigureOut">
               <a:rPr lang="es-ES" smtClean="0"/>
-              <a:t>31/07/2023</a:t>
+              <a:t>01/08/2023</a:t>
             </a:fld>
             <a:endParaRPr lang="es-ES"/>
           </a:p>
@@ -6555,7 +7603,7 @@
           <a:p>
             <a:fld id="{D46C10F7-EC81-46ED-A392-FF902BABED03}" type="datetimeFigureOut">
               <a:rPr lang="es-ES" smtClean="0"/>
-              <a:t>31/07/2023</a:t>
+              <a:t>01/08/2023</a:t>
             </a:fld>
             <a:endParaRPr lang="es-ES"/>
           </a:p>
@@ -7112,7 +8160,7 @@
           <a:p>
             <a:fld id="{D46C10F7-EC81-46ED-A392-FF902BABED03}" type="datetimeFigureOut">
               <a:rPr lang="es-ES" smtClean="0"/>
-              <a:t>31/07/2023</a:t>
+              <a:t>01/08/2023</a:t>
             </a:fld>
             <a:endParaRPr lang="es-ES"/>
           </a:p>
@@ -7387,7 +8435,7 @@
           <a:p>
             <a:fld id="{D46C10F7-EC81-46ED-A392-FF902BABED03}" type="datetimeFigureOut">
               <a:rPr lang="es-ES" smtClean="0"/>
-              <a:t>31/07/2023</a:t>
+              <a:t>01/08/2023</a:t>
             </a:fld>
             <a:endParaRPr lang="es-ES"/>
           </a:p>
@@ -7652,7 +8700,7 @@
           <a:p>
             <a:fld id="{D46C10F7-EC81-46ED-A392-FF902BABED03}" type="datetimeFigureOut">
               <a:rPr lang="es-ES" smtClean="0"/>
-              <a:t>31/07/2023</a:t>
+              <a:t>01/08/2023</a:t>
             </a:fld>
             <a:endParaRPr lang="es-ES"/>
           </a:p>
@@ -8064,7 +9112,7 @@
           <a:p>
             <a:fld id="{D46C10F7-EC81-46ED-A392-FF902BABED03}" type="datetimeFigureOut">
               <a:rPr lang="es-ES" smtClean="0"/>
-              <a:t>31/07/2023</a:t>
+              <a:t>01/08/2023</a:t>
             </a:fld>
             <a:endParaRPr lang="es-ES"/>
           </a:p>
@@ -8205,7 +9253,7 @@
           <a:p>
             <a:fld id="{D46C10F7-EC81-46ED-A392-FF902BABED03}" type="datetimeFigureOut">
               <a:rPr lang="es-ES" smtClean="0"/>
-              <a:t>31/07/2023</a:t>
+              <a:t>01/08/2023</a:t>
             </a:fld>
             <a:endParaRPr lang="es-ES"/>
           </a:p>
@@ -8318,7 +9366,7 @@
           <a:p>
             <a:fld id="{D46C10F7-EC81-46ED-A392-FF902BABED03}" type="datetimeFigureOut">
               <a:rPr lang="es-ES" smtClean="0"/>
-              <a:t>31/07/2023</a:t>
+              <a:t>01/08/2023</a:t>
             </a:fld>
             <a:endParaRPr lang="es-ES"/>
           </a:p>
@@ -8629,7 +9677,7 @@
           <a:p>
             <a:fld id="{D46C10F7-EC81-46ED-A392-FF902BABED03}" type="datetimeFigureOut">
               <a:rPr lang="es-ES" smtClean="0"/>
-              <a:t>31/07/2023</a:t>
+              <a:t>01/08/2023</a:t>
             </a:fld>
             <a:endParaRPr lang="es-ES"/>
           </a:p>
@@ -8917,7 +9965,7 @@
           <a:p>
             <a:fld id="{D46C10F7-EC81-46ED-A392-FF902BABED03}" type="datetimeFigureOut">
               <a:rPr lang="es-ES" smtClean="0"/>
-              <a:t>31/07/2023</a:t>
+              <a:t>01/08/2023</a:t>
             </a:fld>
             <a:endParaRPr lang="es-ES"/>
           </a:p>
@@ -9158,7 +10206,7 @@
           <a:p>
             <a:fld id="{D46C10F7-EC81-46ED-A392-FF902BABED03}" type="datetimeFigureOut">
               <a:rPr lang="es-ES" smtClean="0"/>
-              <a:t>31/07/2023</a:t>
+              <a:t>01/08/2023</a:t>
             </a:fld>
             <a:endParaRPr lang="es-ES"/>
           </a:p>
@@ -13104,7 +14152,15 @@
             </a:r>
             <a:r>
               <a:rPr lang="es-ES" dirty="0" err="1"/>
-              <a:t>Vect_prone,Vec_rw</a:t>
+              <a:t>V_prone</a:t>
+            </a:r>
+            <a:r>
+              <a:rPr lang="es-ES" dirty="0"/>
+              <a:t>, </a:t>
+            </a:r>
+            <a:r>
+              <a:rPr lang="es-ES" dirty="0" err="1"/>
+              <a:t>V_rw</a:t>
             </a:r>
             <a:r>
               <a:rPr lang="es-ES" dirty="0"/>
@@ -13120,7 +14176,15 @@
             </a:r>
             <a:r>
               <a:rPr lang="es-ES" dirty="0" err="1"/>
-              <a:t>Vect_prone,Vec_all</a:t>
+              <a:t>V_prone</a:t>
+            </a:r>
+            <a:r>
+              <a:rPr lang="es-ES" dirty="0"/>
+              <a:t>, </a:t>
+            </a:r>
+            <a:r>
+              <a:rPr lang="es-ES" dirty="0" err="1"/>
+              <a:t>V_all</a:t>
             </a:r>
             <a:r>
               <a:rPr lang="es-ES" dirty="0"/>
@@ -13224,14 +14288,14 @@
               <a:buSzPts val="2049"/>
             </a:pPr>
             <a:r>
-              <a:rPr lang="en" sz="2732">
+              <a:rPr lang="en" sz="2732" dirty="0">
                 <a:solidFill>
                   <a:schemeClr val="dk1"/>
                 </a:solidFill>
               </a:rPr>
               <a:t>400k papers</a:t>
             </a:r>
-            <a:endParaRPr sz="2732">
+            <a:endParaRPr sz="2732" dirty="0">
               <a:solidFill>
                 <a:schemeClr val="dk1"/>
               </a:solidFill>
@@ -13245,14 +14309,14 @@
               <a:buSzPts val="2049"/>
             </a:pPr>
             <a:r>
-              <a:rPr lang="en" sz="2732">
+              <a:rPr lang="en" sz="2732" dirty="0">
                 <a:solidFill>
                   <a:schemeClr val="dk1"/>
                 </a:solidFill>
               </a:rPr>
               <a:t>Organized by Martin Dočekal (PhD student, BRNO UNIVERSITY OF TECHNOLOGY, Czech Republic)</a:t>
             </a:r>
-            <a:endParaRPr sz="2732">
+            <a:endParaRPr sz="2732" dirty="0">
               <a:solidFill>
                 <a:schemeClr val="dk1"/>
               </a:solidFill>
@@ -13266,14 +14330,14 @@
               <a:buSzPts val="2049"/>
             </a:pPr>
             <a:r>
-              <a:rPr lang="en" sz="2732">
+              <a:rPr lang="en" sz="2732" dirty="0">
                 <a:solidFill>
                   <a:schemeClr val="dk1"/>
                 </a:solidFill>
               </a:rPr>
               <a:t>Related Work annotated dataset</a:t>
             </a:r>
-            <a:endParaRPr sz="2732">
+            <a:endParaRPr sz="2732" dirty="0">
               <a:solidFill>
                 <a:schemeClr val="dk1"/>
               </a:solidFill>
@@ -13287,14 +14351,14 @@
               <a:buSzPts val="2049"/>
             </a:pPr>
             <a:r>
-              <a:rPr lang="en" sz="2732">
+              <a:rPr lang="en" sz="2732" dirty="0">
                 <a:solidFill>
                   <a:schemeClr val="dk1"/>
                 </a:solidFill>
               </a:rPr>
               <a:t>Corpus ids mapped to Semantic Scholar ids</a:t>
             </a:r>
-            <a:endParaRPr sz="2732">
+            <a:endParaRPr sz="2732" dirty="0">
               <a:solidFill>
                 <a:schemeClr val="dk1"/>
               </a:solidFill>
@@ -13307,7 +14371,7 @@
               </a:spcBef>
               <a:buNone/>
             </a:pPr>
-            <a:endParaRPr sz="2667">
+            <a:endParaRPr sz="2667" dirty="0">
               <a:solidFill>
                 <a:schemeClr val="dk1"/>
               </a:solidFill>
@@ -13320,7 +14384,7 @@
               </a:spcBef>
               <a:buNone/>
             </a:pPr>
-            <a:endParaRPr sz="2637">
+            <a:endParaRPr sz="2637" dirty="0">
               <a:solidFill>
                 <a:schemeClr val="dk1"/>
               </a:solidFill>
@@ -13336,7 +14400,7 @@
               </a:spcAft>
               <a:buNone/>
             </a:pPr>
-            <a:endParaRPr/>
+            <a:endParaRPr dirty="0"/>
           </a:p>
         </p:txBody>
       </p:sp>
@@ -13348,7 +14412,7 @@
         </p:nvSpPr>
         <p:spPr>
           <a:xfrm>
-            <a:off x="614000" y="4274700"/>
+            <a:off x="1521260" y="4188974"/>
             <a:ext cx="9325600" cy="1934800"/>
           </a:xfrm>
           <a:prstGeom prst="rect">
@@ -13375,7 +14439,7 @@
               <a:buSzPts val="1100"/>
             </a:pPr>
             <a:r>
-              <a:rPr lang="en" sz="1600">
+              <a:rPr lang="en" sz="1600" dirty="0">
                 <a:solidFill>
                   <a:schemeClr val="dk1"/>
                 </a:solidFill>
@@ -13387,7 +14451,7 @@
               <a:t>"</a:t>
             </a:r>
             <a:r>
-              <a:rPr lang="en" sz="1600" b="1">
+              <a:rPr lang="en" sz="1600" b="1" dirty="0">
                 <a:solidFill>
                   <a:schemeClr val="dk1"/>
                 </a:solidFill>
@@ -13399,7 +14463,7 @@
               <a:t>paper_id</a:t>
             </a:r>
             <a:r>
-              <a:rPr lang="en" sz="1600">
+              <a:rPr lang="en" sz="1600" dirty="0">
                 <a:solidFill>
                   <a:schemeClr val="dk1"/>
                 </a:solidFill>
@@ -13410,7 +14474,7 @@
               </a:rPr>
               <a:t>":54955648,</a:t>
             </a:r>
-            <a:endParaRPr sz="1600">
+            <a:endParaRPr sz="1600" dirty="0">
               <a:solidFill>
                 <a:schemeClr val="dk1"/>
               </a:solidFill>
@@ -13434,7 +14498,7 @@
               <a:buSzPts val="1100"/>
             </a:pPr>
             <a:r>
-              <a:rPr lang="en" sz="1600">
+              <a:rPr lang="en" sz="1600" dirty="0">
                 <a:solidFill>
                   <a:schemeClr val="dk1"/>
                 </a:solidFill>
@@ -13446,7 +14510,7 @@
               <a:t>"</a:t>
             </a:r>
             <a:r>
-              <a:rPr lang="en" sz="1600" b="1">
+              <a:rPr lang="en" sz="1600" b="1" dirty="0">
                 <a:solidFill>
                   <a:schemeClr val="dk1"/>
                 </a:solidFill>
@@ -13458,7 +14522,7 @@
               <a:t>rw_citations</a:t>
             </a:r>
             <a:r>
-              <a:rPr lang="en" sz="1600">
+              <a:rPr lang="en" sz="1600" dirty="0">
                 <a:solidFill>
                   <a:schemeClr val="dk1"/>
                 </a:solidFill>
@@ -13469,7 +14533,7 @@
               </a:rPr>
               <a:t>":[3045997,2770517,5569544,36379,1665288,74632109,2223771],</a:t>
             </a:r>
-            <a:endParaRPr sz="1600">
+            <a:endParaRPr sz="1600" dirty="0">
               <a:solidFill>
                 <a:schemeClr val="dk1"/>
               </a:solidFill>
@@ -13496,7 +14560,7 @@
               <a:buSzPts val="1100"/>
             </a:pPr>
             <a:r>
-              <a:rPr lang="en" sz="1600">
+              <a:rPr lang="en" sz="1600" dirty="0">
                 <a:solidFill>
                   <a:schemeClr val="dk1"/>
                 </a:solidFill>
@@ -13508,7 +14572,7 @@
               <a:t>"</a:t>
             </a:r>
             <a:r>
-              <a:rPr lang="en" sz="1600" b="1">
+              <a:rPr lang="en" sz="1600" b="1" dirty="0">
                 <a:solidFill>
                   <a:schemeClr val="dk1"/>
                 </a:solidFill>
@@ -13520,7 +14584,7 @@
               <a:t>Other_citations</a:t>
             </a:r>
             <a:r>
-              <a:rPr lang="en" sz="1600">
+              <a:rPr lang="en" sz="1600" dirty="0">
                 <a:solidFill>
                   <a:schemeClr val="dk1"/>
                 </a:solidFill>
@@ -13531,7 +14595,7 @@
               </a:rPr>
               <a:t>":[16395612,14432142]</a:t>
             </a:r>
-            <a:endParaRPr sz="1600">
+            <a:endParaRPr sz="1600" dirty="0">
               <a:highlight>
                 <a:srgbClr val="FFFF00"/>
               </a:highlight>
@@ -13633,14 +14697,14 @@
               <a:buSzPct val="100000"/>
             </a:pPr>
             <a:r>
-              <a:rPr lang="en" sz="3189">
+              <a:rPr lang="en" sz="3189" dirty="0">
                 <a:solidFill>
                   <a:schemeClr val="dk1"/>
                 </a:solidFill>
               </a:rPr>
               <a:t>Vector representations of referenced papers</a:t>
             </a:r>
-            <a:endParaRPr sz="3189">
+            <a:endParaRPr sz="3189" dirty="0">
               <a:solidFill>
                 <a:schemeClr val="dk1"/>
               </a:solidFill>
@@ -13655,14 +14719,14 @@
               <a:buAutoNum type="alphaLcPeriod"/>
             </a:pPr>
             <a:r>
-              <a:rPr lang="en" sz="3189">
+              <a:rPr lang="en" sz="3189" dirty="0">
                 <a:solidFill>
                   <a:schemeClr val="dk1"/>
                 </a:solidFill>
               </a:rPr>
               <a:t>Specter 1 and 2</a:t>
             </a:r>
-            <a:endParaRPr sz="3189">
+            <a:endParaRPr sz="3189" dirty="0">
               <a:solidFill>
                 <a:schemeClr val="dk1"/>
               </a:solidFill>
@@ -13677,14 +14741,14 @@
               <a:buAutoNum type="alphaLcPeriod"/>
             </a:pPr>
             <a:r>
-              <a:rPr lang="en" sz="3189">
+              <a:rPr lang="en" sz="3189" dirty="0">
                 <a:solidFill>
                   <a:schemeClr val="dk1"/>
                 </a:solidFill>
               </a:rPr>
               <a:t>Prone</a:t>
             </a:r>
-            <a:endParaRPr sz="3189">
+            <a:endParaRPr sz="3189" dirty="0">
               <a:solidFill>
                 <a:schemeClr val="dk1"/>
               </a:solidFill>
@@ -13698,14 +14762,14 @@
               <a:buSzPct val="100000"/>
             </a:pPr>
             <a:r>
-              <a:rPr lang="en" sz="3189">
+              <a:rPr lang="en" sz="3189" dirty="0">
                 <a:solidFill>
                   <a:schemeClr val="dk1"/>
                 </a:solidFill>
               </a:rPr>
               <a:t>Centroids</a:t>
             </a:r>
-            <a:endParaRPr sz="3189">
+            <a:endParaRPr sz="3189" dirty="0">
               <a:solidFill>
                 <a:schemeClr val="dk1"/>
               </a:solidFill>
@@ -13720,14 +14784,14 @@
               <a:buAutoNum type="alphaLcPeriod"/>
             </a:pPr>
             <a:r>
-              <a:rPr lang="en" sz="3189">
+              <a:rPr lang="en" sz="3189" dirty="0">
                 <a:solidFill>
                   <a:schemeClr val="dk1"/>
                 </a:solidFill>
               </a:rPr>
               <a:t>related work references</a:t>
             </a:r>
-            <a:endParaRPr sz="3189">
+            <a:endParaRPr sz="3189" dirty="0">
               <a:solidFill>
                 <a:schemeClr val="dk1"/>
               </a:solidFill>
@@ -13742,14 +14806,14 @@
               <a:buAutoNum type="alphaLcPeriod"/>
             </a:pPr>
             <a:r>
-              <a:rPr lang="en" sz="3189">
+              <a:rPr lang="en" sz="3189" dirty="0">
                 <a:solidFill>
                   <a:schemeClr val="dk1"/>
                 </a:solidFill>
               </a:rPr>
               <a:t>non-related work references</a:t>
             </a:r>
-            <a:endParaRPr sz="3189">
+            <a:endParaRPr sz="3189" dirty="0">
               <a:solidFill>
                 <a:schemeClr val="dk1"/>
               </a:solidFill>
@@ -13764,37 +14828,16 @@
               <a:buAutoNum type="alphaLcPeriod"/>
             </a:pPr>
             <a:r>
-              <a:rPr lang="en" sz="3189">
+              <a:rPr lang="en" sz="3189" dirty="0">
                 <a:solidFill>
                   <a:schemeClr val="dk1"/>
                 </a:solidFill>
               </a:rPr>
               <a:t>ALL references</a:t>
             </a:r>
-            <a:endParaRPr sz="3189">
-              <a:solidFill>
-                <a:schemeClr val="dk1"/>
-              </a:solidFill>
-            </a:endParaRPr>
-          </a:p>
-          <a:p>
-            <a:pPr indent="-480457">
-              <a:buClr>
-                <a:srgbClr val="FF0000"/>
-              </a:buClr>
-              <a:buSzPct val="100000"/>
-            </a:pPr>
-            <a:r>
-              <a:rPr lang="en" sz="3952" b="1">
-                <a:solidFill>
-                  <a:srgbClr val="FF0000"/>
-                </a:solidFill>
-              </a:rPr>
-              <a:t>Hypothesis: a is better than c.</a:t>
-            </a:r>
-            <a:endParaRPr sz="3952" b="1">
-              <a:solidFill>
-                <a:srgbClr val="FF0000"/>
+            <a:endParaRPr sz="3189" dirty="0">
+              <a:solidFill>
+                <a:schemeClr val="dk1"/>
               </a:solidFill>
             </a:endParaRPr>
           </a:p>
@@ -13805,7 +14848,7 @@
               </a:spcBef>
               <a:buNone/>
             </a:pPr>
-            <a:endParaRPr sz="2667">
+            <a:endParaRPr sz="2667" dirty="0">
               <a:solidFill>
                 <a:schemeClr val="dk1"/>
               </a:solidFill>
@@ -13818,7 +14861,7 @@
               </a:spcBef>
               <a:buNone/>
             </a:pPr>
-            <a:endParaRPr sz="2637">
+            <a:endParaRPr sz="2637" dirty="0">
               <a:solidFill>
                 <a:schemeClr val="dk1"/>
               </a:solidFill>
@@ -13834,7 +14877,7 @@
               </a:spcAft>
               <a:buNone/>
             </a:pPr>
-            <a:endParaRPr/>
+            <a:endParaRPr dirty="0"/>
           </a:p>
         </p:txBody>
       </p:sp>
@@ -14373,7 +15416,7 @@
             </a:r>
             <a:r>
               <a:rPr lang="en" sz="2400" dirty="0"/>
-              <a:t>References Vector = 9 References</a:t>
+              <a:t>References Vector = 9 References (V_all)</a:t>
             </a:r>
             <a:endParaRPr sz="2400" dirty="0"/>
           </a:p>
@@ -14386,13 +15429,13 @@
           <p:nvPr>
             <p:extLst>
               <p:ext uri="{D42A27DB-BD31-4B8C-83A1-F6EECF244321}">
-                <p14:modId xmlns:p14="http://schemas.microsoft.com/office/powerpoint/2010/main" val="447612756"/>
+                <p14:modId xmlns:p14="http://schemas.microsoft.com/office/powerpoint/2010/main" val="4287795487"/>
               </p:ext>
             </p:extLst>
           </p:nvPr>
         </p:nvGraphicFramePr>
         <p:xfrm>
-          <a:off x="7296233" y="4828371"/>
+          <a:off x="7296233" y="5064122"/>
           <a:ext cx="2041868" cy="609560"/>
         </p:xfrm>
         <a:graphic>
@@ -14484,7 +15527,7 @@
                         </a:spcAft>
                         <a:buNone/>
                       </a:pPr>
-                      <a:endParaRPr sz="2400"/>
+                      <a:endParaRPr sz="2400" dirty="0"/>
                     </a:p>
                   </a:txBody>
                   <a:tcPr marL="121900" marR="121900" marT="121900" marB="121900"/>
@@ -14503,7 +15546,7 @@
                         </a:spcAft>
                         <a:buNone/>
                       </a:pPr>
-                      <a:endParaRPr sz="2400"/>
+                      <a:endParaRPr sz="2400" dirty="0"/>
                     </a:p>
                   </a:txBody>
                   <a:tcPr marL="121900" marR="121900" marT="121900" marB="121900"/>
@@ -14526,8 +15569,8 @@
         </p:nvSpPr>
         <p:spPr>
           <a:xfrm>
-            <a:off x="5869200" y="4190937"/>
-            <a:ext cx="6096000" cy="763600"/>
+            <a:off x="5264943" y="4476691"/>
+            <a:ext cx="6635962" cy="763600"/>
           </a:xfrm>
           <a:prstGeom prst="rect">
             <a:avLst/>
@@ -14549,7 +15592,7 @@
             </a:r>
             <a:r>
               <a:rPr lang="en" sz="2400" dirty="0"/>
-              <a:t>References Vector = 3 References</a:t>
+              <a:t>References Vector = 3 References (V_rw)</a:t>
             </a:r>
             <a:endParaRPr sz="2400" dirty="0"/>
           </a:p>
@@ -14706,10 +15749,10 @@
           <a:lstStyle/>
           <a:p>
             <a:r>
-              <a:rPr lang="en"/>
+              <a:rPr lang="en" dirty="0"/>
               <a:t>Related Work Experiments</a:t>
             </a:r>
-            <a:endParaRPr/>
+            <a:endParaRPr dirty="0"/>
           </a:p>
         </p:txBody>
       </p:sp>
@@ -14924,8 +15967,8 @@
         </p:nvSpPr>
         <p:spPr>
           <a:xfrm>
-            <a:off x="2805133" y="3945133"/>
-            <a:ext cx="878000" cy="564000"/>
+            <a:off x="2697973" y="4373762"/>
+            <a:ext cx="402412" cy="564000"/>
           </a:xfrm>
           <a:prstGeom prst="rightArrow">
             <a:avLst>
@@ -15004,8 +16047,8 @@
         </p:nvSpPr>
         <p:spPr>
           <a:xfrm>
-            <a:off x="10282267" y="1416367"/>
-            <a:ext cx="1198400" cy="533600"/>
+            <a:off x="10023651" y="1416367"/>
+            <a:ext cx="1535600" cy="533600"/>
           </a:xfrm>
           <a:prstGeom prst="rect">
             <a:avLst/>
@@ -15023,10 +16066,10 @@
           <a:p>
             <a:pPr algn="ctr"/>
             <a:r>
-              <a:rPr lang="en" sz="2400" b="1"/>
-              <a:t>Paper </a:t>
-            </a:r>
-            <a:endParaRPr sz="2400" b="1"/>
+              <a:rPr lang="en" sz="2400" b="1" dirty="0"/>
+              <a:t>V_model </a:t>
+            </a:r>
+            <a:endParaRPr sz="2400" b="1" dirty="0"/>
           </a:p>
         </p:txBody>
       </p:sp>
@@ -15288,10 +16331,16 @@
         <p:nvGraphicFramePr>
           <p:cNvPr id="147" name="Google Shape;147;p23"/>
           <p:cNvGraphicFramePr/>
-          <p:nvPr/>
+          <p:nvPr>
+            <p:extLst>
+              <p:ext uri="{D42A27DB-BD31-4B8C-83A1-F6EECF244321}">
+                <p14:modId xmlns:p14="http://schemas.microsoft.com/office/powerpoint/2010/main" val="1493198351"/>
+              </p:ext>
+            </p:extLst>
+          </p:nvPr>
         </p:nvGraphicFramePr>
         <p:xfrm>
-          <a:off x="4836700" y="3296933"/>
+          <a:off x="4836700" y="4161337"/>
           <a:ext cx="2041868" cy="609560"/>
         </p:xfrm>
         <a:graphic>
@@ -15364,7 +16413,7 @@
                         </a:spcAft>
                         <a:buNone/>
                       </a:pPr>
-                      <a:endParaRPr sz="2400"/>
+                      <a:endParaRPr sz="2400" dirty="0"/>
                     </a:p>
                   </a:txBody>
                   <a:tcPr marL="121900" marR="121900" marT="121900" marB="121900"/>
@@ -15402,7 +16451,7 @@
                         </a:spcAft>
                         <a:buNone/>
                       </a:pPr>
-                      <a:endParaRPr sz="2400"/>
+                      <a:endParaRPr sz="2400" dirty="0"/>
                     </a:p>
                   </a:txBody>
                   <a:tcPr marL="121900" marR="121900" marT="121900" marB="121900"/>
@@ -15425,7 +16474,7 @@
         </p:nvSpPr>
         <p:spPr>
           <a:xfrm>
-            <a:off x="3849067" y="2665433"/>
+            <a:off x="3395734" y="3562055"/>
             <a:ext cx="6096000" cy="763600"/>
           </a:xfrm>
           <a:prstGeom prst="rect">
@@ -15443,14 +16492,18 @@
           <a:lstStyle/>
           <a:p>
             <a:r>
-              <a:rPr lang="en" sz="2400" b="1"/>
-              <a:t>Intro </a:t>
-            </a:r>
-            <a:r>
-              <a:rPr lang="en" sz="2400"/>
-              <a:t>References Vector = 3 References</a:t>
-            </a:r>
-            <a:endParaRPr sz="2400"/>
+              <a:rPr lang="en" sz="2400" i="1" dirty="0"/>
+              <a:t>get_centroid_vector</a:t>
+            </a:r>
+            <a:r>
+              <a:rPr lang="en" sz="2400" dirty="0"/>
+              <a:t>(All References) = </a:t>
+            </a:r>
+            <a:r>
+              <a:rPr lang="en" sz="2400" b="1" dirty="0"/>
+              <a:t>V_all</a:t>
+            </a:r>
+            <a:endParaRPr sz="2400" b="1" dirty="0"/>
           </a:p>
         </p:txBody>
       </p:sp>
@@ -15458,10 +16511,16 @@
         <p:nvGraphicFramePr>
           <p:cNvPr id="149" name="Google Shape;149;p23"/>
           <p:cNvGraphicFramePr/>
-          <p:nvPr/>
+          <p:nvPr>
+            <p:extLst>
+              <p:ext uri="{D42A27DB-BD31-4B8C-83A1-F6EECF244321}">
+                <p14:modId xmlns:p14="http://schemas.microsoft.com/office/powerpoint/2010/main" val="4041946881"/>
+              </p:ext>
+            </p:extLst>
+          </p:nvPr>
         </p:nvGraphicFramePr>
         <p:xfrm>
-          <a:off x="4828733" y="4623833"/>
+          <a:off x="4828733" y="5438230"/>
           <a:ext cx="2041868" cy="609560"/>
         </p:xfrm>
         <a:graphic>
@@ -15534,7 +16593,7 @@
                         </a:spcAft>
                         <a:buNone/>
                       </a:pPr>
-                      <a:endParaRPr sz="2400"/>
+                      <a:endParaRPr sz="2400" dirty="0"/>
                     </a:p>
                   </a:txBody>
                   <a:tcPr marL="121900" marR="121900" marT="121900" marB="121900"/>
@@ -15572,7 +16631,7 @@
                         </a:spcAft>
                         <a:buNone/>
                       </a:pPr>
-                      <a:endParaRPr sz="2400"/>
+                      <a:endParaRPr sz="2400" dirty="0"/>
                     </a:p>
                   </a:txBody>
                   <a:tcPr marL="121900" marR="121900" marT="121900" marB="121900"/>
@@ -15595,8 +16654,8 @@
         </p:nvSpPr>
         <p:spPr>
           <a:xfrm>
-            <a:off x="3841100" y="3992333"/>
-            <a:ext cx="6096000" cy="763600"/>
+            <a:off x="2950369" y="4863881"/>
+            <a:ext cx="6986731" cy="763600"/>
           </a:xfrm>
           <a:prstGeom prst="rect">
             <a:avLst/>
@@ -15613,184 +16672,18 @@
           <a:lstStyle/>
           <a:p>
             <a:r>
-              <a:rPr lang="en" sz="2400" b="1"/>
-              <a:t>Rel Work </a:t>
-            </a:r>
-            <a:r>
-              <a:rPr lang="en" sz="2400"/>
-              <a:t>References Vector = 3 References</a:t>
-            </a:r>
-            <a:endParaRPr sz="2400"/>
-          </a:p>
-        </p:txBody>
-      </p:sp>
-      <p:graphicFrame>
-        <p:nvGraphicFramePr>
-          <p:cNvPr id="151" name="Google Shape;151;p23"/>
-          <p:cNvGraphicFramePr/>
-          <p:nvPr/>
-        </p:nvGraphicFramePr>
-        <p:xfrm>
-          <a:off x="4828733" y="5899800"/>
-          <a:ext cx="2041868" cy="609560"/>
-        </p:xfrm>
-        <a:graphic>
-          <a:graphicData uri="http://schemas.openxmlformats.org/drawingml/2006/table">
-            <a:tbl>
-              <a:tblPr>
-                <a:noFill/>
-              </a:tblPr>
-              <a:tblGrid>
-                <a:gridCol w="510467">
-                  <a:extLst>
-                    <a:ext uri="{9D8B030D-6E8A-4147-A177-3AD203B41FA5}">
-                      <a16:colId xmlns:a16="http://schemas.microsoft.com/office/drawing/2014/main" val="20000"/>
-                    </a:ext>
-                  </a:extLst>
-                </a:gridCol>
-                <a:gridCol w="510467">
-                  <a:extLst>
-                    <a:ext uri="{9D8B030D-6E8A-4147-A177-3AD203B41FA5}">
-                      <a16:colId xmlns:a16="http://schemas.microsoft.com/office/drawing/2014/main" val="20001"/>
-                    </a:ext>
-                  </a:extLst>
-                </a:gridCol>
-                <a:gridCol w="510467">
-                  <a:extLst>
-                    <a:ext uri="{9D8B030D-6E8A-4147-A177-3AD203B41FA5}">
-                      <a16:colId xmlns:a16="http://schemas.microsoft.com/office/drawing/2014/main" val="20002"/>
-                    </a:ext>
-                  </a:extLst>
-                </a:gridCol>
-                <a:gridCol w="510467">
-                  <a:extLst>
-                    <a:ext uri="{9D8B030D-6E8A-4147-A177-3AD203B41FA5}">
-                      <a16:colId xmlns:a16="http://schemas.microsoft.com/office/drawing/2014/main" val="20003"/>
-                    </a:ext>
-                  </a:extLst>
-                </a:gridCol>
-              </a:tblGrid>
-              <a:tr h="609560">
-                <a:tc>
-                  <a:txBody>
-                    <a:bodyPr/>
-                    <a:lstStyle/>
-                    <a:p>
-                      <a:pPr marL="0" lvl="0" indent="0" algn="l" rtl="0">
-                        <a:spcBef>
-                          <a:spcPts val="0"/>
-                        </a:spcBef>
-                        <a:spcAft>
-                          <a:spcPts val="0"/>
-                        </a:spcAft>
-                        <a:buNone/>
-                      </a:pPr>
-                      <a:endParaRPr sz="2400"/>
-                    </a:p>
-                  </a:txBody>
-                  <a:tcPr marL="121900" marR="121900" marT="121900" marB="121900"/>
-                </a:tc>
-                <a:tc>
-                  <a:txBody>
-                    <a:bodyPr/>
-                    <a:lstStyle/>
-                    <a:p>
-                      <a:pPr marL="0" lvl="0" indent="0" algn="l" rtl="0">
-                        <a:spcBef>
-                          <a:spcPts val="0"/>
-                        </a:spcBef>
-                        <a:spcAft>
-                          <a:spcPts val="0"/>
-                        </a:spcAft>
-                        <a:buNone/>
-                      </a:pPr>
-                      <a:endParaRPr sz="2400"/>
-                    </a:p>
-                  </a:txBody>
-                  <a:tcPr marL="121900" marR="121900" marT="121900" marB="121900"/>
-                </a:tc>
-                <a:tc>
-                  <a:txBody>
-                    <a:bodyPr/>
-                    <a:lstStyle/>
-                    <a:p>
-                      <a:pPr marL="0" lvl="0" indent="0" algn="l" rtl="0">
-                        <a:spcBef>
-                          <a:spcPts val="0"/>
-                        </a:spcBef>
-                        <a:spcAft>
-                          <a:spcPts val="0"/>
-                        </a:spcAft>
-                        <a:buNone/>
-                      </a:pPr>
-                      <a:endParaRPr sz="2400"/>
-                    </a:p>
-                  </a:txBody>
-                  <a:tcPr marL="121900" marR="121900" marT="121900" marB="121900"/>
-                </a:tc>
-                <a:tc>
-                  <a:txBody>
-                    <a:bodyPr/>
-                    <a:lstStyle/>
-                    <a:p>
-                      <a:pPr marL="0" lvl="0" indent="0" algn="l" rtl="0">
-                        <a:spcBef>
-                          <a:spcPts val="0"/>
-                        </a:spcBef>
-                        <a:spcAft>
-                          <a:spcPts val="0"/>
-                        </a:spcAft>
-                        <a:buNone/>
-                      </a:pPr>
-                      <a:endParaRPr sz="2400"/>
-                    </a:p>
-                  </a:txBody>
-                  <a:tcPr marL="121900" marR="121900" marT="121900" marB="121900"/>
-                </a:tc>
-                <a:extLst>
-                  <a:ext uri="{0D108BD9-81ED-4DB2-BD59-A6C34878D82A}">
-                    <a16:rowId xmlns:a16="http://schemas.microsoft.com/office/drawing/2014/main" val="10000"/>
-                  </a:ext>
-                </a:extLst>
-              </a:tr>
-            </a:tbl>
-          </a:graphicData>
-        </a:graphic>
-      </p:graphicFrame>
-      <p:sp>
-        <p:nvSpPr>
-          <p:cNvPr id="152" name="Google Shape;152;p23"/>
-          <p:cNvSpPr txBox="1"/>
-          <p:nvPr/>
-        </p:nvSpPr>
-        <p:spPr>
-          <a:xfrm>
-            <a:off x="3841100" y="5268300"/>
-            <a:ext cx="6096000" cy="763600"/>
-          </a:xfrm>
-          <a:prstGeom prst="rect">
-            <a:avLst/>
-          </a:prstGeom>
-          <a:noFill/>
-          <a:ln>
-            <a:noFill/>
-          </a:ln>
-        </p:spPr>
-        <p:txBody>
-          <a:bodyPr spcFirstLastPara="1" wrap="square" lIns="121900" tIns="121900" rIns="121900" bIns="121900" anchor="t" anchorCtr="0">
-            <a:noAutofit/>
-          </a:bodyPr>
-          <a:lstStyle/>
-          <a:p>
-            <a:r>
-              <a:rPr lang="en" sz="2400" b="1"/>
-              <a:t>Conclusion </a:t>
-            </a:r>
-            <a:r>
-              <a:rPr lang="en" sz="2400"/>
-              <a:t>References Vector = 3 References</a:t>
-            </a:r>
-            <a:endParaRPr sz="2400"/>
+              <a:rPr lang="en" sz="2400" i="1" dirty="0"/>
+              <a:t>get_centroid_vector</a:t>
+            </a:r>
+            <a:r>
+              <a:rPr lang="en" sz="2400" dirty="0"/>
+              <a:t>(Related Work References) = </a:t>
+            </a:r>
+            <a:r>
+              <a:rPr lang="en" sz="2400" b="1" dirty="0"/>
+              <a:t>V_rw</a:t>
+            </a:r>
+            <a:endParaRPr sz="2400" b="1" dirty="0"/>
           </a:p>
         </p:txBody>
       </p:sp>
@@ -15802,7 +16695,7 @@
         </p:nvSpPr>
         <p:spPr>
           <a:xfrm>
-            <a:off x="9740233" y="3654267"/>
+            <a:off x="9983124" y="3447091"/>
             <a:ext cx="1945086" cy="1864800"/>
           </a:xfrm>
           <a:prstGeom prst="ellipse">
@@ -15830,7 +16723,7 @@
             <a:pPr algn="ctr"/>
             <a:r>
               <a:rPr lang="en" sz="2400" dirty="0"/>
-              <a:t>Compare and Predict</a:t>
+              <a:t>Compare</a:t>
             </a:r>
             <a:endParaRPr sz="2400" dirty="0"/>
           </a:p>
@@ -16156,7 +17049,7 @@
             </a:r>
             <a:r>
               <a:rPr lang="en" sz="2667" dirty="0"/>
-              <a:t>Vector_Rel_Work + μVector_Other = Vector_prone</a:t>
+              <a:t>Vector_Rel_Work + μVector_Other = Vector_model</a:t>
             </a:r>
             <a:endParaRPr sz="2667" dirty="0"/>
           </a:p>
@@ -16242,6 +17135,290 @@
 </file>
 
 <file path=ppt/slides/slide24.xml><?xml version="1.0" encoding="utf-8"?>
+<p:sld xmlns:a="http://schemas.openxmlformats.org/drawingml/2006/main" xmlns:r="http://schemas.openxmlformats.org/officeDocument/2006/relationships" xmlns:p="http://schemas.openxmlformats.org/presentationml/2006/main">
+  <p:cSld>
+    <p:spTree>
+      <p:nvGrpSpPr>
+        <p:cNvPr id="1" name=""/>
+        <p:cNvGrpSpPr/>
+        <p:nvPr/>
+      </p:nvGrpSpPr>
+      <p:grpSpPr>
+        <a:xfrm>
+          <a:off x="0" y="0"/>
+          <a:ext cx="0" cy="0"/>
+          <a:chOff x="0" y="0"/>
+          <a:chExt cx="0" cy="0"/>
+        </a:xfrm>
+      </p:grpSpPr>
+      <p:sp>
+        <p:nvSpPr>
+          <p:cNvPr id="2" name="Título 1">
+            <a:extLst>
+              <a:ext uri="{FF2B5EF4-FFF2-40B4-BE49-F238E27FC236}">
+                <a16:creationId xmlns:a16="http://schemas.microsoft.com/office/drawing/2014/main" id="{57DC9B2D-FED7-CAC8-D036-3068617D440B}"/>
+              </a:ext>
+            </a:extLst>
+          </p:cNvPr>
+          <p:cNvSpPr>
+            <a:spLocks noGrp="1"/>
+          </p:cNvSpPr>
+          <p:nvPr>
+            <p:ph type="title"/>
+          </p:nvPr>
+        </p:nvSpPr>
+        <p:spPr/>
+        <p:txBody>
+          <a:bodyPr/>
+          <a:lstStyle/>
+          <a:p>
+            <a:r>
+              <a:rPr lang="en" dirty="0"/>
+              <a:t>Related Work Experiments</a:t>
+            </a:r>
+            <a:endParaRPr lang="es-ES" dirty="0"/>
+          </a:p>
+        </p:txBody>
+      </p:sp>
+      <p:sp>
+        <p:nvSpPr>
+          <p:cNvPr id="3" name="Marcador de contenido 2">
+            <a:extLst>
+              <a:ext uri="{FF2B5EF4-FFF2-40B4-BE49-F238E27FC236}">
+                <a16:creationId xmlns:a16="http://schemas.microsoft.com/office/drawing/2014/main" id="{7193FB63-2751-E3D4-A3A1-48682DCBF077}"/>
+              </a:ext>
+            </a:extLst>
+          </p:cNvPr>
+          <p:cNvSpPr>
+            <a:spLocks noGrp="1"/>
+          </p:cNvSpPr>
+          <p:nvPr>
+            <p:ph idx="1"/>
+          </p:nvPr>
+        </p:nvSpPr>
+        <p:spPr>
+          <a:xfrm>
+            <a:off x="838200" y="1825625"/>
+            <a:ext cx="5135088" cy="4351338"/>
+          </a:xfrm>
+        </p:spPr>
+        <p:txBody>
+          <a:bodyPr/>
+          <a:lstStyle/>
+          <a:p>
+            <a:r>
+              <a:rPr lang="en-US" dirty="0"/>
+              <a:t>We built a neural network to predict the </a:t>
+            </a:r>
+            <a:r>
+              <a:rPr lang="en-US" dirty="0" err="1"/>
+              <a:t>V_model</a:t>
+            </a:r>
+            <a:endParaRPr lang="en-US" dirty="0"/>
+          </a:p>
+          <a:p>
+            <a:r>
+              <a:rPr lang="en-US" dirty="0"/>
+              <a:t>We used Martin's 400k paper archive</a:t>
+            </a:r>
+          </a:p>
+          <a:p>
+            <a:r>
+              <a:rPr lang="en-US" dirty="0"/>
+              <a:t>Our NN was trained with a </a:t>
+            </a:r>
+            <a:r>
+              <a:rPr lang="en-US" dirty="0" err="1"/>
+              <a:t>lr</a:t>
+            </a:r>
+            <a:r>
+              <a:rPr lang="en-US" dirty="0"/>
+              <a:t> of 5e-5, in 3 epochs, using </a:t>
+            </a:r>
+            <a:r>
+              <a:rPr lang="en-US" dirty="0" err="1"/>
+              <a:t>AdamW</a:t>
+            </a:r>
+            <a:r>
+              <a:rPr lang="en-US" dirty="0"/>
+              <a:t> as an optimizer, in addition, we use a dropout of 0.2 and a batch of 8</a:t>
+            </a:r>
+            <a:endParaRPr lang="es-ES" dirty="0"/>
+          </a:p>
+        </p:txBody>
+      </p:sp>
+      <p:pic>
+        <p:nvPicPr>
+          <p:cNvPr id="5" name="Imagen 4">
+            <a:extLst>
+              <a:ext uri="{FF2B5EF4-FFF2-40B4-BE49-F238E27FC236}">
+                <a16:creationId xmlns:a16="http://schemas.microsoft.com/office/drawing/2014/main" id="{50AAEBDE-62F6-A062-9BCD-7FF33BD071DF}"/>
+              </a:ext>
+            </a:extLst>
+          </p:cNvPr>
+          <p:cNvPicPr>
+            <a:picLocks noChangeAspect="1"/>
+          </p:cNvPicPr>
+          <p:nvPr/>
+        </p:nvPicPr>
+        <p:blipFill>
+          <a:blip r:embed="rId2"/>
+          <a:stretch>
+            <a:fillRect/>
+          </a:stretch>
+        </p:blipFill>
+        <p:spPr>
+          <a:xfrm>
+            <a:off x="6096000" y="1373899"/>
+            <a:ext cx="5691844" cy="4927422"/>
+          </a:xfrm>
+          <a:prstGeom prst="rect">
+            <a:avLst/>
+          </a:prstGeom>
+        </p:spPr>
+      </p:pic>
+      <p:sp>
+        <p:nvSpPr>
+          <p:cNvPr id="6" name="CuadroTexto 5">
+            <a:extLst>
+              <a:ext uri="{FF2B5EF4-FFF2-40B4-BE49-F238E27FC236}">
+                <a16:creationId xmlns:a16="http://schemas.microsoft.com/office/drawing/2014/main" id="{5FD27017-376D-2A60-D3B4-2EF17FABD88C}"/>
+              </a:ext>
+            </a:extLst>
+          </p:cNvPr>
+          <p:cNvSpPr txBox="1"/>
+          <p:nvPr/>
+        </p:nvSpPr>
+        <p:spPr>
+          <a:xfrm>
+            <a:off x="10093123" y="3615610"/>
+            <a:ext cx="2662733" cy="369332"/>
+          </a:xfrm>
+          <a:prstGeom prst="rect">
+            <a:avLst/>
+          </a:prstGeom>
+          <a:noFill/>
+        </p:spPr>
+        <p:txBody>
+          <a:bodyPr wrap="square" rtlCol="0">
+            <a:spAutoFit/>
+          </a:bodyPr>
+          <a:lstStyle/>
+          <a:p>
+            <a:r>
+              <a:rPr lang="es-ES" dirty="0" err="1"/>
+              <a:t>Our</a:t>
+            </a:r>
+            <a:r>
+              <a:rPr lang="es-ES" dirty="0"/>
+              <a:t> Neural Network</a:t>
+            </a:r>
+          </a:p>
+        </p:txBody>
+      </p:sp>
+      <p:sp>
+        <p:nvSpPr>
+          <p:cNvPr id="7" name="CuadroTexto 6">
+            <a:extLst>
+              <a:ext uri="{FF2B5EF4-FFF2-40B4-BE49-F238E27FC236}">
+                <a16:creationId xmlns:a16="http://schemas.microsoft.com/office/drawing/2014/main" id="{7C9EA051-3120-B1C5-3C0D-26AA91EA07D0}"/>
+              </a:ext>
+            </a:extLst>
+          </p:cNvPr>
+          <p:cNvSpPr txBox="1"/>
+          <p:nvPr/>
+        </p:nvSpPr>
+        <p:spPr>
+          <a:xfrm>
+            <a:off x="7327077" y="1543792"/>
+            <a:ext cx="2939143" cy="369332"/>
+          </a:xfrm>
+          <a:prstGeom prst="rect">
+            <a:avLst/>
+          </a:prstGeom>
+          <a:noFill/>
+        </p:spPr>
+        <p:txBody>
+          <a:bodyPr wrap="square" rtlCol="0">
+            <a:spAutoFit/>
+          </a:bodyPr>
+          <a:lstStyle/>
+          <a:p>
+            <a:r>
+              <a:rPr lang="es-ES" dirty="0" err="1"/>
+              <a:t>prediction</a:t>
+            </a:r>
+            <a:r>
+              <a:rPr lang="es-ES" dirty="0"/>
+              <a:t> vector = </a:t>
+            </a:r>
+            <a:r>
+              <a:rPr lang="es-ES" dirty="0" err="1"/>
+              <a:t>V_predic</a:t>
+            </a:r>
+            <a:endParaRPr lang="es-ES" dirty="0"/>
+          </a:p>
+        </p:txBody>
+      </p:sp>
+      <p:sp>
+        <p:nvSpPr>
+          <p:cNvPr id="8" name="CuadroTexto 7">
+            <a:extLst>
+              <a:ext uri="{FF2B5EF4-FFF2-40B4-BE49-F238E27FC236}">
+                <a16:creationId xmlns:a16="http://schemas.microsoft.com/office/drawing/2014/main" id="{B6216852-3012-E0FF-261F-2D7355397781}"/>
+              </a:ext>
+            </a:extLst>
+          </p:cNvPr>
+          <p:cNvSpPr txBox="1"/>
+          <p:nvPr/>
+        </p:nvSpPr>
+        <p:spPr>
+          <a:xfrm>
+            <a:off x="7479470" y="5698177"/>
+            <a:ext cx="2939143" cy="369332"/>
+          </a:xfrm>
+          <a:prstGeom prst="rect">
+            <a:avLst/>
+          </a:prstGeom>
+          <a:noFill/>
+        </p:spPr>
+        <p:txBody>
+          <a:bodyPr wrap="square" rtlCol="0">
+            <a:spAutoFit/>
+          </a:bodyPr>
+          <a:lstStyle/>
+          <a:p>
+            <a:pPr algn="ctr"/>
+            <a:r>
+              <a:rPr lang="es-ES" dirty="0" err="1"/>
+              <a:t>V_rw</a:t>
+            </a:r>
+            <a:r>
+              <a:rPr lang="es-ES" dirty="0"/>
+              <a:t> + </a:t>
+            </a:r>
+            <a:r>
+              <a:rPr lang="es-ES" dirty="0" err="1"/>
+              <a:t>V_nrw</a:t>
+            </a:r>
+            <a:endParaRPr lang="es-ES" dirty="0"/>
+          </a:p>
+        </p:txBody>
+      </p:sp>
+    </p:spTree>
+    <p:extLst>
+      <p:ext uri="{BB962C8B-B14F-4D97-AF65-F5344CB8AC3E}">
+        <p14:creationId xmlns:p14="http://schemas.microsoft.com/office/powerpoint/2010/main" val="2203989604"/>
+      </p:ext>
+    </p:extLst>
+  </p:cSld>
+  <p:clrMapOvr>
+    <a:masterClrMapping/>
+  </p:clrMapOvr>
+</p:sld>
+</file>
+
+<file path=ppt/slides/slide25.xml><?xml version="1.0" encoding="utf-8"?>
 <p:sld xmlns:a="http://schemas.openxmlformats.org/drawingml/2006/main" xmlns:r="http://schemas.openxmlformats.org/officeDocument/2006/relationships" xmlns:p="http://schemas.openxmlformats.org/presentationml/2006/main">
   <p:cSld>
     <p:spTree>
@@ -16284,10 +17461,10 @@
           <a:lstStyle/>
           <a:p>
             <a:r>
-              <a:rPr lang="en"/>
+              <a:rPr lang="en" dirty="0"/>
               <a:t>Related Work Experiments</a:t>
             </a:r>
-            <a:endParaRPr/>
+            <a:endParaRPr dirty="0"/>
           </a:p>
         </p:txBody>
       </p:sp>
@@ -16319,40 +17496,40 @@
             <a:fld id="{00000000-1234-1234-1234-123412341234}" type="slidenum">
               <a:rPr lang="en"/>
               <a:pPr/>
-              <a:t>24</a:t>
+              <a:t>25</a:t>
             </a:fld>
             <a:endParaRPr/>
           </a:p>
         </p:txBody>
       </p:sp>
-      <p:pic>
-        <p:nvPicPr>
-          <p:cNvPr id="181" name="Google Shape;181;p27" title="Points scored"/>
-          <p:cNvPicPr preferRelativeResize="0"/>
-          <p:nvPr/>
-        </p:nvPicPr>
-        <p:blipFill>
-          <a:blip r:embed="rId3">
-            <a:alphaModFix/>
-          </a:blip>
-          <a:stretch>
-            <a:fillRect/>
-          </a:stretch>
-        </p:blipFill>
-        <p:spPr>
-          <a:xfrm>
-            <a:off x="1472234" y="1402901"/>
-            <a:ext cx="8239300" cy="5094633"/>
-          </a:xfrm>
-          <a:prstGeom prst="rect">
-            <a:avLst/>
-          </a:prstGeom>
-          <a:noFill/>
-          <a:ln>
-            <a:noFill/>
-          </a:ln>
-        </p:spPr>
-      </p:pic>
+      <p:graphicFrame>
+        <p:nvGraphicFramePr>
+          <p:cNvPr id="4" name="Gráfico 3">
+            <a:extLst>
+              <a:ext uri="{FF2B5EF4-FFF2-40B4-BE49-F238E27FC236}">
+                <a16:creationId xmlns:a16="http://schemas.microsoft.com/office/drawing/2014/main" id="{060D4D5E-183E-CC12-3704-5952D16FDF5F}"/>
+              </a:ext>
+            </a:extLst>
+          </p:cNvPr>
+          <p:cNvGraphicFramePr/>
+          <p:nvPr>
+            <p:extLst>
+              <p:ext uri="{D42A27DB-BD31-4B8C-83A1-F6EECF244321}">
+                <p14:modId xmlns:p14="http://schemas.microsoft.com/office/powerpoint/2010/main" val="1813366291"/>
+              </p:ext>
+            </p:extLst>
+          </p:nvPr>
+        </p:nvGraphicFramePr>
+        <p:xfrm>
+          <a:off x="2032000" y="1169727"/>
+          <a:ext cx="8128000" cy="5418667"/>
+        </p:xfrm>
+        <a:graphic>
+          <a:graphicData uri="http://schemas.openxmlformats.org/drawingml/2006/chart">
+            <c:chart xmlns:c="http://schemas.openxmlformats.org/drawingml/2006/chart" xmlns:r="http://schemas.openxmlformats.org/officeDocument/2006/relationships" r:id="rId3"/>
+          </a:graphicData>
+        </a:graphic>
+      </p:graphicFrame>
     </p:spTree>
   </p:cSld>
   <p:clrMapOvr>
@@ -16361,7 +17538,7 @@
 </p:sld>
 </file>
 
-<file path=ppt/slides/slide25.xml><?xml version="1.0" encoding="utf-8"?>
+<file path=ppt/slides/slide26.xml><?xml version="1.0" encoding="utf-8"?>
 <p:sld xmlns:a="http://schemas.openxmlformats.org/drawingml/2006/main" xmlns:r="http://schemas.openxmlformats.org/officeDocument/2006/relationships" xmlns:p="http://schemas.openxmlformats.org/presentationml/2006/main">
   <p:cSld>
     <p:spTree>
@@ -16404,10 +17581,10 @@
           <a:lstStyle/>
           <a:p>
             <a:r>
-              <a:rPr lang="en"/>
-              <a:t>Conclusion and Next Steps</a:t>
-            </a:r>
-            <a:endParaRPr/>
+              <a:rPr lang="en" dirty="0"/>
+              <a:t>Conclusion</a:t>
+            </a:r>
+            <a:endParaRPr dirty="0"/>
           </a:p>
         </p:txBody>
       </p:sp>
@@ -16439,7 +17616,7 @@
             <a:fld id="{00000000-1234-1234-1234-123412341234}" type="slidenum">
               <a:rPr lang="en"/>
               <a:pPr/>
-              <a:t>25</a:t>
+              <a:t>26</a:t>
             </a:fld>
             <a:endParaRPr/>
           </a:p>
@@ -16471,28 +17648,58 @@
           <a:lstStyle/>
           <a:p>
             <a:pPr indent="-465655">
+              <a:lnSpc>
+                <a:spcPct val="150000"/>
+              </a:lnSpc>
+              <a:buClr>
+                <a:schemeClr val="dk1"/>
+              </a:buClr>
+              <a:buSzPts val="1900"/>
+              <a:buFont typeface="Arial" panose="020B0604020202020204" pitchFamily="34" charset="0"/>
+              <a:buAutoNum type="arabicPeriod"/>
+            </a:pPr>
+            <a:r>
+              <a:rPr lang="en-US" sz="2533" dirty="0">
+                <a:solidFill>
+                  <a:schemeClr val="dk1"/>
+                </a:solidFill>
+              </a:rPr>
+              <a:t>The centroid vector of the references approximates the vector of the model.</a:t>
+            </a:r>
+          </a:p>
+          <a:p>
+            <a:pPr indent="-465655">
+              <a:lnSpc>
+                <a:spcPct val="150000"/>
+              </a:lnSpc>
               <a:buClr>
                 <a:schemeClr val="dk1"/>
               </a:buClr>
               <a:buSzPts val="1900"/>
               <a:buAutoNum type="arabicPeriod"/>
             </a:pPr>
+            <a:r>
+              <a:rPr lang="en-US" sz="2533" dirty="0">
+                <a:solidFill>
+                  <a:schemeClr val="dk1"/>
+                </a:solidFill>
+              </a:rPr>
+              <a:t>The centroid vector of </a:t>
+            </a:r>
             <a:r>
               <a:rPr lang="en" sz="2533" dirty="0">
                 <a:solidFill>
                   <a:schemeClr val="dk1"/>
                 </a:solidFill>
               </a:rPr>
-              <a:t>Predictions are better than chance with the first iteration (similar to LogReg).</a:t>
-            </a:r>
-            <a:endParaRPr sz="2533" dirty="0">
-              <a:solidFill>
-                <a:schemeClr val="dk1"/>
-              </a:solidFill>
-            </a:endParaRPr>
+              <a:t>Related Work references is better than use all references.</a:t>
+            </a:r>
           </a:p>
           <a:p>
             <a:pPr indent="-465655">
+              <a:lnSpc>
+                <a:spcPct val="150000"/>
+              </a:lnSpc>
               <a:buClr>
                 <a:schemeClr val="dk1"/>
               </a:buClr>
@@ -16500,21 +17707,19 @@
               <a:buAutoNum type="arabicPeriod"/>
             </a:pPr>
             <a:r>
-              <a:rPr lang="en" sz="2533" dirty="0">
+              <a:rPr lang="en-US" sz="2533" dirty="0">
                 <a:solidFill>
                   <a:schemeClr val="dk1"/>
                 </a:solidFill>
               </a:rPr>
-              <a:t>Related Work references represent the papers in our experiments.</a:t>
-            </a:r>
-            <a:endParaRPr sz="2533" dirty="0">
-              <a:solidFill>
-                <a:schemeClr val="dk1"/>
-              </a:solidFill>
-            </a:endParaRPr>
+              <a:t>Using a clustering method helps to get the related work references in case you don't have them.</a:t>
+            </a:r>
           </a:p>
           <a:p>
             <a:pPr indent="-465655">
+              <a:lnSpc>
+                <a:spcPct val="150000"/>
+              </a:lnSpc>
               <a:buClr>
                 <a:schemeClr val="dk1"/>
               </a:buClr>
@@ -16522,12 +17727,28 @@
               <a:buAutoNum type="arabicPeriod"/>
             </a:pPr>
             <a:r>
-              <a:rPr lang="en" sz="2533" dirty="0">
+              <a:rPr lang="en-US" sz="2533" dirty="0">
                 <a:solidFill>
                   <a:schemeClr val="dk1"/>
                 </a:solidFill>
               </a:rPr>
-              <a:t>Approximation only at this point.</a:t>
+              <a:t>The vector generated by the neural model is closer to the </a:t>
+            </a:r>
+            <a:r>
+              <a:rPr lang="en-US" sz="2533" dirty="0" err="1">
+                <a:solidFill>
+                  <a:schemeClr val="dk1"/>
+                </a:solidFill>
+              </a:rPr>
+              <a:t>V_model</a:t>
+            </a:r>
+            <a:r>
+              <a:rPr lang="en-US" sz="2533" dirty="0">
+                <a:solidFill>
+                  <a:schemeClr val="dk1"/>
+                </a:solidFill>
+              </a:rPr>
+              <a:t> than the vector of related work references</a:t>
             </a:r>
             <a:endParaRPr sz="2533" dirty="0">
               <a:solidFill>

--- a/slides/final_presentation_draft/Experiments/Related_Work_Hypothesis_final.pptx
+++ b/slides/final_presentation_draft/Experiments/Related_Work_Hypothesis_final.pptx
@@ -5,7 +5,7 @@
     <p:sldMasterId id="2147483648" r:id="rId1"/>
   </p:sldMasterIdLst>
   <p:notesMasterIdLst>
-    <p:notesMasterId r:id="rId28"/>
+    <p:notesMasterId r:id="rId29"/>
   </p:notesMasterIdLst>
   <p:sldIdLst>
     <p:sldId id="256" r:id="rId2"/>
@@ -33,7 +33,8 @@
     <p:sldId id="269" r:id="rId24"/>
     <p:sldId id="284" r:id="rId25"/>
     <p:sldId id="270" r:id="rId26"/>
-    <p:sldId id="271" r:id="rId27"/>
+    <p:sldId id="285" r:id="rId27"/>
+    <p:sldId id="271" r:id="rId28"/>
   </p:sldIdLst>
   <p:sldSz cx="12192000" cy="6858000"/>
   <p:notesSz cx="6858000" cy="9144000"/>
@@ -141,6 +142,1337 @@
 </file>
 
 <file path=ppt/charts/chart1.xml><?xml version="1.0" encoding="utf-8"?>
+<c:chartSpace xmlns:c="http://schemas.openxmlformats.org/drawingml/2006/chart" xmlns:a="http://schemas.openxmlformats.org/drawingml/2006/main" xmlns:r="http://schemas.openxmlformats.org/officeDocument/2006/relationships" xmlns:c16r2="http://schemas.microsoft.com/office/drawing/2015/06/chart">
+  <c:date1904 val="0"/>
+  <c:lang val="es-ES"/>
+  <c:roundedCorners val="0"/>
+  <mc:AlternateContent xmlns:mc="http://schemas.openxmlformats.org/markup-compatibility/2006">
+    <mc:Choice xmlns:c14="http://schemas.microsoft.com/office/drawing/2007/8/2/chart" Requires="c14">
+      <c14:style val="102"/>
+    </mc:Choice>
+    <mc:Fallback>
+      <c:style val="2"/>
+    </mc:Fallback>
+  </mc:AlternateContent>
+  <c:chart>
+    <c:title>
+      <c:tx>
+        <c:rich>
+          <a:bodyPr rot="0" spcFirstLastPara="1" vertOverflow="ellipsis" vert="horz" wrap="square" anchor="ctr" anchorCtr="1"/>
+          <a:lstStyle/>
+          <a:p>
+            <a:pPr>
+              <a:defRPr sz="1862" b="0" i="0" u="none" strike="noStrike" kern="1200" spc="0" baseline="0">
+                <a:solidFill>
+                  <a:schemeClr val="tx1">
+                    <a:lumMod val="65000"/>
+                    <a:lumOff val="35000"/>
+                  </a:schemeClr>
+                </a:solidFill>
+                <a:latin typeface="+mn-lt"/>
+                <a:ea typeface="+mn-ea"/>
+                <a:cs typeface="+mn-cs"/>
+              </a:defRPr>
+            </a:pPr>
+            <a:r>
+              <a:rPr lang="en-US" dirty="0"/>
+              <a:t>Comparison</a:t>
+            </a:r>
+            <a:r>
+              <a:rPr lang="en-US" baseline="0" dirty="0"/>
+              <a:t> of Cosine Similarity: </a:t>
+            </a:r>
+            <a:r>
+              <a:rPr lang="en-US" baseline="0" dirty="0" err="1"/>
+              <a:t>V_rw</a:t>
+            </a:r>
+            <a:r>
+              <a:rPr lang="en-US" baseline="0" dirty="0"/>
+              <a:t> and </a:t>
+            </a:r>
+            <a:r>
+              <a:rPr lang="en-US" baseline="0" dirty="0" err="1"/>
+              <a:t>V_all</a:t>
+            </a:r>
+            <a:endParaRPr lang="en-US" dirty="0"/>
+          </a:p>
+        </c:rich>
+      </c:tx>
+      <c:overlay val="0"/>
+      <c:spPr>
+        <a:noFill/>
+        <a:ln>
+          <a:noFill/>
+        </a:ln>
+        <a:effectLst/>
+      </c:spPr>
+      <c:txPr>
+        <a:bodyPr rot="0" spcFirstLastPara="1" vertOverflow="ellipsis" vert="horz" wrap="square" anchor="ctr" anchorCtr="1"/>
+        <a:lstStyle/>
+        <a:p>
+          <a:pPr>
+            <a:defRPr sz="1862" b="0" i="0" u="none" strike="noStrike" kern="1200" spc="0" baseline="0">
+              <a:solidFill>
+                <a:schemeClr val="tx1">
+                  <a:lumMod val="65000"/>
+                  <a:lumOff val="35000"/>
+                </a:schemeClr>
+              </a:solidFill>
+              <a:latin typeface="+mn-lt"/>
+              <a:ea typeface="+mn-ea"/>
+              <a:cs typeface="+mn-cs"/>
+            </a:defRPr>
+          </a:pPr>
+          <a:endParaRPr lang="es-ES"/>
+        </a:p>
+      </c:txPr>
+    </c:title>
+    <c:autoTitleDeleted val="0"/>
+    <c:plotArea>
+      <c:layout>
+        <c:manualLayout>
+          <c:layoutTarget val="inner"/>
+          <c:xMode val="edge"/>
+          <c:yMode val="edge"/>
+          <c:x val="7.6552534448818904E-2"/>
+          <c:y val="0.15116946658652394"/>
+          <c:w val="0.89844746555118116"/>
+          <c:h val="0.76748654235442038"/>
+        </c:manualLayout>
+      </c:layout>
+      <c:barChart>
+        <c:barDir val="col"/>
+        <c:grouping val="clustered"/>
+        <c:varyColors val="0"/>
+        <c:ser>
+          <c:idx val="0"/>
+          <c:order val="0"/>
+          <c:tx>
+            <c:strRef>
+              <c:f>Hoja1!$B$1</c:f>
+              <c:strCache>
+                <c:ptCount val="1"/>
+                <c:pt idx="0">
+                  <c:v>Serie 1</c:v>
+                </c:pt>
+              </c:strCache>
+            </c:strRef>
+          </c:tx>
+          <c:spPr>
+            <a:solidFill>
+              <a:schemeClr val="accent1"/>
+            </a:solidFill>
+            <a:ln>
+              <a:noFill/>
+            </a:ln>
+            <a:effectLst/>
+          </c:spPr>
+          <c:invertIfNegative val="0"/>
+          <c:dPt>
+            <c:idx val="1"/>
+            <c:invertIfNegative val="0"/>
+            <c:bubble3D val="0"/>
+            <c:spPr>
+              <a:solidFill>
+                <a:schemeClr val="accent2"/>
+              </a:solidFill>
+              <a:ln>
+                <a:noFill/>
+              </a:ln>
+              <a:effectLst/>
+            </c:spPr>
+            <c:extLst>
+              <c:ext xmlns:c16="http://schemas.microsoft.com/office/drawing/2014/chart" uri="{C3380CC4-5D6E-409C-BE32-E72D297353CC}">
+                <c16:uniqueId val="{00000003-80E2-4F7A-8647-145BF12DE3F9}"/>
+              </c:ext>
+            </c:extLst>
+          </c:dPt>
+          <c:dLbls>
+            <c:spPr>
+              <a:noFill/>
+              <a:ln>
+                <a:noFill/>
+              </a:ln>
+              <a:effectLst/>
+            </c:spPr>
+            <c:txPr>
+              <a:bodyPr rot="0" spcFirstLastPara="1" vertOverflow="ellipsis" vert="horz" wrap="square" lIns="38100" tIns="19050" rIns="38100" bIns="19050" anchor="ctr" anchorCtr="1">
+                <a:spAutoFit/>
+              </a:bodyPr>
+              <a:lstStyle/>
+              <a:p>
+                <a:pPr>
+                  <a:defRPr sz="1197" b="0" i="0" u="none" strike="noStrike" kern="1200" baseline="0">
+                    <a:solidFill>
+                      <a:schemeClr val="tx1">
+                        <a:lumMod val="75000"/>
+                        <a:lumOff val="25000"/>
+                      </a:schemeClr>
+                    </a:solidFill>
+                    <a:latin typeface="+mn-lt"/>
+                    <a:ea typeface="+mn-ea"/>
+                    <a:cs typeface="+mn-cs"/>
+                  </a:defRPr>
+                </a:pPr>
+                <a:endParaRPr lang="es-ES"/>
+              </a:p>
+            </c:txPr>
+            <c:dLblPos val="outEnd"/>
+            <c:showLegendKey val="0"/>
+            <c:showVal val="1"/>
+            <c:showCatName val="0"/>
+            <c:showSerName val="0"/>
+            <c:showPercent val="0"/>
+            <c:showBubbleSize val="0"/>
+            <c:showLeaderLines val="0"/>
+            <c:extLst>
+              <c:ext xmlns:c15="http://schemas.microsoft.com/office/drawing/2012/chart" uri="{CE6537A1-D6FC-4f65-9D91-7224C49458BB}">
+                <c15:showLeaderLines val="1"/>
+                <c15:leaderLines>
+                  <c:spPr>
+                    <a:ln w="9525" cap="flat" cmpd="sng" algn="ctr">
+                      <a:solidFill>
+                        <a:schemeClr val="tx1">
+                          <a:lumMod val="35000"/>
+                          <a:lumOff val="65000"/>
+                        </a:schemeClr>
+                      </a:solidFill>
+                      <a:round/>
+                    </a:ln>
+                    <a:effectLst/>
+                  </c:spPr>
+                </c15:leaderLines>
+              </c:ext>
+            </c:extLst>
+          </c:dLbls>
+          <c:cat>
+            <c:strRef>
+              <c:f>Hoja1!$A$2:$A$3</c:f>
+              <c:strCache>
+                <c:ptCount val="2"/>
+                <c:pt idx="0">
+                  <c:v>V_rw</c:v>
+                </c:pt>
+                <c:pt idx="1">
+                  <c:v>V_all</c:v>
+                </c:pt>
+              </c:strCache>
+            </c:strRef>
+          </c:cat>
+          <c:val>
+            <c:numRef>
+              <c:f>Hoja1!$B$2:$B$3</c:f>
+              <c:numCache>
+                <c:formatCode>General</c:formatCode>
+                <c:ptCount val="2"/>
+                <c:pt idx="0">
+                  <c:v>296400</c:v>
+                </c:pt>
+                <c:pt idx="1">
+                  <c:v>103400</c:v>
+                </c:pt>
+              </c:numCache>
+            </c:numRef>
+          </c:val>
+          <c:extLst>
+            <c:ext xmlns:c16="http://schemas.microsoft.com/office/drawing/2014/chart" uri="{C3380CC4-5D6E-409C-BE32-E72D297353CC}">
+              <c16:uniqueId val="{00000000-80E2-4F7A-8647-145BF12DE3F9}"/>
+            </c:ext>
+          </c:extLst>
+        </c:ser>
+        <c:dLbls>
+          <c:dLblPos val="outEnd"/>
+          <c:showLegendKey val="0"/>
+          <c:showVal val="1"/>
+          <c:showCatName val="0"/>
+          <c:showSerName val="0"/>
+          <c:showPercent val="0"/>
+          <c:showBubbleSize val="0"/>
+        </c:dLbls>
+        <c:gapWidth val="219"/>
+        <c:overlap val="-27"/>
+        <c:axId val="1666434191"/>
+        <c:axId val="365402303"/>
+      </c:barChart>
+      <c:catAx>
+        <c:axId val="1666434191"/>
+        <c:scaling>
+          <c:orientation val="minMax"/>
+        </c:scaling>
+        <c:delete val="0"/>
+        <c:axPos val="b"/>
+        <c:numFmt formatCode="General" sourceLinked="1"/>
+        <c:majorTickMark val="none"/>
+        <c:minorTickMark val="none"/>
+        <c:tickLblPos val="nextTo"/>
+        <c:spPr>
+          <a:noFill/>
+          <a:ln w="9525" cap="flat" cmpd="sng" algn="ctr">
+            <a:solidFill>
+              <a:schemeClr val="tx1">
+                <a:lumMod val="15000"/>
+                <a:lumOff val="85000"/>
+              </a:schemeClr>
+            </a:solidFill>
+            <a:round/>
+          </a:ln>
+          <a:effectLst/>
+        </c:spPr>
+        <c:txPr>
+          <a:bodyPr rot="-60000000" spcFirstLastPara="1" vertOverflow="ellipsis" vert="horz" wrap="square" anchor="ctr" anchorCtr="1"/>
+          <a:lstStyle/>
+          <a:p>
+            <a:pPr>
+              <a:defRPr sz="1197" b="0" i="0" u="none" strike="noStrike" kern="1200" baseline="0">
+                <a:solidFill>
+                  <a:schemeClr val="tx1">
+                    <a:lumMod val="65000"/>
+                    <a:lumOff val="35000"/>
+                  </a:schemeClr>
+                </a:solidFill>
+                <a:latin typeface="+mn-lt"/>
+                <a:ea typeface="+mn-ea"/>
+                <a:cs typeface="+mn-cs"/>
+              </a:defRPr>
+            </a:pPr>
+            <a:endParaRPr lang="es-ES"/>
+          </a:p>
+        </c:txPr>
+        <c:crossAx val="365402303"/>
+        <c:crosses val="autoZero"/>
+        <c:auto val="1"/>
+        <c:lblAlgn val="ctr"/>
+        <c:lblOffset val="100"/>
+        <c:noMultiLvlLbl val="0"/>
+      </c:catAx>
+      <c:valAx>
+        <c:axId val="365402303"/>
+        <c:scaling>
+          <c:orientation val="minMax"/>
+        </c:scaling>
+        <c:delete val="0"/>
+        <c:axPos val="l"/>
+        <c:majorGridlines>
+          <c:spPr>
+            <a:ln w="9525" cap="flat" cmpd="sng" algn="ctr">
+              <a:solidFill>
+                <a:schemeClr val="tx1">
+                  <a:lumMod val="15000"/>
+                  <a:lumOff val="85000"/>
+                </a:schemeClr>
+              </a:solidFill>
+              <a:round/>
+            </a:ln>
+            <a:effectLst/>
+          </c:spPr>
+        </c:majorGridlines>
+        <c:numFmt formatCode="General" sourceLinked="1"/>
+        <c:majorTickMark val="none"/>
+        <c:minorTickMark val="none"/>
+        <c:tickLblPos val="nextTo"/>
+        <c:spPr>
+          <a:noFill/>
+          <a:ln>
+            <a:noFill/>
+          </a:ln>
+          <a:effectLst/>
+        </c:spPr>
+        <c:txPr>
+          <a:bodyPr rot="-60000000" spcFirstLastPara="1" vertOverflow="ellipsis" vert="horz" wrap="square" anchor="ctr" anchorCtr="1"/>
+          <a:lstStyle/>
+          <a:p>
+            <a:pPr>
+              <a:defRPr sz="1197" b="0" i="0" u="none" strike="noStrike" kern="1200" baseline="0">
+                <a:solidFill>
+                  <a:schemeClr val="tx1">
+                    <a:lumMod val="65000"/>
+                    <a:lumOff val="35000"/>
+                  </a:schemeClr>
+                </a:solidFill>
+                <a:latin typeface="+mn-lt"/>
+                <a:ea typeface="+mn-ea"/>
+                <a:cs typeface="+mn-cs"/>
+              </a:defRPr>
+            </a:pPr>
+            <a:endParaRPr lang="es-ES"/>
+          </a:p>
+        </c:txPr>
+        <c:crossAx val="1666434191"/>
+        <c:crosses val="autoZero"/>
+        <c:crossBetween val="between"/>
+      </c:valAx>
+      <c:spPr>
+        <a:noFill/>
+        <a:ln>
+          <a:noFill/>
+        </a:ln>
+        <a:effectLst/>
+      </c:spPr>
+    </c:plotArea>
+    <c:plotVisOnly val="1"/>
+    <c:dispBlanksAs val="gap"/>
+    <c:extLst>
+      <c:ext xmlns:c16r3="http://schemas.microsoft.com/office/drawing/2017/03/chart" uri="{56B9EC1D-385E-4148-901F-78D8002777C0}">
+        <c16r3:dataDisplayOptions16>
+          <c16r3:dispNaAsBlank val="1"/>
+        </c16r3:dataDisplayOptions16>
+      </c:ext>
+    </c:extLst>
+    <c:showDLblsOverMax val="0"/>
+  </c:chart>
+  <c:spPr>
+    <a:noFill/>
+    <a:ln>
+      <a:noFill/>
+    </a:ln>
+    <a:effectLst/>
+  </c:spPr>
+  <c:txPr>
+    <a:bodyPr/>
+    <a:lstStyle/>
+    <a:p>
+      <a:pPr>
+        <a:defRPr/>
+      </a:pPr>
+      <a:endParaRPr lang="es-ES"/>
+    </a:p>
+  </c:txPr>
+  <c:externalData r:id="rId3">
+    <c:autoUpdate val="0"/>
+  </c:externalData>
+</c:chartSpace>
+</file>
+
+<file path=ppt/charts/chart2.xml><?xml version="1.0" encoding="utf-8"?>
+<c:chartSpace xmlns:c="http://schemas.openxmlformats.org/drawingml/2006/chart" xmlns:a="http://schemas.openxmlformats.org/drawingml/2006/main" xmlns:r="http://schemas.openxmlformats.org/officeDocument/2006/relationships" xmlns:c16r2="http://schemas.microsoft.com/office/drawing/2015/06/chart">
+  <c:date1904 val="0"/>
+  <c:lang val="es-ES"/>
+  <c:roundedCorners val="0"/>
+  <mc:AlternateContent xmlns:mc="http://schemas.openxmlformats.org/markup-compatibility/2006">
+    <mc:Choice xmlns:c14="http://schemas.microsoft.com/office/drawing/2007/8/2/chart" Requires="c14">
+      <c14:style val="102"/>
+    </mc:Choice>
+    <mc:Fallback>
+      <c:style val="2"/>
+    </mc:Fallback>
+  </mc:AlternateContent>
+  <c:chart>
+    <c:title>
+      <c:tx>
+        <c:rich>
+          <a:bodyPr rot="0" spcFirstLastPara="1" vertOverflow="ellipsis" vert="horz" wrap="square" anchor="ctr" anchorCtr="1"/>
+          <a:lstStyle/>
+          <a:p>
+            <a:pPr marL="0" marR="0" lvl="0" indent="0" algn="ctr" defTabSz="914400" rtl="0" eaLnBrk="1" fontAlgn="auto" latinLnBrk="0" hangingPunct="1">
+              <a:lnSpc>
+                <a:spcPct val="100000"/>
+              </a:lnSpc>
+              <a:spcBef>
+                <a:spcPts val="0"/>
+              </a:spcBef>
+              <a:spcAft>
+                <a:spcPts val="0"/>
+              </a:spcAft>
+              <a:buClrTx/>
+              <a:buSzTx/>
+              <a:buFontTx/>
+              <a:buNone/>
+              <a:tabLst/>
+              <a:defRPr sz="1862" b="0" i="0" u="none" strike="noStrike" kern="1200" spc="0" baseline="0">
+                <a:solidFill>
+                  <a:prstClr val="black">
+                    <a:lumMod val="65000"/>
+                    <a:lumOff val="35000"/>
+                  </a:prstClr>
+                </a:solidFill>
+                <a:latin typeface="+mn-lt"/>
+                <a:ea typeface="+mn-ea"/>
+                <a:cs typeface="+mn-cs"/>
+              </a:defRPr>
+            </a:pPr>
+            <a:r>
+              <a:rPr lang="en-US" sz="1862" b="0" i="0" u="none" strike="noStrike" kern="1200" spc="0" baseline="0" dirty="0">
+                <a:solidFill>
+                  <a:prstClr val="black">
+                    <a:lumMod val="65000"/>
+                    <a:lumOff val="35000"/>
+                  </a:prstClr>
+                </a:solidFill>
+              </a:rPr>
+              <a:t>Comparison of Cosine Similarity: </a:t>
+            </a:r>
+            <a:r>
+              <a:rPr lang="en-US" sz="1862" b="0" i="0" u="none" strike="noStrike" kern="1200" spc="0" baseline="0" dirty="0" err="1">
+                <a:solidFill>
+                  <a:prstClr val="black">
+                    <a:lumMod val="65000"/>
+                    <a:lumOff val="35000"/>
+                  </a:prstClr>
+                </a:solidFill>
+              </a:rPr>
+              <a:t>V_rw</a:t>
+            </a:r>
+            <a:r>
+              <a:rPr lang="en-US" sz="1862" b="0" i="0" u="none" strike="noStrike" kern="1200" spc="0" baseline="0" dirty="0">
+                <a:solidFill>
+                  <a:prstClr val="black">
+                    <a:lumMod val="65000"/>
+                    <a:lumOff val="35000"/>
+                  </a:prstClr>
+                </a:solidFill>
+              </a:rPr>
+              <a:t> and </a:t>
+            </a:r>
+            <a:r>
+              <a:rPr lang="en-US" sz="1862" b="0" i="0" u="none" strike="noStrike" kern="1200" spc="0" baseline="0" dirty="0" err="1">
+                <a:solidFill>
+                  <a:prstClr val="black">
+                    <a:lumMod val="65000"/>
+                    <a:lumOff val="35000"/>
+                  </a:prstClr>
+                </a:solidFill>
+              </a:rPr>
+              <a:t>V_all</a:t>
+            </a:r>
+            <a:endParaRPr lang="en-US" sz="1862" b="0" i="0" u="none" strike="noStrike" kern="1200" spc="0" baseline="0" dirty="0">
+              <a:solidFill>
+                <a:prstClr val="black">
+                  <a:lumMod val="65000"/>
+                  <a:lumOff val="35000"/>
+                </a:prstClr>
+              </a:solidFill>
+            </a:endParaRPr>
+          </a:p>
+        </c:rich>
+      </c:tx>
+      <c:overlay val="0"/>
+      <c:spPr>
+        <a:noFill/>
+        <a:ln>
+          <a:noFill/>
+        </a:ln>
+        <a:effectLst/>
+      </c:spPr>
+      <c:txPr>
+        <a:bodyPr rot="0" spcFirstLastPara="1" vertOverflow="ellipsis" vert="horz" wrap="square" anchor="ctr" anchorCtr="1"/>
+        <a:lstStyle/>
+        <a:p>
+          <a:pPr marL="0" marR="0" lvl="0" indent="0" algn="ctr" defTabSz="914400" rtl="0" eaLnBrk="1" fontAlgn="auto" latinLnBrk="0" hangingPunct="1">
+            <a:lnSpc>
+              <a:spcPct val="100000"/>
+            </a:lnSpc>
+            <a:spcBef>
+              <a:spcPts val="0"/>
+            </a:spcBef>
+            <a:spcAft>
+              <a:spcPts val="0"/>
+            </a:spcAft>
+            <a:buClrTx/>
+            <a:buSzTx/>
+            <a:buFontTx/>
+            <a:buNone/>
+            <a:tabLst/>
+            <a:defRPr sz="1862" b="0" i="0" u="none" strike="noStrike" kern="1200" spc="0" baseline="0">
+              <a:solidFill>
+                <a:prstClr val="black">
+                  <a:lumMod val="65000"/>
+                  <a:lumOff val="35000"/>
+                </a:prstClr>
+              </a:solidFill>
+              <a:latin typeface="+mn-lt"/>
+              <a:ea typeface="+mn-ea"/>
+              <a:cs typeface="+mn-cs"/>
+            </a:defRPr>
+          </a:pPr>
+          <a:endParaRPr lang="es-ES"/>
+        </a:p>
+      </c:txPr>
+    </c:title>
+    <c:autoTitleDeleted val="0"/>
+    <c:plotArea>
+      <c:layout/>
+      <c:pieChart>
+        <c:varyColors val="1"/>
+        <c:ser>
+          <c:idx val="0"/>
+          <c:order val="0"/>
+          <c:tx>
+            <c:strRef>
+              <c:f>Hoja1!$B$1</c:f>
+              <c:strCache>
+                <c:ptCount val="1"/>
+                <c:pt idx="0">
+                  <c:v>serie</c:v>
+                </c:pt>
+              </c:strCache>
+            </c:strRef>
+          </c:tx>
+          <c:dPt>
+            <c:idx val="0"/>
+            <c:bubble3D val="0"/>
+            <c:spPr>
+              <a:solidFill>
+                <a:schemeClr val="accent1"/>
+              </a:solidFill>
+              <a:ln w="19050">
+                <a:solidFill>
+                  <a:schemeClr val="lt1"/>
+                </a:solidFill>
+              </a:ln>
+              <a:effectLst/>
+            </c:spPr>
+          </c:dPt>
+          <c:dPt>
+            <c:idx val="1"/>
+            <c:bubble3D val="0"/>
+            <c:spPr>
+              <a:solidFill>
+                <a:schemeClr val="accent2"/>
+              </a:solidFill>
+              <a:ln w="19050">
+                <a:solidFill>
+                  <a:schemeClr val="lt1"/>
+                </a:solidFill>
+              </a:ln>
+              <a:effectLst/>
+            </c:spPr>
+          </c:dPt>
+          <c:dLbls>
+            <c:spPr>
+              <a:noFill/>
+              <a:ln>
+                <a:noFill/>
+              </a:ln>
+              <a:effectLst/>
+            </c:spPr>
+            <c:txPr>
+              <a:bodyPr rot="0" spcFirstLastPara="1" vertOverflow="ellipsis" vert="horz" wrap="square" lIns="38100" tIns="19050" rIns="38100" bIns="19050" anchor="ctr" anchorCtr="1">
+                <a:spAutoFit/>
+              </a:bodyPr>
+              <a:lstStyle/>
+              <a:p>
+                <a:pPr>
+                  <a:defRPr sz="1197" b="0" i="0" u="none" strike="noStrike" kern="1200" baseline="0">
+                    <a:solidFill>
+                      <a:schemeClr val="tx1">
+                        <a:lumMod val="75000"/>
+                        <a:lumOff val="25000"/>
+                      </a:schemeClr>
+                    </a:solidFill>
+                    <a:latin typeface="+mn-lt"/>
+                    <a:ea typeface="+mn-ea"/>
+                    <a:cs typeface="+mn-cs"/>
+                  </a:defRPr>
+                </a:pPr>
+                <a:endParaRPr lang="es-ES"/>
+              </a:p>
+            </c:txPr>
+            <c:dLblPos val="outEnd"/>
+            <c:showLegendKey val="0"/>
+            <c:showVal val="1"/>
+            <c:showCatName val="0"/>
+            <c:showSerName val="0"/>
+            <c:showPercent val="0"/>
+            <c:showBubbleSize val="0"/>
+            <c:showLeaderLines val="1"/>
+            <c:leaderLines>
+              <c:spPr>
+                <a:ln w="9525" cap="flat" cmpd="sng" algn="ctr">
+                  <a:solidFill>
+                    <a:schemeClr val="tx1">
+                      <a:lumMod val="35000"/>
+                      <a:lumOff val="65000"/>
+                    </a:schemeClr>
+                  </a:solidFill>
+                  <a:round/>
+                </a:ln>
+                <a:effectLst/>
+              </c:spPr>
+            </c:leaderLines>
+            <c:extLst>
+              <c:ext xmlns:c15="http://schemas.microsoft.com/office/drawing/2012/chart" uri="{CE6537A1-D6FC-4f65-9D91-7224C49458BB}"/>
+            </c:extLst>
+          </c:dLbls>
+          <c:cat>
+            <c:strRef>
+              <c:f>Hoja1!$A$2:$A$3</c:f>
+              <c:strCache>
+                <c:ptCount val="2"/>
+                <c:pt idx="0">
+                  <c:v>V_rw</c:v>
+                </c:pt>
+                <c:pt idx="1">
+                  <c:v>V_all</c:v>
+                </c:pt>
+              </c:strCache>
+            </c:strRef>
+          </c:cat>
+          <c:val>
+            <c:numRef>
+              <c:f>Hoja1!$B$2:$B$3</c:f>
+              <c:numCache>
+                <c:formatCode>0.00%</c:formatCode>
+                <c:ptCount val="2"/>
+                <c:pt idx="0">
+                  <c:v>0.74</c:v>
+                </c:pt>
+                <c:pt idx="1">
+                  <c:v>0.26</c:v>
+                </c:pt>
+              </c:numCache>
+            </c:numRef>
+          </c:val>
+          <c:extLst>
+            <c:ext xmlns:c16="http://schemas.microsoft.com/office/drawing/2014/chart" uri="{C3380CC4-5D6E-409C-BE32-E72D297353CC}">
+              <c16:uniqueId val="{00000000-5C42-4E49-B087-0D631C450929}"/>
+            </c:ext>
+          </c:extLst>
+        </c:ser>
+        <c:dLbls>
+          <c:dLblPos val="outEnd"/>
+          <c:showLegendKey val="0"/>
+          <c:showVal val="1"/>
+          <c:showCatName val="0"/>
+          <c:showSerName val="0"/>
+          <c:showPercent val="0"/>
+          <c:showBubbleSize val="0"/>
+          <c:showLeaderLines val="1"/>
+        </c:dLbls>
+        <c:firstSliceAng val="0"/>
+      </c:pieChart>
+      <c:spPr>
+        <a:noFill/>
+        <a:ln>
+          <a:noFill/>
+        </a:ln>
+        <a:effectLst/>
+      </c:spPr>
+    </c:plotArea>
+    <c:legend>
+      <c:legendPos val="b"/>
+      <c:overlay val="0"/>
+      <c:spPr>
+        <a:noFill/>
+        <a:ln>
+          <a:noFill/>
+        </a:ln>
+        <a:effectLst/>
+      </c:spPr>
+      <c:txPr>
+        <a:bodyPr rot="0" spcFirstLastPara="1" vertOverflow="ellipsis" vert="horz" wrap="square" anchor="ctr" anchorCtr="1"/>
+        <a:lstStyle/>
+        <a:p>
+          <a:pPr>
+            <a:defRPr sz="1197" b="0" i="0" u="none" strike="noStrike" kern="1200" baseline="0">
+              <a:solidFill>
+                <a:schemeClr val="tx1">
+                  <a:lumMod val="65000"/>
+                  <a:lumOff val="35000"/>
+                </a:schemeClr>
+              </a:solidFill>
+              <a:latin typeface="+mn-lt"/>
+              <a:ea typeface="+mn-ea"/>
+              <a:cs typeface="+mn-cs"/>
+            </a:defRPr>
+          </a:pPr>
+          <a:endParaRPr lang="es-ES"/>
+        </a:p>
+      </c:txPr>
+    </c:legend>
+    <c:plotVisOnly val="1"/>
+    <c:dispBlanksAs val="gap"/>
+    <c:extLst>
+      <c:ext xmlns:c16r3="http://schemas.microsoft.com/office/drawing/2017/03/chart" uri="{56B9EC1D-385E-4148-901F-78D8002777C0}">
+        <c16r3:dataDisplayOptions16>
+          <c16r3:dispNaAsBlank val="1"/>
+        </c16r3:dataDisplayOptions16>
+      </c:ext>
+    </c:extLst>
+    <c:showDLblsOverMax val="0"/>
+  </c:chart>
+  <c:spPr>
+    <a:noFill/>
+    <a:ln>
+      <a:noFill/>
+    </a:ln>
+    <a:effectLst/>
+  </c:spPr>
+  <c:txPr>
+    <a:bodyPr/>
+    <a:lstStyle/>
+    <a:p>
+      <a:pPr>
+        <a:defRPr/>
+      </a:pPr>
+      <a:endParaRPr lang="es-ES"/>
+    </a:p>
+  </c:txPr>
+  <c:externalData r:id="rId3">
+    <c:autoUpdate val="0"/>
+  </c:externalData>
+</c:chartSpace>
+</file>
+
+<file path=ppt/charts/chart3.xml><?xml version="1.0" encoding="utf-8"?>
+<c:chartSpace xmlns:c="http://schemas.openxmlformats.org/drawingml/2006/chart" xmlns:a="http://schemas.openxmlformats.org/drawingml/2006/main" xmlns:r="http://schemas.openxmlformats.org/officeDocument/2006/relationships" xmlns:c16r2="http://schemas.microsoft.com/office/drawing/2015/06/chart">
+  <c:date1904 val="0"/>
+  <c:lang val="es-ES"/>
+  <c:roundedCorners val="0"/>
+  <mc:AlternateContent xmlns:mc="http://schemas.openxmlformats.org/markup-compatibility/2006">
+    <mc:Choice xmlns:c14="http://schemas.microsoft.com/office/drawing/2007/8/2/chart" Requires="c14">
+      <c14:style val="102"/>
+    </mc:Choice>
+    <mc:Fallback>
+      <c:style val="2"/>
+    </mc:Fallback>
+  </mc:AlternateContent>
+  <c:chart>
+    <c:autoTitleDeleted val="1"/>
+    <c:plotArea>
+      <c:layout/>
+      <c:barChart>
+        <c:barDir val="col"/>
+        <c:grouping val="clustered"/>
+        <c:varyColors val="0"/>
+        <c:ser>
+          <c:idx val="0"/>
+          <c:order val="0"/>
+          <c:tx>
+            <c:strRef>
+              <c:f>Hoja1!$B$1</c:f>
+              <c:strCache>
+                <c:ptCount val="1"/>
+                <c:pt idx="0">
+                  <c:v>Serie 1</c:v>
+                </c:pt>
+              </c:strCache>
+            </c:strRef>
+          </c:tx>
+          <c:spPr>
+            <a:solidFill>
+              <a:schemeClr val="accent1"/>
+            </a:solidFill>
+            <a:ln>
+              <a:noFill/>
+            </a:ln>
+            <a:effectLst/>
+          </c:spPr>
+          <c:invertIfNegative val="0"/>
+          <c:dPt>
+            <c:idx val="1"/>
+            <c:invertIfNegative val="0"/>
+            <c:bubble3D val="0"/>
+            <c:spPr>
+              <a:solidFill>
+                <a:schemeClr val="accent2"/>
+              </a:solidFill>
+              <a:ln>
+                <a:noFill/>
+              </a:ln>
+              <a:effectLst/>
+            </c:spPr>
+            <c:extLst>
+              <c:ext xmlns:c16="http://schemas.microsoft.com/office/drawing/2014/chart" uri="{C3380CC4-5D6E-409C-BE32-E72D297353CC}">
+                <c16:uniqueId val="{00000003-392D-4AFA-8E86-8F19BA86D8C3}"/>
+              </c:ext>
+            </c:extLst>
+          </c:dPt>
+          <c:dLbls>
+            <c:spPr>
+              <a:noFill/>
+              <a:ln>
+                <a:noFill/>
+              </a:ln>
+              <a:effectLst/>
+            </c:spPr>
+            <c:txPr>
+              <a:bodyPr rot="0" spcFirstLastPara="1" vertOverflow="ellipsis" vert="horz" wrap="square" lIns="38100" tIns="19050" rIns="38100" bIns="19050" anchor="ctr" anchorCtr="1">
+                <a:spAutoFit/>
+              </a:bodyPr>
+              <a:lstStyle/>
+              <a:p>
+                <a:pPr>
+                  <a:defRPr sz="1197" b="0" i="0" u="none" strike="noStrike" kern="1200" baseline="0">
+                    <a:solidFill>
+                      <a:schemeClr val="tx1">
+                        <a:lumMod val="75000"/>
+                        <a:lumOff val="25000"/>
+                      </a:schemeClr>
+                    </a:solidFill>
+                    <a:latin typeface="+mn-lt"/>
+                    <a:ea typeface="+mn-ea"/>
+                    <a:cs typeface="+mn-cs"/>
+                  </a:defRPr>
+                </a:pPr>
+                <a:endParaRPr lang="es-ES"/>
+              </a:p>
+            </c:txPr>
+            <c:dLblPos val="outEnd"/>
+            <c:showLegendKey val="0"/>
+            <c:showVal val="1"/>
+            <c:showCatName val="0"/>
+            <c:showSerName val="0"/>
+            <c:showPercent val="0"/>
+            <c:showBubbleSize val="0"/>
+            <c:showLeaderLines val="0"/>
+            <c:extLst>
+              <c:ext xmlns:c15="http://schemas.microsoft.com/office/drawing/2012/chart" uri="{CE6537A1-D6FC-4f65-9D91-7224C49458BB}">
+                <c15:showLeaderLines val="1"/>
+                <c15:leaderLines>
+                  <c:spPr>
+                    <a:ln w="9525" cap="flat" cmpd="sng" algn="ctr">
+                      <a:solidFill>
+                        <a:schemeClr val="tx1">
+                          <a:lumMod val="35000"/>
+                          <a:lumOff val="65000"/>
+                        </a:schemeClr>
+                      </a:solidFill>
+                      <a:round/>
+                    </a:ln>
+                    <a:effectLst/>
+                  </c:spPr>
+                </c15:leaderLines>
+              </c:ext>
+            </c:extLst>
+          </c:dLbls>
+          <c:cat>
+            <c:strRef>
+              <c:f>Hoja1!$A$2:$A$3</c:f>
+              <c:strCache>
+                <c:ptCount val="2"/>
+                <c:pt idx="0">
+                  <c:v>V_rw</c:v>
+                </c:pt>
+                <c:pt idx="1">
+                  <c:v>V_all</c:v>
+                </c:pt>
+              </c:strCache>
+            </c:strRef>
+          </c:cat>
+          <c:val>
+            <c:numRef>
+              <c:f>Hoja1!$B$2:$B$3</c:f>
+              <c:numCache>
+                <c:formatCode>General</c:formatCode>
+                <c:ptCount val="2"/>
+                <c:pt idx="0">
+                  <c:v>280000</c:v>
+                </c:pt>
+                <c:pt idx="1">
+                  <c:v>120000</c:v>
+                </c:pt>
+              </c:numCache>
+            </c:numRef>
+          </c:val>
+          <c:extLst>
+            <c:ext xmlns:c16="http://schemas.microsoft.com/office/drawing/2014/chart" uri="{C3380CC4-5D6E-409C-BE32-E72D297353CC}">
+              <c16:uniqueId val="{00000000-392D-4AFA-8E86-8F19BA86D8C3}"/>
+            </c:ext>
+          </c:extLst>
+        </c:ser>
+        <c:dLbls>
+          <c:dLblPos val="outEnd"/>
+          <c:showLegendKey val="0"/>
+          <c:showVal val="1"/>
+          <c:showCatName val="0"/>
+          <c:showSerName val="0"/>
+          <c:showPercent val="0"/>
+          <c:showBubbleSize val="0"/>
+        </c:dLbls>
+        <c:gapWidth val="219"/>
+        <c:overlap val="-27"/>
+        <c:axId val="1698226287"/>
+        <c:axId val="1680633967"/>
+      </c:barChart>
+      <c:catAx>
+        <c:axId val="1698226287"/>
+        <c:scaling>
+          <c:orientation val="minMax"/>
+        </c:scaling>
+        <c:delete val="0"/>
+        <c:axPos val="b"/>
+        <c:numFmt formatCode="General" sourceLinked="1"/>
+        <c:majorTickMark val="none"/>
+        <c:minorTickMark val="none"/>
+        <c:tickLblPos val="nextTo"/>
+        <c:spPr>
+          <a:noFill/>
+          <a:ln w="9525" cap="flat" cmpd="sng" algn="ctr">
+            <a:solidFill>
+              <a:schemeClr val="tx1">
+                <a:lumMod val="15000"/>
+                <a:lumOff val="85000"/>
+              </a:schemeClr>
+            </a:solidFill>
+            <a:round/>
+          </a:ln>
+          <a:effectLst/>
+        </c:spPr>
+        <c:txPr>
+          <a:bodyPr rot="-60000000" spcFirstLastPara="1" vertOverflow="ellipsis" vert="horz" wrap="square" anchor="ctr" anchorCtr="1"/>
+          <a:lstStyle/>
+          <a:p>
+            <a:pPr>
+              <a:defRPr sz="1197" b="0" i="0" u="none" strike="noStrike" kern="1200" baseline="0">
+                <a:solidFill>
+                  <a:schemeClr val="tx1">
+                    <a:lumMod val="65000"/>
+                    <a:lumOff val="35000"/>
+                  </a:schemeClr>
+                </a:solidFill>
+                <a:latin typeface="+mn-lt"/>
+                <a:ea typeface="+mn-ea"/>
+                <a:cs typeface="+mn-cs"/>
+              </a:defRPr>
+            </a:pPr>
+            <a:endParaRPr lang="es-ES"/>
+          </a:p>
+        </c:txPr>
+        <c:crossAx val="1680633967"/>
+        <c:crosses val="autoZero"/>
+        <c:auto val="1"/>
+        <c:lblAlgn val="ctr"/>
+        <c:lblOffset val="100"/>
+        <c:noMultiLvlLbl val="0"/>
+      </c:catAx>
+      <c:valAx>
+        <c:axId val="1680633967"/>
+        <c:scaling>
+          <c:orientation val="minMax"/>
+        </c:scaling>
+        <c:delete val="0"/>
+        <c:axPos val="l"/>
+        <c:majorGridlines>
+          <c:spPr>
+            <a:ln w="9525" cap="flat" cmpd="sng" algn="ctr">
+              <a:solidFill>
+                <a:schemeClr val="tx1">
+                  <a:lumMod val="15000"/>
+                  <a:lumOff val="85000"/>
+                </a:schemeClr>
+              </a:solidFill>
+              <a:round/>
+            </a:ln>
+            <a:effectLst/>
+          </c:spPr>
+        </c:majorGridlines>
+        <c:numFmt formatCode="General" sourceLinked="1"/>
+        <c:majorTickMark val="none"/>
+        <c:minorTickMark val="none"/>
+        <c:tickLblPos val="nextTo"/>
+        <c:spPr>
+          <a:noFill/>
+          <a:ln>
+            <a:noFill/>
+          </a:ln>
+          <a:effectLst/>
+        </c:spPr>
+        <c:txPr>
+          <a:bodyPr rot="-60000000" spcFirstLastPara="1" vertOverflow="ellipsis" vert="horz" wrap="square" anchor="ctr" anchorCtr="1"/>
+          <a:lstStyle/>
+          <a:p>
+            <a:pPr>
+              <a:defRPr sz="1197" b="0" i="0" u="none" strike="noStrike" kern="1200" baseline="0">
+                <a:solidFill>
+                  <a:schemeClr val="tx1">
+                    <a:lumMod val="65000"/>
+                    <a:lumOff val="35000"/>
+                  </a:schemeClr>
+                </a:solidFill>
+                <a:latin typeface="+mn-lt"/>
+                <a:ea typeface="+mn-ea"/>
+                <a:cs typeface="+mn-cs"/>
+              </a:defRPr>
+            </a:pPr>
+            <a:endParaRPr lang="es-ES"/>
+          </a:p>
+        </c:txPr>
+        <c:crossAx val="1698226287"/>
+        <c:crosses val="autoZero"/>
+        <c:crossBetween val="between"/>
+      </c:valAx>
+      <c:spPr>
+        <a:noFill/>
+        <a:ln>
+          <a:noFill/>
+        </a:ln>
+        <a:effectLst/>
+      </c:spPr>
+    </c:plotArea>
+    <c:plotVisOnly val="1"/>
+    <c:dispBlanksAs val="gap"/>
+    <c:extLst>
+      <c:ext xmlns:c16r3="http://schemas.microsoft.com/office/drawing/2017/03/chart" uri="{56B9EC1D-385E-4148-901F-78D8002777C0}">
+        <c16r3:dataDisplayOptions16>
+          <c16r3:dispNaAsBlank val="1"/>
+        </c16r3:dataDisplayOptions16>
+      </c:ext>
+    </c:extLst>
+    <c:showDLblsOverMax val="0"/>
+  </c:chart>
+  <c:spPr>
+    <a:noFill/>
+    <a:ln>
+      <a:noFill/>
+    </a:ln>
+    <a:effectLst/>
+  </c:spPr>
+  <c:txPr>
+    <a:bodyPr/>
+    <a:lstStyle/>
+    <a:p>
+      <a:pPr>
+        <a:defRPr/>
+      </a:pPr>
+      <a:endParaRPr lang="es-ES"/>
+    </a:p>
+  </c:txPr>
+  <c:externalData r:id="rId3">
+    <c:autoUpdate val="0"/>
+  </c:externalData>
+</c:chartSpace>
+</file>
+
+<file path=ppt/charts/chart4.xml><?xml version="1.0" encoding="utf-8"?>
+<c:chartSpace xmlns:c="http://schemas.openxmlformats.org/drawingml/2006/chart" xmlns:a="http://schemas.openxmlformats.org/drawingml/2006/main" xmlns:r="http://schemas.openxmlformats.org/officeDocument/2006/relationships" xmlns:c16r2="http://schemas.microsoft.com/office/drawing/2015/06/chart">
+  <c:date1904 val="0"/>
+  <c:lang val="es-ES"/>
+  <c:roundedCorners val="0"/>
+  <mc:AlternateContent xmlns:mc="http://schemas.openxmlformats.org/markup-compatibility/2006">
+    <mc:Choice xmlns:c14="http://schemas.microsoft.com/office/drawing/2007/8/2/chart" Requires="c14">
+      <c14:style val="102"/>
+    </mc:Choice>
+    <mc:Fallback>
+      <c:style val="2"/>
+    </mc:Fallback>
+  </mc:AlternateContent>
+  <c:chart>
+    <c:autoTitleDeleted val="1"/>
+    <c:plotArea>
+      <c:layout/>
+      <c:pieChart>
+        <c:varyColors val="1"/>
+        <c:ser>
+          <c:idx val="0"/>
+          <c:order val="0"/>
+          <c:tx>
+            <c:strRef>
+              <c:f>Hoja1!$B$1</c:f>
+              <c:strCache>
+                <c:ptCount val="1"/>
+                <c:pt idx="0">
+                  <c:v>Ventas</c:v>
+                </c:pt>
+              </c:strCache>
+            </c:strRef>
+          </c:tx>
+          <c:dPt>
+            <c:idx val="0"/>
+            <c:bubble3D val="0"/>
+            <c:spPr>
+              <a:solidFill>
+                <a:schemeClr val="accent1"/>
+              </a:solidFill>
+              <a:ln w="19050">
+                <a:solidFill>
+                  <a:schemeClr val="lt1"/>
+                </a:solidFill>
+              </a:ln>
+              <a:effectLst/>
+            </c:spPr>
+          </c:dPt>
+          <c:dPt>
+            <c:idx val="1"/>
+            <c:bubble3D val="0"/>
+            <c:spPr>
+              <a:solidFill>
+                <a:schemeClr val="accent2"/>
+              </a:solidFill>
+              <a:ln w="19050">
+                <a:solidFill>
+                  <a:schemeClr val="lt1"/>
+                </a:solidFill>
+              </a:ln>
+              <a:effectLst/>
+            </c:spPr>
+          </c:dPt>
+          <c:dLbls>
+            <c:spPr>
+              <a:noFill/>
+              <a:ln>
+                <a:noFill/>
+              </a:ln>
+              <a:effectLst/>
+            </c:spPr>
+            <c:txPr>
+              <a:bodyPr rot="0" spcFirstLastPara="1" vertOverflow="ellipsis" vert="horz" wrap="square" lIns="38100" tIns="19050" rIns="38100" bIns="19050" anchor="ctr" anchorCtr="1">
+                <a:spAutoFit/>
+              </a:bodyPr>
+              <a:lstStyle/>
+              <a:p>
+                <a:pPr>
+                  <a:defRPr sz="1197" b="0" i="0" u="none" strike="noStrike" kern="1200" baseline="0">
+                    <a:solidFill>
+                      <a:schemeClr val="tx1">
+                        <a:lumMod val="75000"/>
+                        <a:lumOff val="25000"/>
+                      </a:schemeClr>
+                    </a:solidFill>
+                    <a:latin typeface="+mn-lt"/>
+                    <a:ea typeface="+mn-ea"/>
+                    <a:cs typeface="+mn-cs"/>
+                  </a:defRPr>
+                </a:pPr>
+                <a:endParaRPr lang="es-ES"/>
+              </a:p>
+            </c:txPr>
+            <c:dLblPos val="outEnd"/>
+            <c:showLegendKey val="0"/>
+            <c:showVal val="1"/>
+            <c:showCatName val="0"/>
+            <c:showSerName val="0"/>
+            <c:showPercent val="0"/>
+            <c:showBubbleSize val="0"/>
+            <c:showLeaderLines val="1"/>
+            <c:leaderLines>
+              <c:spPr>
+                <a:ln w="9525" cap="flat" cmpd="sng" algn="ctr">
+                  <a:solidFill>
+                    <a:schemeClr val="tx1">
+                      <a:lumMod val="35000"/>
+                      <a:lumOff val="65000"/>
+                    </a:schemeClr>
+                  </a:solidFill>
+                  <a:round/>
+                </a:ln>
+                <a:effectLst/>
+              </c:spPr>
+            </c:leaderLines>
+            <c:extLst>
+              <c:ext xmlns:c15="http://schemas.microsoft.com/office/drawing/2012/chart" uri="{CE6537A1-D6FC-4f65-9D91-7224C49458BB}"/>
+            </c:extLst>
+          </c:dLbls>
+          <c:cat>
+            <c:strRef>
+              <c:f>Hoja1!$A$2:$A$3</c:f>
+              <c:strCache>
+                <c:ptCount val="2"/>
+                <c:pt idx="0">
+                  <c:v>V_rw</c:v>
+                </c:pt>
+                <c:pt idx="1">
+                  <c:v>V_all</c:v>
+                </c:pt>
+              </c:strCache>
+            </c:strRef>
+          </c:cat>
+          <c:val>
+            <c:numRef>
+              <c:f>Hoja1!$B$2:$B$3</c:f>
+              <c:numCache>
+                <c:formatCode>0%</c:formatCode>
+                <c:ptCount val="2"/>
+                <c:pt idx="0">
+                  <c:v>0.7</c:v>
+                </c:pt>
+                <c:pt idx="1">
+                  <c:v>0.3</c:v>
+                </c:pt>
+              </c:numCache>
+            </c:numRef>
+          </c:val>
+          <c:extLst>
+            <c:ext xmlns:c16="http://schemas.microsoft.com/office/drawing/2014/chart" uri="{C3380CC4-5D6E-409C-BE32-E72D297353CC}">
+              <c16:uniqueId val="{00000000-6644-407F-865F-2E14C9A25EF0}"/>
+            </c:ext>
+          </c:extLst>
+        </c:ser>
+        <c:dLbls>
+          <c:dLblPos val="outEnd"/>
+          <c:showLegendKey val="0"/>
+          <c:showVal val="1"/>
+          <c:showCatName val="0"/>
+          <c:showSerName val="0"/>
+          <c:showPercent val="0"/>
+          <c:showBubbleSize val="0"/>
+          <c:showLeaderLines val="1"/>
+        </c:dLbls>
+        <c:firstSliceAng val="0"/>
+      </c:pieChart>
+      <c:spPr>
+        <a:noFill/>
+        <a:ln>
+          <a:noFill/>
+        </a:ln>
+        <a:effectLst/>
+      </c:spPr>
+    </c:plotArea>
+    <c:legend>
+      <c:legendPos val="b"/>
+      <c:overlay val="0"/>
+      <c:spPr>
+        <a:noFill/>
+        <a:ln>
+          <a:noFill/>
+        </a:ln>
+        <a:effectLst/>
+      </c:spPr>
+      <c:txPr>
+        <a:bodyPr rot="0" spcFirstLastPara="1" vertOverflow="ellipsis" vert="horz" wrap="square" anchor="ctr" anchorCtr="1"/>
+        <a:lstStyle/>
+        <a:p>
+          <a:pPr>
+            <a:defRPr sz="1197" b="0" i="0" u="none" strike="noStrike" kern="1200" baseline="0">
+              <a:solidFill>
+                <a:schemeClr val="tx1">
+                  <a:lumMod val="65000"/>
+                  <a:lumOff val="35000"/>
+                </a:schemeClr>
+              </a:solidFill>
+              <a:latin typeface="+mn-lt"/>
+              <a:ea typeface="+mn-ea"/>
+              <a:cs typeface="+mn-cs"/>
+            </a:defRPr>
+          </a:pPr>
+          <a:endParaRPr lang="es-ES"/>
+        </a:p>
+      </c:txPr>
+    </c:legend>
+    <c:plotVisOnly val="1"/>
+    <c:dispBlanksAs val="gap"/>
+    <c:extLst>
+      <c:ext xmlns:c16r3="http://schemas.microsoft.com/office/drawing/2017/03/chart" uri="{56B9EC1D-385E-4148-901F-78D8002777C0}">
+        <c16r3:dataDisplayOptions16>
+          <c16r3:dispNaAsBlank val="1"/>
+        </c16r3:dataDisplayOptions16>
+      </c:ext>
+    </c:extLst>
+    <c:showDLblsOverMax val="0"/>
+  </c:chart>
+  <c:spPr>
+    <a:noFill/>
+    <a:ln>
+      <a:noFill/>
+    </a:ln>
+    <a:effectLst/>
+  </c:spPr>
+  <c:txPr>
+    <a:bodyPr/>
+    <a:lstStyle/>
+    <a:p>
+      <a:pPr>
+        <a:defRPr/>
+      </a:pPr>
+      <a:endParaRPr lang="es-ES"/>
+    </a:p>
+  </c:txPr>
+  <c:externalData r:id="rId3">
+    <c:autoUpdate val="0"/>
+  </c:externalData>
+</c:chartSpace>
+</file>
+
+<file path=ppt/charts/chart5.xml><?xml version="1.0" encoding="utf-8"?>
 <c:chartSpace xmlns:c="http://schemas.openxmlformats.org/drawingml/2006/chart" xmlns:a="http://schemas.openxmlformats.org/drawingml/2006/main" xmlns:r="http://schemas.openxmlformats.org/officeDocument/2006/relationships" xmlns:c16r2="http://schemas.microsoft.com/office/drawing/2015/06/chart">
   <c:date1904 val="0"/>
   <c:lang val="es-ES"/>
@@ -623,6 +1955,505 @@
 </c:chartSpace>
 </file>
 
+<file path=ppt/charts/chart6.xml><?xml version="1.0" encoding="utf-8"?>
+<c:chartSpace xmlns:c="http://schemas.openxmlformats.org/drawingml/2006/chart" xmlns:a="http://schemas.openxmlformats.org/drawingml/2006/main" xmlns:r="http://schemas.openxmlformats.org/officeDocument/2006/relationships" xmlns:c16r2="http://schemas.microsoft.com/office/drawing/2015/06/chart">
+  <c:date1904 val="0"/>
+  <c:lang val="es-ES"/>
+  <c:roundedCorners val="0"/>
+  <mc:AlternateContent xmlns:mc="http://schemas.openxmlformats.org/markup-compatibility/2006">
+    <mc:Choice xmlns:c14="http://schemas.microsoft.com/office/drawing/2007/8/2/chart" Requires="c14">
+      <c14:style val="102"/>
+    </mc:Choice>
+    <mc:Fallback>
+      <c:style val="2"/>
+    </mc:Fallback>
+  </mc:AlternateContent>
+  <c:chart>
+    <c:title>
+      <c:tx>
+        <c:rich>
+          <a:bodyPr rot="0" spcFirstLastPara="1" vertOverflow="ellipsis" vert="horz" wrap="square" anchor="ctr" anchorCtr="1"/>
+          <a:lstStyle/>
+          <a:p>
+            <a:pPr>
+              <a:defRPr sz="1862" b="0" i="0" u="none" strike="noStrike" kern="1200" spc="0" baseline="0">
+                <a:solidFill>
+                  <a:schemeClr val="tx1">
+                    <a:lumMod val="65000"/>
+                    <a:lumOff val="35000"/>
+                  </a:schemeClr>
+                </a:solidFill>
+                <a:latin typeface="+mn-lt"/>
+                <a:ea typeface="+mn-ea"/>
+                <a:cs typeface="+mn-cs"/>
+              </a:defRPr>
+            </a:pPr>
+            <a:r>
+              <a:rPr lang="en-US" sz="2800" b="1" dirty="0">
+                <a:solidFill>
+                  <a:schemeClr val="tx1"/>
+                </a:solidFill>
+              </a:rPr>
+              <a:t>Comparison</a:t>
+            </a:r>
+            <a:r>
+              <a:rPr lang="en-US" sz="2800" b="1" baseline="0" dirty="0">
+                <a:solidFill>
+                  <a:schemeClr val="tx1"/>
+                </a:solidFill>
+              </a:rPr>
+              <a:t> between </a:t>
+            </a:r>
+            <a:r>
+              <a:rPr lang="en-US" sz="2800" b="1" baseline="0" dirty="0" err="1">
+                <a:solidFill>
+                  <a:schemeClr val="tx1"/>
+                </a:solidFill>
+              </a:rPr>
+              <a:t>V_rw</a:t>
+            </a:r>
+            <a:r>
+              <a:rPr lang="en-US" sz="2800" b="1" baseline="0" dirty="0">
+                <a:solidFill>
+                  <a:schemeClr val="tx1"/>
+                </a:solidFill>
+              </a:rPr>
+              <a:t> + </a:t>
+            </a:r>
+            <a:r>
+              <a:rPr lang="en-US" sz="2800" b="1" baseline="0" dirty="0" err="1">
+                <a:solidFill>
+                  <a:schemeClr val="tx1"/>
+                </a:solidFill>
+              </a:rPr>
+              <a:t>V_all</a:t>
+            </a:r>
+            <a:r>
+              <a:rPr lang="en-US" sz="2800" b="1" baseline="0" dirty="0">
+                <a:solidFill>
+                  <a:schemeClr val="tx1"/>
+                </a:solidFill>
+              </a:rPr>
+              <a:t> and </a:t>
+            </a:r>
+            <a:r>
+              <a:rPr lang="en-US" sz="2800" b="1" baseline="0" dirty="0" err="1">
+                <a:solidFill>
+                  <a:schemeClr val="tx1"/>
+                </a:solidFill>
+              </a:rPr>
+              <a:t>V_predic</a:t>
+            </a:r>
+            <a:endParaRPr lang="en-US" sz="2800" b="1" dirty="0">
+              <a:solidFill>
+                <a:schemeClr val="tx1"/>
+              </a:solidFill>
+            </a:endParaRPr>
+          </a:p>
+        </c:rich>
+      </c:tx>
+      <c:layout>
+        <c:manualLayout>
+          <c:xMode val="edge"/>
+          <c:yMode val="edge"/>
+          <c:x val="9.7800688976377961E-2"/>
+          <c:y val="4.2187497404804541E-2"/>
+        </c:manualLayout>
+      </c:layout>
+      <c:overlay val="0"/>
+      <c:spPr>
+        <a:noFill/>
+        <a:ln>
+          <a:noFill/>
+        </a:ln>
+        <a:effectLst/>
+      </c:spPr>
+      <c:txPr>
+        <a:bodyPr rot="0" spcFirstLastPara="1" vertOverflow="ellipsis" vert="horz" wrap="square" anchor="ctr" anchorCtr="1"/>
+        <a:lstStyle/>
+        <a:p>
+          <a:pPr>
+            <a:defRPr sz="1862" b="0" i="0" u="none" strike="noStrike" kern="1200" spc="0" baseline="0">
+              <a:solidFill>
+                <a:schemeClr val="tx1">
+                  <a:lumMod val="65000"/>
+                  <a:lumOff val="35000"/>
+                </a:schemeClr>
+              </a:solidFill>
+              <a:latin typeface="+mn-lt"/>
+              <a:ea typeface="+mn-ea"/>
+              <a:cs typeface="+mn-cs"/>
+            </a:defRPr>
+          </a:pPr>
+          <a:endParaRPr lang="es-ES"/>
+        </a:p>
+      </c:txPr>
+    </c:title>
+    <c:autoTitleDeleted val="0"/>
+    <c:plotArea>
+      <c:layout/>
+      <c:pieChart>
+        <c:varyColors val="1"/>
+        <c:ser>
+          <c:idx val="0"/>
+          <c:order val="0"/>
+          <c:tx>
+            <c:strRef>
+              <c:f>Hoja1!$B$1</c:f>
+              <c:strCache>
+                <c:ptCount val="1"/>
+                <c:pt idx="0">
+                  <c:v>Ventas</c:v>
+                </c:pt>
+              </c:strCache>
+            </c:strRef>
+          </c:tx>
+          <c:dPt>
+            <c:idx val="0"/>
+            <c:bubble3D val="0"/>
+            <c:spPr>
+              <a:solidFill>
+                <a:schemeClr val="accent1"/>
+              </a:solidFill>
+              <a:ln w="19050">
+                <a:solidFill>
+                  <a:schemeClr val="lt1"/>
+                </a:solidFill>
+              </a:ln>
+              <a:effectLst/>
+            </c:spPr>
+            <c:extLst>
+              <c:ext xmlns:c16="http://schemas.microsoft.com/office/drawing/2014/chart" uri="{C3380CC4-5D6E-409C-BE32-E72D297353CC}">
+                <c16:uniqueId val="{00000001-7879-4899-BE61-EFB873785B69}"/>
+              </c:ext>
+            </c:extLst>
+          </c:dPt>
+          <c:dPt>
+            <c:idx val="1"/>
+            <c:bubble3D val="0"/>
+            <c:spPr>
+              <a:solidFill>
+                <a:schemeClr val="accent2"/>
+              </a:solidFill>
+              <a:ln w="19050">
+                <a:solidFill>
+                  <a:schemeClr val="lt1"/>
+                </a:solidFill>
+              </a:ln>
+              <a:effectLst/>
+            </c:spPr>
+            <c:extLst>
+              <c:ext xmlns:c16="http://schemas.microsoft.com/office/drawing/2014/chart" uri="{C3380CC4-5D6E-409C-BE32-E72D297353CC}">
+                <c16:uniqueId val="{00000002-7879-4899-BE61-EFB873785B69}"/>
+              </c:ext>
+            </c:extLst>
+          </c:dPt>
+          <c:dLbls>
+            <c:dLbl>
+              <c:idx val="0"/>
+              <c:layout>
+                <c:manualLayout>
+                  <c:x val="-0.12727589812992121"/>
+                  <c:y val="-0.18181187365822626"/>
+                </c:manualLayout>
+              </c:layout>
+              <c:tx>
+                <c:rich>
+                  <a:bodyPr/>
+                  <a:lstStyle/>
+                  <a:p>
+                    <a:fld id="{0D07E75F-3F50-4EB4-B7BD-B7B302C916BB}" type="PERCENTAGE">
+                      <a:rPr lang="en-US" sz="2800"/>
+                      <a:pPr/>
+                      <a:t>[PORCENTAJE]</a:t>
+                    </a:fld>
+                    <a:endParaRPr lang="es-ES"/>
+                  </a:p>
+                </c:rich>
+              </c:tx>
+              <c:showLegendKey val="0"/>
+              <c:showVal val="0"/>
+              <c:showCatName val="0"/>
+              <c:showSerName val="0"/>
+              <c:showPercent val="1"/>
+              <c:showBubbleSize val="0"/>
+              <c:extLst>
+                <c:ext xmlns:c15="http://schemas.microsoft.com/office/drawing/2012/chart" uri="{CE6537A1-D6FC-4f65-9D91-7224C49458BB}">
+                  <c15:dlblFieldTable/>
+                  <c15:showDataLabelsRange val="0"/>
+                </c:ext>
+                <c:ext xmlns:c16="http://schemas.microsoft.com/office/drawing/2014/chart" uri="{C3380CC4-5D6E-409C-BE32-E72D297353CC}">
+                  <c16:uniqueId val="{00000001-7879-4899-BE61-EFB873785B69}"/>
+                </c:ext>
+              </c:extLst>
+            </c:dLbl>
+            <c:dLbl>
+              <c:idx val="1"/>
+              <c:layout>
+                <c:manualLayout>
+                  <c:x val="8.7238988681102358E-2"/>
+                  <c:y val="0.12313231279943943"/>
+                </c:manualLayout>
+              </c:layout>
+              <c:tx>
+                <c:rich>
+                  <a:bodyPr/>
+                  <a:lstStyle/>
+                  <a:p>
+                    <a:fld id="{C1D41C4E-5754-49B5-85F1-2FA4AC8B0B31}" type="PERCENTAGE">
+                      <a:rPr lang="en-US" sz="2800"/>
+                      <a:pPr/>
+                      <a:t>[PORCENTAJE]</a:t>
+                    </a:fld>
+                    <a:endParaRPr lang="es-ES"/>
+                  </a:p>
+                </c:rich>
+              </c:tx>
+              <c:showLegendKey val="0"/>
+              <c:showVal val="0"/>
+              <c:showCatName val="0"/>
+              <c:showSerName val="0"/>
+              <c:showPercent val="1"/>
+              <c:showBubbleSize val="0"/>
+              <c:extLst>
+                <c:ext xmlns:c15="http://schemas.microsoft.com/office/drawing/2012/chart" uri="{CE6537A1-D6FC-4f65-9D91-7224C49458BB}">
+                  <c15:dlblFieldTable/>
+                  <c15:showDataLabelsRange val="0"/>
+                </c:ext>
+                <c:ext xmlns:c16="http://schemas.microsoft.com/office/drawing/2014/chart" uri="{C3380CC4-5D6E-409C-BE32-E72D297353CC}">
+                  <c16:uniqueId val="{00000002-7879-4899-BE61-EFB873785B69}"/>
+                </c:ext>
+              </c:extLst>
+            </c:dLbl>
+            <c:spPr>
+              <a:noFill/>
+              <a:ln>
+                <a:noFill/>
+              </a:ln>
+              <a:effectLst/>
+            </c:spPr>
+            <c:txPr>
+              <a:bodyPr rot="0" spcFirstLastPara="1" vertOverflow="ellipsis" vert="horz" wrap="square" lIns="38100" tIns="19050" rIns="38100" bIns="19050" anchor="ctr" anchorCtr="1">
+                <a:spAutoFit/>
+              </a:bodyPr>
+              <a:lstStyle/>
+              <a:p>
+                <a:pPr>
+                  <a:defRPr sz="1197" b="0" i="0" u="none" strike="noStrike" kern="1200" baseline="0">
+                    <a:solidFill>
+                      <a:schemeClr val="tx1">
+                        <a:lumMod val="75000"/>
+                        <a:lumOff val="25000"/>
+                      </a:schemeClr>
+                    </a:solidFill>
+                    <a:latin typeface="+mn-lt"/>
+                    <a:ea typeface="+mn-ea"/>
+                    <a:cs typeface="+mn-cs"/>
+                  </a:defRPr>
+                </a:pPr>
+                <a:endParaRPr lang="es-ES"/>
+              </a:p>
+            </c:txPr>
+            <c:showLegendKey val="0"/>
+            <c:showVal val="0"/>
+            <c:showCatName val="0"/>
+            <c:showSerName val="0"/>
+            <c:showPercent val="1"/>
+            <c:showBubbleSize val="0"/>
+            <c:showLeaderLines val="1"/>
+            <c:leaderLines>
+              <c:spPr>
+                <a:ln w="9525" cap="flat" cmpd="sng" algn="ctr">
+                  <a:solidFill>
+                    <a:schemeClr val="tx1">
+                      <a:lumMod val="35000"/>
+                      <a:lumOff val="65000"/>
+                    </a:schemeClr>
+                  </a:solidFill>
+                  <a:round/>
+                </a:ln>
+                <a:effectLst/>
+              </c:spPr>
+            </c:leaderLines>
+            <c:extLst>
+              <c:ext xmlns:c15="http://schemas.microsoft.com/office/drawing/2012/chart" uri="{CE6537A1-D6FC-4f65-9D91-7224C49458BB}"/>
+            </c:extLst>
+          </c:dLbls>
+          <c:cat>
+            <c:strRef>
+              <c:f>Hoja1!$A$2:$A$3</c:f>
+              <c:strCache>
+                <c:ptCount val="2"/>
+                <c:pt idx="0">
+                  <c:v>V_predic</c:v>
+                </c:pt>
+                <c:pt idx="1">
+                  <c:v>V_all</c:v>
+                </c:pt>
+              </c:strCache>
+            </c:strRef>
+          </c:cat>
+          <c:val>
+            <c:numRef>
+              <c:f>Hoja1!$B$2:$B$3</c:f>
+              <c:numCache>
+                <c:formatCode>0%</c:formatCode>
+                <c:ptCount val="2"/>
+                <c:pt idx="0">
+                  <c:v>0.87</c:v>
+                </c:pt>
+                <c:pt idx="1">
+                  <c:v>0.13</c:v>
+                </c:pt>
+              </c:numCache>
+            </c:numRef>
+          </c:val>
+          <c:extLst>
+            <c:ext xmlns:c16="http://schemas.microsoft.com/office/drawing/2014/chart" uri="{C3380CC4-5D6E-409C-BE32-E72D297353CC}">
+              <c16:uniqueId val="{00000000-7879-4899-BE61-EFB873785B69}"/>
+            </c:ext>
+          </c:extLst>
+        </c:ser>
+        <c:dLbls>
+          <c:showLegendKey val="0"/>
+          <c:showVal val="0"/>
+          <c:showCatName val="0"/>
+          <c:showSerName val="0"/>
+          <c:showPercent val="1"/>
+          <c:showBubbleSize val="0"/>
+          <c:showLeaderLines val="1"/>
+        </c:dLbls>
+        <c:firstSliceAng val="0"/>
+      </c:pieChart>
+      <c:spPr>
+        <a:noFill/>
+        <a:ln>
+          <a:noFill/>
+        </a:ln>
+        <a:effectLst/>
+      </c:spPr>
+    </c:plotArea>
+    <c:legend>
+      <c:legendPos val="r"/>
+      <c:legendEntry>
+        <c:idx val="0"/>
+        <c:txPr>
+          <a:bodyPr rot="0" spcFirstLastPara="1" vertOverflow="ellipsis" vert="horz" wrap="square" anchor="ctr" anchorCtr="1"/>
+          <a:lstStyle/>
+          <a:p>
+            <a:pPr>
+              <a:defRPr sz="2800" b="0" i="0" u="none" strike="noStrike" kern="1200" baseline="0">
+                <a:solidFill>
+                  <a:schemeClr val="tx1">
+                    <a:lumMod val="65000"/>
+                    <a:lumOff val="35000"/>
+                  </a:schemeClr>
+                </a:solidFill>
+                <a:latin typeface="+mn-lt"/>
+                <a:ea typeface="+mn-ea"/>
+                <a:cs typeface="+mn-cs"/>
+              </a:defRPr>
+            </a:pPr>
+            <a:endParaRPr lang="es-ES"/>
+          </a:p>
+        </c:txPr>
+      </c:legendEntry>
+      <c:legendEntry>
+        <c:idx val="1"/>
+        <c:txPr>
+          <a:bodyPr rot="0" spcFirstLastPara="1" vertOverflow="ellipsis" vert="horz" wrap="square" anchor="ctr" anchorCtr="1"/>
+          <a:lstStyle/>
+          <a:p>
+            <a:pPr>
+              <a:defRPr sz="2800" b="0" i="0" u="none" strike="noStrike" kern="1200" baseline="0">
+                <a:solidFill>
+                  <a:schemeClr val="tx1">
+                    <a:lumMod val="65000"/>
+                    <a:lumOff val="35000"/>
+                  </a:schemeClr>
+                </a:solidFill>
+                <a:latin typeface="+mn-lt"/>
+                <a:ea typeface="+mn-ea"/>
+                <a:cs typeface="+mn-cs"/>
+              </a:defRPr>
+            </a:pPr>
+            <a:endParaRPr lang="es-ES"/>
+          </a:p>
+        </c:txPr>
+      </c:legendEntry>
+      <c:layout>
+        <c:manualLayout>
+          <c:xMode val="edge"/>
+          <c:yMode val="edge"/>
+          <c:x val="0.74725135334645665"/>
+          <c:y val="0.45172124435769906"/>
+          <c:w val="0.21557357283464565"/>
+          <c:h val="0.18674113024476316"/>
+        </c:manualLayout>
+      </c:layout>
+      <c:overlay val="0"/>
+      <c:spPr>
+        <a:noFill/>
+        <a:ln>
+          <a:noFill/>
+        </a:ln>
+        <a:effectLst/>
+      </c:spPr>
+      <c:txPr>
+        <a:bodyPr rot="0" spcFirstLastPara="1" vertOverflow="ellipsis" vert="horz" wrap="square" anchor="ctr" anchorCtr="1"/>
+        <a:lstStyle/>
+        <a:p>
+          <a:pPr>
+            <a:defRPr sz="1197" b="0" i="0" u="none" strike="noStrike" kern="1200" baseline="0">
+              <a:solidFill>
+                <a:schemeClr val="tx1">
+                  <a:lumMod val="65000"/>
+                  <a:lumOff val="35000"/>
+                </a:schemeClr>
+              </a:solidFill>
+              <a:latin typeface="+mn-lt"/>
+              <a:ea typeface="+mn-ea"/>
+              <a:cs typeface="+mn-cs"/>
+            </a:defRPr>
+          </a:pPr>
+          <a:endParaRPr lang="es-ES"/>
+        </a:p>
+      </c:txPr>
+    </c:legend>
+    <c:plotVisOnly val="1"/>
+    <c:dispBlanksAs val="gap"/>
+    <c:extLst>
+      <c:ext xmlns:c16r3="http://schemas.microsoft.com/office/drawing/2017/03/chart" uri="{56B9EC1D-385E-4148-901F-78D8002777C0}">
+        <c16r3:dataDisplayOptions16>
+          <c16r3:dispNaAsBlank val="1"/>
+        </c16r3:dataDisplayOptions16>
+      </c:ext>
+    </c:extLst>
+    <c:showDLblsOverMax val="0"/>
+  </c:chart>
+  <c:spPr>
+    <a:noFill/>
+    <a:ln>
+      <a:noFill/>
+    </a:ln>
+    <a:effectLst/>
+  </c:spPr>
+  <c:txPr>
+    <a:bodyPr/>
+    <a:lstStyle/>
+    <a:p>
+      <a:pPr>
+        <a:defRPr/>
+      </a:pPr>
+      <a:endParaRPr lang="es-ES"/>
+    </a:p>
+  </c:txPr>
+  <c:externalData r:id="rId3">
+    <c:autoUpdate val="0"/>
+  </c:externalData>
+</c:chartSpace>
+</file>
+
 <file path=ppt/charts/colors1.xml><?xml version="1.0" encoding="utf-8"?>
 <cs:colorStyle xmlns:cs="http://schemas.microsoft.com/office/drawing/2012/chartStyle" xmlns:a="http://schemas.openxmlformats.org/drawingml/2006/main" meth="cycle" id="10">
   <a:schemeClr val="accent1"/>
@@ -663,7 +2494,2770 @@
 </cs:colorStyle>
 </file>
 
+<file path=ppt/charts/colors2.xml><?xml version="1.0" encoding="utf-8"?>
+<cs:colorStyle xmlns:cs="http://schemas.microsoft.com/office/drawing/2012/chartStyle" xmlns:a="http://schemas.openxmlformats.org/drawingml/2006/main" meth="cycle" id="10">
+  <a:schemeClr val="accent1"/>
+  <a:schemeClr val="accent2"/>
+  <a:schemeClr val="accent3"/>
+  <a:schemeClr val="accent4"/>
+  <a:schemeClr val="accent5"/>
+  <a:schemeClr val="accent6"/>
+  <cs:variation/>
+  <cs:variation>
+    <a:lumMod val="60000"/>
+  </cs:variation>
+  <cs:variation>
+    <a:lumMod val="80000"/>
+    <a:lumOff val="20000"/>
+  </cs:variation>
+  <cs:variation>
+    <a:lumMod val="80000"/>
+  </cs:variation>
+  <cs:variation>
+    <a:lumMod val="60000"/>
+    <a:lumOff val="40000"/>
+  </cs:variation>
+  <cs:variation>
+    <a:lumMod val="50000"/>
+  </cs:variation>
+  <cs:variation>
+    <a:lumMod val="70000"/>
+    <a:lumOff val="30000"/>
+  </cs:variation>
+  <cs:variation>
+    <a:lumMod val="70000"/>
+  </cs:variation>
+  <cs:variation>
+    <a:lumMod val="50000"/>
+    <a:lumOff val="50000"/>
+  </cs:variation>
+</cs:colorStyle>
+</file>
+
+<file path=ppt/charts/colors3.xml><?xml version="1.0" encoding="utf-8"?>
+<cs:colorStyle xmlns:cs="http://schemas.microsoft.com/office/drawing/2012/chartStyle" xmlns:a="http://schemas.openxmlformats.org/drawingml/2006/main" meth="cycle" id="10">
+  <a:schemeClr val="accent1"/>
+  <a:schemeClr val="accent2"/>
+  <a:schemeClr val="accent3"/>
+  <a:schemeClr val="accent4"/>
+  <a:schemeClr val="accent5"/>
+  <a:schemeClr val="accent6"/>
+  <cs:variation/>
+  <cs:variation>
+    <a:lumMod val="60000"/>
+  </cs:variation>
+  <cs:variation>
+    <a:lumMod val="80000"/>
+    <a:lumOff val="20000"/>
+  </cs:variation>
+  <cs:variation>
+    <a:lumMod val="80000"/>
+  </cs:variation>
+  <cs:variation>
+    <a:lumMod val="60000"/>
+    <a:lumOff val="40000"/>
+  </cs:variation>
+  <cs:variation>
+    <a:lumMod val="50000"/>
+  </cs:variation>
+  <cs:variation>
+    <a:lumMod val="70000"/>
+    <a:lumOff val="30000"/>
+  </cs:variation>
+  <cs:variation>
+    <a:lumMod val="70000"/>
+  </cs:variation>
+  <cs:variation>
+    <a:lumMod val="50000"/>
+    <a:lumOff val="50000"/>
+  </cs:variation>
+</cs:colorStyle>
+</file>
+
+<file path=ppt/charts/colors4.xml><?xml version="1.0" encoding="utf-8"?>
+<cs:colorStyle xmlns:cs="http://schemas.microsoft.com/office/drawing/2012/chartStyle" xmlns:a="http://schemas.openxmlformats.org/drawingml/2006/main" meth="cycle" id="10">
+  <a:schemeClr val="accent1"/>
+  <a:schemeClr val="accent2"/>
+  <a:schemeClr val="accent3"/>
+  <a:schemeClr val="accent4"/>
+  <a:schemeClr val="accent5"/>
+  <a:schemeClr val="accent6"/>
+  <cs:variation/>
+  <cs:variation>
+    <a:lumMod val="60000"/>
+  </cs:variation>
+  <cs:variation>
+    <a:lumMod val="80000"/>
+    <a:lumOff val="20000"/>
+  </cs:variation>
+  <cs:variation>
+    <a:lumMod val="80000"/>
+  </cs:variation>
+  <cs:variation>
+    <a:lumMod val="60000"/>
+    <a:lumOff val="40000"/>
+  </cs:variation>
+  <cs:variation>
+    <a:lumMod val="50000"/>
+  </cs:variation>
+  <cs:variation>
+    <a:lumMod val="70000"/>
+    <a:lumOff val="30000"/>
+  </cs:variation>
+  <cs:variation>
+    <a:lumMod val="70000"/>
+  </cs:variation>
+  <cs:variation>
+    <a:lumMod val="50000"/>
+    <a:lumOff val="50000"/>
+  </cs:variation>
+</cs:colorStyle>
+</file>
+
+<file path=ppt/charts/colors5.xml><?xml version="1.0" encoding="utf-8"?>
+<cs:colorStyle xmlns:cs="http://schemas.microsoft.com/office/drawing/2012/chartStyle" xmlns:a="http://schemas.openxmlformats.org/drawingml/2006/main" meth="cycle" id="10">
+  <a:schemeClr val="accent1"/>
+  <a:schemeClr val="accent2"/>
+  <a:schemeClr val="accent3"/>
+  <a:schemeClr val="accent4"/>
+  <a:schemeClr val="accent5"/>
+  <a:schemeClr val="accent6"/>
+  <cs:variation/>
+  <cs:variation>
+    <a:lumMod val="60000"/>
+  </cs:variation>
+  <cs:variation>
+    <a:lumMod val="80000"/>
+    <a:lumOff val="20000"/>
+  </cs:variation>
+  <cs:variation>
+    <a:lumMod val="80000"/>
+  </cs:variation>
+  <cs:variation>
+    <a:lumMod val="60000"/>
+    <a:lumOff val="40000"/>
+  </cs:variation>
+  <cs:variation>
+    <a:lumMod val="50000"/>
+  </cs:variation>
+  <cs:variation>
+    <a:lumMod val="70000"/>
+    <a:lumOff val="30000"/>
+  </cs:variation>
+  <cs:variation>
+    <a:lumMod val="70000"/>
+  </cs:variation>
+  <cs:variation>
+    <a:lumMod val="50000"/>
+    <a:lumOff val="50000"/>
+  </cs:variation>
+</cs:colorStyle>
+</file>
+
+<file path=ppt/charts/colors6.xml><?xml version="1.0" encoding="utf-8"?>
+<cs:colorStyle xmlns:cs="http://schemas.microsoft.com/office/drawing/2012/chartStyle" xmlns:a="http://schemas.openxmlformats.org/drawingml/2006/main" meth="cycle" id="10">
+  <a:schemeClr val="accent1"/>
+  <a:schemeClr val="accent2"/>
+  <a:schemeClr val="accent3"/>
+  <a:schemeClr val="accent4"/>
+  <a:schemeClr val="accent5"/>
+  <a:schemeClr val="accent6"/>
+  <cs:variation/>
+  <cs:variation>
+    <a:lumMod val="60000"/>
+  </cs:variation>
+  <cs:variation>
+    <a:lumMod val="80000"/>
+    <a:lumOff val="20000"/>
+  </cs:variation>
+  <cs:variation>
+    <a:lumMod val="80000"/>
+  </cs:variation>
+  <cs:variation>
+    <a:lumMod val="60000"/>
+    <a:lumOff val="40000"/>
+  </cs:variation>
+  <cs:variation>
+    <a:lumMod val="50000"/>
+  </cs:variation>
+  <cs:variation>
+    <a:lumMod val="70000"/>
+    <a:lumOff val="30000"/>
+  </cs:variation>
+  <cs:variation>
+    <a:lumMod val="70000"/>
+  </cs:variation>
+  <cs:variation>
+    <a:lumMod val="50000"/>
+    <a:lumOff val="50000"/>
+  </cs:variation>
+</cs:colorStyle>
+</file>
+
 <file path=ppt/charts/style1.xml><?xml version="1.0" encoding="utf-8"?>
+<cs:chartStyle xmlns:cs="http://schemas.microsoft.com/office/drawing/2012/chartStyle" xmlns:a="http://schemas.openxmlformats.org/drawingml/2006/main" id="201">
+  <cs:axisTitle>
+    <cs:lnRef idx="0"/>
+    <cs:fillRef idx="0"/>
+    <cs:effectRef idx="0"/>
+    <cs:fontRef idx="minor">
+      <a:schemeClr val="tx1">
+        <a:lumMod val="65000"/>
+        <a:lumOff val="35000"/>
+      </a:schemeClr>
+    </cs:fontRef>
+    <cs:defRPr sz="1330" kern="1200"/>
+  </cs:axisTitle>
+  <cs:categoryAxis>
+    <cs:lnRef idx="0"/>
+    <cs:fillRef idx="0"/>
+    <cs:effectRef idx="0"/>
+    <cs:fontRef idx="minor">
+      <a:schemeClr val="tx1">
+        <a:lumMod val="65000"/>
+        <a:lumOff val="35000"/>
+      </a:schemeClr>
+    </cs:fontRef>
+    <cs:spPr>
+      <a:ln w="9525" cap="flat" cmpd="sng" algn="ctr">
+        <a:solidFill>
+          <a:schemeClr val="tx1">
+            <a:lumMod val="15000"/>
+            <a:lumOff val="85000"/>
+          </a:schemeClr>
+        </a:solidFill>
+        <a:round/>
+      </a:ln>
+    </cs:spPr>
+    <cs:defRPr sz="1197" kern="1200"/>
+  </cs:categoryAxis>
+  <cs:chartArea mods="allowNoFillOverride allowNoLineOverride">
+    <cs:lnRef idx="0"/>
+    <cs:fillRef idx="0"/>
+    <cs:effectRef idx="0"/>
+    <cs:fontRef idx="minor">
+      <a:schemeClr val="tx1"/>
+    </cs:fontRef>
+    <cs:spPr>
+      <a:solidFill>
+        <a:schemeClr val="bg1"/>
+      </a:solidFill>
+      <a:ln w="9525" cap="flat" cmpd="sng" algn="ctr">
+        <a:solidFill>
+          <a:schemeClr val="tx1">
+            <a:lumMod val="15000"/>
+            <a:lumOff val="85000"/>
+          </a:schemeClr>
+        </a:solidFill>
+        <a:round/>
+      </a:ln>
+    </cs:spPr>
+    <cs:defRPr sz="1330" kern="1200"/>
+  </cs:chartArea>
+  <cs:dataLabel>
+    <cs:lnRef idx="0"/>
+    <cs:fillRef idx="0"/>
+    <cs:effectRef idx="0"/>
+    <cs:fontRef idx="minor">
+      <a:schemeClr val="tx1">
+        <a:lumMod val="75000"/>
+        <a:lumOff val="25000"/>
+      </a:schemeClr>
+    </cs:fontRef>
+    <cs:defRPr sz="1197" kern="1200"/>
+  </cs:dataLabel>
+  <cs:dataLabelCallout>
+    <cs:lnRef idx="0"/>
+    <cs:fillRef idx="0"/>
+    <cs:effectRef idx="0"/>
+    <cs:fontRef idx="minor">
+      <a:schemeClr val="dk1">
+        <a:lumMod val="65000"/>
+        <a:lumOff val="35000"/>
+      </a:schemeClr>
+    </cs:fontRef>
+    <cs:spPr>
+      <a:solidFill>
+        <a:schemeClr val="lt1"/>
+      </a:solidFill>
+      <a:ln>
+        <a:solidFill>
+          <a:schemeClr val="dk1">
+            <a:lumMod val="25000"/>
+            <a:lumOff val="75000"/>
+          </a:schemeClr>
+        </a:solidFill>
+      </a:ln>
+    </cs:spPr>
+    <cs:defRPr sz="1197" kern="1200"/>
+    <cs:bodyPr rot="0" spcFirstLastPara="1" vertOverflow="clip" horzOverflow="clip" vert="horz" wrap="square" lIns="36576" tIns="18288" rIns="36576" bIns="18288" anchor="ctr" anchorCtr="1">
+      <a:spAutoFit/>
+    </cs:bodyPr>
+  </cs:dataLabelCallout>
+  <cs:dataPoint>
+    <cs:lnRef idx="0"/>
+    <cs:fillRef idx="1">
+      <cs:styleClr val="auto"/>
+    </cs:fillRef>
+    <cs:effectRef idx="0"/>
+    <cs:fontRef idx="minor">
+      <a:schemeClr val="tx1"/>
+    </cs:fontRef>
+  </cs:dataPoint>
+  <cs:dataPoint3D>
+    <cs:lnRef idx="0"/>
+    <cs:fillRef idx="1">
+      <cs:styleClr val="auto"/>
+    </cs:fillRef>
+    <cs:effectRef idx="0"/>
+    <cs:fontRef idx="minor">
+      <a:schemeClr val="tx1"/>
+    </cs:fontRef>
+  </cs:dataPoint3D>
+  <cs:dataPointLine>
+    <cs:lnRef idx="0">
+      <cs:styleClr val="auto"/>
+    </cs:lnRef>
+    <cs:fillRef idx="1"/>
+    <cs:effectRef idx="0"/>
+    <cs:fontRef idx="minor">
+      <a:schemeClr val="tx1"/>
+    </cs:fontRef>
+    <cs:spPr>
+      <a:ln w="28575" cap="rnd">
+        <a:solidFill>
+          <a:schemeClr val="phClr"/>
+        </a:solidFill>
+        <a:round/>
+      </a:ln>
+    </cs:spPr>
+  </cs:dataPointLine>
+  <cs:dataPointMarker>
+    <cs:lnRef idx="0">
+      <cs:styleClr val="auto"/>
+    </cs:lnRef>
+    <cs:fillRef idx="1">
+      <cs:styleClr val="auto"/>
+    </cs:fillRef>
+    <cs:effectRef idx="0"/>
+    <cs:fontRef idx="minor">
+      <a:schemeClr val="tx1"/>
+    </cs:fontRef>
+    <cs:spPr>
+      <a:ln w="9525">
+        <a:solidFill>
+          <a:schemeClr val="phClr"/>
+        </a:solidFill>
+      </a:ln>
+    </cs:spPr>
+  </cs:dataPointMarker>
+  <cs:dataPointMarkerLayout symbol="circle" size="5"/>
+  <cs:dataPointWireframe>
+    <cs:lnRef idx="0">
+      <cs:styleClr val="auto"/>
+    </cs:lnRef>
+    <cs:fillRef idx="1"/>
+    <cs:effectRef idx="0"/>
+    <cs:fontRef idx="minor">
+      <a:schemeClr val="tx1"/>
+    </cs:fontRef>
+    <cs:spPr>
+      <a:ln w="9525" cap="rnd">
+        <a:solidFill>
+          <a:schemeClr val="phClr"/>
+        </a:solidFill>
+        <a:round/>
+      </a:ln>
+    </cs:spPr>
+  </cs:dataPointWireframe>
+  <cs:dataTable>
+    <cs:lnRef idx="0"/>
+    <cs:fillRef idx="0"/>
+    <cs:effectRef idx="0"/>
+    <cs:fontRef idx="minor">
+      <a:schemeClr val="tx1">
+        <a:lumMod val="65000"/>
+        <a:lumOff val="35000"/>
+      </a:schemeClr>
+    </cs:fontRef>
+    <cs:spPr>
+      <a:noFill/>
+      <a:ln w="9525" cap="flat" cmpd="sng" algn="ctr">
+        <a:solidFill>
+          <a:schemeClr val="tx1">
+            <a:lumMod val="15000"/>
+            <a:lumOff val="85000"/>
+          </a:schemeClr>
+        </a:solidFill>
+        <a:round/>
+      </a:ln>
+    </cs:spPr>
+    <cs:defRPr sz="1197" kern="1200"/>
+  </cs:dataTable>
+  <cs:downBar>
+    <cs:lnRef idx="0"/>
+    <cs:fillRef idx="0"/>
+    <cs:effectRef idx="0"/>
+    <cs:fontRef idx="minor">
+      <a:schemeClr val="dk1"/>
+    </cs:fontRef>
+    <cs:spPr>
+      <a:solidFill>
+        <a:schemeClr val="dk1">
+          <a:lumMod val="65000"/>
+          <a:lumOff val="35000"/>
+        </a:schemeClr>
+      </a:solidFill>
+      <a:ln w="9525">
+        <a:solidFill>
+          <a:schemeClr val="tx1">
+            <a:lumMod val="65000"/>
+            <a:lumOff val="35000"/>
+          </a:schemeClr>
+        </a:solidFill>
+      </a:ln>
+    </cs:spPr>
+  </cs:downBar>
+  <cs:dropLine>
+    <cs:lnRef idx="0"/>
+    <cs:fillRef idx="0"/>
+    <cs:effectRef idx="0"/>
+    <cs:fontRef idx="minor">
+      <a:schemeClr val="tx1"/>
+    </cs:fontRef>
+    <cs:spPr>
+      <a:ln w="9525" cap="flat" cmpd="sng" algn="ctr">
+        <a:solidFill>
+          <a:schemeClr val="tx1">
+            <a:lumMod val="35000"/>
+            <a:lumOff val="65000"/>
+          </a:schemeClr>
+        </a:solidFill>
+        <a:round/>
+      </a:ln>
+    </cs:spPr>
+  </cs:dropLine>
+  <cs:errorBar>
+    <cs:lnRef idx="0"/>
+    <cs:fillRef idx="0"/>
+    <cs:effectRef idx="0"/>
+    <cs:fontRef idx="minor">
+      <a:schemeClr val="tx1"/>
+    </cs:fontRef>
+    <cs:spPr>
+      <a:ln w="9525" cap="flat" cmpd="sng" algn="ctr">
+        <a:solidFill>
+          <a:schemeClr val="tx1">
+            <a:lumMod val="65000"/>
+            <a:lumOff val="35000"/>
+          </a:schemeClr>
+        </a:solidFill>
+        <a:round/>
+      </a:ln>
+    </cs:spPr>
+  </cs:errorBar>
+  <cs:floor>
+    <cs:lnRef idx="0"/>
+    <cs:fillRef idx="0"/>
+    <cs:effectRef idx="0"/>
+    <cs:fontRef idx="minor">
+      <a:schemeClr val="tx1"/>
+    </cs:fontRef>
+    <cs:spPr>
+      <a:noFill/>
+      <a:ln>
+        <a:noFill/>
+      </a:ln>
+    </cs:spPr>
+  </cs:floor>
+  <cs:gridlineMajor>
+    <cs:lnRef idx="0"/>
+    <cs:fillRef idx="0"/>
+    <cs:effectRef idx="0"/>
+    <cs:fontRef idx="minor">
+      <a:schemeClr val="tx1"/>
+    </cs:fontRef>
+    <cs:spPr>
+      <a:ln w="9525" cap="flat" cmpd="sng" algn="ctr">
+        <a:solidFill>
+          <a:schemeClr val="tx1">
+            <a:lumMod val="15000"/>
+            <a:lumOff val="85000"/>
+          </a:schemeClr>
+        </a:solidFill>
+        <a:round/>
+      </a:ln>
+    </cs:spPr>
+  </cs:gridlineMajor>
+  <cs:gridlineMinor>
+    <cs:lnRef idx="0"/>
+    <cs:fillRef idx="0"/>
+    <cs:effectRef idx="0"/>
+    <cs:fontRef idx="minor">
+      <a:schemeClr val="tx1"/>
+    </cs:fontRef>
+    <cs:spPr>
+      <a:ln w="9525" cap="flat" cmpd="sng" algn="ctr">
+        <a:solidFill>
+          <a:schemeClr val="tx1">
+            <a:lumMod val="5000"/>
+            <a:lumOff val="95000"/>
+          </a:schemeClr>
+        </a:solidFill>
+        <a:round/>
+      </a:ln>
+    </cs:spPr>
+  </cs:gridlineMinor>
+  <cs:hiLoLine>
+    <cs:lnRef idx="0"/>
+    <cs:fillRef idx="0"/>
+    <cs:effectRef idx="0"/>
+    <cs:fontRef idx="minor">
+      <a:schemeClr val="tx1"/>
+    </cs:fontRef>
+    <cs:spPr>
+      <a:ln w="9525" cap="flat" cmpd="sng" algn="ctr">
+        <a:solidFill>
+          <a:schemeClr val="tx1">
+            <a:lumMod val="75000"/>
+            <a:lumOff val="25000"/>
+          </a:schemeClr>
+        </a:solidFill>
+        <a:round/>
+      </a:ln>
+    </cs:spPr>
+  </cs:hiLoLine>
+  <cs:leaderLine>
+    <cs:lnRef idx="0"/>
+    <cs:fillRef idx="0"/>
+    <cs:effectRef idx="0"/>
+    <cs:fontRef idx="minor">
+      <a:schemeClr val="tx1"/>
+    </cs:fontRef>
+    <cs:spPr>
+      <a:ln w="9525" cap="flat" cmpd="sng" algn="ctr">
+        <a:solidFill>
+          <a:schemeClr val="tx1">
+            <a:lumMod val="35000"/>
+            <a:lumOff val="65000"/>
+          </a:schemeClr>
+        </a:solidFill>
+        <a:round/>
+      </a:ln>
+    </cs:spPr>
+  </cs:leaderLine>
+  <cs:legend>
+    <cs:lnRef idx="0"/>
+    <cs:fillRef idx="0"/>
+    <cs:effectRef idx="0"/>
+    <cs:fontRef idx="minor">
+      <a:schemeClr val="tx1">
+        <a:lumMod val="65000"/>
+        <a:lumOff val="35000"/>
+      </a:schemeClr>
+    </cs:fontRef>
+    <cs:defRPr sz="1197" kern="1200"/>
+  </cs:legend>
+  <cs:plotArea mods="allowNoFillOverride allowNoLineOverride">
+    <cs:lnRef idx="0"/>
+    <cs:fillRef idx="0"/>
+    <cs:effectRef idx="0"/>
+    <cs:fontRef idx="minor">
+      <a:schemeClr val="tx1"/>
+    </cs:fontRef>
+  </cs:plotArea>
+  <cs:plotArea3D mods="allowNoFillOverride allowNoLineOverride">
+    <cs:lnRef idx="0"/>
+    <cs:fillRef idx="0"/>
+    <cs:effectRef idx="0"/>
+    <cs:fontRef idx="minor">
+      <a:schemeClr val="tx1"/>
+    </cs:fontRef>
+  </cs:plotArea3D>
+  <cs:seriesAxis>
+    <cs:lnRef idx="0"/>
+    <cs:fillRef idx="0"/>
+    <cs:effectRef idx="0"/>
+    <cs:fontRef idx="minor">
+      <a:schemeClr val="tx1">
+        <a:lumMod val="65000"/>
+        <a:lumOff val="35000"/>
+      </a:schemeClr>
+    </cs:fontRef>
+    <cs:defRPr sz="1197" kern="1200"/>
+  </cs:seriesAxis>
+  <cs:seriesLine>
+    <cs:lnRef idx="0"/>
+    <cs:fillRef idx="0"/>
+    <cs:effectRef idx="0"/>
+    <cs:fontRef idx="minor">
+      <a:schemeClr val="tx1"/>
+    </cs:fontRef>
+    <cs:spPr>
+      <a:ln w="9525" cap="flat" cmpd="sng" algn="ctr">
+        <a:solidFill>
+          <a:schemeClr val="tx1">
+            <a:lumMod val="35000"/>
+            <a:lumOff val="65000"/>
+          </a:schemeClr>
+        </a:solidFill>
+        <a:round/>
+      </a:ln>
+    </cs:spPr>
+  </cs:seriesLine>
+  <cs:title>
+    <cs:lnRef idx="0"/>
+    <cs:fillRef idx="0"/>
+    <cs:effectRef idx="0"/>
+    <cs:fontRef idx="minor">
+      <a:schemeClr val="tx1">
+        <a:lumMod val="65000"/>
+        <a:lumOff val="35000"/>
+      </a:schemeClr>
+    </cs:fontRef>
+    <cs:defRPr sz="1862" b="0" kern="1200" spc="0" baseline="0"/>
+  </cs:title>
+  <cs:trendline>
+    <cs:lnRef idx="0">
+      <cs:styleClr val="auto"/>
+    </cs:lnRef>
+    <cs:fillRef idx="0"/>
+    <cs:effectRef idx="0"/>
+    <cs:fontRef idx="minor">
+      <a:schemeClr val="tx1"/>
+    </cs:fontRef>
+    <cs:spPr>
+      <a:ln w="19050" cap="rnd">
+        <a:solidFill>
+          <a:schemeClr val="phClr"/>
+        </a:solidFill>
+        <a:prstDash val="sysDot"/>
+      </a:ln>
+    </cs:spPr>
+  </cs:trendline>
+  <cs:trendlineLabel>
+    <cs:lnRef idx="0"/>
+    <cs:fillRef idx="0"/>
+    <cs:effectRef idx="0"/>
+    <cs:fontRef idx="minor">
+      <a:schemeClr val="tx1">
+        <a:lumMod val="65000"/>
+        <a:lumOff val="35000"/>
+      </a:schemeClr>
+    </cs:fontRef>
+    <cs:defRPr sz="1197" kern="1200"/>
+  </cs:trendlineLabel>
+  <cs:upBar>
+    <cs:lnRef idx="0"/>
+    <cs:fillRef idx="0"/>
+    <cs:effectRef idx="0"/>
+    <cs:fontRef idx="minor">
+      <a:schemeClr val="dk1"/>
+    </cs:fontRef>
+    <cs:spPr>
+      <a:solidFill>
+        <a:schemeClr val="lt1"/>
+      </a:solidFill>
+      <a:ln w="9525">
+        <a:solidFill>
+          <a:schemeClr val="tx1">
+            <a:lumMod val="15000"/>
+            <a:lumOff val="85000"/>
+          </a:schemeClr>
+        </a:solidFill>
+      </a:ln>
+    </cs:spPr>
+  </cs:upBar>
+  <cs:valueAxis>
+    <cs:lnRef idx="0"/>
+    <cs:fillRef idx="0"/>
+    <cs:effectRef idx="0"/>
+    <cs:fontRef idx="minor">
+      <a:schemeClr val="tx1">
+        <a:lumMod val="65000"/>
+        <a:lumOff val="35000"/>
+      </a:schemeClr>
+    </cs:fontRef>
+    <cs:defRPr sz="1197" kern="1200"/>
+  </cs:valueAxis>
+  <cs:wall>
+    <cs:lnRef idx="0"/>
+    <cs:fillRef idx="0"/>
+    <cs:effectRef idx="0"/>
+    <cs:fontRef idx="minor">
+      <a:schemeClr val="tx1"/>
+    </cs:fontRef>
+    <cs:spPr>
+      <a:noFill/>
+      <a:ln>
+        <a:noFill/>
+      </a:ln>
+    </cs:spPr>
+  </cs:wall>
+</cs:chartStyle>
+</file>
+
+<file path=ppt/charts/style2.xml><?xml version="1.0" encoding="utf-8"?>
+<cs:chartStyle xmlns:cs="http://schemas.microsoft.com/office/drawing/2012/chartStyle" xmlns:a="http://schemas.openxmlformats.org/drawingml/2006/main" id="251">
+  <cs:axisTitle>
+    <cs:lnRef idx="0"/>
+    <cs:fillRef idx="0"/>
+    <cs:effectRef idx="0"/>
+    <cs:fontRef idx="minor">
+      <a:schemeClr val="tx1">
+        <a:lumMod val="65000"/>
+        <a:lumOff val="35000"/>
+      </a:schemeClr>
+    </cs:fontRef>
+    <cs:defRPr sz="1330" kern="1200"/>
+  </cs:axisTitle>
+  <cs:categoryAxis>
+    <cs:lnRef idx="0"/>
+    <cs:fillRef idx="0"/>
+    <cs:effectRef idx="0"/>
+    <cs:fontRef idx="minor">
+      <a:schemeClr val="tx1">
+        <a:lumMod val="65000"/>
+        <a:lumOff val="35000"/>
+      </a:schemeClr>
+    </cs:fontRef>
+    <cs:spPr>
+      <a:ln w="9525" cap="flat" cmpd="sng" algn="ctr">
+        <a:solidFill>
+          <a:schemeClr val="tx1">
+            <a:lumMod val="15000"/>
+            <a:lumOff val="85000"/>
+          </a:schemeClr>
+        </a:solidFill>
+        <a:round/>
+      </a:ln>
+    </cs:spPr>
+    <cs:defRPr sz="1197" kern="1200"/>
+  </cs:categoryAxis>
+  <cs:chartArea mods="allowNoFillOverride allowNoLineOverride">
+    <cs:lnRef idx="0"/>
+    <cs:fillRef idx="0"/>
+    <cs:effectRef idx="0"/>
+    <cs:fontRef idx="minor">
+      <a:schemeClr val="tx1"/>
+    </cs:fontRef>
+    <cs:spPr>
+      <a:solidFill>
+        <a:schemeClr val="bg1"/>
+      </a:solidFill>
+      <a:ln w="9525" cap="flat" cmpd="sng" algn="ctr">
+        <a:solidFill>
+          <a:schemeClr val="tx1">
+            <a:lumMod val="15000"/>
+            <a:lumOff val="85000"/>
+          </a:schemeClr>
+        </a:solidFill>
+        <a:round/>
+      </a:ln>
+    </cs:spPr>
+    <cs:defRPr sz="1197" kern="1200"/>
+  </cs:chartArea>
+  <cs:dataLabel>
+    <cs:lnRef idx="0"/>
+    <cs:fillRef idx="0"/>
+    <cs:effectRef idx="0"/>
+    <cs:fontRef idx="minor">
+      <a:schemeClr val="tx1">
+        <a:lumMod val="75000"/>
+        <a:lumOff val="25000"/>
+      </a:schemeClr>
+    </cs:fontRef>
+    <cs:defRPr sz="1197" kern="1200"/>
+  </cs:dataLabel>
+  <cs:dataLabelCallout>
+    <cs:lnRef idx="0"/>
+    <cs:fillRef idx="0"/>
+    <cs:effectRef idx="0"/>
+    <cs:fontRef idx="minor">
+      <a:schemeClr val="dk1">
+        <a:lumMod val="65000"/>
+        <a:lumOff val="35000"/>
+      </a:schemeClr>
+    </cs:fontRef>
+    <cs:spPr>
+      <a:solidFill>
+        <a:schemeClr val="lt1"/>
+      </a:solidFill>
+      <a:ln>
+        <a:solidFill>
+          <a:schemeClr val="dk1">
+            <a:lumMod val="25000"/>
+            <a:lumOff val="75000"/>
+          </a:schemeClr>
+        </a:solidFill>
+      </a:ln>
+    </cs:spPr>
+    <cs:defRPr sz="1197" kern="1200"/>
+    <cs:bodyPr rot="0" spcFirstLastPara="1" vertOverflow="clip" horzOverflow="clip" vert="horz" wrap="square" lIns="36576" tIns="18288" rIns="36576" bIns="18288" anchor="ctr" anchorCtr="1">
+      <a:spAutoFit/>
+    </cs:bodyPr>
+  </cs:dataLabelCallout>
+  <cs:dataPoint>
+    <cs:lnRef idx="0"/>
+    <cs:fillRef idx="1">
+      <cs:styleClr val="auto"/>
+    </cs:fillRef>
+    <cs:effectRef idx="0"/>
+    <cs:fontRef idx="minor">
+      <a:schemeClr val="tx1"/>
+    </cs:fontRef>
+    <cs:spPr>
+      <a:ln w="19050">
+        <a:solidFill>
+          <a:schemeClr val="lt1"/>
+        </a:solidFill>
+      </a:ln>
+    </cs:spPr>
+  </cs:dataPoint>
+  <cs:dataPoint3D>
+    <cs:lnRef idx="0"/>
+    <cs:fillRef idx="1">
+      <cs:styleClr val="auto"/>
+    </cs:fillRef>
+    <cs:effectRef idx="0"/>
+    <cs:fontRef idx="minor">
+      <a:schemeClr val="tx1"/>
+    </cs:fontRef>
+    <cs:spPr>
+      <a:ln w="25400">
+        <a:solidFill>
+          <a:schemeClr val="lt1"/>
+        </a:solidFill>
+      </a:ln>
+    </cs:spPr>
+  </cs:dataPoint3D>
+  <cs:dataPointLine>
+    <cs:lnRef idx="0">
+      <cs:styleClr val="auto"/>
+    </cs:lnRef>
+    <cs:fillRef idx="0"/>
+    <cs:effectRef idx="0"/>
+    <cs:fontRef idx="minor">
+      <a:schemeClr val="tx1"/>
+    </cs:fontRef>
+    <cs:spPr>
+      <a:ln w="28575" cap="rnd">
+        <a:solidFill>
+          <a:schemeClr val="phClr"/>
+        </a:solidFill>
+        <a:round/>
+      </a:ln>
+    </cs:spPr>
+  </cs:dataPointLine>
+  <cs:dataPointMarker>
+    <cs:lnRef idx="0">
+      <cs:styleClr val="auto"/>
+    </cs:lnRef>
+    <cs:fillRef idx="1">
+      <cs:styleClr val="auto"/>
+    </cs:fillRef>
+    <cs:effectRef idx="0"/>
+    <cs:fontRef idx="minor">
+      <a:schemeClr val="tx1"/>
+    </cs:fontRef>
+    <cs:spPr>
+      <a:ln w="9525">
+        <a:solidFill>
+          <a:schemeClr val="phClr"/>
+        </a:solidFill>
+      </a:ln>
+    </cs:spPr>
+  </cs:dataPointMarker>
+  <cs:dataPointMarkerLayout symbol="circle" size="5"/>
+  <cs:dataPointWireframe>
+    <cs:lnRef idx="0">
+      <cs:styleClr val="auto"/>
+    </cs:lnRef>
+    <cs:fillRef idx="0"/>
+    <cs:effectRef idx="0"/>
+    <cs:fontRef idx="minor">
+      <a:schemeClr val="tx1"/>
+    </cs:fontRef>
+    <cs:spPr>
+      <a:ln w="9525" cap="rnd">
+        <a:solidFill>
+          <a:schemeClr val="phClr"/>
+        </a:solidFill>
+        <a:round/>
+      </a:ln>
+    </cs:spPr>
+  </cs:dataPointWireframe>
+  <cs:dataTable>
+    <cs:lnRef idx="0"/>
+    <cs:fillRef idx="0"/>
+    <cs:effectRef idx="0"/>
+    <cs:fontRef idx="minor">
+      <a:schemeClr val="tx1">
+        <a:lumMod val="65000"/>
+        <a:lumOff val="35000"/>
+      </a:schemeClr>
+    </cs:fontRef>
+    <cs:spPr>
+      <a:noFill/>
+      <a:ln w="9525" cap="flat" cmpd="sng" algn="ctr">
+        <a:solidFill>
+          <a:schemeClr val="tx1">
+            <a:lumMod val="15000"/>
+            <a:lumOff val="85000"/>
+          </a:schemeClr>
+        </a:solidFill>
+        <a:round/>
+      </a:ln>
+    </cs:spPr>
+    <cs:defRPr sz="1197" kern="1200"/>
+  </cs:dataTable>
+  <cs:downBar>
+    <cs:lnRef idx="0"/>
+    <cs:fillRef idx="0"/>
+    <cs:effectRef idx="0"/>
+    <cs:fontRef idx="minor">
+      <a:schemeClr val="tx1"/>
+    </cs:fontRef>
+    <cs:spPr>
+      <a:solidFill>
+        <a:schemeClr val="dk1">
+          <a:lumMod val="75000"/>
+          <a:lumOff val="25000"/>
+        </a:schemeClr>
+      </a:solidFill>
+      <a:ln w="9525" cap="flat" cmpd="sng" algn="ctr">
+        <a:solidFill>
+          <a:schemeClr val="tx1">
+            <a:lumMod val="65000"/>
+            <a:lumOff val="35000"/>
+          </a:schemeClr>
+        </a:solidFill>
+        <a:round/>
+      </a:ln>
+    </cs:spPr>
+  </cs:downBar>
+  <cs:dropLine>
+    <cs:lnRef idx="0"/>
+    <cs:fillRef idx="0"/>
+    <cs:effectRef idx="0"/>
+    <cs:fontRef idx="minor">
+      <a:schemeClr val="tx1"/>
+    </cs:fontRef>
+    <cs:spPr>
+      <a:ln w="9525" cap="flat" cmpd="sng" algn="ctr">
+        <a:solidFill>
+          <a:schemeClr val="tx1">
+            <a:lumMod val="35000"/>
+            <a:lumOff val="65000"/>
+          </a:schemeClr>
+        </a:solidFill>
+        <a:round/>
+      </a:ln>
+    </cs:spPr>
+  </cs:dropLine>
+  <cs:errorBar>
+    <cs:lnRef idx="0"/>
+    <cs:fillRef idx="0"/>
+    <cs:effectRef idx="0"/>
+    <cs:fontRef idx="minor">
+      <a:schemeClr val="tx1"/>
+    </cs:fontRef>
+    <cs:spPr>
+      <a:ln w="9525" cap="flat" cmpd="sng" algn="ctr">
+        <a:solidFill>
+          <a:schemeClr val="tx1">
+            <a:lumMod val="65000"/>
+            <a:lumOff val="35000"/>
+          </a:schemeClr>
+        </a:solidFill>
+        <a:round/>
+      </a:ln>
+    </cs:spPr>
+  </cs:errorBar>
+  <cs:floor>
+    <cs:lnRef idx="0"/>
+    <cs:fillRef idx="0"/>
+    <cs:effectRef idx="0"/>
+    <cs:fontRef idx="minor">
+      <a:schemeClr val="tx1"/>
+    </cs:fontRef>
+    <cs:spPr>
+      <a:noFill/>
+      <a:ln>
+        <a:noFill/>
+      </a:ln>
+    </cs:spPr>
+  </cs:floor>
+  <cs:gridlineMajor>
+    <cs:lnRef idx="0"/>
+    <cs:fillRef idx="0"/>
+    <cs:effectRef idx="0"/>
+    <cs:fontRef idx="minor">
+      <a:schemeClr val="tx1"/>
+    </cs:fontRef>
+    <cs:spPr>
+      <a:ln w="9525" cap="flat" cmpd="sng" algn="ctr">
+        <a:solidFill>
+          <a:schemeClr val="tx1">
+            <a:lumMod val="15000"/>
+            <a:lumOff val="85000"/>
+          </a:schemeClr>
+        </a:solidFill>
+        <a:round/>
+      </a:ln>
+    </cs:spPr>
+  </cs:gridlineMajor>
+  <cs:gridlineMinor>
+    <cs:lnRef idx="0"/>
+    <cs:fillRef idx="0"/>
+    <cs:effectRef idx="0"/>
+    <cs:fontRef idx="minor">
+      <a:schemeClr val="tx1"/>
+    </cs:fontRef>
+    <cs:spPr>
+      <a:ln w="9525" cap="flat" cmpd="sng" algn="ctr">
+        <a:solidFill>
+          <a:schemeClr val="tx1">
+            <a:lumMod val="5000"/>
+            <a:lumOff val="95000"/>
+          </a:schemeClr>
+        </a:solidFill>
+        <a:round/>
+      </a:ln>
+    </cs:spPr>
+  </cs:gridlineMinor>
+  <cs:hiLoLine>
+    <cs:lnRef idx="0"/>
+    <cs:fillRef idx="0"/>
+    <cs:effectRef idx="0"/>
+    <cs:fontRef idx="minor">
+      <a:schemeClr val="tx1"/>
+    </cs:fontRef>
+    <cs:spPr>
+      <a:ln w="9525" cap="flat" cmpd="sng" algn="ctr">
+        <a:solidFill>
+          <a:schemeClr val="tx1">
+            <a:lumMod val="50000"/>
+            <a:lumOff val="50000"/>
+          </a:schemeClr>
+        </a:solidFill>
+        <a:round/>
+      </a:ln>
+    </cs:spPr>
+  </cs:hiLoLine>
+  <cs:leaderLine>
+    <cs:lnRef idx="0"/>
+    <cs:fillRef idx="0"/>
+    <cs:effectRef idx="0"/>
+    <cs:fontRef idx="minor">
+      <a:schemeClr val="tx1"/>
+    </cs:fontRef>
+    <cs:spPr>
+      <a:ln w="9525" cap="flat" cmpd="sng" algn="ctr">
+        <a:solidFill>
+          <a:schemeClr val="tx1">
+            <a:lumMod val="35000"/>
+            <a:lumOff val="65000"/>
+          </a:schemeClr>
+        </a:solidFill>
+        <a:round/>
+      </a:ln>
+    </cs:spPr>
+  </cs:leaderLine>
+  <cs:legend>
+    <cs:lnRef idx="0"/>
+    <cs:fillRef idx="0"/>
+    <cs:effectRef idx="0"/>
+    <cs:fontRef idx="minor">
+      <a:schemeClr val="tx1">
+        <a:lumMod val="65000"/>
+        <a:lumOff val="35000"/>
+      </a:schemeClr>
+    </cs:fontRef>
+    <cs:defRPr sz="1197" kern="1200"/>
+  </cs:legend>
+  <cs:plotArea mods="allowNoFillOverride allowNoLineOverride">
+    <cs:lnRef idx="0"/>
+    <cs:fillRef idx="0"/>
+    <cs:effectRef idx="0"/>
+    <cs:fontRef idx="minor">
+      <a:schemeClr val="tx1"/>
+    </cs:fontRef>
+  </cs:plotArea>
+  <cs:plotArea3D mods="allowNoFillOverride allowNoLineOverride">
+    <cs:lnRef idx="0"/>
+    <cs:fillRef idx="0"/>
+    <cs:effectRef idx="0"/>
+    <cs:fontRef idx="minor">
+      <a:schemeClr val="tx1"/>
+    </cs:fontRef>
+  </cs:plotArea3D>
+  <cs:seriesAxis>
+    <cs:lnRef idx="0"/>
+    <cs:fillRef idx="0"/>
+    <cs:effectRef idx="0"/>
+    <cs:fontRef idx="minor">
+      <a:schemeClr val="tx1">
+        <a:lumMod val="65000"/>
+        <a:lumOff val="35000"/>
+      </a:schemeClr>
+    </cs:fontRef>
+    <cs:defRPr sz="1197" kern="1200"/>
+  </cs:seriesAxis>
+  <cs:seriesLine>
+    <cs:lnRef idx="0"/>
+    <cs:fillRef idx="0"/>
+    <cs:effectRef idx="0"/>
+    <cs:fontRef idx="minor">
+      <a:schemeClr val="tx1"/>
+    </cs:fontRef>
+    <cs:spPr>
+      <a:ln w="9525" cap="flat" cmpd="sng" algn="ctr">
+        <a:solidFill>
+          <a:schemeClr val="tx1">
+            <a:lumMod val="35000"/>
+            <a:lumOff val="65000"/>
+          </a:schemeClr>
+        </a:solidFill>
+        <a:round/>
+      </a:ln>
+    </cs:spPr>
+  </cs:seriesLine>
+  <cs:title>
+    <cs:lnRef idx="0"/>
+    <cs:fillRef idx="0"/>
+    <cs:effectRef idx="0"/>
+    <cs:fontRef idx="minor">
+      <a:schemeClr val="tx1">
+        <a:lumMod val="65000"/>
+        <a:lumOff val="35000"/>
+      </a:schemeClr>
+    </cs:fontRef>
+    <cs:defRPr sz="1862" b="0" kern="1200" spc="0" baseline="0"/>
+  </cs:title>
+  <cs:trendline>
+    <cs:lnRef idx="0">
+      <cs:styleClr val="auto"/>
+    </cs:lnRef>
+    <cs:fillRef idx="0"/>
+    <cs:effectRef idx="0"/>
+    <cs:fontRef idx="minor">
+      <a:schemeClr val="tx1"/>
+    </cs:fontRef>
+    <cs:spPr>
+      <a:ln w="19050" cap="rnd">
+        <a:solidFill>
+          <a:schemeClr val="phClr"/>
+        </a:solidFill>
+        <a:prstDash val="sysDot"/>
+      </a:ln>
+    </cs:spPr>
+  </cs:trendline>
+  <cs:trendlineLabel>
+    <cs:lnRef idx="0"/>
+    <cs:fillRef idx="0"/>
+    <cs:effectRef idx="0"/>
+    <cs:fontRef idx="minor">
+      <a:schemeClr val="tx1">
+        <a:lumMod val="65000"/>
+        <a:lumOff val="35000"/>
+      </a:schemeClr>
+    </cs:fontRef>
+    <cs:defRPr sz="1197" kern="1200"/>
+  </cs:trendlineLabel>
+  <cs:upBar>
+    <cs:lnRef idx="0"/>
+    <cs:fillRef idx="0"/>
+    <cs:effectRef idx="0"/>
+    <cs:fontRef idx="minor">
+      <a:schemeClr val="tx1"/>
+    </cs:fontRef>
+    <cs:spPr>
+      <a:solidFill>
+        <a:schemeClr val="lt1"/>
+      </a:solidFill>
+      <a:ln w="9525" cap="flat" cmpd="sng" algn="ctr">
+        <a:solidFill>
+          <a:schemeClr val="tx1">
+            <a:lumMod val="65000"/>
+            <a:lumOff val="35000"/>
+          </a:schemeClr>
+        </a:solidFill>
+        <a:round/>
+      </a:ln>
+    </cs:spPr>
+  </cs:upBar>
+  <cs:valueAxis>
+    <cs:lnRef idx="0"/>
+    <cs:fillRef idx="0"/>
+    <cs:effectRef idx="0"/>
+    <cs:fontRef idx="minor">
+      <a:schemeClr val="tx1">
+        <a:lumMod val="65000"/>
+        <a:lumOff val="35000"/>
+      </a:schemeClr>
+    </cs:fontRef>
+    <cs:defRPr sz="1197" kern="1200"/>
+  </cs:valueAxis>
+  <cs:wall>
+    <cs:lnRef idx="0"/>
+    <cs:fillRef idx="0"/>
+    <cs:effectRef idx="0"/>
+    <cs:fontRef idx="minor">
+      <a:schemeClr val="tx1"/>
+    </cs:fontRef>
+    <cs:spPr>
+      <a:noFill/>
+      <a:ln>
+        <a:noFill/>
+      </a:ln>
+    </cs:spPr>
+  </cs:wall>
+</cs:chartStyle>
+</file>
+
+<file path=ppt/charts/style3.xml><?xml version="1.0" encoding="utf-8"?>
+<cs:chartStyle xmlns:cs="http://schemas.microsoft.com/office/drawing/2012/chartStyle" xmlns:a="http://schemas.openxmlformats.org/drawingml/2006/main" id="201">
+  <cs:axisTitle>
+    <cs:lnRef idx="0"/>
+    <cs:fillRef idx="0"/>
+    <cs:effectRef idx="0"/>
+    <cs:fontRef idx="minor">
+      <a:schemeClr val="tx1">
+        <a:lumMod val="65000"/>
+        <a:lumOff val="35000"/>
+      </a:schemeClr>
+    </cs:fontRef>
+    <cs:defRPr sz="1330" kern="1200"/>
+  </cs:axisTitle>
+  <cs:categoryAxis>
+    <cs:lnRef idx="0"/>
+    <cs:fillRef idx="0"/>
+    <cs:effectRef idx="0"/>
+    <cs:fontRef idx="minor">
+      <a:schemeClr val="tx1">
+        <a:lumMod val="65000"/>
+        <a:lumOff val="35000"/>
+      </a:schemeClr>
+    </cs:fontRef>
+    <cs:spPr>
+      <a:ln w="9525" cap="flat" cmpd="sng" algn="ctr">
+        <a:solidFill>
+          <a:schemeClr val="tx1">
+            <a:lumMod val="15000"/>
+            <a:lumOff val="85000"/>
+          </a:schemeClr>
+        </a:solidFill>
+        <a:round/>
+      </a:ln>
+    </cs:spPr>
+    <cs:defRPr sz="1197" kern="1200"/>
+  </cs:categoryAxis>
+  <cs:chartArea mods="allowNoFillOverride allowNoLineOverride">
+    <cs:lnRef idx="0"/>
+    <cs:fillRef idx="0"/>
+    <cs:effectRef idx="0"/>
+    <cs:fontRef idx="minor">
+      <a:schemeClr val="tx1"/>
+    </cs:fontRef>
+    <cs:spPr>
+      <a:solidFill>
+        <a:schemeClr val="bg1"/>
+      </a:solidFill>
+      <a:ln w="9525" cap="flat" cmpd="sng" algn="ctr">
+        <a:solidFill>
+          <a:schemeClr val="tx1">
+            <a:lumMod val="15000"/>
+            <a:lumOff val="85000"/>
+          </a:schemeClr>
+        </a:solidFill>
+        <a:round/>
+      </a:ln>
+    </cs:spPr>
+    <cs:defRPr sz="1330" kern="1200"/>
+  </cs:chartArea>
+  <cs:dataLabel>
+    <cs:lnRef idx="0"/>
+    <cs:fillRef idx="0"/>
+    <cs:effectRef idx="0"/>
+    <cs:fontRef idx="minor">
+      <a:schemeClr val="tx1">
+        <a:lumMod val="75000"/>
+        <a:lumOff val="25000"/>
+      </a:schemeClr>
+    </cs:fontRef>
+    <cs:defRPr sz="1197" kern="1200"/>
+  </cs:dataLabel>
+  <cs:dataLabelCallout>
+    <cs:lnRef idx="0"/>
+    <cs:fillRef idx="0"/>
+    <cs:effectRef idx="0"/>
+    <cs:fontRef idx="minor">
+      <a:schemeClr val="dk1">
+        <a:lumMod val="65000"/>
+        <a:lumOff val="35000"/>
+      </a:schemeClr>
+    </cs:fontRef>
+    <cs:spPr>
+      <a:solidFill>
+        <a:schemeClr val="lt1"/>
+      </a:solidFill>
+      <a:ln>
+        <a:solidFill>
+          <a:schemeClr val="dk1">
+            <a:lumMod val="25000"/>
+            <a:lumOff val="75000"/>
+          </a:schemeClr>
+        </a:solidFill>
+      </a:ln>
+    </cs:spPr>
+    <cs:defRPr sz="1197" kern="1200"/>
+    <cs:bodyPr rot="0" spcFirstLastPara="1" vertOverflow="clip" horzOverflow="clip" vert="horz" wrap="square" lIns="36576" tIns="18288" rIns="36576" bIns="18288" anchor="ctr" anchorCtr="1">
+      <a:spAutoFit/>
+    </cs:bodyPr>
+  </cs:dataLabelCallout>
+  <cs:dataPoint>
+    <cs:lnRef idx="0"/>
+    <cs:fillRef idx="1">
+      <cs:styleClr val="auto"/>
+    </cs:fillRef>
+    <cs:effectRef idx="0"/>
+    <cs:fontRef idx="minor">
+      <a:schemeClr val="tx1"/>
+    </cs:fontRef>
+  </cs:dataPoint>
+  <cs:dataPoint3D>
+    <cs:lnRef idx="0"/>
+    <cs:fillRef idx="1">
+      <cs:styleClr val="auto"/>
+    </cs:fillRef>
+    <cs:effectRef idx="0"/>
+    <cs:fontRef idx="minor">
+      <a:schemeClr val="tx1"/>
+    </cs:fontRef>
+  </cs:dataPoint3D>
+  <cs:dataPointLine>
+    <cs:lnRef idx="0">
+      <cs:styleClr val="auto"/>
+    </cs:lnRef>
+    <cs:fillRef idx="1"/>
+    <cs:effectRef idx="0"/>
+    <cs:fontRef idx="minor">
+      <a:schemeClr val="tx1"/>
+    </cs:fontRef>
+    <cs:spPr>
+      <a:ln w="28575" cap="rnd">
+        <a:solidFill>
+          <a:schemeClr val="phClr"/>
+        </a:solidFill>
+        <a:round/>
+      </a:ln>
+    </cs:spPr>
+  </cs:dataPointLine>
+  <cs:dataPointMarker>
+    <cs:lnRef idx="0">
+      <cs:styleClr val="auto"/>
+    </cs:lnRef>
+    <cs:fillRef idx="1">
+      <cs:styleClr val="auto"/>
+    </cs:fillRef>
+    <cs:effectRef idx="0"/>
+    <cs:fontRef idx="minor">
+      <a:schemeClr val="tx1"/>
+    </cs:fontRef>
+    <cs:spPr>
+      <a:ln w="9525">
+        <a:solidFill>
+          <a:schemeClr val="phClr"/>
+        </a:solidFill>
+      </a:ln>
+    </cs:spPr>
+  </cs:dataPointMarker>
+  <cs:dataPointMarkerLayout symbol="circle" size="5"/>
+  <cs:dataPointWireframe>
+    <cs:lnRef idx="0">
+      <cs:styleClr val="auto"/>
+    </cs:lnRef>
+    <cs:fillRef idx="1"/>
+    <cs:effectRef idx="0"/>
+    <cs:fontRef idx="minor">
+      <a:schemeClr val="tx1"/>
+    </cs:fontRef>
+    <cs:spPr>
+      <a:ln w="9525" cap="rnd">
+        <a:solidFill>
+          <a:schemeClr val="phClr"/>
+        </a:solidFill>
+        <a:round/>
+      </a:ln>
+    </cs:spPr>
+  </cs:dataPointWireframe>
+  <cs:dataTable>
+    <cs:lnRef idx="0"/>
+    <cs:fillRef idx="0"/>
+    <cs:effectRef idx="0"/>
+    <cs:fontRef idx="minor">
+      <a:schemeClr val="tx1">
+        <a:lumMod val="65000"/>
+        <a:lumOff val="35000"/>
+      </a:schemeClr>
+    </cs:fontRef>
+    <cs:spPr>
+      <a:noFill/>
+      <a:ln w="9525" cap="flat" cmpd="sng" algn="ctr">
+        <a:solidFill>
+          <a:schemeClr val="tx1">
+            <a:lumMod val="15000"/>
+            <a:lumOff val="85000"/>
+          </a:schemeClr>
+        </a:solidFill>
+        <a:round/>
+      </a:ln>
+    </cs:spPr>
+    <cs:defRPr sz="1197" kern="1200"/>
+  </cs:dataTable>
+  <cs:downBar>
+    <cs:lnRef idx="0"/>
+    <cs:fillRef idx="0"/>
+    <cs:effectRef idx="0"/>
+    <cs:fontRef idx="minor">
+      <a:schemeClr val="dk1"/>
+    </cs:fontRef>
+    <cs:spPr>
+      <a:solidFill>
+        <a:schemeClr val="dk1">
+          <a:lumMod val="65000"/>
+          <a:lumOff val="35000"/>
+        </a:schemeClr>
+      </a:solidFill>
+      <a:ln w="9525">
+        <a:solidFill>
+          <a:schemeClr val="tx1">
+            <a:lumMod val="65000"/>
+            <a:lumOff val="35000"/>
+          </a:schemeClr>
+        </a:solidFill>
+      </a:ln>
+    </cs:spPr>
+  </cs:downBar>
+  <cs:dropLine>
+    <cs:lnRef idx="0"/>
+    <cs:fillRef idx="0"/>
+    <cs:effectRef idx="0"/>
+    <cs:fontRef idx="minor">
+      <a:schemeClr val="tx1"/>
+    </cs:fontRef>
+    <cs:spPr>
+      <a:ln w="9525" cap="flat" cmpd="sng" algn="ctr">
+        <a:solidFill>
+          <a:schemeClr val="tx1">
+            <a:lumMod val="35000"/>
+            <a:lumOff val="65000"/>
+          </a:schemeClr>
+        </a:solidFill>
+        <a:round/>
+      </a:ln>
+    </cs:spPr>
+  </cs:dropLine>
+  <cs:errorBar>
+    <cs:lnRef idx="0"/>
+    <cs:fillRef idx="0"/>
+    <cs:effectRef idx="0"/>
+    <cs:fontRef idx="minor">
+      <a:schemeClr val="tx1"/>
+    </cs:fontRef>
+    <cs:spPr>
+      <a:ln w="9525" cap="flat" cmpd="sng" algn="ctr">
+        <a:solidFill>
+          <a:schemeClr val="tx1">
+            <a:lumMod val="65000"/>
+            <a:lumOff val="35000"/>
+          </a:schemeClr>
+        </a:solidFill>
+        <a:round/>
+      </a:ln>
+    </cs:spPr>
+  </cs:errorBar>
+  <cs:floor>
+    <cs:lnRef idx="0"/>
+    <cs:fillRef idx="0"/>
+    <cs:effectRef idx="0"/>
+    <cs:fontRef idx="minor">
+      <a:schemeClr val="tx1"/>
+    </cs:fontRef>
+    <cs:spPr>
+      <a:noFill/>
+      <a:ln>
+        <a:noFill/>
+      </a:ln>
+    </cs:spPr>
+  </cs:floor>
+  <cs:gridlineMajor>
+    <cs:lnRef idx="0"/>
+    <cs:fillRef idx="0"/>
+    <cs:effectRef idx="0"/>
+    <cs:fontRef idx="minor">
+      <a:schemeClr val="tx1"/>
+    </cs:fontRef>
+    <cs:spPr>
+      <a:ln w="9525" cap="flat" cmpd="sng" algn="ctr">
+        <a:solidFill>
+          <a:schemeClr val="tx1">
+            <a:lumMod val="15000"/>
+            <a:lumOff val="85000"/>
+          </a:schemeClr>
+        </a:solidFill>
+        <a:round/>
+      </a:ln>
+    </cs:spPr>
+  </cs:gridlineMajor>
+  <cs:gridlineMinor>
+    <cs:lnRef idx="0"/>
+    <cs:fillRef idx="0"/>
+    <cs:effectRef idx="0"/>
+    <cs:fontRef idx="minor">
+      <a:schemeClr val="tx1"/>
+    </cs:fontRef>
+    <cs:spPr>
+      <a:ln w="9525" cap="flat" cmpd="sng" algn="ctr">
+        <a:solidFill>
+          <a:schemeClr val="tx1">
+            <a:lumMod val="5000"/>
+            <a:lumOff val="95000"/>
+          </a:schemeClr>
+        </a:solidFill>
+        <a:round/>
+      </a:ln>
+    </cs:spPr>
+  </cs:gridlineMinor>
+  <cs:hiLoLine>
+    <cs:lnRef idx="0"/>
+    <cs:fillRef idx="0"/>
+    <cs:effectRef idx="0"/>
+    <cs:fontRef idx="minor">
+      <a:schemeClr val="tx1"/>
+    </cs:fontRef>
+    <cs:spPr>
+      <a:ln w="9525" cap="flat" cmpd="sng" algn="ctr">
+        <a:solidFill>
+          <a:schemeClr val="tx1">
+            <a:lumMod val="75000"/>
+            <a:lumOff val="25000"/>
+          </a:schemeClr>
+        </a:solidFill>
+        <a:round/>
+      </a:ln>
+    </cs:spPr>
+  </cs:hiLoLine>
+  <cs:leaderLine>
+    <cs:lnRef idx="0"/>
+    <cs:fillRef idx="0"/>
+    <cs:effectRef idx="0"/>
+    <cs:fontRef idx="minor">
+      <a:schemeClr val="tx1"/>
+    </cs:fontRef>
+    <cs:spPr>
+      <a:ln w="9525" cap="flat" cmpd="sng" algn="ctr">
+        <a:solidFill>
+          <a:schemeClr val="tx1">
+            <a:lumMod val="35000"/>
+            <a:lumOff val="65000"/>
+          </a:schemeClr>
+        </a:solidFill>
+        <a:round/>
+      </a:ln>
+    </cs:spPr>
+  </cs:leaderLine>
+  <cs:legend>
+    <cs:lnRef idx="0"/>
+    <cs:fillRef idx="0"/>
+    <cs:effectRef idx="0"/>
+    <cs:fontRef idx="minor">
+      <a:schemeClr val="tx1">
+        <a:lumMod val="65000"/>
+        <a:lumOff val="35000"/>
+      </a:schemeClr>
+    </cs:fontRef>
+    <cs:defRPr sz="1197" kern="1200"/>
+  </cs:legend>
+  <cs:plotArea mods="allowNoFillOverride allowNoLineOverride">
+    <cs:lnRef idx="0"/>
+    <cs:fillRef idx="0"/>
+    <cs:effectRef idx="0"/>
+    <cs:fontRef idx="minor">
+      <a:schemeClr val="tx1"/>
+    </cs:fontRef>
+  </cs:plotArea>
+  <cs:plotArea3D mods="allowNoFillOverride allowNoLineOverride">
+    <cs:lnRef idx="0"/>
+    <cs:fillRef idx="0"/>
+    <cs:effectRef idx="0"/>
+    <cs:fontRef idx="minor">
+      <a:schemeClr val="tx1"/>
+    </cs:fontRef>
+  </cs:plotArea3D>
+  <cs:seriesAxis>
+    <cs:lnRef idx="0"/>
+    <cs:fillRef idx="0"/>
+    <cs:effectRef idx="0"/>
+    <cs:fontRef idx="minor">
+      <a:schemeClr val="tx1">
+        <a:lumMod val="65000"/>
+        <a:lumOff val="35000"/>
+      </a:schemeClr>
+    </cs:fontRef>
+    <cs:defRPr sz="1197" kern="1200"/>
+  </cs:seriesAxis>
+  <cs:seriesLine>
+    <cs:lnRef idx="0"/>
+    <cs:fillRef idx="0"/>
+    <cs:effectRef idx="0"/>
+    <cs:fontRef idx="minor">
+      <a:schemeClr val="tx1"/>
+    </cs:fontRef>
+    <cs:spPr>
+      <a:ln w="9525" cap="flat" cmpd="sng" algn="ctr">
+        <a:solidFill>
+          <a:schemeClr val="tx1">
+            <a:lumMod val="35000"/>
+            <a:lumOff val="65000"/>
+          </a:schemeClr>
+        </a:solidFill>
+        <a:round/>
+      </a:ln>
+    </cs:spPr>
+  </cs:seriesLine>
+  <cs:title>
+    <cs:lnRef idx="0"/>
+    <cs:fillRef idx="0"/>
+    <cs:effectRef idx="0"/>
+    <cs:fontRef idx="minor">
+      <a:schemeClr val="tx1">
+        <a:lumMod val="65000"/>
+        <a:lumOff val="35000"/>
+      </a:schemeClr>
+    </cs:fontRef>
+    <cs:defRPr sz="1862" b="0" kern="1200" spc="0" baseline="0"/>
+  </cs:title>
+  <cs:trendline>
+    <cs:lnRef idx="0">
+      <cs:styleClr val="auto"/>
+    </cs:lnRef>
+    <cs:fillRef idx="0"/>
+    <cs:effectRef idx="0"/>
+    <cs:fontRef idx="minor">
+      <a:schemeClr val="tx1"/>
+    </cs:fontRef>
+    <cs:spPr>
+      <a:ln w="19050" cap="rnd">
+        <a:solidFill>
+          <a:schemeClr val="phClr"/>
+        </a:solidFill>
+        <a:prstDash val="sysDot"/>
+      </a:ln>
+    </cs:spPr>
+  </cs:trendline>
+  <cs:trendlineLabel>
+    <cs:lnRef idx="0"/>
+    <cs:fillRef idx="0"/>
+    <cs:effectRef idx="0"/>
+    <cs:fontRef idx="minor">
+      <a:schemeClr val="tx1">
+        <a:lumMod val="65000"/>
+        <a:lumOff val="35000"/>
+      </a:schemeClr>
+    </cs:fontRef>
+    <cs:defRPr sz="1197" kern="1200"/>
+  </cs:trendlineLabel>
+  <cs:upBar>
+    <cs:lnRef idx="0"/>
+    <cs:fillRef idx="0"/>
+    <cs:effectRef idx="0"/>
+    <cs:fontRef idx="minor">
+      <a:schemeClr val="dk1"/>
+    </cs:fontRef>
+    <cs:spPr>
+      <a:solidFill>
+        <a:schemeClr val="lt1"/>
+      </a:solidFill>
+      <a:ln w="9525">
+        <a:solidFill>
+          <a:schemeClr val="tx1">
+            <a:lumMod val="15000"/>
+            <a:lumOff val="85000"/>
+          </a:schemeClr>
+        </a:solidFill>
+      </a:ln>
+    </cs:spPr>
+  </cs:upBar>
+  <cs:valueAxis>
+    <cs:lnRef idx="0"/>
+    <cs:fillRef idx="0"/>
+    <cs:effectRef idx="0"/>
+    <cs:fontRef idx="minor">
+      <a:schemeClr val="tx1">
+        <a:lumMod val="65000"/>
+        <a:lumOff val="35000"/>
+      </a:schemeClr>
+    </cs:fontRef>
+    <cs:defRPr sz="1197" kern="1200"/>
+  </cs:valueAxis>
+  <cs:wall>
+    <cs:lnRef idx="0"/>
+    <cs:fillRef idx="0"/>
+    <cs:effectRef idx="0"/>
+    <cs:fontRef idx="minor">
+      <a:schemeClr val="tx1"/>
+    </cs:fontRef>
+    <cs:spPr>
+      <a:noFill/>
+      <a:ln>
+        <a:noFill/>
+      </a:ln>
+    </cs:spPr>
+  </cs:wall>
+</cs:chartStyle>
+</file>
+
+<file path=ppt/charts/style4.xml><?xml version="1.0" encoding="utf-8"?>
+<cs:chartStyle xmlns:cs="http://schemas.microsoft.com/office/drawing/2012/chartStyle" xmlns:a="http://schemas.openxmlformats.org/drawingml/2006/main" id="251">
+  <cs:axisTitle>
+    <cs:lnRef idx="0"/>
+    <cs:fillRef idx="0"/>
+    <cs:effectRef idx="0"/>
+    <cs:fontRef idx="minor">
+      <a:schemeClr val="tx1">
+        <a:lumMod val="65000"/>
+        <a:lumOff val="35000"/>
+      </a:schemeClr>
+    </cs:fontRef>
+    <cs:defRPr sz="1330" kern="1200"/>
+  </cs:axisTitle>
+  <cs:categoryAxis>
+    <cs:lnRef idx="0"/>
+    <cs:fillRef idx="0"/>
+    <cs:effectRef idx="0"/>
+    <cs:fontRef idx="minor">
+      <a:schemeClr val="tx1">
+        <a:lumMod val="65000"/>
+        <a:lumOff val="35000"/>
+      </a:schemeClr>
+    </cs:fontRef>
+    <cs:spPr>
+      <a:ln w="9525" cap="flat" cmpd="sng" algn="ctr">
+        <a:solidFill>
+          <a:schemeClr val="tx1">
+            <a:lumMod val="15000"/>
+            <a:lumOff val="85000"/>
+          </a:schemeClr>
+        </a:solidFill>
+        <a:round/>
+      </a:ln>
+    </cs:spPr>
+    <cs:defRPr sz="1197" kern="1200"/>
+  </cs:categoryAxis>
+  <cs:chartArea mods="allowNoFillOverride allowNoLineOverride">
+    <cs:lnRef idx="0"/>
+    <cs:fillRef idx="0"/>
+    <cs:effectRef idx="0"/>
+    <cs:fontRef idx="minor">
+      <a:schemeClr val="tx1"/>
+    </cs:fontRef>
+    <cs:spPr>
+      <a:solidFill>
+        <a:schemeClr val="bg1"/>
+      </a:solidFill>
+      <a:ln w="9525" cap="flat" cmpd="sng" algn="ctr">
+        <a:solidFill>
+          <a:schemeClr val="tx1">
+            <a:lumMod val="15000"/>
+            <a:lumOff val="85000"/>
+          </a:schemeClr>
+        </a:solidFill>
+        <a:round/>
+      </a:ln>
+    </cs:spPr>
+    <cs:defRPr sz="1197" kern="1200"/>
+  </cs:chartArea>
+  <cs:dataLabel>
+    <cs:lnRef idx="0"/>
+    <cs:fillRef idx="0"/>
+    <cs:effectRef idx="0"/>
+    <cs:fontRef idx="minor">
+      <a:schemeClr val="tx1">
+        <a:lumMod val="75000"/>
+        <a:lumOff val="25000"/>
+      </a:schemeClr>
+    </cs:fontRef>
+    <cs:defRPr sz="1197" kern="1200"/>
+  </cs:dataLabel>
+  <cs:dataLabelCallout>
+    <cs:lnRef idx="0"/>
+    <cs:fillRef idx="0"/>
+    <cs:effectRef idx="0"/>
+    <cs:fontRef idx="minor">
+      <a:schemeClr val="dk1">
+        <a:lumMod val="65000"/>
+        <a:lumOff val="35000"/>
+      </a:schemeClr>
+    </cs:fontRef>
+    <cs:spPr>
+      <a:solidFill>
+        <a:schemeClr val="lt1"/>
+      </a:solidFill>
+      <a:ln>
+        <a:solidFill>
+          <a:schemeClr val="dk1">
+            <a:lumMod val="25000"/>
+            <a:lumOff val="75000"/>
+          </a:schemeClr>
+        </a:solidFill>
+      </a:ln>
+    </cs:spPr>
+    <cs:defRPr sz="1197" kern="1200"/>
+    <cs:bodyPr rot="0" spcFirstLastPara="1" vertOverflow="clip" horzOverflow="clip" vert="horz" wrap="square" lIns="36576" tIns="18288" rIns="36576" bIns="18288" anchor="ctr" anchorCtr="1">
+      <a:spAutoFit/>
+    </cs:bodyPr>
+  </cs:dataLabelCallout>
+  <cs:dataPoint>
+    <cs:lnRef idx="0"/>
+    <cs:fillRef idx="1">
+      <cs:styleClr val="auto"/>
+    </cs:fillRef>
+    <cs:effectRef idx="0"/>
+    <cs:fontRef idx="minor">
+      <a:schemeClr val="tx1"/>
+    </cs:fontRef>
+    <cs:spPr>
+      <a:ln w="19050">
+        <a:solidFill>
+          <a:schemeClr val="lt1"/>
+        </a:solidFill>
+      </a:ln>
+    </cs:spPr>
+  </cs:dataPoint>
+  <cs:dataPoint3D>
+    <cs:lnRef idx="0"/>
+    <cs:fillRef idx="1">
+      <cs:styleClr val="auto"/>
+    </cs:fillRef>
+    <cs:effectRef idx="0"/>
+    <cs:fontRef idx="minor">
+      <a:schemeClr val="tx1"/>
+    </cs:fontRef>
+    <cs:spPr>
+      <a:ln w="25400">
+        <a:solidFill>
+          <a:schemeClr val="lt1"/>
+        </a:solidFill>
+      </a:ln>
+    </cs:spPr>
+  </cs:dataPoint3D>
+  <cs:dataPointLine>
+    <cs:lnRef idx="0">
+      <cs:styleClr val="auto"/>
+    </cs:lnRef>
+    <cs:fillRef idx="0"/>
+    <cs:effectRef idx="0"/>
+    <cs:fontRef idx="minor">
+      <a:schemeClr val="tx1"/>
+    </cs:fontRef>
+    <cs:spPr>
+      <a:ln w="28575" cap="rnd">
+        <a:solidFill>
+          <a:schemeClr val="phClr"/>
+        </a:solidFill>
+        <a:round/>
+      </a:ln>
+    </cs:spPr>
+  </cs:dataPointLine>
+  <cs:dataPointMarker>
+    <cs:lnRef idx="0">
+      <cs:styleClr val="auto"/>
+    </cs:lnRef>
+    <cs:fillRef idx="1">
+      <cs:styleClr val="auto"/>
+    </cs:fillRef>
+    <cs:effectRef idx="0"/>
+    <cs:fontRef idx="minor">
+      <a:schemeClr val="tx1"/>
+    </cs:fontRef>
+    <cs:spPr>
+      <a:ln w="9525">
+        <a:solidFill>
+          <a:schemeClr val="phClr"/>
+        </a:solidFill>
+      </a:ln>
+    </cs:spPr>
+  </cs:dataPointMarker>
+  <cs:dataPointMarkerLayout symbol="circle" size="5"/>
+  <cs:dataPointWireframe>
+    <cs:lnRef idx="0">
+      <cs:styleClr val="auto"/>
+    </cs:lnRef>
+    <cs:fillRef idx="0"/>
+    <cs:effectRef idx="0"/>
+    <cs:fontRef idx="minor">
+      <a:schemeClr val="tx1"/>
+    </cs:fontRef>
+    <cs:spPr>
+      <a:ln w="9525" cap="rnd">
+        <a:solidFill>
+          <a:schemeClr val="phClr"/>
+        </a:solidFill>
+        <a:round/>
+      </a:ln>
+    </cs:spPr>
+  </cs:dataPointWireframe>
+  <cs:dataTable>
+    <cs:lnRef idx="0"/>
+    <cs:fillRef idx="0"/>
+    <cs:effectRef idx="0"/>
+    <cs:fontRef idx="minor">
+      <a:schemeClr val="tx1">
+        <a:lumMod val="65000"/>
+        <a:lumOff val="35000"/>
+      </a:schemeClr>
+    </cs:fontRef>
+    <cs:spPr>
+      <a:noFill/>
+      <a:ln w="9525" cap="flat" cmpd="sng" algn="ctr">
+        <a:solidFill>
+          <a:schemeClr val="tx1">
+            <a:lumMod val="15000"/>
+            <a:lumOff val="85000"/>
+          </a:schemeClr>
+        </a:solidFill>
+        <a:round/>
+      </a:ln>
+    </cs:spPr>
+    <cs:defRPr sz="1197" kern="1200"/>
+  </cs:dataTable>
+  <cs:downBar>
+    <cs:lnRef idx="0"/>
+    <cs:fillRef idx="0"/>
+    <cs:effectRef idx="0"/>
+    <cs:fontRef idx="minor">
+      <a:schemeClr val="tx1"/>
+    </cs:fontRef>
+    <cs:spPr>
+      <a:solidFill>
+        <a:schemeClr val="dk1">
+          <a:lumMod val="75000"/>
+          <a:lumOff val="25000"/>
+        </a:schemeClr>
+      </a:solidFill>
+      <a:ln w="9525" cap="flat" cmpd="sng" algn="ctr">
+        <a:solidFill>
+          <a:schemeClr val="tx1">
+            <a:lumMod val="65000"/>
+            <a:lumOff val="35000"/>
+          </a:schemeClr>
+        </a:solidFill>
+        <a:round/>
+      </a:ln>
+    </cs:spPr>
+  </cs:downBar>
+  <cs:dropLine>
+    <cs:lnRef idx="0"/>
+    <cs:fillRef idx="0"/>
+    <cs:effectRef idx="0"/>
+    <cs:fontRef idx="minor">
+      <a:schemeClr val="tx1"/>
+    </cs:fontRef>
+    <cs:spPr>
+      <a:ln w="9525" cap="flat" cmpd="sng" algn="ctr">
+        <a:solidFill>
+          <a:schemeClr val="tx1">
+            <a:lumMod val="35000"/>
+            <a:lumOff val="65000"/>
+          </a:schemeClr>
+        </a:solidFill>
+        <a:round/>
+      </a:ln>
+    </cs:spPr>
+  </cs:dropLine>
+  <cs:errorBar>
+    <cs:lnRef idx="0"/>
+    <cs:fillRef idx="0"/>
+    <cs:effectRef idx="0"/>
+    <cs:fontRef idx="minor">
+      <a:schemeClr val="tx1"/>
+    </cs:fontRef>
+    <cs:spPr>
+      <a:ln w="9525" cap="flat" cmpd="sng" algn="ctr">
+        <a:solidFill>
+          <a:schemeClr val="tx1">
+            <a:lumMod val="65000"/>
+            <a:lumOff val="35000"/>
+          </a:schemeClr>
+        </a:solidFill>
+        <a:round/>
+      </a:ln>
+    </cs:spPr>
+  </cs:errorBar>
+  <cs:floor>
+    <cs:lnRef idx="0"/>
+    <cs:fillRef idx="0"/>
+    <cs:effectRef idx="0"/>
+    <cs:fontRef idx="minor">
+      <a:schemeClr val="tx1"/>
+    </cs:fontRef>
+    <cs:spPr>
+      <a:noFill/>
+      <a:ln>
+        <a:noFill/>
+      </a:ln>
+    </cs:spPr>
+  </cs:floor>
+  <cs:gridlineMajor>
+    <cs:lnRef idx="0"/>
+    <cs:fillRef idx="0"/>
+    <cs:effectRef idx="0"/>
+    <cs:fontRef idx="minor">
+      <a:schemeClr val="tx1"/>
+    </cs:fontRef>
+    <cs:spPr>
+      <a:ln w="9525" cap="flat" cmpd="sng" algn="ctr">
+        <a:solidFill>
+          <a:schemeClr val="tx1">
+            <a:lumMod val="15000"/>
+            <a:lumOff val="85000"/>
+          </a:schemeClr>
+        </a:solidFill>
+        <a:round/>
+      </a:ln>
+    </cs:spPr>
+  </cs:gridlineMajor>
+  <cs:gridlineMinor>
+    <cs:lnRef idx="0"/>
+    <cs:fillRef idx="0"/>
+    <cs:effectRef idx="0"/>
+    <cs:fontRef idx="minor">
+      <a:schemeClr val="tx1"/>
+    </cs:fontRef>
+    <cs:spPr>
+      <a:ln w="9525" cap="flat" cmpd="sng" algn="ctr">
+        <a:solidFill>
+          <a:schemeClr val="tx1">
+            <a:lumMod val="5000"/>
+            <a:lumOff val="95000"/>
+          </a:schemeClr>
+        </a:solidFill>
+        <a:round/>
+      </a:ln>
+    </cs:spPr>
+  </cs:gridlineMinor>
+  <cs:hiLoLine>
+    <cs:lnRef idx="0"/>
+    <cs:fillRef idx="0"/>
+    <cs:effectRef idx="0"/>
+    <cs:fontRef idx="minor">
+      <a:schemeClr val="tx1"/>
+    </cs:fontRef>
+    <cs:spPr>
+      <a:ln w="9525" cap="flat" cmpd="sng" algn="ctr">
+        <a:solidFill>
+          <a:schemeClr val="tx1">
+            <a:lumMod val="50000"/>
+            <a:lumOff val="50000"/>
+          </a:schemeClr>
+        </a:solidFill>
+        <a:round/>
+      </a:ln>
+    </cs:spPr>
+  </cs:hiLoLine>
+  <cs:leaderLine>
+    <cs:lnRef idx="0"/>
+    <cs:fillRef idx="0"/>
+    <cs:effectRef idx="0"/>
+    <cs:fontRef idx="minor">
+      <a:schemeClr val="tx1"/>
+    </cs:fontRef>
+    <cs:spPr>
+      <a:ln w="9525" cap="flat" cmpd="sng" algn="ctr">
+        <a:solidFill>
+          <a:schemeClr val="tx1">
+            <a:lumMod val="35000"/>
+            <a:lumOff val="65000"/>
+          </a:schemeClr>
+        </a:solidFill>
+        <a:round/>
+      </a:ln>
+    </cs:spPr>
+  </cs:leaderLine>
+  <cs:legend>
+    <cs:lnRef idx="0"/>
+    <cs:fillRef idx="0"/>
+    <cs:effectRef idx="0"/>
+    <cs:fontRef idx="minor">
+      <a:schemeClr val="tx1">
+        <a:lumMod val="65000"/>
+        <a:lumOff val="35000"/>
+      </a:schemeClr>
+    </cs:fontRef>
+    <cs:defRPr sz="1197" kern="1200"/>
+  </cs:legend>
+  <cs:plotArea mods="allowNoFillOverride allowNoLineOverride">
+    <cs:lnRef idx="0"/>
+    <cs:fillRef idx="0"/>
+    <cs:effectRef idx="0"/>
+    <cs:fontRef idx="minor">
+      <a:schemeClr val="tx1"/>
+    </cs:fontRef>
+  </cs:plotArea>
+  <cs:plotArea3D mods="allowNoFillOverride allowNoLineOverride">
+    <cs:lnRef idx="0"/>
+    <cs:fillRef idx="0"/>
+    <cs:effectRef idx="0"/>
+    <cs:fontRef idx="minor">
+      <a:schemeClr val="tx1"/>
+    </cs:fontRef>
+  </cs:plotArea3D>
+  <cs:seriesAxis>
+    <cs:lnRef idx="0"/>
+    <cs:fillRef idx="0"/>
+    <cs:effectRef idx="0"/>
+    <cs:fontRef idx="minor">
+      <a:schemeClr val="tx1">
+        <a:lumMod val="65000"/>
+        <a:lumOff val="35000"/>
+      </a:schemeClr>
+    </cs:fontRef>
+    <cs:defRPr sz="1197" kern="1200"/>
+  </cs:seriesAxis>
+  <cs:seriesLine>
+    <cs:lnRef idx="0"/>
+    <cs:fillRef idx="0"/>
+    <cs:effectRef idx="0"/>
+    <cs:fontRef idx="minor">
+      <a:schemeClr val="tx1"/>
+    </cs:fontRef>
+    <cs:spPr>
+      <a:ln w="9525" cap="flat" cmpd="sng" algn="ctr">
+        <a:solidFill>
+          <a:schemeClr val="tx1">
+            <a:lumMod val="35000"/>
+            <a:lumOff val="65000"/>
+          </a:schemeClr>
+        </a:solidFill>
+        <a:round/>
+      </a:ln>
+    </cs:spPr>
+  </cs:seriesLine>
+  <cs:title>
+    <cs:lnRef idx="0"/>
+    <cs:fillRef idx="0"/>
+    <cs:effectRef idx="0"/>
+    <cs:fontRef idx="minor">
+      <a:schemeClr val="tx1">
+        <a:lumMod val="65000"/>
+        <a:lumOff val="35000"/>
+      </a:schemeClr>
+    </cs:fontRef>
+    <cs:defRPr sz="1862" b="0" kern="1200" spc="0" baseline="0"/>
+  </cs:title>
+  <cs:trendline>
+    <cs:lnRef idx="0">
+      <cs:styleClr val="auto"/>
+    </cs:lnRef>
+    <cs:fillRef idx="0"/>
+    <cs:effectRef idx="0"/>
+    <cs:fontRef idx="minor">
+      <a:schemeClr val="tx1"/>
+    </cs:fontRef>
+    <cs:spPr>
+      <a:ln w="19050" cap="rnd">
+        <a:solidFill>
+          <a:schemeClr val="phClr"/>
+        </a:solidFill>
+        <a:prstDash val="sysDot"/>
+      </a:ln>
+    </cs:spPr>
+  </cs:trendline>
+  <cs:trendlineLabel>
+    <cs:lnRef idx="0"/>
+    <cs:fillRef idx="0"/>
+    <cs:effectRef idx="0"/>
+    <cs:fontRef idx="minor">
+      <a:schemeClr val="tx1">
+        <a:lumMod val="65000"/>
+        <a:lumOff val="35000"/>
+      </a:schemeClr>
+    </cs:fontRef>
+    <cs:defRPr sz="1197" kern="1200"/>
+  </cs:trendlineLabel>
+  <cs:upBar>
+    <cs:lnRef idx="0"/>
+    <cs:fillRef idx="0"/>
+    <cs:effectRef idx="0"/>
+    <cs:fontRef idx="minor">
+      <a:schemeClr val="tx1"/>
+    </cs:fontRef>
+    <cs:spPr>
+      <a:solidFill>
+        <a:schemeClr val="lt1"/>
+      </a:solidFill>
+      <a:ln w="9525" cap="flat" cmpd="sng" algn="ctr">
+        <a:solidFill>
+          <a:schemeClr val="tx1">
+            <a:lumMod val="65000"/>
+            <a:lumOff val="35000"/>
+          </a:schemeClr>
+        </a:solidFill>
+        <a:round/>
+      </a:ln>
+    </cs:spPr>
+  </cs:upBar>
+  <cs:valueAxis>
+    <cs:lnRef idx="0"/>
+    <cs:fillRef idx="0"/>
+    <cs:effectRef idx="0"/>
+    <cs:fontRef idx="minor">
+      <a:schemeClr val="tx1">
+        <a:lumMod val="65000"/>
+        <a:lumOff val="35000"/>
+      </a:schemeClr>
+    </cs:fontRef>
+    <cs:defRPr sz="1197" kern="1200"/>
+  </cs:valueAxis>
+  <cs:wall>
+    <cs:lnRef idx="0"/>
+    <cs:fillRef idx="0"/>
+    <cs:effectRef idx="0"/>
+    <cs:fontRef idx="minor">
+      <a:schemeClr val="tx1"/>
+    </cs:fontRef>
+    <cs:spPr>
+      <a:noFill/>
+      <a:ln>
+        <a:noFill/>
+      </a:ln>
+    </cs:spPr>
+  </cs:wall>
+</cs:chartStyle>
+</file>
+
+<file path=ppt/charts/style5.xml><?xml version="1.0" encoding="utf-8"?>
+<cs:chartStyle xmlns:cs="http://schemas.microsoft.com/office/drawing/2012/chartStyle" xmlns:a="http://schemas.openxmlformats.org/drawingml/2006/main" id="251">
+  <cs:axisTitle>
+    <cs:lnRef idx="0"/>
+    <cs:fillRef idx="0"/>
+    <cs:effectRef idx="0"/>
+    <cs:fontRef idx="minor">
+      <a:schemeClr val="tx1">
+        <a:lumMod val="65000"/>
+        <a:lumOff val="35000"/>
+      </a:schemeClr>
+    </cs:fontRef>
+    <cs:defRPr sz="1330" kern="1200"/>
+  </cs:axisTitle>
+  <cs:categoryAxis>
+    <cs:lnRef idx="0"/>
+    <cs:fillRef idx="0"/>
+    <cs:effectRef idx="0"/>
+    <cs:fontRef idx="minor">
+      <a:schemeClr val="tx1">
+        <a:lumMod val="65000"/>
+        <a:lumOff val="35000"/>
+      </a:schemeClr>
+    </cs:fontRef>
+    <cs:spPr>
+      <a:ln w="9525" cap="flat" cmpd="sng" algn="ctr">
+        <a:solidFill>
+          <a:schemeClr val="tx1">
+            <a:lumMod val="15000"/>
+            <a:lumOff val="85000"/>
+          </a:schemeClr>
+        </a:solidFill>
+        <a:round/>
+      </a:ln>
+    </cs:spPr>
+    <cs:defRPr sz="1197" kern="1200"/>
+  </cs:categoryAxis>
+  <cs:chartArea mods="allowNoFillOverride allowNoLineOverride">
+    <cs:lnRef idx="0"/>
+    <cs:fillRef idx="0"/>
+    <cs:effectRef idx="0"/>
+    <cs:fontRef idx="minor">
+      <a:schemeClr val="tx1"/>
+    </cs:fontRef>
+    <cs:spPr>
+      <a:solidFill>
+        <a:schemeClr val="bg1"/>
+      </a:solidFill>
+      <a:ln w="9525" cap="flat" cmpd="sng" algn="ctr">
+        <a:solidFill>
+          <a:schemeClr val="tx1">
+            <a:lumMod val="15000"/>
+            <a:lumOff val="85000"/>
+          </a:schemeClr>
+        </a:solidFill>
+        <a:round/>
+      </a:ln>
+    </cs:spPr>
+    <cs:defRPr sz="1197" kern="1200"/>
+  </cs:chartArea>
+  <cs:dataLabel>
+    <cs:lnRef idx="0"/>
+    <cs:fillRef idx="0"/>
+    <cs:effectRef idx="0"/>
+    <cs:fontRef idx="minor">
+      <a:schemeClr val="tx1">
+        <a:lumMod val="75000"/>
+        <a:lumOff val="25000"/>
+      </a:schemeClr>
+    </cs:fontRef>
+    <cs:defRPr sz="1197" kern="1200"/>
+  </cs:dataLabel>
+  <cs:dataLabelCallout>
+    <cs:lnRef idx="0"/>
+    <cs:fillRef idx="0"/>
+    <cs:effectRef idx="0"/>
+    <cs:fontRef idx="minor">
+      <a:schemeClr val="dk1">
+        <a:lumMod val="65000"/>
+        <a:lumOff val="35000"/>
+      </a:schemeClr>
+    </cs:fontRef>
+    <cs:spPr>
+      <a:solidFill>
+        <a:schemeClr val="lt1"/>
+      </a:solidFill>
+      <a:ln>
+        <a:solidFill>
+          <a:schemeClr val="dk1">
+            <a:lumMod val="25000"/>
+            <a:lumOff val="75000"/>
+          </a:schemeClr>
+        </a:solidFill>
+      </a:ln>
+    </cs:spPr>
+    <cs:defRPr sz="1197" kern="1200"/>
+    <cs:bodyPr rot="0" spcFirstLastPara="1" vertOverflow="clip" horzOverflow="clip" vert="horz" wrap="square" lIns="36576" tIns="18288" rIns="36576" bIns="18288" anchor="ctr" anchorCtr="1">
+      <a:spAutoFit/>
+    </cs:bodyPr>
+  </cs:dataLabelCallout>
+  <cs:dataPoint>
+    <cs:lnRef idx="0"/>
+    <cs:fillRef idx="1">
+      <cs:styleClr val="auto"/>
+    </cs:fillRef>
+    <cs:effectRef idx="0"/>
+    <cs:fontRef idx="minor">
+      <a:schemeClr val="tx1"/>
+    </cs:fontRef>
+    <cs:spPr>
+      <a:ln w="19050">
+        <a:solidFill>
+          <a:schemeClr val="lt1"/>
+        </a:solidFill>
+      </a:ln>
+    </cs:spPr>
+  </cs:dataPoint>
+  <cs:dataPoint3D>
+    <cs:lnRef idx="0"/>
+    <cs:fillRef idx="1">
+      <cs:styleClr val="auto"/>
+    </cs:fillRef>
+    <cs:effectRef idx="0"/>
+    <cs:fontRef idx="minor">
+      <a:schemeClr val="tx1"/>
+    </cs:fontRef>
+    <cs:spPr>
+      <a:ln w="25400">
+        <a:solidFill>
+          <a:schemeClr val="lt1"/>
+        </a:solidFill>
+      </a:ln>
+    </cs:spPr>
+  </cs:dataPoint3D>
+  <cs:dataPointLine>
+    <cs:lnRef idx="0">
+      <cs:styleClr val="auto"/>
+    </cs:lnRef>
+    <cs:fillRef idx="0"/>
+    <cs:effectRef idx="0"/>
+    <cs:fontRef idx="minor">
+      <a:schemeClr val="tx1"/>
+    </cs:fontRef>
+    <cs:spPr>
+      <a:ln w="28575" cap="rnd">
+        <a:solidFill>
+          <a:schemeClr val="phClr"/>
+        </a:solidFill>
+        <a:round/>
+      </a:ln>
+    </cs:spPr>
+  </cs:dataPointLine>
+  <cs:dataPointMarker>
+    <cs:lnRef idx="0">
+      <cs:styleClr val="auto"/>
+    </cs:lnRef>
+    <cs:fillRef idx="1">
+      <cs:styleClr val="auto"/>
+    </cs:fillRef>
+    <cs:effectRef idx="0"/>
+    <cs:fontRef idx="minor">
+      <a:schemeClr val="tx1"/>
+    </cs:fontRef>
+    <cs:spPr>
+      <a:ln w="9525">
+        <a:solidFill>
+          <a:schemeClr val="phClr"/>
+        </a:solidFill>
+      </a:ln>
+    </cs:spPr>
+  </cs:dataPointMarker>
+  <cs:dataPointMarkerLayout symbol="circle" size="5"/>
+  <cs:dataPointWireframe>
+    <cs:lnRef idx="0">
+      <cs:styleClr val="auto"/>
+    </cs:lnRef>
+    <cs:fillRef idx="0"/>
+    <cs:effectRef idx="0"/>
+    <cs:fontRef idx="minor">
+      <a:schemeClr val="tx1"/>
+    </cs:fontRef>
+    <cs:spPr>
+      <a:ln w="9525" cap="rnd">
+        <a:solidFill>
+          <a:schemeClr val="phClr"/>
+        </a:solidFill>
+        <a:round/>
+      </a:ln>
+    </cs:spPr>
+  </cs:dataPointWireframe>
+  <cs:dataTable>
+    <cs:lnRef idx="0"/>
+    <cs:fillRef idx="0"/>
+    <cs:effectRef idx="0"/>
+    <cs:fontRef idx="minor">
+      <a:schemeClr val="tx1">
+        <a:lumMod val="65000"/>
+        <a:lumOff val="35000"/>
+      </a:schemeClr>
+    </cs:fontRef>
+    <cs:spPr>
+      <a:noFill/>
+      <a:ln w="9525" cap="flat" cmpd="sng" algn="ctr">
+        <a:solidFill>
+          <a:schemeClr val="tx1">
+            <a:lumMod val="15000"/>
+            <a:lumOff val="85000"/>
+          </a:schemeClr>
+        </a:solidFill>
+        <a:round/>
+      </a:ln>
+    </cs:spPr>
+    <cs:defRPr sz="1197" kern="1200"/>
+  </cs:dataTable>
+  <cs:downBar>
+    <cs:lnRef idx="0"/>
+    <cs:fillRef idx="0"/>
+    <cs:effectRef idx="0"/>
+    <cs:fontRef idx="minor">
+      <a:schemeClr val="tx1"/>
+    </cs:fontRef>
+    <cs:spPr>
+      <a:solidFill>
+        <a:schemeClr val="dk1">
+          <a:lumMod val="75000"/>
+          <a:lumOff val="25000"/>
+        </a:schemeClr>
+      </a:solidFill>
+      <a:ln w="9525" cap="flat" cmpd="sng" algn="ctr">
+        <a:solidFill>
+          <a:schemeClr val="tx1">
+            <a:lumMod val="65000"/>
+            <a:lumOff val="35000"/>
+          </a:schemeClr>
+        </a:solidFill>
+        <a:round/>
+      </a:ln>
+    </cs:spPr>
+  </cs:downBar>
+  <cs:dropLine>
+    <cs:lnRef idx="0"/>
+    <cs:fillRef idx="0"/>
+    <cs:effectRef idx="0"/>
+    <cs:fontRef idx="minor">
+      <a:schemeClr val="tx1"/>
+    </cs:fontRef>
+    <cs:spPr>
+      <a:ln w="9525" cap="flat" cmpd="sng" algn="ctr">
+        <a:solidFill>
+          <a:schemeClr val="tx1">
+            <a:lumMod val="35000"/>
+            <a:lumOff val="65000"/>
+          </a:schemeClr>
+        </a:solidFill>
+        <a:round/>
+      </a:ln>
+    </cs:spPr>
+  </cs:dropLine>
+  <cs:errorBar>
+    <cs:lnRef idx="0"/>
+    <cs:fillRef idx="0"/>
+    <cs:effectRef idx="0"/>
+    <cs:fontRef idx="minor">
+      <a:schemeClr val="tx1"/>
+    </cs:fontRef>
+    <cs:spPr>
+      <a:ln w="9525" cap="flat" cmpd="sng" algn="ctr">
+        <a:solidFill>
+          <a:schemeClr val="tx1">
+            <a:lumMod val="65000"/>
+            <a:lumOff val="35000"/>
+          </a:schemeClr>
+        </a:solidFill>
+        <a:round/>
+      </a:ln>
+    </cs:spPr>
+  </cs:errorBar>
+  <cs:floor>
+    <cs:lnRef idx="0"/>
+    <cs:fillRef idx="0"/>
+    <cs:effectRef idx="0"/>
+    <cs:fontRef idx="minor">
+      <a:schemeClr val="tx1"/>
+    </cs:fontRef>
+    <cs:spPr>
+      <a:noFill/>
+      <a:ln>
+        <a:noFill/>
+      </a:ln>
+    </cs:spPr>
+  </cs:floor>
+  <cs:gridlineMajor>
+    <cs:lnRef idx="0"/>
+    <cs:fillRef idx="0"/>
+    <cs:effectRef idx="0"/>
+    <cs:fontRef idx="minor">
+      <a:schemeClr val="tx1"/>
+    </cs:fontRef>
+    <cs:spPr>
+      <a:ln w="9525" cap="flat" cmpd="sng" algn="ctr">
+        <a:solidFill>
+          <a:schemeClr val="tx1">
+            <a:lumMod val="15000"/>
+            <a:lumOff val="85000"/>
+          </a:schemeClr>
+        </a:solidFill>
+        <a:round/>
+      </a:ln>
+    </cs:spPr>
+  </cs:gridlineMajor>
+  <cs:gridlineMinor>
+    <cs:lnRef idx="0"/>
+    <cs:fillRef idx="0"/>
+    <cs:effectRef idx="0"/>
+    <cs:fontRef idx="minor">
+      <a:schemeClr val="tx1"/>
+    </cs:fontRef>
+    <cs:spPr>
+      <a:ln w="9525" cap="flat" cmpd="sng" algn="ctr">
+        <a:solidFill>
+          <a:schemeClr val="tx1">
+            <a:lumMod val="5000"/>
+            <a:lumOff val="95000"/>
+          </a:schemeClr>
+        </a:solidFill>
+        <a:round/>
+      </a:ln>
+    </cs:spPr>
+  </cs:gridlineMinor>
+  <cs:hiLoLine>
+    <cs:lnRef idx="0"/>
+    <cs:fillRef idx="0"/>
+    <cs:effectRef idx="0"/>
+    <cs:fontRef idx="minor">
+      <a:schemeClr val="tx1"/>
+    </cs:fontRef>
+    <cs:spPr>
+      <a:ln w="9525" cap="flat" cmpd="sng" algn="ctr">
+        <a:solidFill>
+          <a:schemeClr val="tx1">
+            <a:lumMod val="50000"/>
+            <a:lumOff val="50000"/>
+          </a:schemeClr>
+        </a:solidFill>
+        <a:round/>
+      </a:ln>
+    </cs:spPr>
+  </cs:hiLoLine>
+  <cs:leaderLine>
+    <cs:lnRef idx="0"/>
+    <cs:fillRef idx="0"/>
+    <cs:effectRef idx="0"/>
+    <cs:fontRef idx="minor">
+      <a:schemeClr val="tx1"/>
+    </cs:fontRef>
+    <cs:spPr>
+      <a:ln w="9525" cap="flat" cmpd="sng" algn="ctr">
+        <a:solidFill>
+          <a:schemeClr val="tx1">
+            <a:lumMod val="35000"/>
+            <a:lumOff val="65000"/>
+          </a:schemeClr>
+        </a:solidFill>
+        <a:round/>
+      </a:ln>
+    </cs:spPr>
+  </cs:leaderLine>
+  <cs:legend>
+    <cs:lnRef idx="0"/>
+    <cs:fillRef idx="0"/>
+    <cs:effectRef idx="0"/>
+    <cs:fontRef idx="minor">
+      <a:schemeClr val="tx1">
+        <a:lumMod val="65000"/>
+        <a:lumOff val="35000"/>
+      </a:schemeClr>
+    </cs:fontRef>
+    <cs:defRPr sz="1197" kern="1200"/>
+  </cs:legend>
+  <cs:plotArea mods="allowNoFillOverride allowNoLineOverride">
+    <cs:lnRef idx="0"/>
+    <cs:fillRef idx="0"/>
+    <cs:effectRef idx="0"/>
+    <cs:fontRef idx="minor">
+      <a:schemeClr val="tx1"/>
+    </cs:fontRef>
+  </cs:plotArea>
+  <cs:plotArea3D mods="allowNoFillOverride allowNoLineOverride">
+    <cs:lnRef idx="0"/>
+    <cs:fillRef idx="0"/>
+    <cs:effectRef idx="0"/>
+    <cs:fontRef idx="minor">
+      <a:schemeClr val="tx1"/>
+    </cs:fontRef>
+  </cs:plotArea3D>
+  <cs:seriesAxis>
+    <cs:lnRef idx="0"/>
+    <cs:fillRef idx="0"/>
+    <cs:effectRef idx="0"/>
+    <cs:fontRef idx="minor">
+      <a:schemeClr val="tx1">
+        <a:lumMod val="65000"/>
+        <a:lumOff val="35000"/>
+      </a:schemeClr>
+    </cs:fontRef>
+    <cs:defRPr sz="1197" kern="1200"/>
+  </cs:seriesAxis>
+  <cs:seriesLine>
+    <cs:lnRef idx="0"/>
+    <cs:fillRef idx="0"/>
+    <cs:effectRef idx="0"/>
+    <cs:fontRef idx="minor">
+      <a:schemeClr val="tx1"/>
+    </cs:fontRef>
+    <cs:spPr>
+      <a:ln w="9525" cap="flat" cmpd="sng" algn="ctr">
+        <a:solidFill>
+          <a:schemeClr val="tx1">
+            <a:lumMod val="35000"/>
+            <a:lumOff val="65000"/>
+          </a:schemeClr>
+        </a:solidFill>
+        <a:round/>
+      </a:ln>
+    </cs:spPr>
+  </cs:seriesLine>
+  <cs:title>
+    <cs:lnRef idx="0"/>
+    <cs:fillRef idx="0"/>
+    <cs:effectRef idx="0"/>
+    <cs:fontRef idx="minor">
+      <a:schemeClr val="tx1">
+        <a:lumMod val="65000"/>
+        <a:lumOff val="35000"/>
+      </a:schemeClr>
+    </cs:fontRef>
+    <cs:defRPr sz="1862" b="0" kern="1200" spc="0" baseline="0"/>
+  </cs:title>
+  <cs:trendline>
+    <cs:lnRef idx="0">
+      <cs:styleClr val="auto"/>
+    </cs:lnRef>
+    <cs:fillRef idx="0"/>
+    <cs:effectRef idx="0"/>
+    <cs:fontRef idx="minor">
+      <a:schemeClr val="tx1"/>
+    </cs:fontRef>
+    <cs:spPr>
+      <a:ln w="19050" cap="rnd">
+        <a:solidFill>
+          <a:schemeClr val="phClr"/>
+        </a:solidFill>
+        <a:prstDash val="sysDot"/>
+      </a:ln>
+    </cs:spPr>
+  </cs:trendline>
+  <cs:trendlineLabel>
+    <cs:lnRef idx="0"/>
+    <cs:fillRef idx="0"/>
+    <cs:effectRef idx="0"/>
+    <cs:fontRef idx="minor">
+      <a:schemeClr val="tx1">
+        <a:lumMod val="65000"/>
+        <a:lumOff val="35000"/>
+      </a:schemeClr>
+    </cs:fontRef>
+    <cs:defRPr sz="1197" kern="1200"/>
+  </cs:trendlineLabel>
+  <cs:upBar>
+    <cs:lnRef idx="0"/>
+    <cs:fillRef idx="0"/>
+    <cs:effectRef idx="0"/>
+    <cs:fontRef idx="minor">
+      <a:schemeClr val="tx1"/>
+    </cs:fontRef>
+    <cs:spPr>
+      <a:solidFill>
+        <a:schemeClr val="lt1"/>
+      </a:solidFill>
+      <a:ln w="9525" cap="flat" cmpd="sng" algn="ctr">
+        <a:solidFill>
+          <a:schemeClr val="tx1">
+            <a:lumMod val="65000"/>
+            <a:lumOff val="35000"/>
+          </a:schemeClr>
+        </a:solidFill>
+        <a:round/>
+      </a:ln>
+    </cs:spPr>
+  </cs:upBar>
+  <cs:valueAxis>
+    <cs:lnRef idx="0"/>
+    <cs:fillRef idx="0"/>
+    <cs:effectRef idx="0"/>
+    <cs:fontRef idx="minor">
+      <a:schemeClr val="tx1">
+        <a:lumMod val="65000"/>
+        <a:lumOff val="35000"/>
+      </a:schemeClr>
+    </cs:fontRef>
+    <cs:defRPr sz="1197" kern="1200"/>
+  </cs:valueAxis>
+  <cs:wall>
+    <cs:lnRef idx="0"/>
+    <cs:fillRef idx="0"/>
+    <cs:effectRef idx="0"/>
+    <cs:fontRef idx="minor">
+      <a:schemeClr val="tx1"/>
+    </cs:fontRef>
+    <cs:spPr>
+      <a:noFill/>
+      <a:ln>
+        <a:noFill/>
+      </a:ln>
+    </cs:spPr>
+  </cs:wall>
+</cs:chartStyle>
+</file>
+
+<file path=ppt/charts/style6.xml><?xml version="1.0" encoding="utf-8"?>
 <cs:chartStyle xmlns:cs="http://schemas.microsoft.com/office/drawing/2012/chartStyle" xmlns:a="http://schemas.openxmlformats.org/drawingml/2006/main" id="251">
   <cs:axisTitle>
     <cs:lnRef idx="0"/>
@@ -1264,7 +5858,7 @@
           <a:p>
             <a:fld id="{1324BBD9-554B-4B41-90BF-CDDF58BD666F}" type="datetimeFigureOut">
               <a:rPr lang="es-ES" smtClean="0"/>
-              <a:t>01/08/2023</a:t>
+              <a:t>02/08/2023</a:t>
             </a:fld>
             <a:endParaRPr lang="es-ES"/>
           </a:p>
@@ -3952,7 +8546,11 @@
               </a:spcAft>
               <a:buNone/>
             </a:pPr>
-            <a:endParaRPr/>
+            <a:r>
+              <a:rPr lang="en-US" dirty="0"/>
+              <a:t>times that one cosine is better than the other</a:t>
+            </a:r>
+            <a:endParaRPr dirty="0"/>
           </a:p>
         </p:txBody>
       </p:sp>
@@ -4173,6 +8771,115 @@
 </file>
 
 <file path=ppt/notesSlides/notesSlide23.xml><?xml version="1.0" encoding="utf-8"?>
+<p:notes xmlns:a="http://schemas.openxmlformats.org/drawingml/2006/main" xmlns:r="http://schemas.openxmlformats.org/officeDocument/2006/relationships" xmlns:p="http://schemas.openxmlformats.org/presentationml/2006/main" showMasterSp="0" showMasterPhAnim="0">
+  <p:cSld>
+    <p:spTree>
+      <p:nvGrpSpPr>
+        <p:cNvPr id="1" name="Shape 175"/>
+        <p:cNvGrpSpPr/>
+        <p:nvPr/>
+      </p:nvGrpSpPr>
+      <p:grpSpPr>
+        <a:xfrm>
+          <a:off x="0" y="0"/>
+          <a:ext cx="0" cy="0"/>
+          <a:chOff x="0" y="0"/>
+          <a:chExt cx="0" cy="0"/>
+        </a:xfrm>
+      </p:grpSpPr>
+      <p:sp>
+        <p:nvSpPr>
+          <p:cNvPr id="176" name="Google Shape;176;g1e526d11d86_0_89:notes"/>
+          <p:cNvSpPr>
+            <a:spLocks noGrp="1" noRot="1" noChangeAspect="1"/>
+          </p:cNvSpPr>
+          <p:nvPr>
+            <p:ph type="sldImg" idx="2"/>
+          </p:nvPr>
+        </p:nvSpPr>
+        <p:spPr>
+          <a:xfrm>
+            <a:off x="381000" y="685800"/>
+            <a:ext cx="6096000" cy="3429000"/>
+          </a:xfrm>
+          <a:custGeom>
+            <a:avLst/>
+            <a:gdLst/>
+            <a:ahLst/>
+            <a:cxnLst/>
+            <a:rect l="l" t="t" r="r" b="b"/>
+            <a:pathLst>
+              <a:path w="120000" h="120000" extrusionOk="0">
+                <a:moveTo>
+                  <a:pt x="0" y="0"/>
+                </a:moveTo>
+                <a:lnTo>
+                  <a:pt x="120000" y="0"/>
+                </a:lnTo>
+                <a:lnTo>
+                  <a:pt x="120000" y="120000"/>
+                </a:lnTo>
+                <a:lnTo>
+                  <a:pt x="0" y="120000"/>
+                </a:lnTo>
+                <a:close/>
+              </a:path>
+            </a:pathLst>
+          </a:custGeom>
+        </p:spPr>
+      </p:sp>
+      <p:sp>
+        <p:nvSpPr>
+          <p:cNvPr id="177" name="Google Shape;177;g1e526d11d86_0_89:notes"/>
+          <p:cNvSpPr txBox="1">
+            <a:spLocks noGrp="1"/>
+          </p:cNvSpPr>
+          <p:nvPr>
+            <p:ph type="body" idx="1"/>
+          </p:nvPr>
+        </p:nvSpPr>
+        <p:spPr>
+          <a:xfrm>
+            <a:off x="685800" y="4343400"/>
+            <a:ext cx="5486400" cy="4114800"/>
+          </a:xfrm>
+          <a:prstGeom prst="rect">
+            <a:avLst/>
+          </a:prstGeom>
+        </p:spPr>
+        <p:txBody>
+          <a:bodyPr spcFirstLastPara="1" wrap="square" lIns="91425" tIns="91425" rIns="91425" bIns="91425" anchor="t" anchorCtr="0">
+            <a:noAutofit/>
+          </a:bodyPr>
+          <a:lstStyle/>
+          <a:p>
+            <a:pPr marL="0" lvl="0" indent="0" algn="l" rtl="0">
+              <a:spcBef>
+                <a:spcPts val="0"/>
+              </a:spcBef>
+              <a:spcAft>
+                <a:spcPts val="0"/>
+              </a:spcAft>
+              <a:buNone/>
+            </a:pPr>
+            <a:endParaRPr/>
+          </a:p>
+        </p:txBody>
+      </p:sp>
+    </p:spTree>
+    <p:extLst>
+      <p:ext uri="{BB962C8B-B14F-4D97-AF65-F5344CB8AC3E}">
+        <p14:creationId xmlns:p14="http://schemas.microsoft.com/office/powerpoint/2010/main" val="2991403025"/>
+      </p:ext>
+    </p:extLst>
+  </p:cSld>
+  <p:clrMapOvr>
+    <a:masterClrMapping/>
+  </p:clrMapOvr>
+</p:notes>
+</file>
+
+<file path=ppt/notesSlides/notesSlide24.xml><?xml version="1.0" encoding="utf-8"?>
 <p:notes xmlns:a="http://schemas.openxmlformats.org/drawingml/2006/main" xmlns:r="http://schemas.openxmlformats.org/officeDocument/2006/relationships" xmlns:p="http://schemas.openxmlformats.org/presentationml/2006/main" showMasterSp="0" showMasterPhAnim="0">
   <p:cSld>
     <p:spTree>
@@ -7197,7 +11904,7 @@
           <a:p>
             <a:fld id="{D46C10F7-EC81-46ED-A392-FF902BABED03}" type="datetimeFigureOut">
               <a:rPr lang="es-ES" smtClean="0"/>
-              <a:t>01/08/2023</a:t>
+              <a:t>02/08/2023</a:t>
             </a:fld>
             <a:endParaRPr lang="es-ES"/>
           </a:p>
@@ -7395,7 +12102,7 @@
           <a:p>
             <a:fld id="{D46C10F7-EC81-46ED-A392-FF902BABED03}" type="datetimeFigureOut">
               <a:rPr lang="es-ES" smtClean="0"/>
-              <a:t>01/08/2023</a:t>
+              <a:t>02/08/2023</a:t>
             </a:fld>
             <a:endParaRPr lang="es-ES"/>
           </a:p>
@@ -7603,7 +12310,7 @@
           <a:p>
             <a:fld id="{D46C10F7-EC81-46ED-A392-FF902BABED03}" type="datetimeFigureOut">
               <a:rPr lang="es-ES" smtClean="0"/>
-              <a:t>01/08/2023</a:t>
+              <a:t>02/08/2023</a:t>
             </a:fld>
             <a:endParaRPr lang="es-ES"/>
           </a:p>
@@ -8160,7 +12867,7 @@
           <a:p>
             <a:fld id="{D46C10F7-EC81-46ED-A392-FF902BABED03}" type="datetimeFigureOut">
               <a:rPr lang="es-ES" smtClean="0"/>
-              <a:t>01/08/2023</a:t>
+              <a:t>02/08/2023</a:t>
             </a:fld>
             <a:endParaRPr lang="es-ES"/>
           </a:p>
@@ -8435,7 +13142,7 @@
           <a:p>
             <a:fld id="{D46C10F7-EC81-46ED-A392-FF902BABED03}" type="datetimeFigureOut">
               <a:rPr lang="es-ES" smtClean="0"/>
-              <a:t>01/08/2023</a:t>
+              <a:t>02/08/2023</a:t>
             </a:fld>
             <a:endParaRPr lang="es-ES"/>
           </a:p>
@@ -8700,7 +13407,7 @@
           <a:p>
             <a:fld id="{D46C10F7-EC81-46ED-A392-FF902BABED03}" type="datetimeFigureOut">
               <a:rPr lang="es-ES" smtClean="0"/>
-              <a:t>01/08/2023</a:t>
+              <a:t>02/08/2023</a:t>
             </a:fld>
             <a:endParaRPr lang="es-ES"/>
           </a:p>
@@ -9112,7 +13819,7 @@
           <a:p>
             <a:fld id="{D46C10F7-EC81-46ED-A392-FF902BABED03}" type="datetimeFigureOut">
               <a:rPr lang="es-ES" smtClean="0"/>
-              <a:t>01/08/2023</a:t>
+              <a:t>02/08/2023</a:t>
             </a:fld>
             <a:endParaRPr lang="es-ES"/>
           </a:p>
@@ -9253,7 +13960,7 @@
           <a:p>
             <a:fld id="{D46C10F7-EC81-46ED-A392-FF902BABED03}" type="datetimeFigureOut">
               <a:rPr lang="es-ES" smtClean="0"/>
-              <a:t>01/08/2023</a:t>
+              <a:t>02/08/2023</a:t>
             </a:fld>
             <a:endParaRPr lang="es-ES"/>
           </a:p>
@@ -9366,7 +14073,7 @@
           <a:p>
             <a:fld id="{D46C10F7-EC81-46ED-A392-FF902BABED03}" type="datetimeFigureOut">
               <a:rPr lang="es-ES" smtClean="0"/>
-              <a:t>01/08/2023</a:t>
+              <a:t>02/08/2023</a:t>
             </a:fld>
             <a:endParaRPr lang="es-ES"/>
           </a:p>
@@ -9677,7 +14384,7 @@
           <a:p>
             <a:fld id="{D46C10F7-EC81-46ED-A392-FF902BABED03}" type="datetimeFigureOut">
               <a:rPr lang="es-ES" smtClean="0"/>
-              <a:t>01/08/2023</a:t>
+              <a:t>02/08/2023</a:t>
             </a:fld>
             <a:endParaRPr lang="es-ES"/>
           </a:p>
@@ -9965,7 +14672,7 @@
           <a:p>
             <a:fld id="{D46C10F7-EC81-46ED-A392-FF902BABED03}" type="datetimeFigureOut">
               <a:rPr lang="es-ES" smtClean="0"/>
-              <a:t>01/08/2023</a:t>
+              <a:t>02/08/2023</a:t>
             </a:fld>
             <a:endParaRPr lang="es-ES"/>
           </a:p>
@@ -10206,7 +14913,7 @@
           <a:p>
             <a:fld id="{D46C10F7-EC81-46ED-A392-FF902BABED03}" type="datetimeFigureOut">
               <a:rPr lang="es-ES" smtClean="0"/>
-              <a:t>01/08/2023</a:t>
+              <a:t>02/08/2023</a:t>
             </a:fld>
             <a:endParaRPr lang="es-ES"/>
           </a:p>
@@ -10692,7 +15399,7 @@
           <a:p>
             <a:r>
               <a:rPr lang="es-ES" dirty="0"/>
-              <a:t>Rodolfo Zevallos and John Ortega</a:t>
+              <a:t>Rodolfo Zevallos</a:t>
             </a:r>
           </a:p>
         </p:txBody>
@@ -16780,71 +21487,69 @@
           <a:lstStyle/>
           <a:p>
             <a:r>
-              <a:rPr lang="en"/>
-              <a:t>Related Work Experiments</a:t>
-            </a:r>
-            <a:endParaRPr/>
+              <a:rPr lang="en" dirty="0"/>
+              <a:t>Related Work Experiments (Prone)</a:t>
+            </a:r>
+            <a:endParaRPr dirty="0"/>
           </a:p>
         </p:txBody>
       </p:sp>
-      <p:pic>
-        <p:nvPicPr>
-          <p:cNvPr id="159" name="Google Shape;159;p24" title="Points scored"/>
-          <p:cNvPicPr preferRelativeResize="0"/>
-          <p:nvPr/>
-        </p:nvPicPr>
-        <p:blipFill>
-          <a:blip r:embed="rId3">
-            <a:alphaModFix/>
-          </a:blip>
-          <a:stretch>
-            <a:fillRect/>
-          </a:stretch>
-        </p:blipFill>
-        <p:spPr>
-          <a:xfrm>
-            <a:off x="0" y="1668482"/>
-            <a:ext cx="6590161" cy="3748157"/>
-          </a:xfrm>
-          <a:prstGeom prst="rect">
-            <a:avLst/>
-          </a:prstGeom>
-          <a:noFill/>
-          <a:ln>
-            <a:noFill/>
-          </a:ln>
-        </p:spPr>
-      </p:pic>
-      <p:pic>
-        <p:nvPicPr>
-          <p:cNvPr id="3" name="Imagen 2">
+      <p:graphicFrame>
+        <p:nvGraphicFramePr>
+          <p:cNvPr id="5" name="Gráfico 4">
             <a:extLst>
               <a:ext uri="{FF2B5EF4-FFF2-40B4-BE49-F238E27FC236}">
-                <a16:creationId xmlns:a16="http://schemas.microsoft.com/office/drawing/2014/main" id="{1DE42FE6-FA0D-530D-FEA4-EF8DD788EB8B}"/>
+                <a16:creationId xmlns:a16="http://schemas.microsoft.com/office/drawing/2014/main" id="{E8C01F4E-669A-1B29-DF9E-12F4CBEA1FEA}"/>
               </a:ext>
             </a:extLst>
           </p:cNvPr>
-          <p:cNvPicPr>
-            <a:picLocks noChangeAspect="1"/>
-          </p:cNvPicPr>
-          <p:nvPr/>
-        </p:nvPicPr>
-        <p:blipFill>
-          <a:blip r:embed="rId4"/>
-          <a:stretch>
-            <a:fillRect/>
-          </a:stretch>
-        </p:blipFill>
-        <p:spPr>
-          <a:xfrm>
-            <a:off x="6471330" y="178996"/>
-            <a:ext cx="5626389" cy="6369377"/>
-          </a:xfrm>
-          <a:prstGeom prst="rect">
-            <a:avLst/>
-          </a:prstGeom>
-        </p:spPr>
-      </p:pic>
+          <p:cNvGraphicFramePr/>
+          <p:nvPr>
+            <p:extLst>
+              <p:ext uri="{D42A27DB-BD31-4B8C-83A1-F6EECF244321}">
+                <p14:modId xmlns:p14="http://schemas.microsoft.com/office/powerpoint/2010/main" val="1284926114"/>
+              </p:ext>
+            </p:extLst>
+          </p:nvPr>
+        </p:nvGraphicFramePr>
+        <p:xfrm>
+          <a:off x="268514" y="1322957"/>
+          <a:ext cx="6417294" cy="4826110"/>
+        </p:xfrm>
+        <a:graphic>
+          <a:graphicData uri="http://schemas.openxmlformats.org/drawingml/2006/chart">
+            <c:chart xmlns:c="http://schemas.openxmlformats.org/drawingml/2006/chart" xmlns:r="http://schemas.openxmlformats.org/officeDocument/2006/relationships" r:id="rId3"/>
+          </a:graphicData>
+        </a:graphic>
+      </p:graphicFrame>
+      <p:graphicFrame>
+        <p:nvGraphicFramePr>
+          <p:cNvPr id="8" name="Gráfico 7">
+            <a:extLst>
+              <a:ext uri="{FF2B5EF4-FFF2-40B4-BE49-F238E27FC236}">
+                <a16:creationId xmlns:a16="http://schemas.microsoft.com/office/drawing/2014/main" id="{AA2292E3-4C1D-8755-99CF-E1FCE4424EE4}"/>
+              </a:ext>
+            </a:extLst>
+          </p:cNvPr>
+          <p:cNvGraphicFramePr/>
+          <p:nvPr>
+            <p:extLst>
+              <p:ext uri="{D42A27DB-BD31-4B8C-83A1-F6EECF244321}">
+                <p14:modId xmlns:p14="http://schemas.microsoft.com/office/powerpoint/2010/main" val="3462862659"/>
+              </p:ext>
+            </p:extLst>
+          </p:nvPr>
+        </p:nvGraphicFramePr>
+        <p:xfrm>
+          <a:off x="6096000" y="1543745"/>
+          <a:ext cx="5962650" cy="4457005"/>
+        </p:xfrm>
+        <a:graphic>
+          <a:graphicData uri="http://schemas.openxmlformats.org/drawingml/2006/chart">
+            <c:chart xmlns:c="http://schemas.openxmlformats.org/drawingml/2006/chart" xmlns:r="http://schemas.openxmlformats.org/officeDocument/2006/relationships" r:id="rId4"/>
+          </a:graphicData>
+        </a:graphic>
+      </p:graphicFrame>
     </p:spTree>
   </p:cSld>
   <p:clrMapOvr>
@@ -16896,41 +21601,120 @@
           <a:lstStyle/>
           <a:p>
             <a:r>
-              <a:rPr lang="en"/>
-              <a:t>Related Work Experiments</a:t>
-            </a:r>
-            <a:endParaRPr/>
+              <a:rPr lang="en" dirty="0"/>
+              <a:t>Related Work Experiments (Specter 2)</a:t>
+            </a:r>
+            <a:endParaRPr dirty="0"/>
           </a:p>
         </p:txBody>
       </p:sp>
-      <p:pic>
-        <p:nvPicPr>
-          <p:cNvPr id="167" name="Google Shape;167;p25" title="Points scored"/>
-          <p:cNvPicPr preferRelativeResize="0"/>
+      <p:graphicFrame>
+        <p:nvGraphicFramePr>
+          <p:cNvPr id="4" name="Gráfico 3">
+            <a:extLst>
+              <a:ext uri="{FF2B5EF4-FFF2-40B4-BE49-F238E27FC236}">
+                <a16:creationId xmlns:a16="http://schemas.microsoft.com/office/drawing/2014/main" id="{60F2F8E9-12D1-A072-9415-DC1D4A085182}"/>
+              </a:ext>
+            </a:extLst>
+          </p:cNvPr>
+          <p:cNvGraphicFramePr/>
+          <p:nvPr>
+            <p:extLst>
+              <p:ext uri="{D42A27DB-BD31-4B8C-83A1-F6EECF244321}">
+                <p14:modId xmlns:p14="http://schemas.microsoft.com/office/powerpoint/2010/main" val="3198784654"/>
+              </p:ext>
+            </p:extLst>
+          </p:nvPr>
+        </p:nvGraphicFramePr>
+        <p:xfrm>
+          <a:off x="374651" y="1621630"/>
+          <a:ext cx="7011988" cy="5016703"/>
+        </p:xfrm>
+        <a:graphic>
+          <a:graphicData uri="http://schemas.openxmlformats.org/drawingml/2006/chart">
+            <c:chart xmlns:c="http://schemas.openxmlformats.org/drawingml/2006/chart" xmlns:r="http://schemas.openxmlformats.org/officeDocument/2006/relationships" r:id="rId3"/>
+          </a:graphicData>
+        </a:graphic>
+      </p:graphicFrame>
+      <p:graphicFrame>
+        <p:nvGraphicFramePr>
+          <p:cNvPr id="7" name="Gráfico 6">
+            <a:extLst>
+              <a:ext uri="{FF2B5EF4-FFF2-40B4-BE49-F238E27FC236}">
+                <a16:creationId xmlns:a16="http://schemas.microsoft.com/office/drawing/2014/main" id="{A1444484-632A-7731-E4F7-BC8AD05238E6}"/>
+              </a:ext>
+            </a:extLst>
+          </p:cNvPr>
+          <p:cNvGraphicFramePr/>
+          <p:nvPr>
+            <p:extLst>
+              <p:ext uri="{D42A27DB-BD31-4B8C-83A1-F6EECF244321}">
+                <p14:modId xmlns:p14="http://schemas.microsoft.com/office/powerpoint/2010/main" val="1825903153"/>
+              </p:ext>
+            </p:extLst>
+          </p:nvPr>
+        </p:nvGraphicFramePr>
+        <p:xfrm>
+          <a:off x="6260308" y="2035969"/>
+          <a:ext cx="6333331" cy="4365964"/>
+        </p:xfrm>
+        <a:graphic>
+          <a:graphicData uri="http://schemas.openxmlformats.org/drawingml/2006/chart">
+            <c:chart xmlns:c="http://schemas.openxmlformats.org/drawingml/2006/chart" xmlns:r="http://schemas.openxmlformats.org/officeDocument/2006/relationships" r:id="rId4"/>
+          </a:graphicData>
+        </a:graphic>
+      </p:graphicFrame>
+      <p:sp>
+        <p:nvSpPr>
+          <p:cNvPr id="9" name="CuadroTexto 8">
+            <a:extLst>
+              <a:ext uri="{FF2B5EF4-FFF2-40B4-BE49-F238E27FC236}">
+                <a16:creationId xmlns:a16="http://schemas.microsoft.com/office/drawing/2014/main" id="{FAB1C3E7-D14E-ED72-631A-5378FAAC60B5}"/>
+              </a:ext>
+            </a:extLst>
+          </p:cNvPr>
+          <p:cNvSpPr txBox="1"/>
           <p:nvPr/>
-        </p:nvPicPr>
-        <p:blipFill>
-          <a:blip r:embed="rId3">
-            <a:alphaModFix/>
-          </a:blip>
-          <a:stretch>
-            <a:fillRect/>
-          </a:stretch>
-        </p:blipFill>
+        </p:nvSpPr>
         <p:spPr>
           <a:xfrm>
-            <a:off x="688984" y="1219667"/>
-            <a:ext cx="10814032" cy="5055568"/>
+            <a:off x="4000496" y="1219667"/>
+            <a:ext cx="5272088" cy="646331"/>
           </a:xfrm>
           <a:prstGeom prst="rect">
             <a:avLst/>
           </a:prstGeom>
           <a:noFill/>
-          <a:ln>
-            <a:noFill/>
-          </a:ln>
         </p:spPr>
-      </p:pic>
+        <p:txBody>
+          <a:bodyPr wrap="square" rtlCol="0">
+            <a:spAutoFit/>
+          </a:bodyPr>
+          <a:lstStyle/>
+          <a:p>
+            <a:r>
+              <a:rPr lang="en-US" sz="1800" b="1" i="0" u="none" strike="noStrike" kern="1200" spc="0" baseline="0" dirty="0"/>
+              <a:t>Comparison of Cosine Similarity: </a:t>
+            </a:r>
+            <a:r>
+              <a:rPr lang="en-US" sz="1800" b="1" i="0" u="none" strike="noStrike" kern="1200" spc="0" baseline="0" dirty="0" err="1"/>
+              <a:t>V_rw</a:t>
+            </a:r>
+            <a:r>
+              <a:rPr lang="en-US" sz="1800" b="1" i="0" u="none" strike="noStrike" kern="1200" spc="0" baseline="0" dirty="0"/>
+              <a:t> and </a:t>
+            </a:r>
+            <a:r>
+              <a:rPr lang="en-US" sz="1800" b="1" i="0" u="none" strike="noStrike" kern="1200" spc="0" baseline="0" dirty="0" err="1"/>
+              <a:t>V_all</a:t>
+            </a:r>
+            <a:endParaRPr lang="en-US" sz="1800" b="1" i="0" u="none" strike="noStrike" kern="1200" spc="0" baseline="0" dirty="0"/>
+          </a:p>
+          <a:p>
+            <a:endParaRPr lang="es-ES" b="1" dirty="0"/>
+          </a:p>
+        </p:txBody>
+      </p:sp>
     </p:spTree>
   </p:cSld>
   <p:clrMapOvr>
@@ -16983,7 +21767,7 @@
           <a:p>
             <a:r>
               <a:rPr lang="en" dirty="0"/>
-              <a:t>Related Work Experiments</a:t>
+              <a:t>Is possible predict new vectors (V_model)?</a:t>
             </a:r>
             <a:endParaRPr dirty="0"/>
           </a:p>
@@ -17014,12 +21798,6 @@
           </a:bodyPr>
           <a:lstStyle/>
           <a:p>
-            <a:endParaRPr sz="2400" dirty="0"/>
-          </a:p>
-          <a:p>
-            <a:endParaRPr sz="2400" dirty="0"/>
-          </a:p>
-          <a:p>
             <a:pPr algn="ctr"/>
             <a:endParaRPr sz="2533" dirty="0"/>
           </a:p>
@@ -17037,7 +21815,18 @@
               <a:t> </a:t>
             </a:r>
             <a:r>
-              <a:rPr lang="en" sz="2667" b="1" dirty="0">
+              <a:rPr lang="en" sz="3600" dirty="0"/>
+              <a:t>V_rw + V_nrw = V_predic  ≈ V_model</a:t>
+            </a:r>
+          </a:p>
+          <a:p>
+            <a:pPr algn="ctr"/>
+            <a:endParaRPr lang="en" sz="3600" dirty="0"/>
+          </a:p>
+          <a:p>
+            <a:pPr algn="ctr"/>
+            <a:r>
+              <a:rPr lang="es-ES" sz="2667" dirty="0">
                 <a:solidFill>
                   <a:srgbClr val="202122"/>
                 </a:solidFill>
@@ -17045,47 +21834,36 @@
                   <a:srgbClr val="FFFFFF"/>
                 </a:highlight>
               </a:rPr>
-              <a:t>σ</a:t>
-            </a:r>
-            <a:r>
-              <a:rPr lang="en" sz="2667" dirty="0"/>
-              <a:t>Vector_Rel_Work + μVector_Other = Vector_model</a:t>
-            </a:r>
-            <a:endParaRPr sz="2667" dirty="0"/>
+              <a:t> </a:t>
+            </a:r>
+            <a:r>
+              <a:rPr lang="es-ES" sz="3600" dirty="0" err="1"/>
+              <a:t>V_rw</a:t>
+            </a:r>
+            <a:r>
+              <a:rPr lang="es-ES" sz="3600" dirty="0"/>
+              <a:t> = </a:t>
+            </a:r>
+            <a:r>
+              <a:rPr lang="es-ES" sz="3600" dirty="0" err="1"/>
+              <a:t>V_predic</a:t>
+            </a:r>
+            <a:r>
+              <a:rPr lang="es-ES" sz="3600" dirty="0"/>
+              <a:t>  ≈ </a:t>
+            </a:r>
+            <a:r>
+              <a:rPr lang="es-ES" sz="3600" dirty="0" err="1"/>
+              <a:t>V_model</a:t>
+            </a:r>
+            <a:endParaRPr lang="es-ES" sz="3600" dirty="0"/>
           </a:p>
           <a:p>
             <a:pPr algn="ctr"/>
-            <a:endParaRPr sz="2667" dirty="0"/>
+            <a:endParaRPr sz="3600" dirty="0"/>
           </a:p>
           <a:p>
             <a:pPr algn="ctr"/>
-            <a:r>
-              <a:rPr lang="en" sz="2667" b="1" dirty="0">
-                <a:solidFill>
-                  <a:srgbClr val="202122"/>
-                </a:solidFill>
-                <a:highlight>
-                  <a:srgbClr val="FFFFFF"/>
-                </a:highlight>
-              </a:rPr>
-              <a:t>σ</a:t>
-            </a:r>
-            <a:r>
-              <a:rPr lang="en" sz="2667" dirty="0"/>
-              <a:t> and </a:t>
-            </a:r>
-            <a:r>
-              <a:rPr lang="en" sz="2667" dirty="0">
-                <a:solidFill>
-                  <a:schemeClr val="dk1"/>
-                </a:solidFill>
-              </a:rPr>
-              <a:t>μ </a:t>
-            </a:r>
-            <a:r>
-              <a:rPr lang="en" sz="2667" dirty="0"/>
-              <a:t>are constants of the equation</a:t>
-            </a:r>
             <a:endParaRPr sz="2667" dirty="0"/>
           </a:p>
           <a:p>
@@ -17101,8 +21879,8 @@
         </p:nvSpPr>
         <p:spPr>
           <a:xfrm>
-            <a:off x="1772433" y="4633800"/>
-            <a:ext cx="9476000" cy="637200"/>
+            <a:off x="825335" y="4633800"/>
+            <a:ext cx="10185593" cy="637200"/>
           </a:xfrm>
           <a:prstGeom prst="rect">
             <a:avLst/>
@@ -17118,11 +21896,12 @@
           </a:bodyPr>
           <a:lstStyle/>
           <a:p>
-            <a:r>
-              <a:rPr lang="en" sz="2000"/>
-              <a:t>We experiment with predicting the entire vector given only related work sections.</a:t>
-            </a:r>
-            <a:endParaRPr sz="2000"/>
+            <a:pPr algn="ctr"/>
+            <a:r>
+              <a:rPr lang="en" sz="2000" dirty="0"/>
+              <a:t>We experiment with predicting the entire vector using all references and only related work references.</a:t>
+            </a:r>
+            <a:endParaRPr sz="2000" dirty="0"/>
           </a:p>
         </p:txBody>
       </p:sp>
@@ -17345,12 +22124,8 @@
           <a:lstStyle/>
           <a:p>
             <a:r>
-              <a:rPr lang="es-ES" dirty="0" err="1"/>
-              <a:t>prediction</a:t>
-            </a:r>
-            <a:r>
               <a:rPr lang="es-ES" dirty="0"/>
-              <a:t> vector = </a:t>
+              <a:t>                   </a:t>
             </a:r>
             <a:r>
               <a:rPr lang="es-ES" dirty="0" err="1"/>
@@ -17400,6 +22175,14 @@
             <a:r>
               <a:rPr lang="es-ES" dirty="0" err="1"/>
               <a:t>V_nrw</a:t>
+            </a:r>
+            <a:r>
+              <a:rPr lang="es-ES" dirty="0"/>
+              <a:t> / </a:t>
+            </a:r>
+            <a:r>
+              <a:rPr lang="es-ES" dirty="0" err="1"/>
+              <a:t>V_rw</a:t>
             </a:r>
             <a:endParaRPr lang="es-ES" dirty="0"/>
           </a:p>
@@ -17543,6 +22326,131 @@
   <p:cSld>
     <p:spTree>
       <p:nvGrpSpPr>
+        <p:cNvPr id="1" name="Shape 178"/>
+        <p:cNvGrpSpPr/>
+        <p:nvPr/>
+      </p:nvGrpSpPr>
+      <p:grpSpPr>
+        <a:xfrm>
+          <a:off x="0" y="0"/>
+          <a:ext cx="0" cy="0"/>
+          <a:chOff x="0" y="0"/>
+          <a:chExt cx="0" cy="0"/>
+        </a:xfrm>
+      </p:grpSpPr>
+      <p:sp>
+        <p:nvSpPr>
+          <p:cNvPr id="179" name="Google Shape;179;p27"/>
+          <p:cNvSpPr txBox="1">
+            <a:spLocks noGrp="1"/>
+          </p:cNvSpPr>
+          <p:nvPr>
+            <p:ph type="title"/>
+          </p:nvPr>
+        </p:nvSpPr>
+        <p:spPr>
+          <a:xfrm>
+            <a:off x="190500" y="456067"/>
+            <a:ext cx="11360800" cy="763600"/>
+          </a:xfrm>
+          <a:prstGeom prst="rect">
+            <a:avLst/>
+          </a:prstGeom>
+        </p:spPr>
+        <p:txBody>
+          <a:bodyPr spcFirstLastPara="1" vert="horz" wrap="square" lIns="121900" tIns="121900" rIns="121900" bIns="121900" rtlCol="0" anchor="t" anchorCtr="0">
+            <a:normAutofit fontScale="90000"/>
+          </a:bodyPr>
+          <a:lstStyle/>
+          <a:p>
+            <a:r>
+              <a:rPr lang="en" dirty="0"/>
+              <a:t>Related Work Experiments</a:t>
+            </a:r>
+            <a:endParaRPr dirty="0"/>
+          </a:p>
+        </p:txBody>
+      </p:sp>
+      <p:sp>
+        <p:nvSpPr>
+          <p:cNvPr id="180" name="Google Shape;180;p27"/>
+          <p:cNvSpPr txBox="1">
+            <a:spLocks noGrp="1"/>
+          </p:cNvSpPr>
+          <p:nvPr>
+            <p:ph type="sldNum" idx="12"/>
+          </p:nvPr>
+        </p:nvSpPr>
+        <p:spPr>
+          <a:xfrm>
+            <a:off x="11285044" y="6101789"/>
+            <a:ext cx="731600" cy="524800"/>
+          </a:xfrm>
+          <a:prstGeom prst="rect">
+            <a:avLst/>
+          </a:prstGeom>
+        </p:spPr>
+        <p:txBody>
+          <a:bodyPr spcFirstLastPara="1" vert="horz" wrap="square" lIns="121900" tIns="121900" rIns="121900" bIns="121900" rtlCol="0" anchor="ctr" anchorCtr="0">
+            <a:normAutofit/>
+          </a:bodyPr>
+          <a:lstStyle/>
+          <a:p>
+            <a:fld id="{00000000-1234-1234-1234-123412341234}" type="slidenum">
+              <a:rPr lang="en"/>
+              <a:pPr/>
+              <a:t>26</a:t>
+            </a:fld>
+            <a:endParaRPr/>
+          </a:p>
+        </p:txBody>
+      </p:sp>
+      <p:graphicFrame>
+        <p:nvGraphicFramePr>
+          <p:cNvPr id="4" name="Gráfico 3">
+            <a:extLst>
+              <a:ext uri="{FF2B5EF4-FFF2-40B4-BE49-F238E27FC236}">
+                <a16:creationId xmlns:a16="http://schemas.microsoft.com/office/drawing/2014/main" id="{060D4D5E-183E-CC12-3704-5952D16FDF5F}"/>
+              </a:ext>
+            </a:extLst>
+          </p:cNvPr>
+          <p:cNvGraphicFramePr/>
+          <p:nvPr>
+            <p:extLst>
+              <p:ext uri="{D42A27DB-BD31-4B8C-83A1-F6EECF244321}">
+                <p14:modId xmlns:p14="http://schemas.microsoft.com/office/powerpoint/2010/main" val="523766876"/>
+              </p:ext>
+            </p:extLst>
+          </p:nvPr>
+        </p:nvGraphicFramePr>
+        <p:xfrm>
+          <a:off x="2032000" y="1169727"/>
+          <a:ext cx="8128000" cy="5418667"/>
+        </p:xfrm>
+        <a:graphic>
+          <a:graphicData uri="http://schemas.openxmlformats.org/drawingml/2006/chart">
+            <c:chart xmlns:c="http://schemas.openxmlformats.org/drawingml/2006/chart" xmlns:r="http://schemas.openxmlformats.org/officeDocument/2006/relationships" r:id="rId3"/>
+          </a:graphicData>
+        </a:graphic>
+      </p:graphicFrame>
+    </p:spTree>
+    <p:extLst>
+      <p:ext uri="{BB962C8B-B14F-4D97-AF65-F5344CB8AC3E}">
+        <p14:creationId xmlns:p14="http://schemas.microsoft.com/office/powerpoint/2010/main" val="3387090496"/>
+      </p:ext>
+    </p:extLst>
+  </p:cSld>
+  <p:clrMapOvr>
+    <a:masterClrMapping/>
+  </p:clrMapOvr>
+</p:sld>
+</file>
+
+<file path=ppt/slides/slide27.xml><?xml version="1.0" encoding="utf-8"?>
+<p:sld xmlns:a="http://schemas.openxmlformats.org/drawingml/2006/main" xmlns:r="http://schemas.openxmlformats.org/officeDocument/2006/relationships" xmlns:p="http://schemas.openxmlformats.org/presentationml/2006/main">
+  <p:cSld>
+    <p:spTree>
+      <p:nvGrpSpPr>
         <p:cNvPr id="1" name="Shape 185"/>
         <p:cNvGrpSpPr/>
         <p:nvPr/>
@@ -17616,7 +22524,7 @@
             <a:fld id="{00000000-1234-1234-1234-123412341234}" type="slidenum">
               <a:rPr lang="en"/>
               <a:pPr/>
-              <a:t>26</a:t>
+              <a:t>27</a:t>
             </a:fld>
             <a:endParaRPr/>
           </a:p>

--- a/slides/final_presentation_draft/Experiments/Related_Work_Hypothesis_final.pptx
+++ b/slides/final_presentation_draft/Experiments/Related_Work_Hypothesis_final.pptx
@@ -155,79 +155,7 @@
     </mc:Fallback>
   </mc:AlternateContent>
   <c:chart>
-    <c:title>
-      <c:tx>
-        <c:rich>
-          <a:bodyPr rot="0" spcFirstLastPara="1" vertOverflow="ellipsis" vert="horz" wrap="square" anchor="ctr" anchorCtr="1"/>
-          <a:lstStyle/>
-          <a:p>
-            <a:pPr>
-              <a:defRPr sz="1862" b="0" i="0" u="none" strike="noStrike" kern="1200" spc="0" baseline="0">
-                <a:solidFill>
-                  <a:schemeClr val="tx1">
-                    <a:lumMod val="65000"/>
-                    <a:lumOff val="35000"/>
-                  </a:schemeClr>
-                </a:solidFill>
-                <a:latin typeface="+mn-lt"/>
-                <a:ea typeface="+mn-ea"/>
-                <a:cs typeface="+mn-cs"/>
-              </a:defRPr>
-            </a:pPr>
-            <a:r>
-              <a:rPr lang="en-US" dirty="0"/>
-              <a:t>Comparison</a:t>
-            </a:r>
-            <a:r>
-              <a:rPr lang="en-US" baseline="0" dirty="0"/>
-              <a:t> of Cosine Similarity: </a:t>
-            </a:r>
-            <a:r>
-              <a:rPr lang="en-US" baseline="0" dirty="0" err="1"/>
-              <a:t>V_rw</a:t>
-            </a:r>
-            <a:r>
-              <a:rPr lang="en-US" baseline="0" dirty="0"/>
-              <a:t> and </a:t>
-            </a:r>
-            <a:r>
-              <a:rPr lang="en-US" baseline="0" dirty="0" err="1"/>
-              <a:t>V_all</a:t>
-            </a:r>
-            <a:endParaRPr lang="en-US" dirty="0"/>
-          </a:p>
-        </c:rich>
-      </c:tx>
-      <c:overlay val="0"/>
-      <c:spPr>
-        <a:noFill/>
-        <a:ln>
-          <a:noFill/>
-        </a:ln>
-        <a:effectLst/>
-      </c:spPr>
-      <c:txPr>
-        <a:bodyPr rot="0" spcFirstLastPara="1" vertOverflow="ellipsis" vert="horz" wrap="square" anchor="ctr" anchorCtr="1"/>
-        <a:lstStyle/>
-        <a:p>
-          <a:pPr>
-            <a:defRPr sz="1862" b="0" i="0" u="none" strike="noStrike" kern="1200" spc="0" baseline="0">
-              <a:solidFill>
-                <a:schemeClr val="tx1">
-                  <a:lumMod val="65000"/>
-                  <a:lumOff val="35000"/>
-                </a:schemeClr>
-              </a:solidFill>
-              <a:latin typeface="+mn-lt"/>
-              <a:ea typeface="+mn-ea"/>
-              <a:cs typeface="+mn-cs"/>
-            </a:defRPr>
-          </a:pPr>
-          <a:endParaRPr lang="es-ES"/>
-        </a:p>
-      </c:txPr>
-    </c:title>
-    <c:autoTitleDeleted val="0"/>
+    <c:autoTitleDeleted val="1"/>
     <c:plotArea>
       <c:layout>
         <c:manualLayout>
@@ -401,6 +329,20 @@
         </c:scaling>
         <c:delete val="0"/>
         <c:axPos val="b"/>
+        <c:majorGridlines>
+          <c:spPr>
+            <a:ln w="9525" cap="flat" cmpd="sng" algn="ctr">
+              <a:solidFill>
+                <a:schemeClr val="tx1">
+                  <a:lumMod val="15000"/>
+                  <a:lumOff val="85000"/>
+                </a:schemeClr>
+              </a:solidFill>
+              <a:round/>
+            </a:ln>
+            <a:effectLst/>
+          </c:spPr>
+        </c:majorGridlines>
         <c:numFmt formatCode="General" sourceLinked="1"/>
         <c:majorTickMark val="none"/>
         <c:minorTickMark val="none"/>
@@ -440,7 +382,7 @@
         </c:txPr>
         <c:crossAx val="365402303"/>
         <c:crosses val="autoZero"/>
-        <c:auto val="1"/>
+        <c:auto val="0"/>
         <c:lblAlgn val="ctr"/>
         <c:lblOffset val="100"/>
         <c:noMultiLvlLbl val="0"/>
@@ -466,6 +408,69 @@
             <a:effectLst/>
           </c:spPr>
         </c:majorGridlines>
+        <c:title>
+          <c:tx>
+            <c:rich>
+              <a:bodyPr rot="-5400000" spcFirstLastPara="1" vertOverflow="ellipsis" vert="horz" wrap="square" anchor="ctr" anchorCtr="1"/>
+              <a:lstStyle/>
+              <a:p>
+                <a:pPr>
+                  <a:defRPr sz="1330" b="0" i="0" u="none" strike="noStrike" kern="1200" baseline="0">
+                    <a:solidFill>
+                      <a:schemeClr val="tx1">
+                        <a:lumMod val="65000"/>
+                        <a:lumOff val="35000"/>
+                      </a:schemeClr>
+                    </a:solidFill>
+                    <a:latin typeface="+mn-lt"/>
+                    <a:ea typeface="+mn-ea"/>
+                    <a:cs typeface="+mn-cs"/>
+                  </a:defRPr>
+                </a:pPr>
+                <a:r>
+                  <a:rPr lang="es-ES"/>
+                  <a:t>Times one cosine is btter tan the other</a:t>
+                </a:r>
+              </a:p>
+            </c:rich>
+          </c:tx>
+          <c:layout>
+            <c:manualLayout>
+              <c:xMode val="edge"/>
+              <c:yMode val="edge"/>
+              <c:x val="8.905622837289362E-2"/>
+              <c:y val="0.24745851213503214"/>
+            </c:manualLayout>
+          </c:layout>
+          <c:overlay val="0"/>
+          <c:spPr>
+            <a:noFill/>
+            <a:ln>
+              <a:noFill/>
+            </a:ln>
+            <a:effectLst/>
+          </c:spPr>
+          <c:txPr>
+            <a:bodyPr rot="-5400000" spcFirstLastPara="1" vertOverflow="ellipsis" vert="horz" wrap="square" anchor="ctr" anchorCtr="1"/>
+            <a:lstStyle/>
+            <a:p>
+              <a:pPr>
+                <a:defRPr sz="1330" b="0" i="0" u="none" strike="noStrike" kern="1200" baseline="0">
+                  <a:solidFill>
+                    <a:schemeClr val="tx1">
+                      <a:lumMod val="65000"/>
+                      <a:lumOff val="35000"/>
+                    </a:schemeClr>
+                  </a:solidFill>
+                  <a:latin typeface="+mn-lt"/>
+                  <a:ea typeface="+mn-ea"/>
+                  <a:cs typeface="+mn-cs"/>
+                </a:defRPr>
+              </a:pPr>
+              <a:endParaRPr lang="es-ES"/>
+            </a:p>
+          </c:txPr>
+        </c:title>
         <c:numFmt formatCode="General" sourceLinked="1"/>
         <c:majorTickMark val="none"/>
         <c:minorTickMark val="none"/>
@@ -557,138 +562,7 @@
     </mc:Fallback>
   </mc:AlternateContent>
   <c:chart>
-    <c:title>
-      <c:tx>
-        <c:rich>
-          <a:bodyPr rot="0" spcFirstLastPara="1" vertOverflow="ellipsis" vert="horz" wrap="square" anchor="ctr" anchorCtr="1"/>
-          <a:lstStyle/>
-          <a:p>
-            <a:pPr marL="0" marR="0" lvl="0" indent="0" algn="ctr" defTabSz="914400" rtl="0" eaLnBrk="1" fontAlgn="auto" latinLnBrk="0" hangingPunct="1">
-              <a:lnSpc>
-                <a:spcPct val="100000"/>
-              </a:lnSpc>
-              <a:spcBef>
-                <a:spcPts val="0"/>
-              </a:spcBef>
-              <a:spcAft>
-                <a:spcPts val="0"/>
-              </a:spcAft>
-              <a:buClrTx/>
-              <a:buSzTx/>
-              <a:buFontTx/>
-              <a:buNone/>
-              <a:tabLst/>
-              <a:defRPr sz="1862" b="0" i="0" u="none" strike="noStrike" kern="1200" spc="0" baseline="0">
-                <a:solidFill>
-                  <a:prstClr val="black">
-                    <a:lumMod val="65000"/>
-                    <a:lumOff val="35000"/>
-                  </a:prstClr>
-                </a:solidFill>
-                <a:latin typeface="+mn-lt"/>
-                <a:ea typeface="+mn-ea"/>
-                <a:cs typeface="+mn-cs"/>
-              </a:defRPr>
-            </a:pPr>
-            <a:r>
-              <a:rPr lang="en-US" sz="1862" b="0" i="0" u="none" strike="noStrike" kern="1200" spc="0" baseline="0" dirty="0">
-                <a:solidFill>
-                  <a:prstClr val="black">
-                    <a:lumMod val="65000"/>
-                    <a:lumOff val="35000"/>
-                  </a:prstClr>
-                </a:solidFill>
-              </a:rPr>
-              <a:t>Comparison of Cosine Similarity: </a:t>
-            </a:r>
-            <a:r>
-              <a:rPr lang="en-US" sz="1862" b="0" i="0" u="none" strike="noStrike" kern="1200" spc="0" baseline="0" dirty="0" err="1">
-                <a:solidFill>
-                  <a:prstClr val="black">
-                    <a:lumMod val="65000"/>
-                    <a:lumOff val="35000"/>
-                  </a:prstClr>
-                </a:solidFill>
-              </a:rPr>
-              <a:t>V_rw</a:t>
-            </a:r>
-            <a:r>
-              <a:rPr lang="en-US" sz="1862" b="0" i="0" u="none" strike="noStrike" kern="1200" spc="0" baseline="0" dirty="0">
-                <a:solidFill>
-                  <a:prstClr val="black">
-                    <a:lumMod val="65000"/>
-                    <a:lumOff val="35000"/>
-                  </a:prstClr>
-                </a:solidFill>
-              </a:rPr>
-              <a:t> and </a:t>
-            </a:r>
-            <a:r>
-              <a:rPr lang="en-US" sz="1862" b="0" i="0" u="none" strike="noStrike" kern="1200" spc="0" baseline="0" dirty="0" err="1">
-                <a:solidFill>
-                  <a:prstClr val="black">
-                    <a:lumMod val="65000"/>
-                    <a:lumOff val="35000"/>
-                  </a:prstClr>
-                </a:solidFill>
-              </a:rPr>
-              <a:t>V_all</a:t>
-            </a:r>
-            <a:endParaRPr lang="en-US" sz="1862" b="0" i="0" u="none" strike="noStrike" kern="1200" spc="0" baseline="0" dirty="0">
-              <a:solidFill>
-                <a:prstClr val="black">
-                  <a:lumMod val="65000"/>
-                  <a:lumOff val="35000"/>
-                </a:prstClr>
-              </a:solidFill>
-            </a:endParaRPr>
-          </a:p>
-        </c:rich>
-      </c:tx>
-      <c:overlay val="0"/>
-      <c:spPr>
-        <a:noFill/>
-        <a:ln>
-          <a:noFill/>
-        </a:ln>
-        <a:effectLst/>
-      </c:spPr>
-      <c:txPr>
-        <a:bodyPr rot="0" spcFirstLastPara="1" vertOverflow="ellipsis" vert="horz" wrap="square" anchor="ctr" anchorCtr="1"/>
-        <a:lstStyle/>
-        <a:p>
-          <a:pPr marL="0" marR="0" lvl="0" indent="0" algn="ctr" defTabSz="914400" rtl="0" eaLnBrk="1" fontAlgn="auto" latinLnBrk="0" hangingPunct="1">
-            <a:lnSpc>
-              <a:spcPct val="100000"/>
-            </a:lnSpc>
-            <a:spcBef>
-              <a:spcPts val="0"/>
-            </a:spcBef>
-            <a:spcAft>
-              <a:spcPts val="0"/>
-            </a:spcAft>
-            <a:buClrTx/>
-            <a:buSzTx/>
-            <a:buFontTx/>
-            <a:buNone/>
-            <a:tabLst/>
-            <a:defRPr sz="1862" b="0" i="0" u="none" strike="noStrike" kern="1200" spc="0" baseline="0">
-              <a:solidFill>
-                <a:prstClr val="black">
-                  <a:lumMod val="65000"/>
-                  <a:lumOff val="35000"/>
-                </a:prstClr>
-              </a:solidFill>
-              <a:latin typeface="+mn-lt"/>
-              <a:ea typeface="+mn-ea"/>
-              <a:cs typeface="+mn-cs"/>
-            </a:defRPr>
-          </a:pPr>
-          <a:endParaRPr lang="es-ES"/>
-        </a:p>
-      </c:txPr>
-    </c:title>
-    <c:autoTitleDeleted val="0"/>
+    <c:autoTitleDeleted val="1"/>
     <c:plotArea>
       <c:layout/>
       <c:pieChart>
@@ -1091,6 +965,20 @@
         </c:scaling>
         <c:delete val="0"/>
         <c:axPos val="b"/>
+        <c:majorGridlines>
+          <c:spPr>
+            <a:ln w="9525" cap="flat" cmpd="sng" algn="ctr">
+              <a:solidFill>
+                <a:schemeClr val="tx1">
+                  <a:lumMod val="15000"/>
+                  <a:lumOff val="85000"/>
+                </a:schemeClr>
+              </a:solidFill>
+              <a:round/>
+            </a:ln>
+            <a:effectLst/>
+          </c:spPr>
+        </c:majorGridlines>
         <c:numFmt formatCode="General" sourceLinked="1"/>
         <c:majorTickMark val="none"/>
         <c:minorTickMark val="none"/>
@@ -1156,6 +1044,197 @@
             <a:effectLst/>
           </c:spPr>
         </c:majorGridlines>
+        <c:title>
+          <c:tx>
+            <c:rich>
+              <a:bodyPr rot="-5400000" spcFirstLastPara="1" vertOverflow="ellipsis" vert="horz" wrap="square" anchor="ctr" anchorCtr="1"/>
+              <a:lstStyle/>
+              <a:p>
+                <a:pPr>
+                  <a:defRPr sz="1330" b="0" i="0" u="none" strike="noStrike" kern="1200" baseline="0">
+                    <a:solidFill>
+                      <a:schemeClr val="tx1">
+                        <a:lumMod val="65000"/>
+                        <a:lumOff val="35000"/>
+                      </a:schemeClr>
+                    </a:solidFill>
+                    <a:latin typeface="+mn-lt"/>
+                    <a:ea typeface="+mn-ea"/>
+                    <a:cs typeface="+mn-cs"/>
+                  </a:defRPr>
+                </a:pPr>
+                <a:r>
+                  <a:rPr lang="es-ES" sz="1330" b="0" i="0" u="none" strike="noStrike" kern="1200" baseline="0" dirty="0">
+                    <a:solidFill>
+                      <a:prstClr val="black">
+                        <a:lumMod val="65000"/>
+                        <a:lumOff val="35000"/>
+                      </a:prstClr>
+                    </a:solidFill>
+                  </a:rPr>
+                  <a:t>Times </a:t>
+                </a:r>
+                <a:r>
+                  <a:rPr lang="es-ES" sz="1330" b="0" i="0" u="none" strike="noStrike" kern="1200" baseline="0" dirty="0" err="1">
+                    <a:solidFill>
+                      <a:prstClr val="black">
+                        <a:lumMod val="65000"/>
+                        <a:lumOff val="35000"/>
+                      </a:prstClr>
+                    </a:solidFill>
+                  </a:rPr>
+                  <a:t>one</a:t>
+                </a:r>
+                <a:r>
+                  <a:rPr lang="es-ES" sz="1330" b="0" i="0" u="none" strike="noStrike" kern="1200" baseline="0" dirty="0">
+                    <a:solidFill>
+                      <a:prstClr val="black">
+                        <a:lumMod val="65000"/>
+                        <a:lumOff val="35000"/>
+                      </a:prstClr>
+                    </a:solidFill>
+                  </a:rPr>
+                  <a:t> </a:t>
+                </a:r>
+                <a:r>
+                  <a:rPr lang="es-ES" sz="1330" b="0" i="0" u="none" strike="noStrike" kern="1200" baseline="0" dirty="0" err="1">
+                    <a:solidFill>
+                      <a:prstClr val="black">
+                        <a:lumMod val="65000"/>
+                        <a:lumOff val="35000"/>
+                      </a:prstClr>
+                    </a:solidFill>
+                  </a:rPr>
+                  <a:t>cosine</a:t>
+                </a:r>
+                <a:r>
+                  <a:rPr lang="es-ES" sz="1330" b="0" i="0" u="none" strike="noStrike" kern="1200" baseline="0" dirty="0">
+                    <a:solidFill>
+                      <a:prstClr val="black">
+                        <a:lumMod val="65000"/>
+                        <a:lumOff val="35000"/>
+                      </a:prstClr>
+                    </a:solidFill>
+                  </a:rPr>
+                  <a:t> </a:t>
+                </a:r>
+                <a:r>
+                  <a:rPr lang="es-ES" sz="1330" b="0" i="0" u="none" strike="noStrike" kern="1200" baseline="0" dirty="0" err="1">
+                    <a:solidFill>
+                      <a:prstClr val="black">
+                        <a:lumMod val="65000"/>
+                        <a:lumOff val="35000"/>
+                      </a:prstClr>
+                    </a:solidFill>
+                  </a:rPr>
+                  <a:t>is</a:t>
+                </a:r>
+                <a:r>
+                  <a:rPr lang="es-ES" sz="1330" b="0" i="0" u="none" strike="noStrike" kern="1200" baseline="0" dirty="0">
+                    <a:solidFill>
+                      <a:prstClr val="black">
+                        <a:lumMod val="65000"/>
+                        <a:lumOff val="35000"/>
+                      </a:prstClr>
+                    </a:solidFill>
+                  </a:rPr>
+                  <a:t> </a:t>
+                </a:r>
+                <a:r>
+                  <a:rPr lang="es-ES" sz="1330" b="0" i="0" u="none" strike="noStrike" kern="1200" baseline="0" dirty="0" err="1">
+                    <a:solidFill>
+                      <a:prstClr val="black">
+                        <a:lumMod val="65000"/>
+                        <a:lumOff val="35000"/>
+                      </a:prstClr>
+                    </a:solidFill>
+                  </a:rPr>
+                  <a:t>btter</a:t>
+                </a:r>
+                <a:r>
+                  <a:rPr lang="es-ES" sz="1330" b="0" i="0" u="none" strike="noStrike" kern="1200" baseline="0" dirty="0">
+                    <a:solidFill>
+                      <a:prstClr val="black">
+                        <a:lumMod val="65000"/>
+                        <a:lumOff val="35000"/>
+                      </a:prstClr>
+                    </a:solidFill>
+                  </a:rPr>
+                  <a:t> tan </a:t>
+                </a:r>
+                <a:r>
+                  <a:rPr lang="es-ES" sz="1330" b="0" i="0" u="none" strike="noStrike" kern="1200" baseline="0" dirty="0" err="1">
+                    <a:solidFill>
+                      <a:prstClr val="black">
+                        <a:lumMod val="65000"/>
+                        <a:lumOff val="35000"/>
+                      </a:prstClr>
+                    </a:solidFill>
+                  </a:rPr>
+                  <a:t>the</a:t>
+                </a:r>
+                <a:r>
+                  <a:rPr lang="es-ES" sz="1330" b="0" i="0" u="none" strike="noStrike" kern="1200" baseline="0" dirty="0">
+                    <a:solidFill>
+                      <a:prstClr val="black">
+                        <a:lumMod val="65000"/>
+                        <a:lumOff val="35000"/>
+                      </a:prstClr>
+                    </a:solidFill>
+                  </a:rPr>
+                  <a:t> </a:t>
+                </a:r>
+                <a:r>
+                  <a:rPr lang="es-ES" sz="1330" b="0" i="0" u="none" strike="noStrike" kern="1200" baseline="0" dirty="0" err="1">
+                    <a:solidFill>
+                      <a:prstClr val="black">
+                        <a:lumMod val="65000"/>
+                        <a:lumOff val="35000"/>
+                      </a:prstClr>
+                    </a:solidFill>
+                  </a:rPr>
+                  <a:t>other</a:t>
+                </a:r>
+                <a:endParaRPr lang="es-ES" sz="1330" b="0" i="0" u="none" strike="noStrike" kern="1200" baseline="0" dirty="0">
+                  <a:solidFill>
+                    <a:prstClr val="black">
+                      <a:lumMod val="65000"/>
+                      <a:lumOff val="35000"/>
+                    </a:prstClr>
+                  </a:solidFill>
+                </a:endParaRPr>
+              </a:p>
+            </c:rich>
+          </c:tx>
+          <c:overlay val="0"/>
+          <c:spPr>
+            <a:noFill/>
+            <a:ln>
+              <a:noFill/>
+            </a:ln>
+            <a:effectLst/>
+          </c:spPr>
+          <c:txPr>
+            <a:bodyPr rot="-5400000" spcFirstLastPara="1" vertOverflow="ellipsis" vert="horz" wrap="square" anchor="ctr" anchorCtr="1"/>
+            <a:lstStyle/>
+            <a:p>
+              <a:pPr>
+                <a:defRPr sz="1330" b="0" i="0" u="none" strike="noStrike" kern="1200" baseline="0">
+                  <a:solidFill>
+                    <a:schemeClr val="tx1">
+                      <a:lumMod val="65000"/>
+                      <a:lumOff val="35000"/>
+                    </a:schemeClr>
+                  </a:solidFill>
+                  <a:latin typeface="+mn-lt"/>
+                  <a:ea typeface="+mn-ea"/>
+                  <a:cs typeface="+mn-cs"/>
+                </a:defRPr>
+              </a:pPr>
+              <a:endParaRPr lang="es-ES"/>
+            </a:p>
+          </c:txPr>
+        </c:title>
         <c:numFmt formatCode="General" sourceLinked="1"/>
         <c:majorTickMark val="none"/>
         <c:minorTickMark val="none"/>
@@ -15317,6 +15396,14 @@
 <file path=ppt/slides/slide1.xml><?xml version="1.0" encoding="utf-8"?>
 <p:sld xmlns:a="http://schemas.openxmlformats.org/drawingml/2006/main" xmlns:r="http://schemas.openxmlformats.org/officeDocument/2006/relationships" xmlns:p="http://schemas.openxmlformats.org/presentationml/2006/main">
   <p:cSld>
+    <p:bg>
+      <p:bgPr>
+        <a:solidFill>
+          <a:schemeClr val="bg1"/>
+        </a:solidFill>
+        <a:effectLst/>
+      </p:bgPr>
+    </p:bg>
     <p:spTree>
       <p:nvGrpSpPr>
         <p:cNvPr id="1" name=""/>
@@ -15331,6 +15418,66 @@
           <a:chExt cx="0" cy="0"/>
         </a:xfrm>
       </p:grpSpPr>
+      <p:sp useBgFill="1">
+        <p:nvSpPr>
+          <p:cNvPr id="25" name="Rectangle 24">
+            <a:extLst>
+              <a:ext uri="{FF2B5EF4-FFF2-40B4-BE49-F238E27FC236}">
+                <a16:creationId xmlns:a16="http://schemas.microsoft.com/office/drawing/2014/main" id="{46012474-397F-473B-BED8-7BAB6B688770}"/>
+              </a:ext>
+              <a:ext uri="{C183D7F6-B498-43B3-948B-1728B52AA6E4}">
+                <adec:decorative xmlns:adec="http://schemas.microsoft.com/office/drawing/2017/decorative" val="1"/>
+              </a:ext>
+            </a:extLst>
+          </p:cNvPr>
+          <p:cNvSpPr>
+            <a:spLocks noGrp="1" noRot="1" noChangeAspect="1" noMove="1" noResize="1" noEditPoints="1" noAdjustHandles="1" noChangeArrowheads="1" noChangeShapeType="1" noTextEdit="1"/>
+          </p:cNvSpPr>
+          <p:nvPr>
+            <p:extLst>
+              <p:ext uri="{386F3935-93C4-4BCD-93E2-E3B085C9AB24}">
+                <p16:designElem xmlns:p16="http://schemas.microsoft.com/office/powerpoint/2015/main" val="1"/>
+              </p:ext>
+            </p:extLst>
+          </p:nvPr>
+        </p:nvSpPr>
+        <p:spPr>
+          <a:xfrm>
+            <a:off x="0" y="0"/>
+            <a:ext cx="12191695" cy="6858000"/>
+          </a:xfrm>
+          <a:prstGeom prst="rect">
+            <a:avLst/>
+          </a:prstGeom>
+          <a:ln>
+            <a:noFill/>
+          </a:ln>
+        </p:spPr>
+        <p:style>
+          <a:lnRef idx="2">
+            <a:schemeClr val="accent1">
+              <a:shade val="50000"/>
+            </a:schemeClr>
+          </a:lnRef>
+          <a:fillRef idx="1">
+            <a:schemeClr val="accent1"/>
+          </a:fillRef>
+          <a:effectRef idx="0">
+            <a:schemeClr val="accent1"/>
+          </a:effectRef>
+          <a:fontRef idx="minor">
+            <a:schemeClr val="lt1"/>
+          </a:fontRef>
+        </p:style>
+        <p:txBody>
+          <a:bodyPr rtlCol="0" anchor="ctr"/>
+          <a:lstStyle/>
+          <a:p>
+            <a:pPr algn="ctr"/>
+            <a:endParaRPr lang="en-US" dirty="0"/>
+          </a:p>
+        </p:txBody>
+      </p:sp>
       <p:sp>
         <p:nvSpPr>
           <p:cNvPr id="2" name="Título 1">
@@ -15347,32 +15494,26 @@
             <p:ph type="ctrTitle"/>
           </p:nvPr>
         </p:nvSpPr>
-        <p:spPr/>
+        <p:spPr>
+          <a:xfrm>
+            <a:off x="1382597" y="3372978"/>
+            <a:ext cx="9426806" cy="1424410"/>
+          </a:xfrm>
+        </p:spPr>
         <p:txBody>
-          <a:bodyPr/>
+          <a:bodyPr anchor="b">
+            <a:normAutofit/>
+          </a:bodyPr>
           <a:lstStyle/>
           <a:p>
             <a:r>
-              <a:rPr lang="es-ES" dirty="0" err="1"/>
-              <a:t>Related</a:t>
-            </a:r>
-            <a:r>
-              <a:rPr lang="es-ES" dirty="0"/>
-              <a:t> </a:t>
-            </a:r>
-            <a:r>
-              <a:rPr lang="es-ES" dirty="0" err="1"/>
-              <a:t>Work</a:t>
-            </a:r>
-            <a:r>
-              <a:rPr lang="es-ES" dirty="0"/>
-              <a:t> </a:t>
-            </a:r>
-            <a:r>
-              <a:rPr lang="es-ES" dirty="0" err="1"/>
-              <a:t>Hypothesis</a:t>
-            </a:r>
-            <a:endParaRPr lang="es-ES" dirty="0"/>
+              <a:rPr lang="es-ES" sz="4000">
+                <a:solidFill>
+                  <a:schemeClr val="tx2"/>
+                </a:solidFill>
+              </a:rPr>
+              <a:t>Related Work Hypothesis</a:t>
+            </a:r>
           </a:p>
         </p:txBody>
       </p:sp>
@@ -15392,15 +15533,2996 @@
             <p:ph type="subTitle" idx="1"/>
           </p:nvPr>
         </p:nvSpPr>
-        <p:spPr/>
+        <p:spPr>
+          <a:xfrm>
+            <a:off x="1382597" y="4985302"/>
+            <a:ext cx="9426806" cy="707547"/>
+          </a:xfrm>
+        </p:spPr>
         <p:txBody>
-          <a:bodyPr/>
+          <a:bodyPr>
+            <a:normAutofit/>
+          </a:bodyPr>
           <a:lstStyle/>
           <a:p>
             <a:r>
-              <a:rPr lang="es-ES" dirty="0"/>
+              <a:rPr lang="es-ES" sz="2000">
+                <a:solidFill>
+                  <a:schemeClr val="tx2"/>
+                </a:solidFill>
+              </a:rPr>
               <a:t>Rodolfo Zevallos</a:t>
             </a:r>
+          </a:p>
+        </p:txBody>
+      </p:sp>
+      <p:pic>
+        <p:nvPicPr>
+          <p:cNvPr id="4" name="Google Shape;102;p19">
+            <a:extLst>
+              <a:ext uri="{FF2B5EF4-FFF2-40B4-BE49-F238E27FC236}">
+                <a16:creationId xmlns:a16="http://schemas.microsoft.com/office/drawing/2014/main" id="{BE9681D6-7EA4-D020-483F-503A7E57ECF4}"/>
+              </a:ext>
+            </a:extLst>
+          </p:cNvPr>
+          <p:cNvPicPr preferRelativeResize="0"/>
+          <p:nvPr/>
+        </p:nvPicPr>
+        <p:blipFill rotWithShape="1">
+          <a:blip r:embed="rId2">
+            <a:alphaModFix/>
+          </a:blip>
+          <a:srcRect r="7" b="7"/>
+          <a:stretch/>
+        </p:blipFill>
+        <p:spPr>
+          <a:xfrm>
+            <a:off x="5044686" y="778253"/>
+            <a:ext cx="2381037" cy="2381037"/>
+          </a:xfrm>
+          <a:custGeom>
+            <a:avLst/>
+            <a:gdLst/>
+            <a:ahLst/>
+            <a:cxnLst/>
+            <a:rect l="l" t="t" r="r" b="b"/>
+            <a:pathLst>
+              <a:path w="6057610" h="6057610">
+                <a:moveTo>
+                  <a:pt x="3028805" y="0"/>
+                </a:moveTo>
+                <a:cubicBezTo>
+                  <a:pt x="4701568" y="0"/>
+                  <a:pt x="6057610" y="1356042"/>
+                  <a:pt x="6057610" y="3028805"/>
+                </a:cubicBezTo>
+                <a:cubicBezTo>
+                  <a:pt x="6057610" y="4701568"/>
+                  <a:pt x="4701568" y="6057610"/>
+                  <a:pt x="3028805" y="6057610"/>
+                </a:cubicBezTo>
+                <a:cubicBezTo>
+                  <a:pt x="1356042" y="6057610"/>
+                  <a:pt x="0" y="4701568"/>
+                  <a:pt x="0" y="3028805"/>
+                </a:cubicBezTo>
+                <a:cubicBezTo>
+                  <a:pt x="0" y="1356042"/>
+                  <a:pt x="1356042" y="0"/>
+                  <a:pt x="3028805" y="0"/>
+                </a:cubicBezTo>
+                <a:close/>
+              </a:path>
+            </a:pathLst>
+          </a:custGeom>
+          <a:noFill/>
+          <a:effectLst>
+            <a:softEdge rad="0"/>
+          </a:effectLst>
+        </p:spPr>
+      </p:pic>
+      <p:sp>
+        <p:nvSpPr>
+          <p:cNvPr id="27" name="Freeform: Shape 26">
+            <a:extLst>
+              <a:ext uri="{FF2B5EF4-FFF2-40B4-BE49-F238E27FC236}">
+                <a16:creationId xmlns:a16="http://schemas.microsoft.com/office/drawing/2014/main" id="{6D7FB18D-7577-4ADC-8C1C-EA27EFD2B051}"/>
+              </a:ext>
+              <a:ext uri="{C183D7F6-B498-43B3-948B-1728B52AA6E4}">
+                <adec:decorative xmlns:adec="http://schemas.microsoft.com/office/drawing/2017/decorative" val="1"/>
+              </a:ext>
+            </a:extLst>
+          </p:cNvPr>
+          <p:cNvSpPr>
+            <a:spLocks noGrp="1" noRot="1" noChangeAspect="1" noMove="1" noResize="1" noEditPoints="1" noAdjustHandles="1" noChangeArrowheads="1" noChangeShapeType="1" noTextEdit="1"/>
+          </p:cNvSpPr>
+          <p:nvPr>
+            <p:extLst>
+              <p:ext uri="{386F3935-93C4-4BCD-93E2-E3B085C9AB24}">
+                <p16:designElem xmlns:p16="http://schemas.microsoft.com/office/powerpoint/2015/main" val="1"/>
+              </p:ext>
+            </p:extLst>
+          </p:nvPr>
+        </p:nvSpPr>
+        <p:spPr>
+          <a:xfrm>
+            <a:off x="5061279" y="853059"/>
+            <a:ext cx="2347850" cy="2231287"/>
+          </a:xfrm>
+          <a:custGeom>
+            <a:avLst/>
+            <a:gdLst>
+              <a:gd name="connsiteX0" fmla="*/ 1313677 w 2347850"/>
+              <a:gd name="connsiteY0" fmla="*/ 248889 h 2231287"/>
+              <a:gd name="connsiteX1" fmla="*/ 1643910 w 2347850"/>
+              <a:gd name="connsiteY1" fmla="*/ 317582 h 2231287"/>
+              <a:gd name="connsiteX2" fmla="*/ 1883217 w 2347850"/>
+              <a:gd name="connsiteY2" fmla="*/ 502382 h 2231287"/>
+              <a:gd name="connsiteX3" fmla="*/ 2098962 w 2347850"/>
+              <a:gd name="connsiteY3" fmla="*/ 1169031 h 2231287"/>
+              <a:gd name="connsiteX4" fmla="*/ 2007537 w 2347850"/>
+              <a:gd name="connsiteY4" fmla="*/ 1427585 h 2231287"/>
+              <a:gd name="connsiteX5" fmla="*/ 1717333 w 2347850"/>
+              <a:gd name="connsiteY5" fmla="*/ 1685350 h 2231287"/>
+              <a:gd name="connsiteX6" fmla="*/ 1651750 w 2347850"/>
+              <a:gd name="connsiteY6" fmla="*/ 1736165 h 2231287"/>
+              <a:gd name="connsiteX7" fmla="*/ 1386103 w 2347850"/>
+              <a:gd name="connsiteY7" fmla="*/ 1919057 h 2231287"/>
+              <a:gd name="connsiteX8" fmla="*/ 1140118 w 2347850"/>
+              <a:gd name="connsiteY8" fmla="*/ 1982399 h 2231287"/>
+              <a:gd name="connsiteX9" fmla="*/ 757700 w 2347850"/>
+              <a:gd name="connsiteY9" fmla="*/ 1882927 h 2231287"/>
+              <a:gd name="connsiteX10" fmla="*/ 466832 w 2347850"/>
+              <a:gd name="connsiteY10" fmla="*/ 1586002 h 2231287"/>
+              <a:gd name="connsiteX11" fmla="*/ 390589 w 2347850"/>
+              <a:gd name="connsiteY11" fmla="*/ 1478773 h 2231287"/>
+              <a:gd name="connsiteX12" fmla="*/ 248889 w 2347850"/>
+              <a:gd name="connsiteY12" fmla="*/ 1169031 h 2231287"/>
+              <a:gd name="connsiteX13" fmla="*/ 334714 w 2347850"/>
+              <a:gd name="connsiteY13" fmla="*/ 828136 h 2231287"/>
+              <a:gd name="connsiteX14" fmla="*/ 574228 w 2347850"/>
+              <a:gd name="connsiteY14" fmla="*/ 531378 h 2231287"/>
+              <a:gd name="connsiteX15" fmla="*/ 922672 w 2347850"/>
+              <a:gd name="connsiteY15" fmla="*/ 324136 h 2231287"/>
+              <a:gd name="connsiteX16" fmla="*/ 1313677 w 2347850"/>
+              <a:gd name="connsiteY16" fmla="*/ 248889 h 2231287"/>
+              <a:gd name="connsiteX17" fmla="*/ 1313677 w 2347850"/>
+              <a:gd name="connsiteY17" fmla="*/ 0 h 2231287"/>
+              <a:gd name="connsiteX18" fmla="*/ 0 w 2347850"/>
+              <a:gd name="connsiteY18" fmla="*/ 1169031 h 2231287"/>
+              <a:gd name="connsiteX19" fmla="*/ 260877 w 2347850"/>
+              <a:gd name="connsiteY19" fmla="*/ 1725712 h 2231287"/>
+              <a:gd name="connsiteX20" fmla="*/ 1140118 w 2347850"/>
+              <a:gd name="connsiteY20" fmla="*/ 2231288 h 2231287"/>
+              <a:gd name="connsiteX21" fmla="*/ 1805025 w 2347850"/>
+              <a:gd name="connsiteY21" fmla="*/ 1932248 h 2231287"/>
+              <a:gd name="connsiteX22" fmla="*/ 2347851 w 2347850"/>
+              <a:gd name="connsiteY22" fmla="*/ 1169031 h 2231287"/>
+              <a:gd name="connsiteX23" fmla="*/ 1313677 w 2347850"/>
+              <a:gd name="connsiteY23" fmla="*/ 0 h 2231287"/>
+              <a:gd name="connsiteX24" fmla="*/ 1313677 w 2347850"/>
+              <a:gd name="connsiteY24" fmla="*/ 0 h 2231287"/>
+            </a:gdLst>
+            <a:ahLst/>
+            <a:cxnLst>
+              <a:cxn ang="0">
+                <a:pos x="connsiteX0" y="connsiteY0"/>
+              </a:cxn>
+              <a:cxn ang="0">
+                <a:pos x="connsiteX1" y="connsiteY1"/>
+              </a:cxn>
+              <a:cxn ang="0">
+                <a:pos x="connsiteX2" y="connsiteY2"/>
+              </a:cxn>
+              <a:cxn ang="0">
+                <a:pos x="connsiteX3" y="connsiteY3"/>
+              </a:cxn>
+              <a:cxn ang="0">
+                <a:pos x="connsiteX4" y="connsiteY4"/>
+              </a:cxn>
+              <a:cxn ang="0">
+                <a:pos x="connsiteX5" y="connsiteY5"/>
+              </a:cxn>
+              <a:cxn ang="0">
+                <a:pos x="connsiteX6" y="connsiteY6"/>
+              </a:cxn>
+              <a:cxn ang="0">
+                <a:pos x="connsiteX7" y="connsiteY7"/>
+              </a:cxn>
+              <a:cxn ang="0">
+                <a:pos x="connsiteX8" y="connsiteY8"/>
+              </a:cxn>
+              <a:cxn ang="0">
+                <a:pos x="connsiteX9" y="connsiteY9"/>
+              </a:cxn>
+              <a:cxn ang="0">
+                <a:pos x="connsiteX10" y="connsiteY10"/>
+              </a:cxn>
+              <a:cxn ang="0">
+                <a:pos x="connsiteX11" y="connsiteY11"/>
+              </a:cxn>
+              <a:cxn ang="0">
+                <a:pos x="connsiteX12" y="connsiteY12"/>
+              </a:cxn>
+              <a:cxn ang="0">
+                <a:pos x="connsiteX13" y="connsiteY13"/>
+              </a:cxn>
+              <a:cxn ang="0">
+                <a:pos x="connsiteX14" y="connsiteY14"/>
+              </a:cxn>
+              <a:cxn ang="0">
+                <a:pos x="connsiteX15" y="connsiteY15"/>
+              </a:cxn>
+              <a:cxn ang="0">
+                <a:pos x="connsiteX16" y="connsiteY16"/>
+              </a:cxn>
+              <a:cxn ang="0">
+                <a:pos x="connsiteX17" y="connsiteY17"/>
+              </a:cxn>
+              <a:cxn ang="0">
+                <a:pos x="connsiteX18" y="connsiteY18"/>
+              </a:cxn>
+              <a:cxn ang="0">
+                <a:pos x="connsiteX19" y="connsiteY19"/>
+              </a:cxn>
+              <a:cxn ang="0">
+                <a:pos x="connsiteX20" y="connsiteY20"/>
+              </a:cxn>
+              <a:cxn ang="0">
+                <a:pos x="connsiteX21" y="connsiteY21"/>
+              </a:cxn>
+              <a:cxn ang="0">
+                <a:pos x="connsiteX22" y="connsiteY22"/>
+              </a:cxn>
+              <a:cxn ang="0">
+                <a:pos x="connsiteX23" y="connsiteY23"/>
+              </a:cxn>
+              <a:cxn ang="0">
+                <a:pos x="connsiteX24" y="connsiteY24"/>
+              </a:cxn>
+            </a:cxnLst>
+            <a:rect l="l" t="t" r="r" b="b"/>
+            <a:pathLst>
+              <a:path w="2347850" h="2231287">
+                <a:moveTo>
+                  <a:pt x="1313677" y="248889"/>
+                </a:moveTo>
+                <a:cubicBezTo>
+                  <a:pt x="1434678" y="248889"/>
+                  <a:pt x="1545807" y="271994"/>
+                  <a:pt x="1643910" y="317582"/>
+                </a:cubicBezTo>
+                <a:cubicBezTo>
+                  <a:pt x="1735543" y="360142"/>
+                  <a:pt x="1816017" y="422323"/>
+                  <a:pt x="1883217" y="502382"/>
+                </a:cubicBezTo>
+                <a:cubicBezTo>
+                  <a:pt x="2022346" y="668183"/>
+                  <a:pt x="2098962" y="904960"/>
+                  <a:pt x="2098962" y="1169031"/>
+                </a:cubicBezTo>
+                <a:cubicBezTo>
+                  <a:pt x="2098962" y="1269623"/>
+                  <a:pt x="2071626" y="1346945"/>
+                  <a:pt x="2007537" y="1427585"/>
+                </a:cubicBezTo>
+                <a:cubicBezTo>
+                  <a:pt x="1938014" y="1515069"/>
+                  <a:pt x="1830826" y="1597783"/>
+                  <a:pt x="1717333" y="1685350"/>
+                </a:cubicBezTo>
+                <a:cubicBezTo>
+                  <a:pt x="1695970" y="1701819"/>
+                  <a:pt x="1673902" y="1718868"/>
+                  <a:pt x="1651750" y="1736165"/>
+                </a:cubicBezTo>
+                <a:cubicBezTo>
+                  <a:pt x="1557297" y="1809961"/>
+                  <a:pt x="1472136" y="1874672"/>
+                  <a:pt x="1386103" y="1919057"/>
+                </a:cubicBezTo>
+                <a:cubicBezTo>
+                  <a:pt x="1302311" y="1962281"/>
+                  <a:pt x="1224159" y="1982399"/>
+                  <a:pt x="1140118" y="1982399"/>
+                </a:cubicBezTo>
+                <a:cubicBezTo>
+                  <a:pt x="992029" y="1982399"/>
+                  <a:pt x="866921" y="1949878"/>
+                  <a:pt x="757700" y="1882927"/>
+                </a:cubicBezTo>
+                <a:cubicBezTo>
+                  <a:pt x="654661" y="1819792"/>
+                  <a:pt x="559543" y="1722642"/>
+                  <a:pt x="466832" y="1586002"/>
+                </a:cubicBezTo>
+                <a:cubicBezTo>
+                  <a:pt x="440616" y="1547383"/>
+                  <a:pt x="415188" y="1512497"/>
+                  <a:pt x="390589" y="1478773"/>
+                </a:cubicBezTo>
+                <a:cubicBezTo>
+                  <a:pt x="292320" y="1344041"/>
+                  <a:pt x="248889" y="1279786"/>
+                  <a:pt x="248889" y="1169031"/>
+                </a:cubicBezTo>
+                <a:cubicBezTo>
+                  <a:pt x="248889" y="1053131"/>
+                  <a:pt x="277760" y="938435"/>
+                  <a:pt x="334714" y="828136"/>
+                </a:cubicBezTo>
+                <a:cubicBezTo>
+                  <a:pt x="390175" y="720740"/>
+                  <a:pt x="472972" y="618115"/>
+                  <a:pt x="574228" y="531378"/>
+                </a:cubicBezTo>
+                <a:cubicBezTo>
+                  <a:pt x="675609" y="444515"/>
+                  <a:pt x="796112" y="372835"/>
+                  <a:pt x="922672" y="324136"/>
+                </a:cubicBezTo>
+                <a:cubicBezTo>
+                  <a:pt x="1050601" y="274898"/>
+                  <a:pt x="1185831" y="248889"/>
+                  <a:pt x="1313677" y="248889"/>
+                </a:cubicBezTo>
+                <a:moveTo>
+                  <a:pt x="1313677" y="0"/>
+                </a:moveTo>
+                <a:cubicBezTo>
+                  <a:pt x="661505" y="0"/>
+                  <a:pt x="0" y="523372"/>
+                  <a:pt x="0" y="1169031"/>
+                </a:cubicBezTo>
+                <a:cubicBezTo>
+                  <a:pt x="0" y="1411158"/>
+                  <a:pt x="134276" y="1539128"/>
+                  <a:pt x="260877" y="1725712"/>
+                </a:cubicBezTo>
+                <a:cubicBezTo>
+                  <a:pt x="471852" y="2036698"/>
+                  <a:pt x="734927" y="2231288"/>
+                  <a:pt x="1140118" y="2231288"/>
+                </a:cubicBezTo>
+                <a:cubicBezTo>
+                  <a:pt x="1413356" y="2231288"/>
+                  <a:pt x="1605540" y="2088135"/>
+                  <a:pt x="1805025" y="1932248"/>
+                </a:cubicBezTo>
+                <a:cubicBezTo>
+                  <a:pt x="2078885" y="1718245"/>
+                  <a:pt x="2347851" y="1542613"/>
+                  <a:pt x="2347851" y="1169031"/>
+                </a:cubicBezTo>
+                <a:cubicBezTo>
+                  <a:pt x="2347851" y="523372"/>
+                  <a:pt x="1962032" y="0"/>
+                  <a:pt x="1313677" y="0"/>
+                </a:cubicBezTo>
+                <a:lnTo>
+                  <a:pt x="1313677" y="0"/>
+                </a:lnTo>
+                <a:close/>
+              </a:path>
+            </a:pathLst>
+          </a:custGeom>
+          <a:solidFill>
+            <a:schemeClr val="bg1">
+              <a:alpha val="30000"/>
+            </a:schemeClr>
+          </a:solidFill>
+          <a:ln w="4132" cap="flat">
+            <a:noFill/>
+            <a:prstDash val="solid"/>
+            <a:miter/>
+          </a:ln>
+        </p:spPr>
+        <p:txBody>
+          <a:bodyPr rtlCol="0" anchor="ctr"/>
+          <a:lstStyle/>
+          <a:p>
+            <a:endParaRPr lang="en-US"/>
+          </a:p>
+        </p:txBody>
+      </p:sp>
+      <p:sp>
+        <p:nvSpPr>
+          <p:cNvPr id="29" name="Freeform: Shape 28">
+            <a:extLst>
+              <a:ext uri="{FF2B5EF4-FFF2-40B4-BE49-F238E27FC236}">
+                <a16:creationId xmlns:a16="http://schemas.microsoft.com/office/drawing/2014/main" id="{F08127CB-E3FE-4DDE-86C6-8448A8C381D5}"/>
+              </a:ext>
+              <a:ext uri="{C183D7F6-B498-43B3-948B-1728B52AA6E4}">
+                <adec:decorative xmlns:adec="http://schemas.microsoft.com/office/drawing/2017/decorative" val="1"/>
+              </a:ext>
+            </a:extLst>
+          </p:cNvPr>
+          <p:cNvSpPr>
+            <a:spLocks noGrp="1" noRot="1" noChangeAspect="1" noMove="1" noResize="1" noEditPoints="1" noAdjustHandles="1" noChangeArrowheads="1" noChangeShapeType="1" noTextEdit="1"/>
+          </p:cNvSpPr>
+          <p:nvPr>
+            <p:extLst>
+              <p:ext uri="{386F3935-93C4-4BCD-93E2-E3B085C9AB24}">
+                <p16:designElem xmlns:p16="http://schemas.microsoft.com/office/powerpoint/2015/main" val="1"/>
+              </p:ext>
+            </p:extLst>
+          </p:nvPr>
+        </p:nvSpPr>
+        <p:spPr>
+          <a:xfrm>
+            <a:off x="5061279" y="853059"/>
+            <a:ext cx="2347850" cy="2231287"/>
+          </a:xfrm>
+          <a:custGeom>
+            <a:avLst/>
+            <a:gdLst>
+              <a:gd name="connsiteX0" fmla="*/ 1313677 w 2347850"/>
+              <a:gd name="connsiteY0" fmla="*/ 207407 h 2231287"/>
+              <a:gd name="connsiteX1" fmla="*/ 1661416 w 2347850"/>
+              <a:gd name="connsiteY1" fmla="*/ 279958 h 2231287"/>
+              <a:gd name="connsiteX2" fmla="*/ 1915033 w 2347850"/>
+              <a:gd name="connsiteY2" fmla="*/ 475709 h 2231287"/>
+              <a:gd name="connsiteX3" fmla="*/ 2140444 w 2347850"/>
+              <a:gd name="connsiteY3" fmla="*/ 1169031 h 2231287"/>
+              <a:gd name="connsiteX4" fmla="*/ 2040017 w 2347850"/>
+              <a:gd name="connsiteY4" fmla="*/ 1453386 h 2231287"/>
+              <a:gd name="connsiteX5" fmla="*/ 1742678 w 2347850"/>
+              <a:gd name="connsiteY5" fmla="*/ 1718162 h 2231287"/>
+              <a:gd name="connsiteX6" fmla="*/ 1677303 w 2347850"/>
+              <a:gd name="connsiteY6" fmla="*/ 1768811 h 2231287"/>
+              <a:gd name="connsiteX7" fmla="*/ 1140118 w 2347850"/>
+              <a:gd name="connsiteY7" fmla="*/ 2023881 h 2231287"/>
+              <a:gd name="connsiteX8" fmla="*/ 432486 w 2347850"/>
+              <a:gd name="connsiteY8" fmla="*/ 1609273 h 2231287"/>
+              <a:gd name="connsiteX9" fmla="*/ 357072 w 2347850"/>
+              <a:gd name="connsiteY9" fmla="*/ 1503205 h 2231287"/>
+              <a:gd name="connsiteX10" fmla="*/ 207407 w 2347850"/>
+              <a:gd name="connsiteY10" fmla="*/ 1169031 h 2231287"/>
+              <a:gd name="connsiteX11" fmla="*/ 297837 w 2347850"/>
+              <a:gd name="connsiteY11" fmla="*/ 809137 h 2231287"/>
+              <a:gd name="connsiteX12" fmla="*/ 547223 w 2347850"/>
+              <a:gd name="connsiteY12" fmla="*/ 499893 h 2231287"/>
+              <a:gd name="connsiteX13" fmla="*/ 907780 w 2347850"/>
+              <a:gd name="connsiteY13" fmla="*/ 285434 h 2231287"/>
+              <a:gd name="connsiteX14" fmla="*/ 1313677 w 2347850"/>
+              <a:gd name="connsiteY14" fmla="*/ 207407 h 2231287"/>
+              <a:gd name="connsiteX15" fmla="*/ 1313677 w 2347850"/>
+              <a:gd name="connsiteY15" fmla="*/ 0 h 2231287"/>
+              <a:gd name="connsiteX16" fmla="*/ 0 w 2347850"/>
+              <a:gd name="connsiteY16" fmla="*/ 1169031 h 2231287"/>
+              <a:gd name="connsiteX17" fmla="*/ 260877 w 2347850"/>
+              <a:gd name="connsiteY17" fmla="*/ 1725712 h 2231287"/>
+              <a:gd name="connsiteX18" fmla="*/ 1140118 w 2347850"/>
+              <a:gd name="connsiteY18" fmla="*/ 2231288 h 2231287"/>
+              <a:gd name="connsiteX19" fmla="*/ 1805025 w 2347850"/>
+              <a:gd name="connsiteY19" fmla="*/ 1932248 h 2231287"/>
+              <a:gd name="connsiteX20" fmla="*/ 2347851 w 2347850"/>
+              <a:gd name="connsiteY20" fmla="*/ 1169031 h 2231287"/>
+              <a:gd name="connsiteX21" fmla="*/ 1313677 w 2347850"/>
+              <a:gd name="connsiteY21" fmla="*/ 0 h 2231287"/>
+              <a:gd name="connsiteX22" fmla="*/ 1313677 w 2347850"/>
+              <a:gd name="connsiteY22" fmla="*/ 0 h 2231287"/>
+            </a:gdLst>
+            <a:ahLst/>
+            <a:cxnLst>
+              <a:cxn ang="0">
+                <a:pos x="connsiteX0" y="connsiteY0"/>
+              </a:cxn>
+              <a:cxn ang="0">
+                <a:pos x="connsiteX1" y="connsiteY1"/>
+              </a:cxn>
+              <a:cxn ang="0">
+                <a:pos x="connsiteX2" y="connsiteY2"/>
+              </a:cxn>
+              <a:cxn ang="0">
+                <a:pos x="connsiteX3" y="connsiteY3"/>
+              </a:cxn>
+              <a:cxn ang="0">
+                <a:pos x="connsiteX4" y="connsiteY4"/>
+              </a:cxn>
+              <a:cxn ang="0">
+                <a:pos x="connsiteX5" y="connsiteY5"/>
+              </a:cxn>
+              <a:cxn ang="0">
+                <a:pos x="connsiteX6" y="connsiteY6"/>
+              </a:cxn>
+              <a:cxn ang="0">
+                <a:pos x="connsiteX7" y="connsiteY7"/>
+              </a:cxn>
+              <a:cxn ang="0">
+                <a:pos x="connsiteX8" y="connsiteY8"/>
+              </a:cxn>
+              <a:cxn ang="0">
+                <a:pos x="connsiteX9" y="connsiteY9"/>
+              </a:cxn>
+              <a:cxn ang="0">
+                <a:pos x="connsiteX10" y="connsiteY10"/>
+              </a:cxn>
+              <a:cxn ang="0">
+                <a:pos x="connsiteX11" y="connsiteY11"/>
+              </a:cxn>
+              <a:cxn ang="0">
+                <a:pos x="connsiteX12" y="connsiteY12"/>
+              </a:cxn>
+              <a:cxn ang="0">
+                <a:pos x="connsiteX13" y="connsiteY13"/>
+              </a:cxn>
+              <a:cxn ang="0">
+                <a:pos x="connsiteX14" y="connsiteY14"/>
+              </a:cxn>
+              <a:cxn ang="0">
+                <a:pos x="connsiteX15" y="connsiteY15"/>
+              </a:cxn>
+              <a:cxn ang="0">
+                <a:pos x="connsiteX16" y="connsiteY16"/>
+              </a:cxn>
+              <a:cxn ang="0">
+                <a:pos x="connsiteX17" y="connsiteY17"/>
+              </a:cxn>
+              <a:cxn ang="0">
+                <a:pos x="connsiteX18" y="connsiteY18"/>
+              </a:cxn>
+              <a:cxn ang="0">
+                <a:pos x="connsiteX19" y="connsiteY19"/>
+              </a:cxn>
+              <a:cxn ang="0">
+                <a:pos x="connsiteX20" y="connsiteY20"/>
+              </a:cxn>
+              <a:cxn ang="0">
+                <a:pos x="connsiteX21" y="connsiteY21"/>
+              </a:cxn>
+              <a:cxn ang="0">
+                <a:pos x="connsiteX22" y="connsiteY22"/>
+              </a:cxn>
+            </a:cxnLst>
+            <a:rect l="l" t="t" r="r" b="b"/>
+            <a:pathLst>
+              <a:path w="2347850" h="2231287">
+                <a:moveTo>
+                  <a:pt x="1313677" y="207407"/>
+                </a:moveTo>
+                <a:cubicBezTo>
+                  <a:pt x="1440776" y="207407"/>
+                  <a:pt x="1557753" y="231840"/>
+                  <a:pt x="1661416" y="279958"/>
+                </a:cubicBezTo>
+                <a:cubicBezTo>
+                  <a:pt x="1758565" y="325090"/>
+                  <a:pt x="1843893" y="390963"/>
+                  <a:pt x="1915033" y="475709"/>
+                </a:cubicBezTo>
+                <a:cubicBezTo>
+                  <a:pt x="2060384" y="648978"/>
+                  <a:pt x="2140444" y="895211"/>
+                  <a:pt x="2140444" y="1169031"/>
+                </a:cubicBezTo>
+                <a:cubicBezTo>
+                  <a:pt x="2140444" y="1278293"/>
+                  <a:pt x="2109457" y="1365985"/>
+                  <a:pt x="2040017" y="1453386"/>
+                </a:cubicBezTo>
+                <a:cubicBezTo>
+                  <a:pt x="1967383" y="1544811"/>
+                  <a:pt x="1858245" y="1629019"/>
+                  <a:pt x="1742678" y="1718162"/>
+                </a:cubicBezTo>
+                <a:cubicBezTo>
+                  <a:pt x="1721356" y="1734589"/>
+                  <a:pt x="1699330" y="1751596"/>
+                  <a:pt x="1677303" y="1768811"/>
+                </a:cubicBezTo>
+                <a:cubicBezTo>
+                  <a:pt x="1480142" y="1922873"/>
+                  <a:pt x="1336242" y="2023881"/>
+                  <a:pt x="1140118" y="2023881"/>
+                </a:cubicBezTo>
+                <a:cubicBezTo>
+                  <a:pt x="841286" y="2023881"/>
+                  <a:pt x="629647" y="1899893"/>
+                  <a:pt x="432486" y="1609273"/>
+                </a:cubicBezTo>
+                <a:cubicBezTo>
+                  <a:pt x="406684" y="1571235"/>
+                  <a:pt x="381464" y="1536639"/>
+                  <a:pt x="357072" y="1503205"/>
+                </a:cubicBezTo>
+                <a:cubicBezTo>
+                  <a:pt x="255982" y="1364616"/>
+                  <a:pt x="207407" y="1292521"/>
+                  <a:pt x="207407" y="1169031"/>
+                </a:cubicBezTo>
+                <a:cubicBezTo>
+                  <a:pt x="207407" y="1046453"/>
+                  <a:pt x="237855" y="925369"/>
+                  <a:pt x="297837" y="809137"/>
+                </a:cubicBezTo>
+                <a:cubicBezTo>
+                  <a:pt x="356533" y="695437"/>
+                  <a:pt x="440450" y="591360"/>
+                  <a:pt x="547223" y="499893"/>
+                </a:cubicBezTo>
+                <a:cubicBezTo>
+                  <a:pt x="652172" y="409961"/>
+                  <a:pt x="776823" y="335792"/>
+                  <a:pt x="907780" y="285434"/>
+                </a:cubicBezTo>
+                <a:cubicBezTo>
+                  <a:pt x="1042305" y="233624"/>
+                  <a:pt x="1178903" y="207407"/>
+                  <a:pt x="1313677" y="207407"/>
+                </a:cubicBezTo>
+                <a:moveTo>
+                  <a:pt x="1313677" y="0"/>
+                </a:moveTo>
+                <a:cubicBezTo>
+                  <a:pt x="661505" y="0"/>
+                  <a:pt x="0" y="523372"/>
+                  <a:pt x="0" y="1169031"/>
+                </a:cubicBezTo>
+                <a:cubicBezTo>
+                  <a:pt x="0" y="1411158"/>
+                  <a:pt x="134276" y="1539128"/>
+                  <a:pt x="260877" y="1725712"/>
+                </a:cubicBezTo>
+                <a:cubicBezTo>
+                  <a:pt x="471852" y="2036698"/>
+                  <a:pt x="734927" y="2231288"/>
+                  <a:pt x="1140118" y="2231288"/>
+                </a:cubicBezTo>
+                <a:cubicBezTo>
+                  <a:pt x="1413356" y="2231288"/>
+                  <a:pt x="1605540" y="2088135"/>
+                  <a:pt x="1805025" y="1932248"/>
+                </a:cubicBezTo>
+                <a:cubicBezTo>
+                  <a:pt x="2078885" y="1718245"/>
+                  <a:pt x="2347851" y="1542613"/>
+                  <a:pt x="2347851" y="1169031"/>
+                </a:cubicBezTo>
+                <a:cubicBezTo>
+                  <a:pt x="2347851" y="523372"/>
+                  <a:pt x="1962032" y="0"/>
+                  <a:pt x="1313677" y="0"/>
+                </a:cubicBezTo>
+                <a:lnTo>
+                  <a:pt x="1313677" y="0"/>
+                </a:lnTo>
+                <a:close/>
+              </a:path>
+            </a:pathLst>
+          </a:custGeom>
+          <a:solidFill>
+            <a:schemeClr val="bg1">
+              <a:alpha val="30000"/>
+            </a:schemeClr>
+          </a:solidFill>
+          <a:ln w="4132" cap="flat">
+            <a:noFill/>
+            <a:prstDash val="solid"/>
+            <a:miter/>
+          </a:ln>
+        </p:spPr>
+        <p:txBody>
+          <a:bodyPr rtlCol="0" anchor="ctr"/>
+          <a:lstStyle/>
+          <a:p>
+            <a:endParaRPr lang="en-US"/>
+          </a:p>
+        </p:txBody>
+      </p:sp>
+      <p:sp>
+        <p:nvSpPr>
+          <p:cNvPr id="31" name="Freeform: Shape 30">
+            <a:extLst>
+              <a:ext uri="{FF2B5EF4-FFF2-40B4-BE49-F238E27FC236}">
+                <a16:creationId xmlns:a16="http://schemas.microsoft.com/office/drawing/2014/main" id="{36C4F2D5-541D-4032-8CC7-49992771DECF}"/>
+              </a:ext>
+              <a:ext uri="{C183D7F6-B498-43B3-948B-1728B52AA6E4}">
+                <adec:decorative xmlns:adec="http://schemas.microsoft.com/office/drawing/2017/decorative" val="1"/>
+              </a:ext>
+            </a:extLst>
+          </p:cNvPr>
+          <p:cNvSpPr>
+            <a:spLocks noGrp="1" noRot="1" noChangeAspect="1" noMove="1" noResize="1" noEditPoints="1" noAdjustHandles="1" noChangeArrowheads="1" noChangeShapeType="1" noTextEdit="1"/>
+          </p:cNvSpPr>
+          <p:nvPr>
+            <p:extLst>
+              <p:ext uri="{386F3935-93C4-4BCD-93E2-E3B085C9AB24}">
+                <p16:designElem xmlns:p16="http://schemas.microsoft.com/office/powerpoint/2015/main" val="1"/>
+              </p:ext>
+            </p:extLst>
+          </p:nvPr>
+        </p:nvSpPr>
+        <p:spPr>
+          <a:xfrm>
+            <a:off x="5055058" y="853059"/>
+            <a:ext cx="2354072" cy="2246726"/>
+          </a:xfrm>
+          <a:custGeom>
+            <a:avLst/>
+            <a:gdLst>
+              <a:gd name="connsiteX0" fmla="*/ 0 w 2360305"/>
+              <a:gd name="connsiteY0" fmla="*/ 1176076 h 2262110"/>
+              <a:gd name="connsiteX1" fmla="*/ 23022 w 2360305"/>
+              <a:gd name="connsiteY1" fmla="*/ 955271 h 2262110"/>
+              <a:gd name="connsiteX2" fmla="*/ 92213 w 2360305"/>
+              <a:gd name="connsiteY2" fmla="*/ 743715 h 2262110"/>
+              <a:gd name="connsiteX3" fmla="*/ 351638 w 2360305"/>
+              <a:gd name="connsiteY3" fmla="*/ 384444 h 2262110"/>
+              <a:gd name="connsiteX4" fmla="*/ 523662 w 2360305"/>
+              <a:gd name="connsiteY4" fmla="*/ 243698 h 2262110"/>
+              <a:gd name="connsiteX5" fmla="*/ 715929 w 2360305"/>
+              <a:gd name="connsiteY5" fmla="*/ 131946 h 2262110"/>
+              <a:gd name="connsiteX6" fmla="*/ 1142731 w 2360305"/>
+              <a:gd name="connsiteY6" fmla="*/ 8705 h 2262110"/>
+              <a:gd name="connsiteX7" fmla="*/ 1366109 w 2360305"/>
+              <a:gd name="connsiteY7" fmla="*/ 2192 h 2262110"/>
+              <a:gd name="connsiteX8" fmla="*/ 1587579 w 2360305"/>
+              <a:gd name="connsiteY8" fmla="*/ 36581 h 2262110"/>
+              <a:gd name="connsiteX9" fmla="*/ 1798304 w 2360305"/>
+              <a:gd name="connsiteY9" fmla="*/ 116391 h 2262110"/>
+              <a:gd name="connsiteX10" fmla="*/ 1985013 w 2360305"/>
+              <a:gd name="connsiteY10" fmla="*/ 243283 h 2262110"/>
+              <a:gd name="connsiteX11" fmla="*/ 2134304 w 2360305"/>
+              <a:gd name="connsiteY11" fmla="*/ 411407 h 2262110"/>
+              <a:gd name="connsiteX12" fmla="*/ 2150399 w 2360305"/>
+              <a:gd name="connsiteY12" fmla="*/ 434388 h 2262110"/>
+              <a:gd name="connsiteX13" fmla="*/ 2165830 w 2360305"/>
+              <a:gd name="connsiteY13" fmla="*/ 457783 h 2262110"/>
+              <a:gd name="connsiteX14" fmla="*/ 2180805 w 2360305"/>
+              <a:gd name="connsiteY14" fmla="*/ 481428 h 2262110"/>
+              <a:gd name="connsiteX15" fmla="*/ 2195241 w 2360305"/>
+              <a:gd name="connsiteY15" fmla="*/ 505404 h 2262110"/>
+              <a:gd name="connsiteX16" fmla="*/ 2247964 w 2360305"/>
+              <a:gd name="connsiteY16" fmla="*/ 604047 h 2262110"/>
+              <a:gd name="connsiteX17" fmla="*/ 2320141 w 2360305"/>
+              <a:gd name="connsiteY17" fmla="*/ 814773 h 2262110"/>
+              <a:gd name="connsiteX18" fmla="*/ 2337066 w 2360305"/>
+              <a:gd name="connsiteY18" fmla="*/ 924408 h 2262110"/>
+              <a:gd name="connsiteX19" fmla="*/ 2348058 w 2360305"/>
+              <a:gd name="connsiteY19" fmla="*/ 1034127 h 2262110"/>
+              <a:gd name="connsiteX20" fmla="*/ 2356811 w 2360305"/>
+              <a:gd name="connsiteY20" fmla="*/ 1143845 h 2262110"/>
+              <a:gd name="connsiteX21" fmla="*/ 2358595 w 2360305"/>
+              <a:gd name="connsiteY21" fmla="*/ 1171348 h 2262110"/>
+              <a:gd name="connsiteX22" fmla="*/ 2359383 w 2360305"/>
+              <a:gd name="connsiteY22" fmla="*/ 1185493 h 2262110"/>
+              <a:gd name="connsiteX23" fmla="*/ 2359963 w 2360305"/>
+              <a:gd name="connsiteY23" fmla="*/ 1199887 h 2262110"/>
+              <a:gd name="connsiteX24" fmla="*/ 2359175 w 2360305"/>
+              <a:gd name="connsiteY24" fmla="*/ 1257878 h 2262110"/>
+              <a:gd name="connsiteX25" fmla="*/ 2300106 w 2360305"/>
+              <a:gd name="connsiteY25" fmla="*/ 1485653 h 2262110"/>
+              <a:gd name="connsiteX26" fmla="*/ 2168817 w 2360305"/>
+              <a:gd name="connsiteY26" fmla="*/ 1679081 h 2262110"/>
+              <a:gd name="connsiteX27" fmla="*/ 2088799 w 2360305"/>
+              <a:gd name="connsiteY27" fmla="*/ 1759721 h 2262110"/>
+              <a:gd name="connsiteX28" fmla="*/ 2005380 w 2360305"/>
+              <a:gd name="connsiteY28" fmla="*/ 1833018 h 2262110"/>
+              <a:gd name="connsiteX29" fmla="*/ 1835928 w 2360305"/>
+              <a:gd name="connsiteY29" fmla="*/ 1965095 h 2262110"/>
+              <a:gd name="connsiteX30" fmla="*/ 1793285 w 2360305"/>
+              <a:gd name="connsiteY30" fmla="*/ 1997326 h 2262110"/>
+              <a:gd name="connsiteX31" fmla="*/ 1749481 w 2360305"/>
+              <a:gd name="connsiteY31" fmla="*/ 2029765 h 2262110"/>
+              <a:gd name="connsiteX32" fmla="*/ 1704598 w 2360305"/>
+              <a:gd name="connsiteY32" fmla="*/ 2061789 h 2262110"/>
+              <a:gd name="connsiteX33" fmla="*/ 1658304 w 2360305"/>
+              <a:gd name="connsiteY33" fmla="*/ 2092900 h 2262110"/>
+              <a:gd name="connsiteX34" fmla="*/ 1561113 w 2360305"/>
+              <a:gd name="connsiteY34" fmla="*/ 2151306 h 2262110"/>
+              <a:gd name="connsiteX35" fmla="*/ 1456580 w 2360305"/>
+              <a:gd name="connsiteY35" fmla="*/ 2200959 h 2262110"/>
+              <a:gd name="connsiteX36" fmla="*/ 1229096 w 2360305"/>
+              <a:gd name="connsiteY36" fmla="*/ 2258079 h 2262110"/>
+              <a:gd name="connsiteX37" fmla="*/ 1170524 w 2360305"/>
+              <a:gd name="connsiteY37" fmla="*/ 2261771 h 2262110"/>
+              <a:gd name="connsiteX38" fmla="*/ 1155881 w 2360305"/>
+              <a:gd name="connsiteY38" fmla="*/ 2262103 h 2262110"/>
+              <a:gd name="connsiteX39" fmla="*/ 1141280 w 2360305"/>
+              <a:gd name="connsiteY39" fmla="*/ 2262020 h 2262110"/>
+              <a:gd name="connsiteX40" fmla="*/ 1126720 w 2360305"/>
+              <a:gd name="connsiteY40" fmla="*/ 2261854 h 2262110"/>
+              <a:gd name="connsiteX41" fmla="*/ 1112574 w 2360305"/>
+              <a:gd name="connsiteY41" fmla="*/ 2261314 h 2262110"/>
+              <a:gd name="connsiteX42" fmla="*/ 999579 w 2360305"/>
+              <a:gd name="connsiteY42" fmla="*/ 2252313 h 2262110"/>
+              <a:gd name="connsiteX43" fmla="*/ 887289 w 2360305"/>
+              <a:gd name="connsiteY43" fmla="*/ 2232485 h 2262110"/>
+              <a:gd name="connsiteX44" fmla="*/ 776989 w 2360305"/>
+              <a:gd name="connsiteY44" fmla="*/ 2201415 h 2262110"/>
+              <a:gd name="connsiteX45" fmla="*/ 565849 w 2360305"/>
+              <a:gd name="connsiteY45" fmla="*/ 2107999 h 2262110"/>
+              <a:gd name="connsiteX46" fmla="*/ 387893 w 2360305"/>
+              <a:gd name="connsiteY46" fmla="*/ 1962565 h 2262110"/>
+              <a:gd name="connsiteX47" fmla="*/ 315757 w 2360305"/>
+              <a:gd name="connsiteY47" fmla="*/ 1875039 h 2262110"/>
+              <a:gd name="connsiteX48" fmla="*/ 252747 w 2360305"/>
+              <a:gd name="connsiteY48" fmla="*/ 1782369 h 2262110"/>
+              <a:gd name="connsiteX49" fmla="*/ 238021 w 2360305"/>
+              <a:gd name="connsiteY49" fmla="*/ 1758766 h 2262110"/>
+              <a:gd name="connsiteX50" fmla="*/ 223958 w 2360305"/>
+              <a:gd name="connsiteY50" fmla="*/ 1735869 h 2262110"/>
+              <a:gd name="connsiteX51" fmla="*/ 196207 w 2360305"/>
+              <a:gd name="connsiteY51" fmla="*/ 1691484 h 2262110"/>
+              <a:gd name="connsiteX52" fmla="*/ 138714 w 2360305"/>
+              <a:gd name="connsiteY52" fmla="*/ 1600805 h 2262110"/>
+              <a:gd name="connsiteX53" fmla="*/ 82590 w 2360305"/>
+              <a:gd name="connsiteY53" fmla="*/ 1504942 h 2262110"/>
+              <a:gd name="connsiteX54" fmla="*/ 57286 w 2360305"/>
+              <a:gd name="connsiteY54" fmla="*/ 1454127 h 2262110"/>
+              <a:gd name="connsiteX55" fmla="*/ 35799 w 2360305"/>
+              <a:gd name="connsiteY55" fmla="*/ 1400947 h 2262110"/>
+              <a:gd name="connsiteX56" fmla="*/ 19330 w 2360305"/>
+              <a:gd name="connsiteY56" fmla="*/ 1345777 h 2262110"/>
+              <a:gd name="connsiteX57" fmla="*/ 13191 w 2360305"/>
+              <a:gd name="connsiteY57" fmla="*/ 1317653 h 2262110"/>
+              <a:gd name="connsiteX58" fmla="*/ 10495 w 2360305"/>
+              <a:gd name="connsiteY58" fmla="*/ 1303549 h 2262110"/>
+              <a:gd name="connsiteX59" fmla="*/ 8255 w 2360305"/>
+              <a:gd name="connsiteY59" fmla="*/ 1289404 h 2262110"/>
+              <a:gd name="connsiteX60" fmla="*/ 0 w 2360305"/>
+              <a:gd name="connsiteY60" fmla="*/ 1176076 h 2262110"/>
+              <a:gd name="connsiteX61" fmla="*/ 67573 w 2360305"/>
+              <a:gd name="connsiteY61" fmla="*/ 1176076 h 2262110"/>
+              <a:gd name="connsiteX62" fmla="*/ 79105 w 2360305"/>
+              <a:gd name="connsiteY62" fmla="*/ 1275715 h 2262110"/>
+              <a:gd name="connsiteX63" fmla="*/ 113161 w 2360305"/>
+              <a:gd name="connsiteY63" fmla="*/ 1368924 h 2262110"/>
+              <a:gd name="connsiteX64" fmla="*/ 136930 w 2360305"/>
+              <a:gd name="connsiteY64" fmla="*/ 1412811 h 2262110"/>
+              <a:gd name="connsiteX65" fmla="*/ 164225 w 2360305"/>
+              <a:gd name="connsiteY65" fmla="*/ 1455288 h 2262110"/>
+              <a:gd name="connsiteX66" fmla="*/ 227277 w 2360305"/>
+              <a:gd name="connsiteY66" fmla="*/ 1537380 h 2262110"/>
+              <a:gd name="connsiteX67" fmla="*/ 295514 w 2360305"/>
+              <a:gd name="connsiteY67" fmla="*/ 1620094 h 2262110"/>
+              <a:gd name="connsiteX68" fmla="*/ 329446 w 2360305"/>
+              <a:gd name="connsiteY68" fmla="*/ 1663276 h 2262110"/>
+              <a:gd name="connsiteX69" fmla="*/ 345748 w 2360305"/>
+              <a:gd name="connsiteY69" fmla="*/ 1684473 h 2262110"/>
+              <a:gd name="connsiteX70" fmla="*/ 361718 w 2360305"/>
+              <a:gd name="connsiteY70" fmla="*/ 1704758 h 2262110"/>
+              <a:gd name="connsiteX71" fmla="*/ 498939 w 2360305"/>
+              <a:gd name="connsiteY71" fmla="*/ 1854672 h 2262110"/>
+              <a:gd name="connsiteX72" fmla="*/ 571905 w 2360305"/>
+              <a:gd name="connsiteY72" fmla="*/ 1922121 h 2262110"/>
+              <a:gd name="connsiteX73" fmla="*/ 648314 w 2360305"/>
+              <a:gd name="connsiteY73" fmla="*/ 1984301 h 2262110"/>
+              <a:gd name="connsiteX74" fmla="*/ 819010 w 2360305"/>
+              <a:gd name="connsiteY74" fmla="*/ 2082654 h 2262110"/>
+              <a:gd name="connsiteX75" fmla="*/ 914500 w 2360305"/>
+              <a:gd name="connsiteY75" fmla="*/ 2110446 h 2262110"/>
+              <a:gd name="connsiteX76" fmla="*/ 938974 w 2360305"/>
+              <a:gd name="connsiteY76" fmla="*/ 2115341 h 2262110"/>
+              <a:gd name="connsiteX77" fmla="*/ 963656 w 2360305"/>
+              <a:gd name="connsiteY77" fmla="*/ 2119448 h 2262110"/>
+              <a:gd name="connsiteX78" fmla="*/ 1013475 w 2360305"/>
+              <a:gd name="connsiteY78" fmla="*/ 2125338 h 2262110"/>
+              <a:gd name="connsiteX79" fmla="*/ 1038530 w 2360305"/>
+              <a:gd name="connsiteY79" fmla="*/ 2127246 h 2262110"/>
+              <a:gd name="connsiteX80" fmla="*/ 1063668 w 2360305"/>
+              <a:gd name="connsiteY80" fmla="*/ 2128574 h 2262110"/>
+              <a:gd name="connsiteX81" fmla="*/ 1088888 w 2360305"/>
+              <a:gd name="connsiteY81" fmla="*/ 2129155 h 2262110"/>
+              <a:gd name="connsiteX82" fmla="*/ 1114151 w 2360305"/>
+              <a:gd name="connsiteY82" fmla="*/ 2129030 h 2262110"/>
+              <a:gd name="connsiteX83" fmla="*/ 1126803 w 2360305"/>
+              <a:gd name="connsiteY83" fmla="*/ 2128906 h 2262110"/>
+              <a:gd name="connsiteX84" fmla="*/ 1138998 w 2360305"/>
+              <a:gd name="connsiteY84" fmla="*/ 2128366 h 2262110"/>
+              <a:gd name="connsiteX85" fmla="*/ 1151152 w 2360305"/>
+              <a:gd name="connsiteY85" fmla="*/ 2127744 h 2262110"/>
+              <a:gd name="connsiteX86" fmla="*/ 1163265 w 2360305"/>
+              <a:gd name="connsiteY86" fmla="*/ 2126749 h 2262110"/>
+              <a:gd name="connsiteX87" fmla="*/ 1211300 w 2360305"/>
+              <a:gd name="connsiteY87" fmla="*/ 2120817 h 2262110"/>
+              <a:gd name="connsiteX88" fmla="*/ 1394275 w 2360305"/>
+              <a:gd name="connsiteY88" fmla="*/ 2060752 h 2262110"/>
+              <a:gd name="connsiteX89" fmla="*/ 1563312 w 2360305"/>
+              <a:gd name="connsiteY89" fmla="*/ 1955430 h 2262110"/>
+              <a:gd name="connsiteX90" fmla="*/ 1604296 w 2360305"/>
+              <a:gd name="connsiteY90" fmla="*/ 1924485 h 2262110"/>
+              <a:gd name="connsiteX91" fmla="*/ 1645279 w 2360305"/>
+              <a:gd name="connsiteY91" fmla="*/ 1892503 h 2262110"/>
+              <a:gd name="connsiteX92" fmla="*/ 1728284 w 2360305"/>
+              <a:gd name="connsiteY92" fmla="*/ 1826132 h 2262110"/>
+              <a:gd name="connsiteX93" fmla="*/ 1898897 w 2360305"/>
+              <a:gd name="connsiteY93" fmla="*/ 1697664 h 2262110"/>
+              <a:gd name="connsiteX94" fmla="*/ 2057854 w 2360305"/>
+              <a:gd name="connsiteY94" fmla="*/ 1569901 h 2262110"/>
+              <a:gd name="connsiteX95" fmla="*/ 2184953 w 2360305"/>
+              <a:gd name="connsiteY95" fmla="*/ 1423472 h 2262110"/>
+              <a:gd name="connsiteX96" fmla="*/ 2228260 w 2360305"/>
+              <a:gd name="connsiteY96" fmla="*/ 1338352 h 2262110"/>
+              <a:gd name="connsiteX97" fmla="*/ 2254642 w 2360305"/>
+              <a:gd name="connsiteY97" fmla="*/ 1245350 h 2262110"/>
+              <a:gd name="connsiteX98" fmla="*/ 2261943 w 2360305"/>
+              <a:gd name="connsiteY98" fmla="*/ 1196568 h 2262110"/>
+              <a:gd name="connsiteX99" fmla="*/ 2263146 w 2360305"/>
+              <a:gd name="connsiteY99" fmla="*/ 1184207 h 2262110"/>
+              <a:gd name="connsiteX100" fmla="*/ 2264058 w 2360305"/>
+              <a:gd name="connsiteY100" fmla="*/ 1171596 h 2262110"/>
+              <a:gd name="connsiteX101" fmla="*/ 2265386 w 2360305"/>
+              <a:gd name="connsiteY101" fmla="*/ 1145546 h 2262110"/>
+              <a:gd name="connsiteX102" fmla="*/ 2263104 w 2360305"/>
+              <a:gd name="connsiteY102" fmla="*/ 1041386 h 2262110"/>
+              <a:gd name="connsiteX103" fmla="*/ 2248461 w 2360305"/>
+              <a:gd name="connsiteY103" fmla="*/ 938512 h 2262110"/>
+              <a:gd name="connsiteX104" fmla="*/ 2223614 w 2360305"/>
+              <a:gd name="connsiteY104" fmla="*/ 838127 h 2262110"/>
+              <a:gd name="connsiteX105" fmla="*/ 2159442 w 2360305"/>
+              <a:gd name="connsiteY105" fmla="*/ 643371 h 2262110"/>
+              <a:gd name="connsiteX106" fmla="*/ 2115721 w 2360305"/>
+              <a:gd name="connsiteY106" fmla="*/ 550909 h 2262110"/>
+              <a:gd name="connsiteX107" fmla="*/ 2102986 w 2360305"/>
+              <a:gd name="connsiteY107" fmla="*/ 528758 h 2262110"/>
+              <a:gd name="connsiteX108" fmla="*/ 2089587 w 2360305"/>
+              <a:gd name="connsiteY108" fmla="*/ 507022 h 2262110"/>
+              <a:gd name="connsiteX109" fmla="*/ 2075401 w 2360305"/>
+              <a:gd name="connsiteY109" fmla="*/ 485783 h 2262110"/>
+              <a:gd name="connsiteX110" fmla="*/ 2060592 w 2360305"/>
+              <a:gd name="connsiteY110" fmla="*/ 465001 h 2262110"/>
+              <a:gd name="connsiteX111" fmla="*/ 1920384 w 2360305"/>
+              <a:gd name="connsiteY111" fmla="*/ 318696 h 2262110"/>
+              <a:gd name="connsiteX112" fmla="*/ 1751596 w 2360305"/>
+              <a:gd name="connsiteY112" fmla="*/ 208438 h 2262110"/>
+              <a:gd name="connsiteX113" fmla="*/ 1561653 w 2360305"/>
+              <a:gd name="connsiteY113" fmla="*/ 139206 h 2262110"/>
+              <a:gd name="connsiteX114" fmla="*/ 1360094 w 2360305"/>
+              <a:gd name="connsiteY114" fmla="*/ 110501 h 2262110"/>
+              <a:gd name="connsiteX115" fmla="*/ 1155840 w 2360305"/>
+              <a:gd name="connsiteY115" fmla="*/ 117801 h 2262110"/>
+              <a:gd name="connsiteX116" fmla="*/ 955360 w 2360305"/>
+              <a:gd name="connsiteY116" fmla="*/ 159946 h 2262110"/>
+              <a:gd name="connsiteX117" fmla="*/ 763591 w 2360305"/>
+              <a:gd name="connsiteY117" fmla="*/ 233286 h 2262110"/>
+              <a:gd name="connsiteX118" fmla="*/ 420912 w 2360305"/>
+              <a:gd name="connsiteY118" fmla="*/ 458613 h 2262110"/>
+              <a:gd name="connsiteX119" fmla="*/ 280830 w 2360305"/>
+              <a:gd name="connsiteY119" fmla="*/ 608983 h 2262110"/>
+              <a:gd name="connsiteX120" fmla="*/ 170074 w 2360305"/>
+              <a:gd name="connsiteY120" fmla="*/ 781671 h 2262110"/>
+              <a:gd name="connsiteX121" fmla="*/ 94910 w 2360305"/>
+              <a:gd name="connsiteY121" fmla="*/ 972568 h 2262110"/>
+              <a:gd name="connsiteX122" fmla="*/ 67573 w 2360305"/>
+              <a:gd name="connsiteY122" fmla="*/ 1176076 h 2262110"/>
+            </a:gdLst>
+            <a:ahLst/>
+            <a:cxnLst>
+              <a:cxn ang="0">
+                <a:pos x="connsiteX0" y="connsiteY0"/>
+              </a:cxn>
+              <a:cxn ang="0">
+                <a:pos x="connsiteX1" y="connsiteY1"/>
+              </a:cxn>
+              <a:cxn ang="0">
+                <a:pos x="connsiteX2" y="connsiteY2"/>
+              </a:cxn>
+              <a:cxn ang="0">
+                <a:pos x="connsiteX3" y="connsiteY3"/>
+              </a:cxn>
+              <a:cxn ang="0">
+                <a:pos x="connsiteX4" y="connsiteY4"/>
+              </a:cxn>
+              <a:cxn ang="0">
+                <a:pos x="connsiteX5" y="connsiteY5"/>
+              </a:cxn>
+              <a:cxn ang="0">
+                <a:pos x="connsiteX6" y="connsiteY6"/>
+              </a:cxn>
+              <a:cxn ang="0">
+                <a:pos x="connsiteX7" y="connsiteY7"/>
+              </a:cxn>
+              <a:cxn ang="0">
+                <a:pos x="connsiteX8" y="connsiteY8"/>
+              </a:cxn>
+              <a:cxn ang="0">
+                <a:pos x="connsiteX9" y="connsiteY9"/>
+              </a:cxn>
+              <a:cxn ang="0">
+                <a:pos x="connsiteX10" y="connsiteY10"/>
+              </a:cxn>
+              <a:cxn ang="0">
+                <a:pos x="connsiteX11" y="connsiteY11"/>
+              </a:cxn>
+              <a:cxn ang="0">
+                <a:pos x="connsiteX12" y="connsiteY12"/>
+              </a:cxn>
+              <a:cxn ang="0">
+                <a:pos x="connsiteX13" y="connsiteY13"/>
+              </a:cxn>
+              <a:cxn ang="0">
+                <a:pos x="connsiteX14" y="connsiteY14"/>
+              </a:cxn>
+              <a:cxn ang="0">
+                <a:pos x="connsiteX15" y="connsiteY15"/>
+              </a:cxn>
+              <a:cxn ang="0">
+                <a:pos x="connsiteX16" y="connsiteY16"/>
+              </a:cxn>
+              <a:cxn ang="0">
+                <a:pos x="connsiteX17" y="connsiteY17"/>
+              </a:cxn>
+              <a:cxn ang="0">
+                <a:pos x="connsiteX18" y="connsiteY18"/>
+              </a:cxn>
+              <a:cxn ang="0">
+                <a:pos x="connsiteX19" y="connsiteY19"/>
+              </a:cxn>
+              <a:cxn ang="0">
+                <a:pos x="connsiteX20" y="connsiteY20"/>
+              </a:cxn>
+              <a:cxn ang="0">
+                <a:pos x="connsiteX21" y="connsiteY21"/>
+              </a:cxn>
+              <a:cxn ang="0">
+                <a:pos x="connsiteX22" y="connsiteY22"/>
+              </a:cxn>
+              <a:cxn ang="0">
+                <a:pos x="connsiteX23" y="connsiteY23"/>
+              </a:cxn>
+              <a:cxn ang="0">
+                <a:pos x="connsiteX24" y="connsiteY24"/>
+              </a:cxn>
+              <a:cxn ang="0">
+                <a:pos x="connsiteX25" y="connsiteY25"/>
+              </a:cxn>
+              <a:cxn ang="0">
+                <a:pos x="connsiteX26" y="connsiteY26"/>
+              </a:cxn>
+              <a:cxn ang="0">
+                <a:pos x="connsiteX27" y="connsiteY27"/>
+              </a:cxn>
+              <a:cxn ang="0">
+                <a:pos x="connsiteX28" y="connsiteY28"/>
+              </a:cxn>
+              <a:cxn ang="0">
+                <a:pos x="connsiteX29" y="connsiteY29"/>
+              </a:cxn>
+              <a:cxn ang="0">
+                <a:pos x="connsiteX30" y="connsiteY30"/>
+              </a:cxn>
+              <a:cxn ang="0">
+                <a:pos x="connsiteX31" y="connsiteY31"/>
+              </a:cxn>
+              <a:cxn ang="0">
+                <a:pos x="connsiteX32" y="connsiteY32"/>
+              </a:cxn>
+              <a:cxn ang="0">
+                <a:pos x="connsiteX33" y="connsiteY33"/>
+              </a:cxn>
+              <a:cxn ang="0">
+                <a:pos x="connsiteX34" y="connsiteY34"/>
+              </a:cxn>
+              <a:cxn ang="0">
+                <a:pos x="connsiteX35" y="connsiteY35"/>
+              </a:cxn>
+              <a:cxn ang="0">
+                <a:pos x="connsiteX36" y="connsiteY36"/>
+              </a:cxn>
+              <a:cxn ang="0">
+                <a:pos x="connsiteX37" y="connsiteY37"/>
+              </a:cxn>
+              <a:cxn ang="0">
+                <a:pos x="connsiteX38" y="connsiteY38"/>
+              </a:cxn>
+              <a:cxn ang="0">
+                <a:pos x="connsiteX39" y="connsiteY39"/>
+              </a:cxn>
+              <a:cxn ang="0">
+                <a:pos x="connsiteX40" y="connsiteY40"/>
+              </a:cxn>
+              <a:cxn ang="0">
+                <a:pos x="connsiteX41" y="connsiteY41"/>
+              </a:cxn>
+              <a:cxn ang="0">
+                <a:pos x="connsiteX42" y="connsiteY42"/>
+              </a:cxn>
+              <a:cxn ang="0">
+                <a:pos x="connsiteX43" y="connsiteY43"/>
+              </a:cxn>
+              <a:cxn ang="0">
+                <a:pos x="connsiteX44" y="connsiteY44"/>
+              </a:cxn>
+              <a:cxn ang="0">
+                <a:pos x="connsiteX45" y="connsiteY45"/>
+              </a:cxn>
+              <a:cxn ang="0">
+                <a:pos x="connsiteX46" y="connsiteY46"/>
+              </a:cxn>
+              <a:cxn ang="0">
+                <a:pos x="connsiteX47" y="connsiteY47"/>
+              </a:cxn>
+              <a:cxn ang="0">
+                <a:pos x="connsiteX48" y="connsiteY48"/>
+              </a:cxn>
+              <a:cxn ang="0">
+                <a:pos x="connsiteX49" y="connsiteY49"/>
+              </a:cxn>
+              <a:cxn ang="0">
+                <a:pos x="connsiteX50" y="connsiteY50"/>
+              </a:cxn>
+              <a:cxn ang="0">
+                <a:pos x="connsiteX51" y="connsiteY51"/>
+              </a:cxn>
+              <a:cxn ang="0">
+                <a:pos x="connsiteX52" y="connsiteY52"/>
+              </a:cxn>
+              <a:cxn ang="0">
+                <a:pos x="connsiteX53" y="connsiteY53"/>
+              </a:cxn>
+              <a:cxn ang="0">
+                <a:pos x="connsiteX54" y="connsiteY54"/>
+              </a:cxn>
+              <a:cxn ang="0">
+                <a:pos x="connsiteX55" y="connsiteY55"/>
+              </a:cxn>
+              <a:cxn ang="0">
+                <a:pos x="connsiteX56" y="connsiteY56"/>
+              </a:cxn>
+              <a:cxn ang="0">
+                <a:pos x="connsiteX57" y="connsiteY57"/>
+              </a:cxn>
+              <a:cxn ang="0">
+                <a:pos x="connsiteX58" y="connsiteY58"/>
+              </a:cxn>
+              <a:cxn ang="0">
+                <a:pos x="connsiteX59" y="connsiteY59"/>
+              </a:cxn>
+              <a:cxn ang="0">
+                <a:pos x="connsiteX60" y="connsiteY60"/>
+              </a:cxn>
+              <a:cxn ang="0">
+                <a:pos x="connsiteX61" y="connsiteY61"/>
+              </a:cxn>
+              <a:cxn ang="0">
+                <a:pos x="connsiteX62" y="connsiteY62"/>
+              </a:cxn>
+              <a:cxn ang="0">
+                <a:pos x="connsiteX63" y="connsiteY63"/>
+              </a:cxn>
+              <a:cxn ang="0">
+                <a:pos x="connsiteX64" y="connsiteY64"/>
+              </a:cxn>
+              <a:cxn ang="0">
+                <a:pos x="connsiteX65" y="connsiteY65"/>
+              </a:cxn>
+              <a:cxn ang="0">
+                <a:pos x="connsiteX66" y="connsiteY66"/>
+              </a:cxn>
+              <a:cxn ang="0">
+                <a:pos x="connsiteX67" y="connsiteY67"/>
+              </a:cxn>
+              <a:cxn ang="0">
+                <a:pos x="connsiteX68" y="connsiteY68"/>
+              </a:cxn>
+              <a:cxn ang="0">
+                <a:pos x="connsiteX69" y="connsiteY69"/>
+              </a:cxn>
+              <a:cxn ang="0">
+                <a:pos x="connsiteX70" y="connsiteY70"/>
+              </a:cxn>
+              <a:cxn ang="0">
+                <a:pos x="connsiteX71" y="connsiteY71"/>
+              </a:cxn>
+              <a:cxn ang="0">
+                <a:pos x="connsiteX72" y="connsiteY72"/>
+              </a:cxn>
+              <a:cxn ang="0">
+                <a:pos x="connsiteX73" y="connsiteY73"/>
+              </a:cxn>
+              <a:cxn ang="0">
+                <a:pos x="connsiteX74" y="connsiteY74"/>
+              </a:cxn>
+              <a:cxn ang="0">
+                <a:pos x="connsiteX75" y="connsiteY75"/>
+              </a:cxn>
+              <a:cxn ang="0">
+                <a:pos x="connsiteX76" y="connsiteY76"/>
+              </a:cxn>
+              <a:cxn ang="0">
+                <a:pos x="connsiteX77" y="connsiteY77"/>
+              </a:cxn>
+              <a:cxn ang="0">
+                <a:pos x="connsiteX78" y="connsiteY78"/>
+              </a:cxn>
+              <a:cxn ang="0">
+                <a:pos x="connsiteX79" y="connsiteY79"/>
+              </a:cxn>
+              <a:cxn ang="0">
+                <a:pos x="connsiteX80" y="connsiteY80"/>
+              </a:cxn>
+              <a:cxn ang="0">
+                <a:pos x="connsiteX81" y="connsiteY81"/>
+              </a:cxn>
+              <a:cxn ang="0">
+                <a:pos x="connsiteX82" y="connsiteY82"/>
+              </a:cxn>
+              <a:cxn ang="0">
+                <a:pos x="connsiteX83" y="connsiteY83"/>
+              </a:cxn>
+              <a:cxn ang="0">
+                <a:pos x="connsiteX84" y="connsiteY84"/>
+              </a:cxn>
+              <a:cxn ang="0">
+                <a:pos x="connsiteX85" y="connsiteY85"/>
+              </a:cxn>
+              <a:cxn ang="0">
+                <a:pos x="connsiteX86" y="connsiteY86"/>
+              </a:cxn>
+              <a:cxn ang="0">
+                <a:pos x="connsiteX87" y="connsiteY87"/>
+              </a:cxn>
+              <a:cxn ang="0">
+                <a:pos x="connsiteX88" y="connsiteY88"/>
+              </a:cxn>
+              <a:cxn ang="0">
+                <a:pos x="connsiteX89" y="connsiteY89"/>
+              </a:cxn>
+              <a:cxn ang="0">
+                <a:pos x="connsiteX90" y="connsiteY90"/>
+              </a:cxn>
+              <a:cxn ang="0">
+                <a:pos x="connsiteX91" y="connsiteY91"/>
+              </a:cxn>
+              <a:cxn ang="0">
+                <a:pos x="connsiteX92" y="connsiteY92"/>
+              </a:cxn>
+              <a:cxn ang="0">
+                <a:pos x="connsiteX93" y="connsiteY93"/>
+              </a:cxn>
+              <a:cxn ang="0">
+                <a:pos x="connsiteX94" y="connsiteY94"/>
+              </a:cxn>
+              <a:cxn ang="0">
+                <a:pos x="connsiteX95" y="connsiteY95"/>
+              </a:cxn>
+              <a:cxn ang="0">
+                <a:pos x="connsiteX96" y="connsiteY96"/>
+              </a:cxn>
+              <a:cxn ang="0">
+                <a:pos x="connsiteX97" y="connsiteY97"/>
+              </a:cxn>
+              <a:cxn ang="0">
+                <a:pos x="connsiteX98" y="connsiteY98"/>
+              </a:cxn>
+              <a:cxn ang="0">
+                <a:pos x="connsiteX99" y="connsiteY99"/>
+              </a:cxn>
+              <a:cxn ang="0">
+                <a:pos x="connsiteX100" y="connsiteY100"/>
+              </a:cxn>
+              <a:cxn ang="0">
+                <a:pos x="connsiteX101" y="connsiteY101"/>
+              </a:cxn>
+              <a:cxn ang="0">
+                <a:pos x="connsiteX102" y="connsiteY102"/>
+              </a:cxn>
+              <a:cxn ang="0">
+                <a:pos x="connsiteX103" y="connsiteY103"/>
+              </a:cxn>
+              <a:cxn ang="0">
+                <a:pos x="connsiteX104" y="connsiteY104"/>
+              </a:cxn>
+              <a:cxn ang="0">
+                <a:pos x="connsiteX105" y="connsiteY105"/>
+              </a:cxn>
+              <a:cxn ang="0">
+                <a:pos x="connsiteX106" y="connsiteY106"/>
+              </a:cxn>
+              <a:cxn ang="0">
+                <a:pos x="connsiteX107" y="connsiteY107"/>
+              </a:cxn>
+              <a:cxn ang="0">
+                <a:pos x="connsiteX108" y="connsiteY108"/>
+              </a:cxn>
+              <a:cxn ang="0">
+                <a:pos x="connsiteX109" y="connsiteY109"/>
+              </a:cxn>
+              <a:cxn ang="0">
+                <a:pos x="connsiteX110" y="connsiteY110"/>
+              </a:cxn>
+              <a:cxn ang="0">
+                <a:pos x="connsiteX111" y="connsiteY111"/>
+              </a:cxn>
+              <a:cxn ang="0">
+                <a:pos x="connsiteX112" y="connsiteY112"/>
+              </a:cxn>
+              <a:cxn ang="0">
+                <a:pos x="connsiteX113" y="connsiteY113"/>
+              </a:cxn>
+              <a:cxn ang="0">
+                <a:pos x="connsiteX114" y="connsiteY114"/>
+              </a:cxn>
+              <a:cxn ang="0">
+                <a:pos x="connsiteX115" y="connsiteY115"/>
+              </a:cxn>
+              <a:cxn ang="0">
+                <a:pos x="connsiteX116" y="connsiteY116"/>
+              </a:cxn>
+              <a:cxn ang="0">
+                <a:pos x="connsiteX117" y="connsiteY117"/>
+              </a:cxn>
+              <a:cxn ang="0">
+                <a:pos x="connsiteX118" y="connsiteY118"/>
+              </a:cxn>
+              <a:cxn ang="0">
+                <a:pos x="connsiteX119" y="connsiteY119"/>
+              </a:cxn>
+              <a:cxn ang="0">
+                <a:pos x="connsiteX120" y="connsiteY120"/>
+              </a:cxn>
+              <a:cxn ang="0">
+                <a:pos x="connsiteX121" y="connsiteY121"/>
+              </a:cxn>
+              <a:cxn ang="0">
+                <a:pos x="connsiteX122" y="connsiteY122"/>
+              </a:cxn>
+            </a:cxnLst>
+            <a:rect l="l" t="t" r="r" b="b"/>
+            <a:pathLst>
+              <a:path w="2360305" h="2262110">
+                <a:moveTo>
+                  <a:pt x="0" y="1176076"/>
+                </a:moveTo>
+                <a:cubicBezTo>
+                  <a:pt x="207" y="1102032"/>
+                  <a:pt x="7923" y="1027988"/>
+                  <a:pt x="23022" y="955271"/>
+                </a:cubicBezTo>
+                <a:cubicBezTo>
+                  <a:pt x="38080" y="882595"/>
+                  <a:pt x="61144" y="811330"/>
+                  <a:pt x="92213" y="743715"/>
+                </a:cubicBezTo>
+                <a:cubicBezTo>
+                  <a:pt x="154643" y="608486"/>
+                  <a:pt x="245114" y="487484"/>
+                  <a:pt x="351638" y="384444"/>
+                </a:cubicBezTo>
+                <a:cubicBezTo>
+                  <a:pt x="405025" y="332924"/>
+                  <a:pt x="462726" y="285926"/>
+                  <a:pt x="523662" y="243698"/>
+                </a:cubicBezTo>
+                <a:cubicBezTo>
+                  <a:pt x="584681" y="201511"/>
+                  <a:pt x="648895" y="163929"/>
+                  <a:pt x="715929" y="131946"/>
+                </a:cubicBezTo>
+                <a:cubicBezTo>
+                  <a:pt x="850163" y="68438"/>
+                  <a:pt x="994684" y="26459"/>
+                  <a:pt x="1142731" y="8705"/>
+                </a:cubicBezTo>
+                <a:cubicBezTo>
+                  <a:pt x="1216734" y="-48"/>
+                  <a:pt x="1291816" y="-2163"/>
+                  <a:pt x="1366109" y="2192"/>
+                </a:cubicBezTo>
+                <a:cubicBezTo>
+                  <a:pt x="1440527" y="6714"/>
+                  <a:pt x="1514903" y="17789"/>
+                  <a:pt x="1587579" y="36581"/>
+                </a:cubicBezTo>
+                <a:cubicBezTo>
+                  <a:pt x="1660254" y="55330"/>
+                  <a:pt x="1731229" y="81878"/>
+                  <a:pt x="1798304" y="116391"/>
+                </a:cubicBezTo>
+                <a:cubicBezTo>
+                  <a:pt x="1865297" y="150903"/>
+                  <a:pt x="1928722" y="193090"/>
+                  <a:pt x="1985013" y="243283"/>
+                </a:cubicBezTo>
+                <a:cubicBezTo>
+                  <a:pt x="2041344" y="293434"/>
+                  <a:pt x="2090873" y="350554"/>
+                  <a:pt x="2134304" y="411407"/>
+                </a:cubicBezTo>
+                <a:lnTo>
+                  <a:pt x="2150399" y="434388"/>
+                </a:lnTo>
+                <a:lnTo>
+                  <a:pt x="2165830" y="457783"/>
+                </a:lnTo>
+                <a:cubicBezTo>
+                  <a:pt x="2170808" y="465665"/>
+                  <a:pt x="2175910" y="473505"/>
+                  <a:pt x="2180805" y="481428"/>
+                </a:cubicBezTo>
+                <a:lnTo>
+                  <a:pt x="2195241" y="505404"/>
+                </a:lnTo>
+                <a:cubicBezTo>
+                  <a:pt x="2214115" y="537594"/>
+                  <a:pt x="2231910" y="570406"/>
+                  <a:pt x="2247964" y="604047"/>
+                </a:cubicBezTo>
+                <a:cubicBezTo>
+                  <a:pt x="2280153" y="671330"/>
+                  <a:pt x="2304959" y="742139"/>
+                  <a:pt x="2320141" y="814773"/>
+                </a:cubicBezTo>
+                <a:cubicBezTo>
+                  <a:pt x="2327691" y="851111"/>
+                  <a:pt x="2332959" y="887739"/>
+                  <a:pt x="2337066" y="924408"/>
+                </a:cubicBezTo>
+                <a:cubicBezTo>
+                  <a:pt x="2341255" y="961037"/>
+                  <a:pt x="2344615" y="997623"/>
+                  <a:pt x="2348058" y="1034127"/>
+                </a:cubicBezTo>
+                <a:cubicBezTo>
+                  <a:pt x="2351336" y="1070672"/>
+                  <a:pt x="2354239" y="1107217"/>
+                  <a:pt x="2356811" y="1143845"/>
+                </a:cubicBezTo>
+                <a:lnTo>
+                  <a:pt x="2358595" y="1171348"/>
+                </a:lnTo>
+                <a:cubicBezTo>
+                  <a:pt x="2358926" y="1175869"/>
+                  <a:pt x="2359134" y="1180722"/>
+                  <a:pt x="2359383" y="1185493"/>
+                </a:cubicBezTo>
+                <a:cubicBezTo>
+                  <a:pt x="2359632" y="1190263"/>
+                  <a:pt x="2359881" y="1195075"/>
+                  <a:pt x="2359963" y="1199887"/>
+                </a:cubicBezTo>
+                <a:cubicBezTo>
+                  <a:pt x="2360586" y="1219093"/>
+                  <a:pt x="2360378" y="1238465"/>
+                  <a:pt x="2359175" y="1257878"/>
+                </a:cubicBezTo>
+                <a:cubicBezTo>
+                  <a:pt x="2354695" y="1335573"/>
+                  <a:pt x="2333830" y="1413848"/>
+                  <a:pt x="2300106" y="1485653"/>
+                </a:cubicBezTo>
+                <a:cubicBezTo>
+                  <a:pt x="2266464" y="1557664"/>
+                  <a:pt x="2220088" y="1622293"/>
+                  <a:pt x="2168817" y="1679081"/>
+                </a:cubicBezTo>
+                <a:cubicBezTo>
+                  <a:pt x="2143181" y="1707578"/>
+                  <a:pt x="2116260" y="1734292"/>
+                  <a:pt x="2088799" y="1759721"/>
+                </a:cubicBezTo>
+                <a:cubicBezTo>
+                  <a:pt x="2061338" y="1785149"/>
+                  <a:pt x="2033504" y="1809623"/>
+                  <a:pt x="2005380" y="1833018"/>
+                </a:cubicBezTo>
+                <a:cubicBezTo>
+                  <a:pt x="1949256" y="1880017"/>
+                  <a:pt x="1891887" y="1922867"/>
+                  <a:pt x="1835928" y="1965095"/>
+                </a:cubicBezTo>
+                <a:lnTo>
+                  <a:pt x="1793285" y="1997326"/>
+                </a:lnTo>
+                <a:cubicBezTo>
+                  <a:pt x="1778850" y="2008153"/>
+                  <a:pt x="1764290" y="2019063"/>
+                  <a:pt x="1749481" y="2029765"/>
+                </a:cubicBezTo>
+                <a:cubicBezTo>
+                  <a:pt x="1734713" y="2040509"/>
+                  <a:pt x="1719780" y="2051211"/>
+                  <a:pt x="1704598" y="2061789"/>
+                </a:cubicBezTo>
+                <a:cubicBezTo>
+                  <a:pt x="1689374" y="2072283"/>
+                  <a:pt x="1674026" y="2082695"/>
+                  <a:pt x="1658304" y="2092900"/>
+                </a:cubicBezTo>
+                <a:cubicBezTo>
+                  <a:pt x="1627028" y="2113350"/>
+                  <a:pt x="1594755" y="2133178"/>
+                  <a:pt x="1561113" y="2151306"/>
+                </a:cubicBezTo>
+                <a:cubicBezTo>
+                  <a:pt x="1527513" y="2169516"/>
+                  <a:pt x="1492752" y="2186440"/>
+                  <a:pt x="1456580" y="2200959"/>
+                </a:cubicBezTo>
+                <a:cubicBezTo>
+                  <a:pt x="1384568" y="2230411"/>
+                  <a:pt x="1307205" y="2250280"/>
+                  <a:pt x="1229096" y="2258079"/>
+                </a:cubicBezTo>
+                <a:cubicBezTo>
+                  <a:pt x="1209558" y="2259946"/>
+                  <a:pt x="1190020" y="2261356"/>
+                  <a:pt x="1170524" y="2261771"/>
+                </a:cubicBezTo>
+                <a:lnTo>
+                  <a:pt x="1155881" y="2262103"/>
+                </a:lnTo>
+                <a:cubicBezTo>
+                  <a:pt x="1151028" y="2262144"/>
+                  <a:pt x="1146133" y="2262020"/>
+                  <a:pt x="1141280" y="2262020"/>
+                </a:cubicBezTo>
+                <a:lnTo>
+                  <a:pt x="1126720" y="2261854"/>
+                </a:lnTo>
+                <a:lnTo>
+                  <a:pt x="1112574" y="2261314"/>
+                </a:lnTo>
+                <a:cubicBezTo>
+                  <a:pt x="1074909" y="2260112"/>
+                  <a:pt x="1037161" y="2257125"/>
+                  <a:pt x="999579" y="2252313"/>
+                </a:cubicBezTo>
+                <a:cubicBezTo>
+                  <a:pt x="961955" y="2247750"/>
+                  <a:pt x="924414" y="2241196"/>
+                  <a:pt x="887289" y="2232485"/>
+                </a:cubicBezTo>
+                <a:cubicBezTo>
+                  <a:pt x="850204" y="2223691"/>
+                  <a:pt x="813410" y="2213279"/>
+                  <a:pt x="776989" y="2201415"/>
+                </a:cubicBezTo>
+                <a:cubicBezTo>
+                  <a:pt x="704272" y="2177481"/>
+                  <a:pt x="632385" y="2147697"/>
+                  <a:pt x="565849" y="2107999"/>
+                </a:cubicBezTo>
+                <a:cubicBezTo>
+                  <a:pt x="499271" y="2068384"/>
+                  <a:pt x="439828" y="2018150"/>
+                  <a:pt x="387893" y="1962565"/>
+                </a:cubicBezTo>
+                <a:cubicBezTo>
+                  <a:pt x="361801" y="1934814"/>
+                  <a:pt x="338074" y="1905279"/>
+                  <a:pt x="315757" y="1875039"/>
+                </a:cubicBezTo>
+                <a:cubicBezTo>
+                  <a:pt x="293564" y="1844675"/>
+                  <a:pt x="272450" y="1813854"/>
+                  <a:pt x="252747" y="1782369"/>
+                </a:cubicBezTo>
+                <a:cubicBezTo>
+                  <a:pt x="247686" y="1774571"/>
+                  <a:pt x="242915" y="1766648"/>
+                  <a:pt x="238021" y="1758766"/>
+                </a:cubicBezTo>
+                <a:lnTo>
+                  <a:pt x="223958" y="1735869"/>
+                </a:lnTo>
+                <a:cubicBezTo>
+                  <a:pt x="214957" y="1721060"/>
+                  <a:pt x="205624" y="1706376"/>
+                  <a:pt x="196207" y="1691484"/>
+                </a:cubicBezTo>
+                <a:lnTo>
+                  <a:pt x="138714" y="1600805"/>
+                </a:lnTo>
+                <a:cubicBezTo>
+                  <a:pt x="119425" y="1569901"/>
+                  <a:pt x="100385" y="1538085"/>
+                  <a:pt x="82590" y="1504942"/>
+                </a:cubicBezTo>
+                <a:cubicBezTo>
+                  <a:pt x="73713" y="1488349"/>
+                  <a:pt x="65126" y="1471466"/>
+                  <a:pt x="57286" y="1454127"/>
+                </a:cubicBezTo>
+                <a:cubicBezTo>
+                  <a:pt x="49487" y="1436746"/>
+                  <a:pt x="42228" y="1419033"/>
+                  <a:pt x="35799" y="1400947"/>
+                </a:cubicBezTo>
+                <a:cubicBezTo>
+                  <a:pt x="29493" y="1382820"/>
+                  <a:pt x="23893" y="1364444"/>
+                  <a:pt x="19330" y="1345777"/>
+                </a:cubicBezTo>
+                <a:cubicBezTo>
+                  <a:pt x="17173" y="1336444"/>
+                  <a:pt x="14975" y="1327069"/>
+                  <a:pt x="13191" y="1317653"/>
+                </a:cubicBezTo>
+                <a:lnTo>
+                  <a:pt x="10495" y="1303549"/>
+                </a:lnTo>
+                <a:lnTo>
+                  <a:pt x="8255" y="1289404"/>
+                </a:lnTo>
+                <a:cubicBezTo>
+                  <a:pt x="2447" y="1251656"/>
+                  <a:pt x="0" y="1213700"/>
+                  <a:pt x="0" y="1176076"/>
+                </a:cubicBezTo>
+                <a:close/>
+                <a:moveTo>
+                  <a:pt x="67573" y="1176076"/>
+                </a:moveTo>
+                <a:cubicBezTo>
+                  <a:pt x="67947" y="1209842"/>
+                  <a:pt x="71265" y="1243359"/>
+                  <a:pt x="79105" y="1275715"/>
+                </a:cubicBezTo>
+                <a:cubicBezTo>
+                  <a:pt x="86821" y="1308112"/>
+                  <a:pt x="98809" y="1339099"/>
+                  <a:pt x="113161" y="1368924"/>
+                </a:cubicBezTo>
+                <a:cubicBezTo>
+                  <a:pt x="120421" y="1383816"/>
+                  <a:pt x="128468" y="1398417"/>
+                  <a:pt x="136930" y="1412811"/>
+                </a:cubicBezTo>
+                <a:cubicBezTo>
+                  <a:pt x="145517" y="1427164"/>
+                  <a:pt x="154684" y="1441309"/>
+                  <a:pt x="164225" y="1455288"/>
+                </a:cubicBezTo>
+                <a:cubicBezTo>
+                  <a:pt x="183555" y="1483164"/>
+                  <a:pt x="205043" y="1510210"/>
+                  <a:pt x="227277" y="1537380"/>
+                </a:cubicBezTo>
+                <a:cubicBezTo>
+                  <a:pt x="249511" y="1564592"/>
+                  <a:pt x="272741" y="1591804"/>
+                  <a:pt x="295514" y="1620094"/>
+                </a:cubicBezTo>
+                <a:cubicBezTo>
+                  <a:pt x="306921" y="1634198"/>
+                  <a:pt x="318204" y="1648633"/>
+                  <a:pt x="329446" y="1663276"/>
+                </a:cubicBezTo>
+                <a:lnTo>
+                  <a:pt x="345748" y="1684473"/>
+                </a:lnTo>
+                <a:cubicBezTo>
+                  <a:pt x="351099" y="1691235"/>
+                  <a:pt x="356201" y="1698162"/>
+                  <a:pt x="361718" y="1704758"/>
+                </a:cubicBezTo>
+                <a:cubicBezTo>
+                  <a:pt x="404776" y="1758435"/>
+                  <a:pt x="451484" y="1807839"/>
+                  <a:pt x="498939" y="1854672"/>
+                </a:cubicBezTo>
+                <a:cubicBezTo>
+                  <a:pt x="522791" y="1877984"/>
+                  <a:pt x="547058" y="1900509"/>
+                  <a:pt x="571905" y="1922121"/>
+                </a:cubicBezTo>
+                <a:cubicBezTo>
+                  <a:pt x="596752" y="1943732"/>
+                  <a:pt x="622056" y="1964639"/>
+                  <a:pt x="648314" y="1984301"/>
+                </a:cubicBezTo>
+                <a:cubicBezTo>
+                  <a:pt x="700622" y="2023709"/>
+                  <a:pt x="757037" y="2058926"/>
+                  <a:pt x="819010" y="2082654"/>
+                </a:cubicBezTo>
+                <a:cubicBezTo>
+                  <a:pt x="849914" y="2094518"/>
+                  <a:pt x="881937" y="2103602"/>
+                  <a:pt x="914500" y="2110446"/>
+                </a:cubicBezTo>
+                <a:cubicBezTo>
+                  <a:pt x="922672" y="2112064"/>
+                  <a:pt x="930761" y="2113931"/>
+                  <a:pt x="938974" y="2115341"/>
+                </a:cubicBezTo>
+                <a:lnTo>
+                  <a:pt x="963656" y="2119448"/>
+                </a:lnTo>
+                <a:cubicBezTo>
+                  <a:pt x="980207" y="2121646"/>
+                  <a:pt x="996758" y="2123969"/>
+                  <a:pt x="1013475" y="2125338"/>
+                </a:cubicBezTo>
+                <a:cubicBezTo>
+                  <a:pt x="1021813" y="2126127"/>
+                  <a:pt x="1030151" y="2126873"/>
+                  <a:pt x="1038530" y="2127246"/>
+                </a:cubicBezTo>
+                <a:cubicBezTo>
+                  <a:pt x="1046909" y="2127661"/>
+                  <a:pt x="1055247" y="2128325"/>
+                  <a:pt x="1063668" y="2128574"/>
+                </a:cubicBezTo>
+                <a:lnTo>
+                  <a:pt x="1088888" y="2129155"/>
+                </a:lnTo>
+                <a:cubicBezTo>
+                  <a:pt x="1097268" y="2129362"/>
+                  <a:pt x="1105730" y="2129072"/>
+                  <a:pt x="1114151" y="2129030"/>
+                </a:cubicBezTo>
+                <a:lnTo>
+                  <a:pt x="1126803" y="2128906"/>
+                </a:lnTo>
+                <a:cubicBezTo>
+                  <a:pt x="1130909" y="2128781"/>
+                  <a:pt x="1134933" y="2128532"/>
+                  <a:pt x="1138998" y="2128366"/>
+                </a:cubicBezTo>
+                <a:cubicBezTo>
+                  <a:pt x="1143063" y="2128159"/>
+                  <a:pt x="1147128" y="2128034"/>
+                  <a:pt x="1151152" y="2127744"/>
+                </a:cubicBezTo>
+                <a:lnTo>
+                  <a:pt x="1163265" y="2126749"/>
+                </a:lnTo>
+                <a:cubicBezTo>
+                  <a:pt x="1179401" y="2125463"/>
+                  <a:pt x="1195413" y="2123306"/>
+                  <a:pt x="1211300" y="2120817"/>
+                </a:cubicBezTo>
+                <a:cubicBezTo>
+                  <a:pt x="1274891" y="2110281"/>
+                  <a:pt x="1336035" y="2089664"/>
+                  <a:pt x="1394275" y="2060752"/>
+                </a:cubicBezTo>
+                <a:cubicBezTo>
+                  <a:pt x="1452722" y="2032171"/>
+                  <a:pt x="1508349" y="1995584"/>
+                  <a:pt x="1563312" y="1955430"/>
+                </a:cubicBezTo>
+                <a:cubicBezTo>
+                  <a:pt x="1577042" y="1945433"/>
+                  <a:pt x="1590690" y="1935021"/>
+                  <a:pt x="1604296" y="1924485"/>
+                </a:cubicBezTo>
+                <a:cubicBezTo>
+                  <a:pt x="1617984" y="1913990"/>
+                  <a:pt x="1631632" y="1903329"/>
+                  <a:pt x="1645279" y="1892503"/>
+                </a:cubicBezTo>
+                <a:lnTo>
+                  <a:pt x="1728284" y="1826132"/>
+                </a:lnTo>
+                <a:cubicBezTo>
+                  <a:pt x="1785238" y="1780959"/>
+                  <a:pt x="1842731" y="1738897"/>
+                  <a:pt x="1898897" y="1697664"/>
+                </a:cubicBezTo>
+                <a:cubicBezTo>
+                  <a:pt x="1955021" y="1656432"/>
+                  <a:pt x="2009030" y="1614784"/>
+                  <a:pt x="2057854" y="1569901"/>
+                </a:cubicBezTo>
+                <a:cubicBezTo>
+                  <a:pt x="2106678" y="1525101"/>
+                  <a:pt x="2150772" y="1477356"/>
+                  <a:pt x="2184953" y="1423472"/>
+                </a:cubicBezTo>
+                <a:cubicBezTo>
+                  <a:pt x="2202044" y="1396550"/>
+                  <a:pt x="2216645" y="1368177"/>
+                  <a:pt x="2228260" y="1338352"/>
+                </a:cubicBezTo>
+                <a:cubicBezTo>
+                  <a:pt x="2239958" y="1308568"/>
+                  <a:pt x="2248378" y="1277374"/>
+                  <a:pt x="2254642" y="1245350"/>
+                </a:cubicBezTo>
+                <a:cubicBezTo>
+                  <a:pt x="2257753" y="1229339"/>
+                  <a:pt x="2260242" y="1213036"/>
+                  <a:pt x="2261943" y="1196568"/>
+                </a:cubicBezTo>
+                <a:cubicBezTo>
+                  <a:pt x="2262441" y="1192462"/>
+                  <a:pt x="2262772" y="1188313"/>
+                  <a:pt x="2263146" y="1184207"/>
+                </a:cubicBezTo>
+                <a:cubicBezTo>
+                  <a:pt x="2263478" y="1180059"/>
+                  <a:pt x="2263893" y="1175993"/>
+                  <a:pt x="2264058" y="1171596"/>
+                </a:cubicBezTo>
+                <a:lnTo>
+                  <a:pt x="2265386" y="1145546"/>
+                </a:lnTo>
+                <a:cubicBezTo>
+                  <a:pt x="2266589" y="1110785"/>
+                  <a:pt x="2265842" y="1075982"/>
+                  <a:pt x="2263104" y="1041386"/>
+                </a:cubicBezTo>
+                <a:cubicBezTo>
+                  <a:pt x="2260449" y="1006749"/>
+                  <a:pt x="2255347" y="972402"/>
+                  <a:pt x="2248461" y="938512"/>
+                </a:cubicBezTo>
+                <a:cubicBezTo>
+                  <a:pt x="2241492" y="904622"/>
+                  <a:pt x="2232781" y="871188"/>
+                  <a:pt x="2223614" y="838127"/>
+                </a:cubicBezTo>
+                <a:cubicBezTo>
+                  <a:pt x="2205321" y="771964"/>
+                  <a:pt x="2185119" y="706672"/>
+                  <a:pt x="2159442" y="643371"/>
+                </a:cubicBezTo>
+                <a:cubicBezTo>
+                  <a:pt x="2146583" y="611763"/>
+                  <a:pt x="2132230" y="580734"/>
+                  <a:pt x="2115721" y="550909"/>
+                </a:cubicBezTo>
+                <a:cubicBezTo>
+                  <a:pt x="2111697" y="543401"/>
+                  <a:pt x="2107258" y="536100"/>
+                  <a:pt x="2102986" y="528758"/>
+                </a:cubicBezTo>
+                <a:cubicBezTo>
+                  <a:pt x="2098589" y="521457"/>
+                  <a:pt x="2094026" y="514281"/>
+                  <a:pt x="2089587" y="507022"/>
+                </a:cubicBezTo>
+                <a:lnTo>
+                  <a:pt x="2075401" y="485783"/>
+                </a:lnTo>
+                <a:lnTo>
+                  <a:pt x="2060592" y="465001"/>
+                </a:lnTo>
+                <a:cubicBezTo>
+                  <a:pt x="2020064" y="410370"/>
+                  <a:pt x="1972485" y="361505"/>
+                  <a:pt x="1920384" y="318696"/>
+                </a:cubicBezTo>
+                <a:cubicBezTo>
+                  <a:pt x="1868408" y="275763"/>
+                  <a:pt x="1811952" y="238429"/>
+                  <a:pt x="1751596" y="208438"/>
+                </a:cubicBezTo>
+                <a:cubicBezTo>
+                  <a:pt x="1691282" y="178364"/>
+                  <a:pt x="1627442" y="155301"/>
+                  <a:pt x="1561653" y="139206"/>
+                </a:cubicBezTo>
+                <a:cubicBezTo>
+                  <a:pt x="1495863" y="123069"/>
+                  <a:pt x="1428248" y="113778"/>
+                  <a:pt x="1360094" y="110501"/>
+                </a:cubicBezTo>
+                <a:cubicBezTo>
+                  <a:pt x="1291816" y="107058"/>
+                  <a:pt x="1223620" y="109339"/>
+                  <a:pt x="1155840" y="117801"/>
+                </a:cubicBezTo>
+                <a:cubicBezTo>
+                  <a:pt x="1088100" y="126305"/>
+                  <a:pt x="1020983" y="140533"/>
+                  <a:pt x="955360" y="159946"/>
+                </a:cubicBezTo>
+                <a:cubicBezTo>
+                  <a:pt x="889694" y="179277"/>
+                  <a:pt x="825647" y="204290"/>
+                  <a:pt x="763591" y="233286"/>
+                </a:cubicBezTo>
+                <a:cubicBezTo>
+                  <a:pt x="639105" y="290655"/>
+                  <a:pt x="522874" y="366732"/>
+                  <a:pt x="420912" y="458613"/>
+                </a:cubicBezTo>
+                <a:cubicBezTo>
+                  <a:pt x="370098" y="504699"/>
+                  <a:pt x="323016" y="554974"/>
+                  <a:pt x="280830" y="608983"/>
+                </a:cubicBezTo>
+                <a:cubicBezTo>
+                  <a:pt x="238560" y="662909"/>
+                  <a:pt x="201268" y="720734"/>
+                  <a:pt x="170074" y="781671"/>
+                </a:cubicBezTo>
+                <a:cubicBezTo>
+                  <a:pt x="138880" y="842565"/>
+                  <a:pt x="112913" y="906322"/>
+                  <a:pt x="94910" y="972568"/>
+                </a:cubicBezTo>
+                <a:cubicBezTo>
+                  <a:pt x="76907" y="1038648"/>
+                  <a:pt x="67532" y="1107342"/>
+                  <a:pt x="67573" y="1176076"/>
+                </a:cubicBezTo>
+                <a:close/>
+              </a:path>
+            </a:pathLst>
+          </a:custGeom>
+          <a:solidFill>
+            <a:schemeClr val="bg1">
+              <a:alpha val="30000"/>
+            </a:schemeClr>
+          </a:solidFill>
+          <a:ln w="4132" cap="flat">
+            <a:noFill/>
+            <a:prstDash val="solid"/>
+            <a:miter/>
+          </a:ln>
+        </p:spPr>
+        <p:txBody>
+          <a:bodyPr rtlCol="0" anchor="ctr"/>
+          <a:lstStyle/>
+          <a:p>
+            <a:endParaRPr lang="en-US"/>
+          </a:p>
+        </p:txBody>
+      </p:sp>
+      <p:sp useBgFill="1">
+        <p:nvSpPr>
+          <p:cNvPr id="33" name="Freeform: Shape 32">
+            <a:extLst>
+              <a:ext uri="{FF2B5EF4-FFF2-40B4-BE49-F238E27FC236}">
+                <a16:creationId xmlns:a16="http://schemas.microsoft.com/office/drawing/2014/main" id="{01C84AF8-30D9-46A2-82DB-3344A06709CB}"/>
+              </a:ext>
+              <a:ext uri="{C183D7F6-B498-43B3-948B-1728B52AA6E4}">
+                <adec:decorative xmlns:adec="http://schemas.microsoft.com/office/drawing/2017/decorative" val="1"/>
+              </a:ext>
+            </a:extLst>
+          </p:cNvPr>
+          <p:cNvSpPr>
+            <a:spLocks noGrp="1" noRot="1" noChangeAspect="1" noMove="1" noResize="1" noEditPoints="1" noAdjustHandles="1" noChangeArrowheads="1" noChangeShapeType="1" noTextEdit="1"/>
+          </p:cNvSpPr>
+          <p:nvPr>
+            <p:extLst>
+              <p:ext uri="{386F3935-93C4-4BCD-93E2-E3B085C9AB24}">
+                <p16:designElem xmlns:p16="http://schemas.microsoft.com/office/powerpoint/2015/main" val="1"/>
+              </p:ext>
+            </p:extLst>
+          </p:nvPr>
+        </p:nvSpPr>
+        <p:spPr>
+          <a:xfrm>
+            <a:off x="5044687" y="778184"/>
+            <a:ext cx="2381036" cy="2381037"/>
+          </a:xfrm>
+          <a:custGeom>
+            <a:avLst/>
+            <a:gdLst>
+              <a:gd name="connsiteX0" fmla="*/ 1190518 w 2381036"/>
+              <a:gd name="connsiteY0" fmla="*/ 0 h 2381036"/>
+              <a:gd name="connsiteX1" fmla="*/ 0 w 2381036"/>
+              <a:gd name="connsiteY1" fmla="*/ 1190518 h 2381036"/>
+              <a:gd name="connsiteX2" fmla="*/ 1190518 w 2381036"/>
+              <a:gd name="connsiteY2" fmla="*/ 2381036 h 2381036"/>
+              <a:gd name="connsiteX3" fmla="*/ 2381036 w 2381036"/>
+              <a:gd name="connsiteY3" fmla="*/ 1190518 h 2381036"/>
+              <a:gd name="connsiteX4" fmla="*/ 1190518 w 2381036"/>
+              <a:gd name="connsiteY4" fmla="*/ 0 h 2381036"/>
+              <a:gd name="connsiteX5" fmla="*/ 2143804 w 2381036"/>
+              <a:gd name="connsiteY5" fmla="*/ 573647 h 2381036"/>
+              <a:gd name="connsiteX6" fmla="*/ 2168693 w 2381036"/>
+              <a:gd name="connsiteY6" fmla="*/ 623176 h 2381036"/>
+              <a:gd name="connsiteX7" fmla="*/ 2191051 w 2381036"/>
+              <a:gd name="connsiteY7" fmla="*/ 673783 h 2381036"/>
+              <a:gd name="connsiteX8" fmla="*/ 2258085 w 2381036"/>
+              <a:gd name="connsiteY8" fmla="*/ 884883 h 2381036"/>
+              <a:gd name="connsiteX9" fmla="*/ 2291436 w 2381036"/>
+              <a:gd name="connsiteY9" fmla="*/ 1104029 h 2381036"/>
+              <a:gd name="connsiteX10" fmla="*/ 2296912 w 2381036"/>
+              <a:gd name="connsiteY10" fmla="*/ 1214702 h 2381036"/>
+              <a:gd name="connsiteX11" fmla="*/ 2297161 w 2381036"/>
+              <a:gd name="connsiteY11" fmla="*/ 1234571 h 2381036"/>
+              <a:gd name="connsiteX12" fmla="*/ 2297202 w 2381036"/>
+              <a:gd name="connsiteY12" fmla="*/ 1242494 h 2381036"/>
+              <a:gd name="connsiteX13" fmla="*/ 2297078 w 2381036"/>
+              <a:gd name="connsiteY13" fmla="*/ 1267549 h 2381036"/>
+              <a:gd name="connsiteX14" fmla="*/ 2297036 w 2381036"/>
+              <a:gd name="connsiteY14" fmla="*/ 1269582 h 2381036"/>
+              <a:gd name="connsiteX15" fmla="*/ 2293925 w 2381036"/>
+              <a:gd name="connsiteY15" fmla="*/ 1322056 h 2381036"/>
+              <a:gd name="connsiteX16" fmla="*/ 2238962 w 2381036"/>
+              <a:gd name="connsiteY16" fmla="*/ 1518885 h 2381036"/>
+              <a:gd name="connsiteX17" fmla="*/ 2186364 w 2381036"/>
+              <a:gd name="connsiteY17" fmla="*/ 1606785 h 2381036"/>
+              <a:gd name="connsiteX18" fmla="*/ 2119869 w 2381036"/>
+              <a:gd name="connsiteY18" fmla="*/ 1687507 h 2381036"/>
+              <a:gd name="connsiteX19" fmla="*/ 1959087 w 2381036"/>
+              <a:gd name="connsiteY19" fmla="*/ 1833854 h 2381036"/>
+              <a:gd name="connsiteX20" fmla="*/ 1855549 w 2381036"/>
+              <a:gd name="connsiteY20" fmla="*/ 1915490 h 2381036"/>
+              <a:gd name="connsiteX21" fmla="*/ 1780385 w 2381036"/>
+              <a:gd name="connsiteY21" fmla="*/ 1974352 h 2381036"/>
+              <a:gd name="connsiteX22" fmla="*/ 1735792 w 2381036"/>
+              <a:gd name="connsiteY22" fmla="*/ 2010026 h 2381036"/>
+              <a:gd name="connsiteX23" fmla="*/ 1692070 w 2381036"/>
+              <a:gd name="connsiteY23" fmla="*/ 2044124 h 2381036"/>
+              <a:gd name="connsiteX24" fmla="*/ 1603508 w 2381036"/>
+              <a:gd name="connsiteY24" fmla="*/ 2108461 h 2381036"/>
+              <a:gd name="connsiteX25" fmla="*/ 1512912 w 2381036"/>
+              <a:gd name="connsiteY25" fmla="*/ 2165042 h 2381036"/>
+              <a:gd name="connsiteX26" fmla="*/ 1419537 w 2381036"/>
+              <a:gd name="connsiteY26" fmla="*/ 2211336 h 2381036"/>
+              <a:gd name="connsiteX27" fmla="*/ 1222915 w 2381036"/>
+              <a:gd name="connsiteY27" fmla="*/ 2264473 h 2381036"/>
+              <a:gd name="connsiteX28" fmla="*/ 1172059 w 2381036"/>
+              <a:gd name="connsiteY28" fmla="*/ 2268912 h 2381036"/>
+              <a:gd name="connsiteX29" fmla="*/ 1159075 w 2381036"/>
+              <a:gd name="connsiteY29" fmla="*/ 2269575 h 2381036"/>
+              <a:gd name="connsiteX30" fmla="*/ 1146174 w 2381036"/>
+              <a:gd name="connsiteY30" fmla="*/ 2269907 h 2381036"/>
+              <a:gd name="connsiteX31" fmla="*/ 1146050 w 2381036"/>
+              <a:gd name="connsiteY31" fmla="*/ 2269907 h 2381036"/>
+              <a:gd name="connsiteX32" fmla="*/ 1145925 w 2381036"/>
+              <a:gd name="connsiteY32" fmla="*/ 2269907 h 2381036"/>
+              <a:gd name="connsiteX33" fmla="*/ 1132195 w 2381036"/>
+              <a:gd name="connsiteY33" fmla="*/ 2270115 h 2381036"/>
+              <a:gd name="connsiteX34" fmla="*/ 1125143 w 2381036"/>
+              <a:gd name="connsiteY34" fmla="*/ 2270073 h 2381036"/>
+              <a:gd name="connsiteX35" fmla="*/ 1119792 w 2381036"/>
+              <a:gd name="connsiteY35" fmla="*/ 2270073 h 2381036"/>
+              <a:gd name="connsiteX36" fmla="*/ 1013226 w 2381036"/>
+              <a:gd name="connsiteY36" fmla="*/ 2265427 h 2381036"/>
+              <a:gd name="connsiteX37" fmla="*/ 961748 w 2381036"/>
+              <a:gd name="connsiteY37" fmla="*/ 2259578 h 2381036"/>
+              <a:gd name="connsiteX38" fmla="*/ 910477 w 2381036"/>
+              <a:gd name="connsiteY38" fmla="*/ 2250950 h 2381036"/>
+              <a:gd name="connsiteX39" fmla="*/ 809428 w 2381036"/>
+              <a:gd name="connsiteY39" fmla="*/ 2224776 h 2381036"/>
+              <a:gd name="connsiteX40" fmla="*/ 712652 w 2381036"/>
+              <a:gd name="connsiteY40" fmla="*/ 2186944 h 2381036"/>
+              <a:gd name="connsiteX41" fmla="*/ 712569 w 2381036"/>
+              <a:gd name="connsiteY41" fmla="*/ 2186903 h 2381036"/>
+              <a:gd name="connsiteX42" fmla="*/ 712486 w 2381036"/>
+              <a:gd name="connsiteY42" fmla="*/ 2186861 h 2381036"/>
+              <a:gd name="connsiteX43" fmla="*/ 620812 w 2381036"/>
+              <a:gd name="connsiteY43" fmla="*/ 2136793 h 2381036"/>
+              <a:gd name="connsiteX44" fmla="*/ 454346 w 2381036"/>
+              <a:gd name="connsiteY44" fmla="*/ 2003099 h 2381036"/>
+              <a:gd name="connsiteX45" fmla="*/ 379929 w 2381036"/>
+              <a:gd name="connsiteY45" fmla="*/ 1922707 h 2381036"/>
+              <a:gd name="connsiteX46" fmla="*/ 347490 w 2381036"/>
+              <a:gd name="connsiteY46" fmla="*/ 1883383 h 2381036"/>
+              <a:gd name="connsiteX47" fmla="*/ 344752 w 2381036"/>
+              <a:gd name="connsiteY47" fmla="*/ 1879981 h 2381036"/>
+              <a:gd name="connsiteX48" fmla="*/ 339318 w 2381036"/>
+              <a:gd name="connsiteY48" fmla="*/ 1872971 h 2381036"/>
+              <a:gd name="connsiteX49" fmla="*/ 311152 w 2381036"/>
+              <a:gd name="connsiteY49" fmla="*/ 1835845 h 2381036"/>
+              <a:gd name="connsiteX50" fmla="*/ 311070 w 2381036"/>
+              <a:gd name="connsiteY50" fmla="*/ 1835762 h 2381036"/>
+              <a:gd name="connsiteX51" fmla="*/ 310987 w 2381036"/>
+              <a:gd name="connsiteY51" fmla="*/ 1835679 h 2381036"/>
+              <a:gd name="connsiteX52" fmla="*/ 294892 w 2381036"/>
+              <a:gd name="connsiteY52" fmla="*/ 1813777 h 2381036"/>
+              <a:gd name="connsiteX53" fmla="*/ 276930 w 2381036"/>
+              <a:gd name="connsiteY53" fmla="*/ 1789386 h 2381036"/>
+              <a:gd name="connsiteX54" fmla="*/ 241795 w 2381036"/>
+              <a:gd name="connsiteY54" fmla="*/ 1743466 h 2381036"/>
+              <a:gd name="connsiteX55" fmla="*/ 214003 w 2381036"/>
+              <a:gd name="connsiteY55" fmla="*/ 1707833 h 2381036"/>
+              <a:gd name="connsiteX56" fmla="*/ 171982 w 2381036"/>
+              <a:gd name="connsiteY56" fmla="*/ 1653493 h 2381036"/>
+              <a:gd name="connsiteX57" fmla="*/ 138673 w 2381036"/>
+              <a:gd name="connsiteY57" fmla="*/ 1608278 h 2381036"/>
+              <a:gd name="connsiteX58" fmla="*/ 107852 w 2381036"/>
+              <a:gd name="connsiteY58" fmla="*/ 1562192 h 2381036"/>
+              <a:gd name="connsiteX59" fmla="*/ 80059 w 2381036"/>
+              <a:gd name="connsiteY59" fmla="*/ 1514696 h 2381036"/>
+              <a:gd name="connsiteX60" fmla="*/ 79976 w 2381036"/>
+              <a:gd name="connsiteY60" fmla="*/ 1514530 h 2381036"/>
+              <a:gd name="connsiteX61" fmla="*/ 79893 w 2381036"/>
+              <a:gd name="connsiteY61" fmla="*/ 1514364 h 2381036"/>
+              <a:gd name="connsiteX62" fmla="*/ 70518 w 2381036"/>
+              <a:gd name="connsiteY62" fmla="*/ 1496195 h 2381036"/>
+              <a:gd name="connsiteX63" fmla="*/ 67532 w 2381036"/>
+              <a:gd name="connsiteY63" fmla="*/ 1490180 h 2381036"/>
+              <a:gd name="connsiteX64" fmla="*/ 64255 w 2381036"/>
+              <a:gd name="connsiteY64" fmla="*/ 1483045 h 2381036"/>
+              <a:gd name="connsiteX65" fmla="*/ 56415 w 2381036"/>
+              <a:gd name="connsiteY65" fmla="*/ 1465457 h 2381036"/>
+              <a:gd name="connsiteX66" fmla="*/ 56332 w 2381036"/>
+              <a:gd name="connsiteY66" fmla="*/ 1465291 h 2381036"/>
+              <a:gd name="connsiteX67" fmla="*/ 56249 w 2381036"/>
+              <a:gd name="connsiteY67" fmla="*/ 1465125 h 2381036"/>
+              <a:gd name="connsiteX68" fmla="*/ 23852 w 2381036"/>
+              <a:gd name="connsiteY68" fmla="*/ 1361090 h 2381036"/>
+              <a:gd name="connsiteX69" fmla="*/ 13233 w 2381036"/>
+              <a:gd name="connsiteY69" fmla="*/ 1252243 h 2381036"/>
+              <a:gd name="connsiteX70" fmla="*/ 38785 w 2381036"/>
+              <a:gd name="connsiteY70" fmla="*/ 1031478 h 2381036"/>
+              <a:gd name="connsiteX71" fmla="*/ 70353 w 2381036"/>
+              <a:gd name="connsiteY71" fmla="*/ 924954 h 2381036"/>
+              <a:gd name="connsiteX72" fmla="*/ 70436 w 2381036"/>
+              <a:gd name="connsiteY72" fmla="*/ 924788 h 2381036"/>
+              <a:gd name="connsiteX73" fmla="*/ 70477 w 2381036"/>
+              <a:gd name="connsiteY73" fmla="*/ 924622 h 2381036"/>
+              <a:gd name="connsiteX74" fmla="*/ 76533 w 2381036"/>
+              <a:gd name="connsiteY74" fmla="*/ 908237 h 2381036"/>
+              <a:gd name="connsiteX75" fmla="*/ 80184 w 2381036"/>
+              <a:gd name="connsiteY75" fmla="*/ 898654 h 2381036"/>
+              <a:gd name="connsiteX76" fmla="*/ 89641 w 2381036"/>
+              <a:gd name="connsiteY76" fmla="*/ 875051 h 2381036"/>
+              <a:gd name="connsiteX77" fmla="*/ 90471 w 2381036"/>
+              <a:gd name="connsiteY77" fmla="*/ 873060 h 2381036"/>
+              <a:gd name="connsiteX78" fmla="*/ 95864 w 2381036"/>
+              <a:gd name="connsiteY78" fmla="*/ 860367 h 2381036"/>
+              <a:gd name="connsiteX79" fmla="*/ 101588 w 2381036"/>
+              <a:gd name="connsiteY79" fmla="*/ 847715 h 2381036"/>
+              <a:gd name="connsiteX80" fmla="*/ 113244 w 2381036"/>
+              <a:gd name="connsiteY80" fmla="*/ 822743 h 2381036"/>
+              <a:gd name="connsiteX81" fmla="*/ 113286 w 2381036"/>
+              <a:gd name="connsiteY81" fmla="*/ 822619 h 2381036"/>
+              <a:gd name="connsiteX82" fmla="*/ 113327 w 2381036"/>
+              <a:gd name="connsiteY82" fmla="*/ 822494 h 2381036"/>
+              <a:gd name="connsiteX83" fmla="*/ 166465 w 2381036"/>
+              <a:gd name="connsiteY83" fmla="*/ 725303 h 2381036"/>
+              <a:gd name="connsiteX84" fmla="*/ 228895 w 2381036"/>
+              <a:gd name="connsiteY84" fmla="*/ 634252 h 2381036"/>
+              <a:gd name="connsiteX85" fmla="*/ 375573 w 2381036"/>
+              <a:gd name="connsiteY85" fmla="*/ 470607 h 2381036"/>
+              <a:gd name="connsiteX86" fmla="*/ 457914 w 2381036"/>
+              <a:gd name="connsiteY86" fmla="*/ 398347 h 2381036"/>
+              <a:gd name="connsiteX87" fmla="*/ 479069 w 2381036"/>
+              <a:gd name="connsiteY87" fmla="*/ 381464 h 2381036"/>
+              <a:gd name="connsiteX88" fmla="*/ 482720 w 2381036"/>
+              <a:gd name="connsiteY88" fmla="*/ 378601 h 2381036"/>
+              <a:gd name="connsiteX89" fmla="*/ 500764 w 2381036"/>
+              <a:gd name="connsiteY89" fmla="*/ 364788 h 2381036"/>
+              <a:gd name="connsiteX90" fmla="*/ 500847 w 2381036"/>
+              <a:gd name="connsiteY90" fmla="*/ 364705 h 2381036"/>
+              <a:gd name="connsiteX91" fmla="*/ 500930 w 2381036"/>
+              <a:gd name="connsiteY91" fmla="*/ 364622 h 2381036"/>
+              <a:gd name="connsiteX92" fmla="*/ 544901 w 2381036"/>
+              <a:gd name="connsiteY92" fmla="*/ 332474 h 2381036"/>
+              <a:gd name="connsiteX93" fmla="*/ 730903 w 2381036"/>
+              <a:gd name="connsiteY93" fmla="*/ 220806 h 2381036"/>
+              <a:gd name="connsiteX94" fmla="*/ 828966 w 2381036"/>
+              <a:gd name="connsiteY94" fmla="*/ 175342 h 2381036"/>
+              <a:gd name="connsiteX95" fmla="*/ 929973 w 2381036"/>
+              <a:gd name="connsiteY95" fmla="*/ 137760 h 2381036"/>
+              <a:gd name="connsiteX96" fmla="*/ 1033469 w 2381036"/>
+              <a:gd name="connsiteY96" fmla="*/ 108308 h 2381036"/>
+              <a:gd name="connsiteX97" fmla="*/ 1138874 w 2381036"/>
+              <a:gd name="connsiteY97" fmla="*/ 87733 h 2381036"/>
+              <a:gd name="connsiteX98" fmla="*/ 1306749 w 2381036"/>
+              <a:gd name="connsiteY98" fmla="*/ 75247 h 2381036"/>
+              <a:gd name="connsiteX99" fmla="*/ 1353291 w 2381036"/>
+              <a:gd name="connsiteY99" fmla="*/ 76243 h 2381036"/>
+              <a:gd name="connsiteX100" fmla="*/ 1459899 w 2381036"/>
+              <a:gd name="connsiteY100" fmla="*/ 85535 h 2381036"/>
+              <a:gd name="connsiteX101" fmla="*/ 1565594 w 2381036"/>
+              <a:gd name="connsiteY101" fmla="*/ 106234 h 2381036"/>
+              <a:gd name="connsiteX102" fmla="*/ 1767442 w 2381036"/>
+              <a:gd name="connsiteY102" fmla="*/ 184427 h 2381036"/>
+              <a:gd name="connsiteX103" fmla="*/ 1859987 w 2381036"/>
+              <a:gd name="connsiteY103" fmla="*/ 242210 h 2381036"/>
+              <a:gd name="connsiteX104" fmla="*/ 1944610 w 2381036"/>
+              <a:gd name="connsiteY104" fmla="*/ 311526 h 2381036"/>
+              <a:gd name="connsiteX105" fmla="*/ 2086808 w 2381036"/>
+              <a:gd name="connsiteY105" fmla="*/ 478862 h 2381036"/>
+              <a:gd name="connsiteX106" fmla="*/ 2143804 w 2381036"/>
+              <a:gd name="connsiteY106" fmla="*/ 573647 h 2381036"/>
+            </a:gdLst>
+            <a:ahLst/>
+            <a:cxnLst>
+              <a:cxn ang="0">
+                <a:pos x="connsiteX0" y="connsiteY0"/>
+              </a:cxn>
+              <a:cxn ang="0">
+                <a:pos x="connsiteX1" y="connsiteY1"/>
+              </a:cxn>
+              <a:cxn ang="0">
+                <a:pos x="connsiteX2" y="connsiteY2"/>
+              </a:cxn>
+              <a:cxn ang="0">
+                <a:pos x="connsiteX3" y="connsiteY3"/>
+              </a:cxn>
+              <a:cxn ang="0">
+                <a:pos x="connsiteX4" y="connsiteY4"/>
+              </a:cxn>
+              <a:cxn ang="0">
+                <a:pos x="connsiteX5" y="connsiteY5"/>
+              </a:cxn>
+              <a:cxn ang="0">
+                <a:pos x="connsiteX6" y="connsiteY6"/>
+              </a:cxn>
+              <a:cxn ang="0">
+                <a:pos x="connsiteX7" y="connsiteY7"/>
+              </a:cxn>
+              <a:cxn ang="0">
+                <a:pos x="connsiteX8" y="connsiteY8"/>
+              </a:cxn>
+              <a:cxn ang="0">
+                <a:pos x="connsiteX9" y="connsiteY9"/>
+              </a:cxn>
+              <a:cxn ang="0">
+                <a:pos x="connsiteX10" y="connsiteY10"/>
+              </a:cxn>
+              <a:cxn ang="0">
+                <a:pos x="connsiteX11" y="connsiteY11"/>
+              </a:cxn>
+              <a:cxn ang="0">
+                <a:pos x="connsiteX12" y="connsiteY12"/>
+              </a:cxn>
+              <a:cxn ang="0">
+                <a:pos x="connsiteX13" y="connsiteY13"/>
+              </a:cxn>
+              <a:cxn ang="0">
+                <a:pos x="connsiteX14" y="connsiteY14"/>
+              </a:cxn>
+              <a:cxn ang="0">
+                <a:pos x="connsiteX15" y="connsiteY15"/>
+              </a:cxn>
+              <a:cxn ang="0">
+                <a:pos x="connsiteX16" y="connsiteY16"/>
+              </a:cxn>
+              <a:cxn ang="0">
+                <a:pos x="connsiteX17" y="connsiteY17"/>
+              </a:cxn>
+              <a:cxn ang="0">
+                <a:pos x="connsiteX18" y="connsiteY18"/>
+              </a:cxn>
+              <a:cxn ang="0">
+                <a:pos x="connsiteX19" y="connsiteY19"/>
+              </a:cxn>
+              <a:cxn ang="0">
+                <a:pos x="connsiteX20" y="connsiteY20"/>
+              </a:cxn>
+              <a:cxn ang="0">
+                <a:pos x="connsiteX21" y="connsiteY21"/>
+              </a:cxn>
+              <a:cxn ang="0">
+                <a:pos x="connsiteX22" y="connsiteY22"/>
+              </a:cxn>
+              <a:cxn ang="0">
+                <a:pos x="connsiteX23" y="connsiteY23"/>
+              </a:cxn>
+              <a:cxn ang="0">
+                <a:pos x="connsiteX24" y="connsiteY24"/>
+              </a:cxn>
+              <a:cxn ang="0">
+                <a:pos x="connsiteX25" y="connsiteY25"/>
+              </a:cxn>
+              <a:cxn ang="0">
+                <a:pos x="connsiteX26" y="connsiteY26"/>
+              </a:cxn>
+              <a:cxn ang="0">
+                <a:pos x="connsiteX27" y="connsiteY27"/>
+              </a:cxn>
+              <a:cxn ang="0">
+                <a:pos x="connsiteX28" y="connsiteY28"/>
+              </a:cxn>
+              <a:cxn ang="0">
+                <a:pos x="connsiteX29" y="connsiteY29"/>
+              </a:cxn>
+              <a:cxn ang="0">
+                <a:pos x="connsiteX30" y="connsiteY30"/>
+              </a:cxn>
+              <a:cxn ang="0">
+                <a:pos x="connsiteX31" y="connsiteY31"/>
+              </a:cxn>
+              <a:cxn ang="0">
+                <a:pos x="connsiteX32" y="connsiteY32"/>
+              </a:cxn>
+              <a:cxn ang="0">
+                <a:pos x="connsiteX33" y="connsiteY33"/>
+              </a:cxn>
+              <a:cxn ang="0">
+                <a:pos x="connsiteX34" y="connsiteY34"/>
+              </a:cxn>
+              <a:cxn ang="0">
+                <a:pos x="connsiteX35" y="connsiteY35"/>
+              </a:cxn>
+              <a:cxn ang="0">
+                <a:pos x="connsiteX36" y="connsiteY36"/>
+              </a:cxn>
+              <a:cxn ang="0">
+                <a:pos x="connsiteX37" y="connsiteY37"/>
+              </a:cxn>
+              <a:cxn ang="0">
+                <a:pos x="connsiteX38" y="connsiteY38"/>
+              </a:cxn>
+              <a:cxn ang="0">
+                <a:pos x="connsiteX39" y="connsiteY39"/>
+              </a:cxn>
+              <a:cxn ang="0">
+                <a:pos x="connsiteX40" y="connsiteY40"/>
+              </a:cxn>
+              <a:cxn ang="0">
+                <a:pos x="connsiteX41" y="connsiteY41"/>
+              </a:cxn>
+              <a:cxn ang="0">
+                <a:pos x="connsiteX42" y="connsiteY42"/>
+              </a:cxn>
+              <a:cxn ang="0">
+                <a:pos x="connsiteX43" y="connsiteY43"/>
+              </a:cxn>
+              <a:cxn ang="0">
+                <a:pos x="connsiteX44" y="connsiteY44"/>
+              </a:cxn>
+              <a:cxn ang="0">
+                <a:pos x="connsiteX45" y="connsiteY45"/>
+              </a:cxn>
+              <a:cxn ang="0">
+                <a:pos x="connsiteX46" y="connsiteY46"/>
+              </a:cxn>
+              <a:cxn ang="0">
+                <a:pos x="connsiteX47" y="connsiteY47"/>
+              </a:cxn>
+              <a:cxn ang="0">
+                <a:pos x="connsiteX48" y="connsiteY48"/>
+              </a:cxn>
+              <a:cxn ang="0">
+                <a:pos x="connsiteX49" y="connsiteY49"/>
+              </a:cxn>
+              <a:cxn ang="0">
+                <a:pos x="connsiteX50" y="connsiteY50"/>
+              </a:cxn>
+              <a:cxn ang="0">
+                <a:pos x="connsiteX51" y="connsiteY51"/>
+              </a:cxn>
+              <a:cxn ang="0">
+                <a:pos x="connsiteX52" y="connsiteY52"/>
+              </a:cxn>
+              <a:cxn ang="0">
+                <a:pos x="connsiteX53" y="connsiteY53"/>
+              </a:cxn>
+              <a:cxn ang="0">
+                <a:pos x="connsiteX54" y="connsiteY54"/>
+              </a:cxn>
+              <a:cxn ang="0">
+                <a:pos x="connsiteX55" y="connsiteY55"/>
+              </a:cxn>
+              <a:cxn ang="0">
+                <a:pos x="connsiteX56" y="connsiteY56"/>
+              </a:cxn>
+              <a:cxn ang="0">
+                <a:pos x="connsiteX57" y="connsiteY57"/>
+              </a:cxn>
+              <a:cxn ang="0">
+                <a:pos x="connsiteX58" y="connsiteY58"/>
+              </a:cxn>
+              <a:cxn ang="0">
+                <a:pos x="connsiteX59" y="connsiteY59"/>
+              </a:cxn>
+              <a:cxn ang="0">
+                <a:pos x="connsiteX60" y="connsiteY60"/>
+              </a:cxn>
+              <a:cxn ang="0">
+                <a:pos x="connsiteX61" y="connsiteY61"/>
+              </a:cxn>
+              <a:cxn ang="0">
+                <a:pos x="connsiteX62" y="connsiteY62"/>
+              </a:cxn>
+              <a:cxn ang="0">
+                <a:pos x="connsiteX63" y="connsiteY63"/>
+              </a:cxn>
+              <a:cxn ang="0">
+                <a:pos x="connsiteX64" y="connsiteY64"/>
+              </a:cxn>
+              <a:cxn ang="0">
+                <a:pos x="connsiteX65" y="connsiteY65"/>
+              </a:cxn>
+              <a:cxn ang="0">
+                <a:pos x="connsiteX66" y="connsiteY66"/>
+              </a:cxn>
+              <a:cxn ang="0">
+                <a:pos x="connsiteX67" y="connsiteY67"/>
+              </a:cxn>
+              <a:cxn ang="0">
+                <a:pos x="connsiteX68" y="connsiteY68"/>
+              </a:cxn>
+              <a:cxn ang="0">
+                <a:pos x="connsiteX69" y="connsiteY69"/>
+              </a:cxn>
+              <a:cxn ang="0">
+                <a:pos x="connsiteX70" y="connsiteY70"/>
+              </a:cxn>
+              <a:cxn ang="0">
+                <a:pos x="connsiteX71" y="connsiteY71"/>
+              </a:cxn>
+              <a:cxn ang="0">
+                <a:pos x="connsiteX72" y="connsiteY72"/>
+              </a:cxn>
+              <a:cxn ang="0">
+                <a:pos x="connsiteX73" y="connsiteY73"/>
+              </a:cxn>
+              <a:cxn ang="0">
+                <a:pos x="connsiteX74" y="connsiteY74"/>
+              </a:cxn>
+              <a:cxn ang="0">
+                <a:pos x="connsiteX75" y="connsiteY75"/>
+              </a:cxn>
+              <a:cxn ang="0">
+                <a:pos x="connsiteX76" y="connsiteY76"/>
+              </a:cxn>
+              <a:cxn ang="0">
+                <a:pos x="connsiteX77" y="connsiteY77"/>
+              </a:cxn>
+              <a:cxn ang="0">
+                <a:pos x="connsiteX78" y="connsiteY78"/>
+              </a:cxn>
+              <a:cxn ang="0">
+                <a:pos x="connsiteX79" y="connsiteY79"/>
+              </a:cxn>
+              <a:cxn ang="0">
+                <a:pos x="connsiteX80" y="connsiteY80"/>
+              </a:cxn>
+              <a:cxn ang="0">
+                <a:pos x="connsiteX81" y="connsiteY81"/>
+              </a:cxn>
+              <a:cxn ang="0">
+                <a:pos x="connsiteX82" y="connsiteY82"/>
+              </a:cxn>
+              <a:cxn ang="0">
+                <a:pos x="connsiteX83" y="connsiteY83"/>
+              </a:cxn>
+              <a:cxn ang="0">
+                <a:pos x="connsiteX84" y="connsiteY84"/>
+              </a:cxn>
+              <a:cxn ang="0">
+                <a:pos x="connsiteX85" y="connsiteY85"/>
+              </a:cxn>
+              <a:cxn ang="0">
+                <a:pos x="connsiteX86" y="connsiteY86"/>
+              </a:cxn>
+              <a:cxn ang="0">
+                <a:pos x="connsiteX87" y="connsiteY87"/>
+              </a:cxn>
+              <a:cxn ang="0">
+                <a:pos x="connsiteX88" y="connsiteY88"/>
+              </a:cxn>
+              <a:cxn ang="0">
+                <a:pos x="connsiteX89" y="connsiteY89"/>
+              </a:cxn>
+              <a:cxn ang="0">
+                <a:pos x="connsiteX90" y="connsiteY90"/>
+              </a:cxn>
+              <a:cxn ang="0">
+                <a:pos x="connsiteX91" y="connsiteY91"/>
+              </a:cxn>
+              <a:cxn ang="0">
+                <a:pos x="connsiteX92" y="connsiteY92"/>
+              </a:cxn>
+              <a:cxn ang="0">
+                <a:pos x="connsiteX93" y="connsiteY93"/>
+              </a:cxn>
+              <a:cxn ang="0">
+                <a:pos x="connsiteX94" y="connsiteY94"/>
+              </a:cxn>
+              <a:cxn ang="0">
+                <a:pos x="connsiteX95" y="connsiteY95"/>
+              </a:cxn>
+              <a:cxn ang="0">
+                <a:pos x="connsiteX96" y="connsiteY96"/>
+              </a:cxn>
+              <a:cxn ang="0">
+                <a:pos x="connsiteX97" y="connsiteY97"/>
+              </a:cxn>
+              <a:cxn ang="0">
+                <a:pos x="connsiteX98" y="connsiteY98"/>
+              </a:cxn>
+              <a:cxn ang="0">
+                <a:pos x="connsiteX99" y="connsiteY99"/>
+              </a:cxn>
+              <a:cxn ang="0">
+                <a:pos x="connsiteX100" y="connsiteY100"/>
+              </a:cxn>
+              <a:cxn ang="0">
+                <a:pos x="connsiteX101" y="connsiteY101"/>
+              </a:cxn>
+              <a:cxn ang="0">
+                <a:pos x="connsiteX102" y="connsiteY102"/>
+              </a:cxn>
+              <a:cxn ang="0">
+                <a:pos x="connsiteX103" y="connsiteY103"/>
+              </a:cxn>
+              <a:cxn ang="0">
+                <a:pos x="connsiteX104" y="connsiteY104"/>
+              </a:cxn>
+              <a:cxn ang="0">
+                <a:pos x="connsiteX105" y="connsiteY105"/>
+              </a:cxn>
+              <a:cxn ang="0">
+                <a:pos x="connsiteX106" y="connsiteY106"/>
+              </a:cxn>
+            </a:cxnLst>
+            <a:rect l="l" t="t" r="r" b="b"/>
+            <a:pathLst>
+              <a:path w="2381036" h="2381036">
+                <a:moveTo>
+                  <a:pt x="1190518" y="0"/>
+                </a:moveTo>
+                <a:cubicBezTo>
+                  <a:pt x="532995" y="0"/>
+                  <a:pt x="0" y="532995"/>
+                  <a:pt x="0" y="1190518"/>
+                </a:cubicBezTo>
+                <a:cubicBezTo>
+                  <a:pt x="0" y="1848041"/>
+                  <a:pt x="532995" y="2381036"/>
+                  <a:pt x="1190518" y="2381036"/>
+                </a:cubicBezTo>
+                <a:cubicBezTo>
+                  <a:pt x="1848041" y="2381036"/>
+                  <a:pt x="2381036" y="1848041"/>
+                  <a:pt x="2381036" y="1190518"/>
+                </a:cubicBezTo>
+                <a:cubicBezTo>
+                  <a:pt x="2381036" y="532995"/>
+                  <a:pt x="1848041" y="0"/>
+                  <a:pt x="1190518" y="0"/>
+                </a:cubicBezTo>
+                <a:close/>
+                <a:moveTo>
+                  <a:pt x="2143804" y="573647"/>
+                </a:moveTo>
+                <a:cubicBezTo>
+                  <a:pt x="2152764" y="590613"/>
+                  <a:pt x="2161143" y="607247"/>
+                  <a:pt x="2168693" y="623176"/>
+                </a:cubicBezTo>
+                <a:cubicBezTo>
+                  <a:pt x="2176408" y="639644"/>
+                  <a:pt x="2183958" y="656693"/>
+                  <a:pt x="2191051" y="673783"/>
+                </a:cubicBezTo>
+                <a:cubicBezTo>
+                  <a:pt x="2218387" y="739324"/>
+                  <a:pt x="2240953" y="810340"/>
+                  <a:pt x="2258085" y="884883"/>
+                </a:cubicBezTo>
+                <a:cubicBezTo>
+                  <a:pt x="2273724" y="953078"/>
+                  <a:pt x="2284924" y="1026791"/>
+                  <a:pt x="2291436" y="1104029"/>
+                </a:cubicBezTo>
+                <a:cubicBezTo>
+                  <a:pt x="2294340" y="1139620"/>
+                  <a:pt x="2296206" y="1176871"/>
+                  <a:pt x="2296912" y="1214702"/>
+                </a:cubicBezTo>
+                <a:cubicBezTo>
+                  <a:pt x="2297119" y="1221380"/>
+                  <a:pt x="2297161" y="1228059"/>
+                  <a:pt x="2297161" y="1234571"/>
+                </a:cubicBezTo>
+                <a:cubicBezTo>
+                  <a:pt x="2297161" y="1237226"/>
+                  <a:pt x="2297202" y="1239840"/>
+                  <a:pt x="2297202" y="1242494"/>
+                </a:cubicBezTo>
+                <a:cubicBezTo>
+                  <a:pt x="2297327" y="1251081"/>
+                  <a:pt x="2297202" y="1259419"/>
+                  <a:pt x="2297078" y="1267549"/>
+                </a:cubicBezTo>
+                <a:lnTo>
+                  <a:pt x="2297036" y="1269582"/>
+                </a:lnTo>
+                <a:cubicBezTo>
+                  <a:pt x="2296580" y="1287668"/>
+                  <a:pt x="2295543" y="1305380"/>
+                  <a:pt x="2293925" y="1322056"/>
+                </a:cubicBezTo>
+                <a:cubicBezTo>
+                  <a:pt x="2287039" y="1392325"/>
+                  <a:pt x="2268538" y="1458571"/>
+                  <a:pt x="2238962" y="1518885"/>
+                </a:cubicBezTo>
+                <a:cubicBezTo>
+                  <a:pt x="2224817" y="1548088"/>
+                  <a:pt x="2207644" y="1576793"/>
+                  <a:pt x="2186364" y="1606785"/>
+                </a:cubicBezTo>
+                <a:cubicBezTo>
+                  <a:pt x="2167490" y="1633167"/>
+                  <a:pt x="2145712" y="1659590"/>
+                  <a:pt x="2119869" y="1687507"/>
+                </a:cubicBezTo>
+                <a:cubicBezTo>
+                  <a:pt x="2077433" y="1733054"/>
+                  <a:pt x="2027821" y="1778227"/>
+                  <a:pt x="1959087" y="1833854"/>
+                </a:cubicBezTo>
+                <a:cubicBezTo>
+                  <a:pt x="1925279" y="1861232"/>
+                  <a:pt x="1889813" y="1888817"/>
+                  <a:pt x="1855549" y="1915490"/>
+                </a:cubicBezTo>
+                <a:cubicBezTo>
+                  <a:pt x="1830950" y="1934654"/>
+                  <a:pt x="1805481" y="1954441"/>
+                  <a:pt x="1780385" y="1974352"/>
+                </a:cubicBezTo>
+                <a:lnTo>
+                  <a:pt x="1735792" y="2010026"/>
+                </a:lnTo>
+                <a:cubicBezTo>
+                  <a:pt x="1721896" y="2021018"/>
+                  <a:pt x="1706921" y="2032841"/>
+                  <a:pt x="1692070" y="2044124"/>
+                </a:cubicBezTo>
+                <a:cubicBezTo>
+                  <a:pt x="1658222" y="2069925"/>
+                  <a:pt x="1630056" y="2090375"/>
+                  <a:pt x="1603508" y="2108461"/>
+                </a:cubicBezTo>
+                <a:cubicBezTo>
+                  <a:pt x="1571235" y="2130447"/>
+                  <a:pt x="1541617" y="2148947"/>
+                  <a:pt x="1512912" y="2165042"/>
+                </a:cubicBezTo>
+                <a:cubicBezTo>
+                  <a:pt x="1479561" y="2183875"/>
+                  <a:pt x="1449031" y="2199015"/>
+                  <a:pt x="1419537" y="2211336"/>
+                </a:cubicBezTo>
+                <a:cubicBezTo>
+                  <a:pt x="1355241" y="2238506"/>
+                  <a:pt x="1289078" y="2256384"/>
+                  <a:pt x="1222915" y="2264473"/>
+                </a:cubicBezTo>
+                <a:cubicBezTo>
+                  <a:pt x="1202548" y="2266879"/>
+                  <a:pt x="1186826" y="2268248"/>
+                  <a:pt x="1172059" y="2268912"/>
+                </a:cubicBezTo>
+                <a:lnTo>
+                  <a:pt x="1159075" y="2269575"/>
+                </a:lnTo>
+                <a:lnTo>
+                  <a:pt x="1146174" y="2269907"/>
+                </a:lnTo>
+                <a:lnTo>
+                  <a:pt x="1146050" y="2269907"/>
+                </a:lnTo>
+                <a:lnTo>
+                  <a:pt x="1145925" y="2269907"/>
+                </a:lnTo>
+                <a:cubicBezTo>
+                  <a:pt x="1142109" y="2270073"/>
+                  <a:pt x="1137878" y="2270115"/>
+                  <a:pt x="1132195" y="2270115"/>
+                </a:cubicBezTo>
+                <a:cubicBezTo>
+                  <a:pt x="1129831" y="2270115"/>
+                  <a:pt x="1127508" y="2270115"/>
+                  <a:pt x="1125143" y="2270073"/>
+                </a:cubicBezTo>
+                <a:lnTo>
+                  <a:pt x="1119792" y="2270073"/>
+                </a:lnTo>
+                <a:cubicBezTo>
+                  <a:pt x="1081629" y="2269990"/>
+                  <a:pt x="1046785" y="2268497"/>
+                  <a:pt x="1013226" y="2265427"/>
+                </a:cubicBezTo>
+                <a:cubicBezTo>
+                  <a:pt x="995680" y="2263851"/>
+                  <a:pt x="978340" y="2261901"/>
+                  <a:pt x="961748" y="2259578"/>
+                </a:cubicBezTo>
+                <a:cubicBezTo>
+                  <a:pt x="944077" y="2257089"/>
+                  <a:pt x="926779" y="2254186"/>
+                  <a:pt x="910477" y="2250950"/>
+                </a:cubicBezTo>
+                <a:cubicBezTo>
+                  <a:pt x="875051" y="2243774"/>
+                  <a:pt x="841037" y="2234939"/>
+                  <a:pt x="809428" y="2224776"/>
+                </a:cubicBezTo>
+                <a:cubicBezTo>
+                  <a:pt x="775081" y="2213741"/>
+                  <a:pt x="742518" y="2201006"/>
+                  <a:pt x="712652" y="2186944"/>
+                </a:cubicBezTo>
+                <a:lnTo>
+                  <a:pt x="712569" y="2186903"/>
+                </a:lnTo>
+                <a:lnTo>
+                  <a:pt x="712486" y="2186861"/>
+                </a:lnTo>
+                <a:cubicBezTo>
+                  <a:pt x="683117" y="2173463"/>
+                  <a:pt x="653167" y="2157078"/>
+                  <a:pt x="620812" y="2136793"/>
+                </a:cubicBezTo>
+                <a:cubicBezTo>
+                  <a:pt x="563650" y="2100663"/>
+                  <a:pt x="507609" y="2055655"/>
+                  <a:pt x="454346" y="2003099"/>
+                </a:cubicBezTo>
+                <a:cubicBezTo>
+                  <a:pt x="429333" y="1978293"/>
+                  <a:pt x="404278" y="1951247"/>
+                  <a:pt x="379929" y="1922707"/>
+                </a:cubicBezTo>
+                <a:cubicBezTo>
+                  <a:pt x="368853" y="1909890"/>
+                  <a:pt x="358027" y="1896408"/>
+                  <a:pt x="347490" y="1883383"/>
+                </a:cubicBezTo>
+                <a:lnTo>
+                  <a:pt x="344752" y="1879981"/>
+                </a:lnTo>
+                <a:lnTo>
+                  <a:pt x="339318" y="1872971"/>
+                </a:lnTo>
+                <a:cubicBezTo>
+                  <a:pt x="329944" y="1860859"/>
+                  <a:pt x="320237" y="1848331"/>
+                  <a:pt x="311152" y="1835845"/>
+                </a:cubicBezTo>
+                <a:lnTo>
+                  <a:pt x="311070" y="1835762"/>
+                </a:lnTo>
+                <a:lnTo>
+                  <a:pt x="310987" y="1835679"/>
+                </a:lnTo>
+                <a:cubicBezTo>
+                  <a:pt x="305718" y="1828669"/>
+                  <a:pt x="300450" y="1821410"/>
+                  <a:pt x="294892" y="1813777"/>
+                </a:cubicBezTo>
+                <a:cubicBezTo>
+                  <a:pt x="289043" y="1805730"/>
+                  <a:pt x="282987" y="1797392"/>
+                  <a:pt x="276930" y="1789386"/>
+                </a:cubicBezTo>
+                <a:cubicBezTo>
+                  <a:pt x="264195" y="1772420"/>
+                  <a:pt x="251461" y="1755952"/>
+                  <a:pt x="241795" y="1743466"/>
+                </a:cubicBezTo>
+                <a:cubicBezTo>
+                  <a:pt x="232587" y="1731519"/>
+                  <a:pt x="223129" y="1719490"/>
+                  <a:pt x="214003" y="1707833"/>
+                </a:cubicBezTo>
+                <a:cubicBezTo>
+                  <a:pt x="200107" y="1690079"/>
+                  <a:pt x="185713" y="1671703"/>
+                  <a:pt x="171982" y="1653493"/>
+                </a:cubicBezTo>
+                <a:cubicBezTo>
+                  <a:pt x="161197" y="1639140"/>
+                  <a:pt x="149748" y="1623875"/>
+                  <a:pt x="138673" y="1608278"/>
+                </a:cubicBezTo>
+                <a:cubicBezTo>
+                  <a:pt x="126892" y="1591312"/>
+                  <a:pt x="117061" y="1576918"/>
+                  <a:pt x="107852" y="1562192"/>
+                </a:cubicBezTo>
+                <a:cubicBezTo>
+                  <a:pt x="96030" y="1543484"/>
+                  <a:pt x="87484" y="1528841"/>
+                  <a:pt x="80059" y="1514696"/>
+                </a:cubicBezTo>
+                <a:lnTo>
+                  <a:pt x="79976" y="1514530"/>
+                </a:lnTo>
+                <a:lnTo>
+                  <a:pt x="79893" y="1514364"/>
+                </a:lnTo>
+                <a:cubicBezTo>
+                  <a:pt x="76658" y="1508473"/>
+                  <a:pt x="73671" y="1502500"/>
+                  <a:pt x="70518" y="1496195"/>
+                </a:cubicBezTo>
+                <a:cubicBezTo>
+                  <a:pt x="69523" y="1494204"/>
+                  <a:pt x="68527" y="1492213"/>
+                  <a:pt x="67532" y="1490180"/>
+                </a:cubicBezTo>
+                <a:cubicBezTo>
+                  <a:pt x="66453" y="1487774"/>
+                  <a:pt x="65333" y="1485410"/>
+                  <a:pt x="64255" y="1483045"/>
+                </a:cubicBezTo>
+                <a:cubicBezTo>
+                  <a:pt x="61434" y="1476989"/>
+                  <a:pt x="58779" y="1471265"/>
+                  <a:pt x="56415" y="1465457"/>
+                </a:cubicBezTo>
+                <a:lnTo>
+                  <a:pt x="56332" y="1465291"/>
+                </a:lnTo>
+                <a:lnTo>
+                  <a:pt x="56249" y="1465125"/>
+                </a:lnTo>
+                <a:cubicBezTo>
+                  <a:pt x="42311" y="1432853"/>
+                  <a:pt x="31443" y="1397842"/>
+                  <a:pt x="23852" y="1361090"/>
+                </a:cubicBezTo>
+                <a:cubicBezTo>
+                  <a:pt x="17049" y="1326370"/>
+                  <a:pt x="13481" y="1289659"/>
+                  <a:pt x="13233" y="1252243"/>
+                </a:cubicBezTo>
+                <a:cubicBezTo>
+                  <a:pt x="13191" y="1178281"/>
+                  <a:pt x="21819" y="1103988"/>
+                  <a:pt x="38785" y="1031478"/>
+                </a:cubicBezTo>
+                <a:cubicBezTo>
+                  <a:pt x="46916" y="996260"/>
+                  <a:pt x="57535" y="960420"/>
+                  <a:pt x="70353" y="924954"/>
+                </a:cubicBezTo>
+                <a:lnTo>
+                  <a:pt x="70436" y="924788"/>
+                </a:lnTo>
+                <a:lnTo>
+                  <a:pt x="70477" y="924622"/>
+                </a:lnTo>
+                <a:cubicBezTo>
+                  <a:pt x="72302" y="919229"/>
+                  <a:pt x="74335" y="913878"/>
+                  <a:pt x="76533" y="908237"/>
+                </a:cubicBezTo>
+                <a:cubicBezTo>
+                  <a:pt x="77778" y="905043"/>
+                  <a:pt x="78981" y="901849"/>
+                  <a:pt x="80184" y="898654"/>
+                </a:cubicBezTo>
+                <a:cubicBezTo>
+                  <a:pt x="83087" y="890814"/>
+                  <a:pt x="86281" y="883140"/>
+                  <a:pt x="89641" y="875051"/>
+                </a:cubicBezTo>
+                <a:lnTo>
+                  <a:pt x="90471" y="873060"/>
+                </a:lnTo>
+                <a:lnTo>
+                  <a:pt x="95864" y="860367"/>
+                </a:lnTo>
+                <a:lnTo>
+                  <a:pt x="101588" y="847715"/>
+                </a:lnTo>
+                <a:cubicBezTo>
+                  <a:pt x="104948" y="840207"/>
+                  <a:pt x="108930" y="831413"/>
+                  <a:pt x="113244" y="822743"/>
+                </a:cubicBezTo>
+                <a:lnTo>
+                  <a:pt x="113286" y="822619"/>
+                </a:lnTo>
+                <a:lnTo>
+                  <a:pt x="113327" y="822494"/>
+                </a:lnTo>
+                <a:cubicBezTo>
+                  <a:pt x="127929" y="791964"/>
+                  <a:pt x="145310" y="760189"/>
+                  <a:pt x="166465" y="725303"/>
+                </a:cubicBezTo>
+                <a:cubicBezTo>
+                  <a:pt x="185339" y="694856"/>
+                  <a:pt x="206370" y="664201"/>
+                  <a:pt x="228895" y="634252"/>
+                </a:cubicBezTo>
+                <a:cubicBezTo>
+                  <a:pt x="272409" y="576426"/>
+                  <a:pt x="321730" y="521381"/>
+                  <a:pt x="375573" y="470607"/>
+                </a:cubicBezTo>
+                <a:cubicBezTo>
+                  <a:pt x="400296" y="447129"/>
+                  <a:pt x="427218" y="423484"/>
+                  <a:pt x="457914" y="398347"/>
+                </a:cubicBezTo>
+                <a:cubicBezTo>
+                  <a:pt x="464095" y="393286"/>
+                  <a:pt x="471395" y="387312"/>
+                  <a:pt x="479069" y="381464"/>
+                </a:cubicBezTo>
+                <a:lnTo>
+                  <a:pt x="482720" y="378601"/>
+                </a:lnTo>
+                <a:cubicBezTo>
+                  <a:pt x="488610" y="373997"/>
+                  <a:pt x="494708" y="369268"/>
+                  <a:pt x="500764" y="364788"/>
+                </a:cubicBezTo>
+                <a:lnTo>
+                  <a:pt x="500847" y="364705"/>
+                </a:lnTo>
+                <a:lnTo>
+                  <a:pt x="500930" y="364622"/>
+                </a:lnTo>
+                <a:cubicBezTo>
+                  <a:pt x="516776" y="352468"/>
+                  <a:pt x="532746" y="341061"/>
+                  <a:pt x="544901" y="332474"/>
+                </a:cubicBezTo>
+                <a:cubicBezTo>
+                  <a:pt x="603846" y="291158"/>
+                  <a:pt x="666441" y="253618"/>
+                  <a:pt x="730903" y="220806"/>
+                </a:cubicBezTo>
+                <a:cubicBezTo>
+                  <a:pt x="762969" y="204504"/>
+                  <a:pt x="795946" y="189197"/>
+                  <a:pt x="828966" y="175342"/>
+                </a:cubicBezTo>
+                <a:cubicBezTo>
+                  <a:pt x="861860" y="161612"/>
+                  <a:pt x="895834" y="148960"/>
+                  <a:pt x="929973" y="137760"/>
+                </a:cubicBezTo>
+                <a:cubicBezTo>
+                  <a:pt x="962619" y="127016"/>
+                  <a:pt x="997463" y="117102"/>
+                  <a:pt x="1033469" y="108308"/>
+                </a:cubicBezTo>
+                <a:cubicBezTo>
+                  <a:pt x="1066945" y="100261"/>
+                  <a:pt x="1102411" y="93333"/>
+                  <a:pt x="1138874" y="87733"/>
+                </a:cubicBezTo>
+                <a:cubicBezTo>
+                  <a:pt x="1194915" y="79437"/>
+                  <a:pt x="1251454" y="75247"/>
+                  <a:pt x="1306749" y="75247"/>
+                </a:cubicBezTo>
+                <a:cubicBezTo>
+                  <a:pt x="1322222" y="75247"/>
+                  <a:pt x="1337860" y="75579"/>
+                  <a:pt x="1353291" y="76243"/>
+                </a:cubicBezTo>
+                <a:cubicBezTo>
+                  <a:pt x="1389173" y="77570"/>
+                  <a:pt x="1425013" y="80681"/>
+                  <a:pt x="1459899" y="85535"/>
+                </a:cubicBezTo>
+                <a:cubicBezTo>
+                  <a:pt x="1495780" y="90554"/>
+                  <a:pt x="1531330" y="97523"/>
+                  <a:pt x="1565594" y="106234"/>
+                </a:cubicBezTo>
+                <a:cubicBezTo>
+                  <a:pt x="1637315" y="124444"/>
+                  <a:pt x="1705220" y="150744"/>
+                  <a:pt x="1767442" y="184427"/>
+                </a:cubicBezTo>
+                <a:cubicBezTo>
+                  <a:pt x="1797848" y="200687"/>
+                  <a:pt x="1828959" y="220101"/>
+                  <a:pt x="1859987" y="242210"/>
+                </a:cubicBezTo>
+                <a:cubicBezTo>
+                  <a:pt x="1889190" y="263283"/>
+                  <a:pt x="1917688" y="286637"/>
+                  <a:pt x="1944610" y="311526"/>
+                </a:cubicBezTo>
+                <a:cubicBezTo>
+                  <a:pt x="1997913" y="361179"/>
+                  <a:pt x="2045783" y="417511"/>
+                  <a:pt x="2086808" y="478862"/>
+                </a:cubicBezTo>
+                <a:cubicBezTo>
+                  <a:pt x="2107881" y="509973"/>
+                  <a:pt x="2126962" y="541831"/>
+                  <a:pt x="2143804" y="573647"/>
+                </a:cubicBezTo>
+                <a:close/>
+              </a:path>
+            </a:pathLst>
+          </a:custGeom>
+          <a:ln w="4132" cap="flat">
+            <a:noFill/>
+            <a:prstDash val="solid"/>
+            <a:miter/>
+          </a:ln>
+        </p:spPr>
+        <p:txBody>
+          <a:bodyPr rtlCol="0" anchor="ctr"/>
+          <a:lstStyle/>
+          <a:p>
+            <a:endParaRPr lang="en-US" dirty="0"/>
           </a:p>
         </p:txBody>
       </p:sp>
@@ -15414,6 +18536,145 @@
   <p:clrMapOvr>
     <a:masterClrMapping/>
   </p:clrMapOvr>
+  <p:timing>
+    <p:tnLst>
+      <p:par>
+        <p:cTn id="1" dur="indefinite" restart="never" nodeType="tmRoot">
+          <p:childTnLst>
+            <p:seq concurrent="1" nextAc="seek">
+              <p:cTn id="2" dur="indefinite" nodeType="mainSeq">
+                <p:childTnLst>
+                  <p:par>
+                    <p:cTn id="3" fill="hold">
+                      <p:stCondLst>
+                        <p:cond delay="indefinite"/>
+                        <p:cond evt="onBegin" delay="0">
+                          <p:tn val="2"/>
+                        </p:cond>
+                      </p:stCondLst>
+                      <p:childTnLst>
+                        <p:par>
+                          <p:cTn id="4" fill="hold">
+                            <p:stCondLst>
+                              <p:cond delay="0"/>
+                            </p:stCondLst>
+                            <p:childTnLst>
+                              <p:par>
+                                <p:cTn id="5" presetID="10" presetClass="entr" presetSubtype="0" fill="hold" grpId="0" nodeType="withEffect">
+                                  <p:stCondLst>
+                                    <p:cond delay="2000"/>
+                                  </p:stCondLst>
+                                  <p:iterate type="lt">
+                                    <p:tmPct val="10000"/>
+                                  </p:iterate>
+                                  <p:childTnLst>
+                                    <p:set>
+                                      <p:cBhvr>
+                                        <p:cTn id="6" dur="1" fill="hold">
+                                          <p:stCondLst>
+                                            <p:cond delay="0"/>
+                                          </p:stCondLst>
+                                        </p:cTn>
+                                        <p:tgtEl>
+                                          <p:spTgt spid="3">
+                                            <p:txEl>
+                                              <p:pRg st="0" end="0"/>
+                                            </p:txEl>
+                                          </p:spTgt>
+                                        </p:tgtEl>
+                                        <p:attrNameLst>
+                                          <p:attrName>style.visibility</p:attrName>
+                                        </p:attrNameLst>
+                                      </p:cBhvr>
+                                      <p:to>
+                                        <p:strVal val="visible"/>
+                                      </p:to>
+                                    </p:set>
+                                    <p:animEffect transition="in" filter="fade">
+                                      <p:cBhvr>
+                                        <p:cTn id="7" dur="400"/>
+                                        <p:tgtEl>
+                                          <p:spTgt spid="3">
+                                            <p:txEl>
+                                              <p:pRg st="0" end="0"/>
+                                            </p:txEl>
+                                          </p:spTgt>
+                                        </p:tgtEl>
+                                      </p:cBhvr>
+                                    </p:animEffect>
+                                  </p:childTnLst>
+                                </p:cTn>
+                              </p:par>
+                              <p:par>
+                                <p:cTn id="8" presetID="10" presetClass="entr" presetSubtype="0" fill="hold" grpId="0" nodeType="withEffect">
+                                  <p:stCondLst>
+                                    <p:cond delay="500"/>
+                                  </p:stCondLst>
+                                  <p:iterate type="lt">
+                                    <p:tmPct val="10000"/>
+                                  </p:iterate>
+                                  <p:childTnLst>
+                                    <p:set>
+                                      <p:cBhvr>
+                                        <p:cTn id="9" dur="1" fill="hold">
+                                          <p:stCondLst>
+                                            <p:cond delay="0"/>
+                                          </p:stCondLst>
+                                        </p:cTn>
+                                        <p:tgtEl>
+                                          <p:spTgt spid="2"/>
+                                        </p:tgtEl>
+                                        <p:attrNameLst>
+                                          <p:attrName>style.visibility</p:attrName>
+                                        </p:attrNameLst>
+                                      </p:cBhvr>
+                                      <p:to>
+                                        <p:strVal val="visible"/>
+                                      </p:to>
+                                    </p:set>
+                                    <p:animEffect transition="in" filter="fade">
+                                      <p:cBhvr>
+                                        <p:cTn id="10" dur="400"/>
+                                        <p:tgtEl>
+                                          <p:spTgt spid="2"/>
+                                        </p:tgtEl>
+                                      </p:cBhvr>
+                                    </p:animEffect>
+                                  </p:childTnLst>
+                                </p:cTn>
+                              </p:par>
+                            </p:childTnLst>
+                          </p:cTn>
+                        </p:par>
+                      </p:childTnLst>
+                    </p:cTn>
+                  </p:par>
+                </p:childTnLst>
+              </p:cTn>
+              <p:prevCondLst>
+                <p:cond evt="onPrev" delay="0">
+                  <p:tgtEl>
+                    <p:sldTgt/>
+                  </p:tgtEl>
+                </p:cond>
+              </p:prevCondLst>
+              <p:nextCondLst>
+                <p:cond evt="onNext" delay="0">
+                  <p:tgtEl>
+                    <p:sldTgt/>
+                  </p:tgtEl>
+                </p:cond>
+              </p:nextCondLst>
+            </p:seq>
+          </p:childTnLst>
+        </p:cTn>
+      </p:par>
+    </p:tnLst>
+    <p:bldLst>
+      <p:bldP spid="2" grpId="0"/>
+      <p:bldP spid="3" grpId="0" build="p"/>
+    </p:bldLst>
+  </p:timing>
 </p:sld>
 </file>
 
@@ -17288,62 +20549,6 @@
           <a:xfrm>
             <a:off x="3820033" y="2183800"/>
             <a:ext cx="3590732" cy="4558632"/>
-          </a:xfrm>
-          <a:prstGeom prst="rect">
-            <a:avLst/>
-          </a:prstGeom>
-          <a:noFill/>
-          <a:ln>
-            <a:noFill/>
-          </a:ln>
-        </p:spPr>
-      </p:pic>
-      <p:pic>
-        <p:nvPicPr>
-          <p:cNvPr id="102" name="Google Shape;102;p19"/>
-          <p:cNvPicPr preferRelativeResize="0"/>
-          <p:nvPr/>
-        </p:nvPicPr>
-        <p:blipFill>
-          <a:blip r:embed="rId4">
-            <a:alphaModFix/>
-          </a:blip>
-          <a:stretch>
-            <a:fillRect/>
-          </a:stretch>
-        </p:blipFill>
-        <p:spPr>
-          <a:xfrm>
-            <a:off x="9199734" y="5525801"/>
-            <a:ext cx="1048433" cy="1048433"/>
-          </a:xfrm>
-          <a:prstGeom prst="rect">
-            <a:avLst/>
-          </a:prstGeom>
-          <a:noFill/>
-          <a:ln>
-            <a:noFill/>
-          </a:ln>
-        </p:spPr>
-      </p:pic>
-      <p:pic>
-        <p:nvPicPr>
-          <p:cNvPr id="103" name="Google Shape;103;p19"/>
-          <p:cNvPicPr preferRelativeResize="0"/>
-          <p:nvPr/>
-        </p:nvPicPr>
-        <p:blipFill>
-          <a:blip r:embed="rId5">
-            <a:alphaModFix/>
-          </a:blip>
-          <a:stretch>
-            <a:fillRect/>
-          </a:stretch>
-        </p:blipFill>
-        <p:spPr>
-          <a:xfrm>
-            <a:off x="10248168" y="5525801"/>
-            <a:ext cx="1048433" cy="1048433"/>
           </a:xfrm>
           <a:prstGeom prst="rect">
             <a:avLst/>
@@ -21507,13 +24712,13 @@
           <p:nvPr>
             <p:extLst>
               <p:ext uri="{D42A27DB-BD31-4B8C-83A1-F6EECF244321}">
-                <p14:modId xmlns:p14="http://schemas.microsoft.com/office/powerpoint/2010/main" val="1284926114"/>
+                <p14:modId xmlns:p14="http://schemas.microsoft.com/office/powerpoint/2010/main" val="1897967962"/>
               </p:ext>
             </p:extLst>
           </p:nvPr>
         </p:nvGraphicFramePr>
         <p:xfrm>
-          <a:off x="268514" y="1322957"/>
+          <a:off x="268514" y="1276575"/>
           <a:ext cx="6417294" cy="4826110"/>
         </p:xfrm>
         <a:graphic>
@@ -21550,6 +24755,57 @@
           </a:graphicData>
         </a:graphic>
       </p:graphicFrame>
+      <p:sp>
+        <p:nvSpPr>
+          <p:cNvPr id="9" name="CuadroTexto 8">
+            <a:extLst>
+              <a:ext uri="{FF2B5EF4-FFF2-40B4-BE49-F238E27FC236}">
+                <a16:creationId xmlns:a16="http://schemas.microsoft.com/office/drawing/2014/main" id="{A2CCF946-717E-44BE-768F-6303335AEAEF}"/>
+              </a:ext>
+            </a:extLst>
+          </p:cNvPr>
+          <p:cNvSpPr txBox="1"/>
+          <p:nvPr/>
+        </p:nvSpPr>
+        <p:spPr>
+          <a:xfrm>
+            <a:off x="4000496" y="1219667"/>
+            <a:ext cx="5272088" cy="646331"/>
+          </a:xfrm>
+          <a:prstGeom prst="rect">
+            <a:avLst/>
+          </a:prstGeom>
+          <a:noFill/>
+        </p:spPr>
+        <p:txBody>
+          <a:bodyPr wrap="square" rtlCol="0">
+            <a:spAutoFit/>
+          </a:bodyPr>
+          <a:lstStyle/>
+          <a:p>
+            <a:r>
+              <a:rPr lang="en-US" sz="1800" b="1" i="0" u="none" strike="noStrike" kern="1200" spc="0" baseline="0" dirty="0"/>
+              <a:t>Comparison of Cosine Similarity: </a:t>
+            </a:r>
+            <a:r>
+              <a:rPr lang="en-US" sz="1800" b="1" i="0" u="none" strike="noStrike" kern="1200" spc="0" baseline="0" dirty="0" err="1"/>
+              <a:t>V_rw</a:t>
+            </a:r>
+            <a:r>
+              <a:rPr lang="en-US" sz="1800" b="1" i="0" u="none" strike="noStrike" kern="1200" spc="0" baseline="0" dirty="0"/>
+              <a:t> and </a:t>
+            </a:r>
+            <a:r>
+              <a:rPr lang="en-US" sz="1800" b="1" i="0" u="none" strike="noStrike" kern="1200" spc="0" baseline="0" dirty="0" err="1"/>
+              <a:t>V_all</a:t>
+            </a:r>
+            <a:endParaRPr lang="en-US" sz="1800" b="1" i="0" u="none" strike="noStrike" kern="1200" spc="0" baseline="0" dirty="0"/>
+          </a:p>
+          <a:p>
+            <a:endParaRPr lang="es-ES" b="1" dirty="0"/>
+          </a:p>
+        </p:txBody>
+      </p:sp>
     </p:spTree>
   </p:cSld>
   <p:clrMapOvr>
@@ -21621,7 +24877,7 @@
           <p:nvPr>
             <p:extLst>
               <p:ext uri="{D42A27DB-BD31-4B8C-83A1-F6EECF244321}">
-                <p14:modId xmlns:p14="http://schemas.microsoft.com/office/powerpoint/2010/main" val="3198784654"/>
+                <p14:modId xmlns:p14="http://schemas.microsoft.com/office/powerpoint/2010/main" val="299277288"/>
               </p:ext>
             </p:extLst>
           </p:nvPr>
